--- a/wiki/HandiFox.pptx
+++ b/wiki/HandiFox.pptx
@@ -5,31 +5,52 @@
     <p:sldMasterId id="2147483792" r:id="rId1"/>
   </p:sldMasterIdLst>
   <p:notesMasterIdLst>
-    <p:notesMasterId r:id="rId24"/>
+    <p:notesMasterId r:id="rId45"/>
   </p:notesMasterIdLst>
   <p:sldIdLst>
     <p:sldId id="256" r:id="rId2"/>
-    <p:sldId id="257" r:id="rId3"/>
-    <p:sldId id="258" r:id="rId4"/>
-    <p:sldId id="259" r:id="rId5"/>
-    <p:sldId id="260" r:id="rId6"/>
-    <p:sldId id="261" r:id="rId7"/>
-    <p:sldId id="262" r:id="rId8"/>
-    <p:sldId id="263" r:id="rId9"/>
-    <p:sldId id="264" r:id="rId10"/>
-    <p:sldId id="265" r:id="rId11"/>
-    <p:sldId id="266" r:id="rId12"/>
-    <p:sldId id="267" r:id="rId13"/>
-    <p:sldId id="268" r:id="rId14"/>
-    <p:sldId id="269" r:id="rId15"/>
-    <p:sldId id="271" r:id="rId16"/>
-    <p:sldId id="270" r:id="rId17"/>
-    <p:sldId id="272" r:id="rId18"/>
-    <p:sldId id="273" r:id="rId19"/>
-    <p:sldId id="274" r:id="rId20"/>
-    <p:sldId id="275" r:id="rId21"/>
-    <p:sldId id="276" r:id="rId22"/>
-    <p:sldId id="277" r:id="rId23"/>
+    <p:sldId id="298" r:id="rId3"/>
+    <p:sldId id="257" r:id="rId4"/>
+    <p:sldId id="258" r:id="rId5"/>
+    <p:sldId id="259" r:id="rId6"/>
+    <p:sldId id="260" r:id="rId7"/>
+    <p:sldId id="261" r:id="rId8"/>
+    <p:sldId id="262" r:id="rId9"/>
+    <p:sldId id="263" r:id="rId10"/>
+    <p:sldId id="264" r:id="rId11"/>
+    <p:sldId id="265" r:id="rId12"/>
+    <p:sldId id="266" r:id="rId13"/>
+    <p:sldId id="267" r:id="rId14"/>
+    <p:sldId id="268" r:id="rId15"/>
+    <p:sldId id="269" r:id="rId16"/>
+    <p:sldId id="271" r:id="rId17"/>
+    <p:sldId id="270" r:id="rId18"/>
+    <p:sldId id="272" r:id="rId19"/>
+    <p:sldId id="273" r:id="rId20"/>
+    <p:sldId id="274" r:id="rId21"/>
+    <p:sldId id="275" r:id="rId22"/>
+    <p:sldId id="276" r:id="rId23"/>
+    <p:sldId id="277" r:id="rId24"/>
+    <p:sldId id="278" r:id="rId25"/>
+    <p:sldId id="288" r:id="rId26"/>
+    <p:sldId id="279" r:id="rId27"/>
+    <p:sldId id="281" r:id="rId28"/>
+    <p:sldId id="282" r:id="rId29"/>
+    <p:sldId id="283" r:id="rId30"/>
+    <p:sldId id="284" r:id="rId31"/>
+    <p:sldId id="285" r:id="rId32"/>
+    <p:sldId id="286" r:id="rId33"/>
+    <p:sldId id="287" r:id="rId34"/>
+    <p:sldId id="280" r:id="rId35"/>
+    <p:sldId id="289" r:id="rId36"/>
+    <p:sldId id="290" r:id="rId37"/>
+    <p:sldId id="291" r:id="rId38"/>
+    <p:sldId id="292" r:id="rId39"/>
+    <p:sldId id="293" r:id="rId40"/>
+    <p:sldId id="295" r:id="rId41"/>
+    <p:sldId id="296" r:id="rId42"/>
+    <p:sldId id="294" r:id="rId43"/>
+    <p:sldId id="297" r:id="rId44"/>
   </p:sldIdLst>
   <p:sldSz cx="9144000" cy="6858000" type="screen4x3"/>
   <p:notesSz cx="6858000" cy="9144000"/>
@@ -129,6 +150,485 @@
     </a:lvl9pPr>
   </p:defaultTextStyle>
 </p:presentation>
+</file>
+
+<file path=ppt/charts/chart1.xml><?xml version="1.0" encoding="utf-8"?>
+<c:chartSpace xmlns:c="http://schemas.openxmlformats.org/drawingml/2006/chart" xmlns:a="http://schemas.openxmlformats.org/drawingml/2006/main" xmlns:r="http://schemas.openxmlformats.org/officeDocument/2006/relationships">
+  <c:date1904 val="0"/>
+  <c:lang val="fr-FR"/>
+  <c:roundedCorners val="0"/>
+  <mc:AlternateContent xmlns:mc="http://schemas.openxmlformats.org/markup-compatibility/2006">
+    <mc:Choice xmlns:c14="http://schemas.microsoft.com/office/drawing/2007/8/2/chart" Requires="c14">
+      <c14:style val="102"/>
+    </mc:Choice>
+    <mc:Fallback>
+      <c:style val="2"/>
+    </mc:Fallback>
+  </mc:AlternateContent>
+  <c:chart>
+    <c:title>
+      <c:tx>
+        <c:rich>
+          <a:bodyPr/>
+          <a:lstStyle/>
+          <a:p>
+            <a:pPr>
+              <a:defRPr/>
+            </a:pPr>
+            <a:r>
+              <a:rPr lang="fr-FR"/>
+              <a:t>Le balayage vous semble-t-il</a:t>
+            </a:r>
+            <a:r>
+              <a:rPr lang="fr-FR" baseline="0"/>
+              <a:t> facile à utiliser?</a:t>
+            </a:r>
+            <a:endParaRPr lang="fr-FR"/>
+          </a:p>
+        </c:rich>
+      </c:tx>
+      <c:layout/>
+      <c:overlay val="0"/>
+    </c:title>
+    <c:autoTitleDeleted val="0"/>
+    <c:plotArea>
+      <c:layout/>
+      <c:pieChart>
+        <c:varyColors val="1"/>
+        <c:ser>
+          <c:idx val="0"/>
+          <c:order val="0"/>
+          <c:tx>
+            <c:strRef>
+              <c:f>'[Post Questionnaire.xls]Feuille1'!$B$1</c:f>
+              <c:strCache>
+                <c:ptCount val="1"/>
+                <c:pt idx="0">
+                  <c:v>Le balayage vous semble-t-il facile à utiliser ?</c:v>
+                </c:pt>
+              </c:strCache>
+            </c:strRef>
+          </c:tx>
+          <c:explosion val="25"/>
+          <c:dLbls>
+            <c:showLegendKey val="0"/>
+            <c:showVal val="0"/>
+            <c:showCatName val="0"/>
+            <c:showSerName val="0"/>
+            <c:showPercent val="1"/>
+            <c:showBubbleSize val="0"/>
+            <c:showLeaderLines val="1"/>
+          </c:dLbls>
+          <c:cat>
+            <c:strRef>
+              <c:f>'[Post Questionnaire.xls]Feuille1'!$B$2;'[Post Questionnaire.xls]Feuille1'!$B$4</c:f>
+              <c:strCache>
+                <c:ptCount val="2"/>
+                <c:pt idx="0">
+                  <c:v>Oui</c:v>
+                </c:pt>
+                <c:pt idx="1">
+                  <c:v>Non</c:v>
+                </c:pt>
+              </c:strCache>
+            </c:strRef>
+          </c:cat>
+          <c:val>
+            <c:numLit>
+              <c:formatCode>General</c:formatCode>
+              <c:ptCount val="2"/>
+              <c:pt idx="0">
+                <c:v>80</c:v>
+              </c:pt>
+              <c:pt idx="1">
+                <c:v>20</c:v>
+              </c:pt>
+            </c:numLit>
+          </c:val>
+        </c:ser>
+        <c:dLbls>
+          <c:showLegendKey val="0"/>
+          <c:showVal val="0"/>
+          <c:showCatName val="0"/>
+          <c:showSerName val="0"/>
+          <c:showPercent val="1"/>
+          <c:showBubbleSize val="0"/>
+          <c:showLeaderLines val="1"/>
+        </c:dLbls>
+        <c:firstSliceAng val="0"/>
+      </c:pieChart>
+    </c:plotArea>
+    <c:legend>
+      <c:legendPos val="r"/>
+      <c:layout/>
+      <c:overlay val="0"/>
+      <c:txPr>
+        <a:bodyPr/>
+        <a:lstStyle/>
+        <a:p>
+          <a:pPr rtl="0">
+            <a:defRPr/>
+          </a:pPr>
+          <a:endParaRPr lang="fr-FR"/>
+        </a:p>
+      </c:txPr>
+    </c:legend>
+    <c:plotVisOnly val="1"/>
+    <c:dispBlanksAs val="gap"/>
+    <c:showDLblsOverMax val="0"/>
+  </c:chart>
+  <c:externalData r:id="rId1">
+    <c:autoUpdate val="0"/>
+  </c:externalData>
+</c:chartSpace>
+</file>
+
+<file path=ppt/charts/chart2.xml><?xml version="1.0" encoding="utf-8"?>
+<c:chartSpace xmlns:c="http://schemas.openxmlformats.org/drawingml/2006/chart" xmlns:a="http://schemas.openxmlformats.org/drawingml/2006/main" xmlns:r="http://schemas.openxmlformats.org/officeDocument/2006/relationships">
+  <c:date1904 val="0"/>
+  <c:lang val="fr-FR"/>
+  <c:roundedCorners val="0"/>
+  <mc:AlternateContent xmlns:mc="http://schemas.openxmlformats.org/markup-compatibility/2006">
+    <mc:Choice xmlns:c14="http://schemas.microsoft.com/office/drawing/2007/8/2/chart" Requires="c14">
+      <c14:style val="102"/>
+    </mc:Choice>
+    <mc:Fallback>
+      <c:style val="2"/>
+    </mc:Fallback>
+  </mc:AlternateContent>
+  <c:chart>
+    <c:title>
+      <c:layout/>
+      <c:overlay val="0"/>
+    </c:title>
+    <c:autoTitleDeleted val="0"/>
+    <c:plotArea>
+      <c:layout/>
+      <c:pieChart>
+        <c:varyColors val="1"/>
+        <c:ser>
+          <c:idx val="0"/>
+          <c:order val="0"/>
+          <c:tx>
+            <c:strRef>
+              <c:f>'[Post Questionnaire.xls]Feuille1'!$C$1</c:f>
+              <c:strCache>
+                <c:ptCount val="1"/>
+                <c:pt idx="0">
+                  <c:v>Pensez-vous que HandiFox nécessite une formation ?</c:v>
+                </c:pt>
+              </c:strCache>
+            </c:strRef>
+          </c:tx>
+          <c:explosion val="25"/>
+          <c:dLbls>
+            <c:showLegendKey val="0"/>
+            <c:showVal val="0"/>
+            <c:showCatName val="0"/>
+            <c:showSerName val="0"/>
+            <c:showPercent val="1"/>
+            <c:showBubbleSize val="0"/>
+            <c:showLeaderLines val="1"/>
+          </c:dLbls>
+          <c:cat>
+            <c:strRef>
+              <c:f>'[Post Questionnaire.xls]Feuille1'!$C$2;'[Post Questionnaire.xls]Feuille1'!$C$4</c:f>
+              <c:strCache>
+                <c:ptCount val="2"/>
+                <c:pt idx="0">
+                  <c:v>Oui</c:v>
+                </c:pt>
+                <c:pt idx="1">
+                  <c:v>Non</c:v>
+                </c:pt>
+              </c:strCache>
+            </c:strRef>
+          </c:cat>
+          <c:val>
+            <c:numLit>
+              <c:formatCode>General</c:formatCode>
+              <c:ptCount val="2"/>
+              <c:pt idx="0">
+                <c:v>60</c:v>
+              </c:pt>
+              <c:pt idx="1">
+                <c:v>40</c:v>
+              </c:pt>
+            </c:numLit>
+          </c:val>
+        </c:ser>
+        <c:dLbls>
+          <c:showLegendKey val="0"/>
+          <c:showVal val="0"/>
+          <c:showCatName val="0"/>
+          <c:showSerName val="0"/>
+          <c:showPercent val="1"/>
+          <c:showBubbleSize val="0"/>
+          <c:showLeaderLines val="1"/>
+        </c:dLbls>
+        <c:firstSliceAng val="0"/>
+      </c:pieChart>
+    </c:plotArea>
+    <c:legend>
+      <c:legendPos val="r"/>
+      <c:layout/>
+      <c:overlay val="0"/>
+      <c:txPr>
+        <a:bodyPr/>
+        <a:lstStyle/>
+        <a:p>
+          <a:pPr rtl="0">
+            <a:defRPr/>
+          </a:pPr>
+          <a:endParaRPr lang="fr-FR"/>
+        </a:p>
+      </c:txPr>
+    </c:legend>
+    <c:plotVisOnly val="1"/>
+    <c:dispBlanksAs val="gap"/>
+    <c:showDLblsOverMax val="0"/>
+  </c:chart>
+  <c:externalData r:id="rId1">
+    <c:autoUpdate val="0"/>
+  </c:externalData>
+</c:chartSpace>
+</file>
+
+<file path=ppt/charts/chart3.xml><?xml version="1.0" encoding="utf-8"?>
+<c:chartSpace xmlns:c="http://schemas.openxmlformats.org/drawingml/2006/chart" xmlns:a="http://schemas.openxmlformats.org/drawingml/2006/main" xmlns:r="http://schemas.openxmlformats.org/officeDocument/2006/relationships">
+  <c:date1904 val="0"/>
+  <c:lang val="fr-FR"/>
+  <c:roundedCorners val="0"/>
+  <mc:AlternateContent xmlns:mc="http://schemas.openxmlformats.org/markup-compatibility/2006">
+    <mc:Choice xmlns:c14="http://schemas.microsoft.com/office/drawing/2007/8/2/chart" Requires="c14">
+      <c14:style val="102"/>
+    </mc:Choice>
+    <mc:Fallback>
+      <c:style val="2"/>
+    </mc:Fallback>
+  </mc:AlternateContent>
+  <c:chart>
+    <c:title>
+      <c:layout/>
+      <c:overlay val="0"/>
+    </c:title>
+    <c:autoTitleDeleted val="0"/>
+    <c:plotArea>
+      <c:layout/>
+      <c:pieChart>
+        <c:varyColors val="1"/>
+        <c:ser>
+          <c:idx val="0"/>
+          <c:order val="0"/>
+          <c:tx>
+            <c:strRef>
+              <c:f>'[Post Questionnaire.xls]Feuille1'!$E$1</c:f>
+              <c:strCache>
+                <c:ptCount val="1"/>
+                <c:pt idx="0">
+                  <c:v>Avez-vous eu des difficultés à vous adapté à HandiFox ?</c:v>
+                </c:pt>
+              </c:strCache>
+            </c:strRef>
+          </c:tx>
+          <c:explosion val="25"/>
+          <c:dLbls>
+            <c:showLegendKey val="0"/>
+            <c:showVal val="0"/>
+            <c:showCatName val="0"/>
+            <c:showSerName val="0"/>
+            <c:showPercent val="1"/>
+            <c:showBubbleSize val="0"/>
+            <c:showLeaderLines val="1"/>
+          </c:dLbls>
+          <c:cat>
+            <c:strRef>
+              <c:f>'[Post Questionnaire.xls]Feuille1'!$E$2;'[Post Questionnaire.xls]Feuille1'!$E$3</c:f>
+              <c:strCache>
+                <c:ptCount val="2"/>
+                <c:pt idx="0">
+                  <c:v>Oui</c:v>
+                </c:pt>
+                <c:pt idx="1">
+                  <c:v>Non</c:v>
+                </c:pt>
+              </c:strCache>
+            </c:strRef>
+          </c:cat>
+          <c:val>
+            <c:numLit>
+              <c:formatCode>General</c:formatCode>
+              <c:ptCount val="2"/>
+              <c:pt idx="0">
+                <c:v>40</c:v>
+              </c:pt>
+              <c:pt idx="1">
+                <c:v>60</c:v>
+              </c:pt>
+            </c:numLit>
+          </c:val>
+        </c:ser>
+        <c:dLbls>
+          <c:showLegendKey val="0"/>
+          <c:showVal val="0"/>
+          <c:showCatName val="0"/>
+          <c:showSerName val="0"/>
+          <c:showPercent val="1"/>
+          <c:showBubbleSize val="0"/>
+          <c:showLeaderLines val="1"/>
+        </c:dLbls>
+        <c:firstSliceAng val="0"/>
+      </c:pieChart>
+    </c:plotArea>
+    <c:legend>
+      <c:legendPos val="r"/>
+      <c:layout/>
+      <c:overlay val="0"/>
+      <c:txPr>
+        <a:bodyPr/>
+        <a:lstStyle/>
+        <a:p>
+          <a:pPr rtl="0">
+            <a:defRPr/>
+          </a:pPr>
+          <a:endParaRPr lang="fr-FR"/>
+        </a:p>
+      </c:txPr>
+    </c:legend>
+    <c:plotVisOnly val="1"/>
+    <c:dispBlanksAs val="gap"/>
+    <c:showDLblsOverMax val="0"/>
+  </c:chart>
+  <c:txPr>
+    <a:bodyPr/>
+    <a:lstStyle/>
+    <a:p>
+      <a:pPr>
+        <a:defRPr lang="fr-FR"/>
+      </a:pPr>
+      <a:endParaRPr lang="fr-FR"/>
+    </a:p>
+  </c:txPr>
+  <c:externalData r:id="rId1">
+    <c:autoUpdate val="0"/>
+  </c:externalData>
+</c:chartSpace>
+</file>
+
+<file path=ppt/charts/chart4.xml><?xml version="1.0" encoding="utf-8"?>
+<c:chartSpace xmlns:c="http://schemas.openxmlformats.org/drawingml/2006/chart" xmlns:a="http://schemas.openxmlformats.org/drawingml/2006/main" xmlns:r="http://schemas.openxmlformats.org/officeDocument/2006/relationships">
+  <c:date1904 val="0"/>
+  <c:lang val="fr-FR"/>
+  <c:roundedCorners val="0"/>
+  <mc:AlternateContent xmlns:mc="http://schemas.openxmlformats.org/markup-compatibility/2006">
+    <mc:Choice xmlns:c14="http://schemas.microsoft.com/office/drawing/2007/8/2/chart" Requires="c14">
+      <c14:style val="102"/>
+    </mc:Choice>
+    <mc:Fallback>
+      <c:style val="2"/>
+    </mc:Fallback>
+  </mc:AlternateContent>
+  <c:chart>
+    <c:title>
+      <c:tx>
+        <c:rich>
+          <a:bodyPr/>
+          <a:lstStyle/>
+          <a:p>
+            <a:pPr>
+              <a:defRPr/>
+            </a:pPr>
+            <a:r>
+              <a:rPr lang="en-US"/>
+              <a:t>Quelle option de navigation préférez-vous ?</a:t>
+            </a:r>
+          </a:p>
+        </c:rich>
+      </c:tx>
+      <c:layout/>
+      <c:overlay val="0"/>
+    </c:title>
+    <c:autoTitleDeleted val="0"/>
+    <c:plotArea>
+      <c:layout/>
+      <c:pieChart>
+        <c:varyColors val="1"/>
+        <c:ser>
+          <c:idx val="0"/>
+          <c:order val="0"/>
+          <c:tx>
+            <c:strRef>
+              <c:f>'[Post Questionnaire.xls]Feuille1'!$G$1</c:f>
+              <c:strCache>
+                <c:ptCount val="1"/>
+                <c:pt idx="0">
+                  <c:v>Quel option de navigation préférez-vous ?</c:v>
+                </c:pt>
+              </c:strCache>
+            </c:strRef>
+          </c:tx>
+          <c:explosion val="25"/>
+          <c:dLbls>
+            <c:showLegendKey val="0"/>
+            <c:showVal val="0"/>
+            <c:showCatName val="0"/>
+            <c:showSerName val="0"/>
+            <c:showPercent val="1"/>
+            <c:showBubbleSize val="0"/>
+            <c:showLeaderLines val="1"/>
+          </c:dLbls>
+          <c:cat>
+            <c:strRef>
+              <c:f>'[Post Questionnaire.xls]Feuille1'!$G$2;'[Post Questionnaire.xls]Feuille1'!$H$2</c:f>
+              <c:strCache>
+                <c:ptCount val="2"/>
+                <c:pt idx="0">
+                  <c:v>Balayage</c:v>
+                </c:pt>
+                <c:pt idx="1">
+                  <c:v>Liens</c:v>
+                </c:pt>
+              </c:strCache>
+            </c:strRef>
+          </c:cat>
+          <c:val>
+            <c:numLit>
+              <c:formatCode>General</c:formatCode>
+              <c:ptCount val="2"/>
+              <c:pt idx="0">
+                <c:v>100</c:v>
+              </c:pt>
+              <c:pt idx="1">
+                <c:v>0</c:v>
+              </c:pt>
+            </c:numLit>
+          </c:val>
+        </c:ser>
+        <c:dLbls>
+          <c:showLegendKey val="0"/>
+          <c:showVal val="0"/>
+          <c:showCatName val="0"/>
+          <c:showSerName val="0"/>
+          <c:showPercent val="1"/>
+          <c:showBubbleSize val="0"/>
+          <c:showLeaderLines val="1"/>
+        </c:dLbls>
+        <c:firstSliceAng val="0"/>
+      </c:pieChart>
+    </c:plotArea>
+    <c:legend>
+      <c:legendPos val="r"/>
+      <c:layout/>
+      <c:overlay val="0"/>
+    </c:legend>
+    <c:plotVisOnly val="1"/>
+    <c:dispBlanksAs val="gap"/>
+    <c:showDLblsOverMax val="0"/>
+  </c:chart>
+  <c:externalData r:id="rId1">
+    <c:autoUpdate val="0"/>
+  </c:externalData>
+</c:chartSpace>
 </file>
 
 <file path=ppt/diagrams/colors1.xml><?xml version="1.0" encoding="utf-8"?>
@@ -4392,7 +4892,7 @@
           <a:p>
             <a:fld id="{D6B73290-D9B9-4044-A637-B88D6DABD553}" type="datetimeFigureOut">
               <a:rPr lang="fr-FR" smtClean="0"/>
-              <a:t>06/03/2012</a:t>
+              <a:t>15/03/2012</a:t>
             </a:fld>
             <a:endParaRPr lang="fr-FR"/>
           </a:p>
@@ -4762,7 +5262,7 @@
           <a:p>
             <a:fld id="{0C841782-00D3-463A-AEBA-08D13A465165}" type="slidenum">
               <a:rPr lang="fr-FR" smtClean="0"/>
-              <a:t>8</a:t>
+              <a:t>9</a:t>
             </a:fld>
             <a:endParaRPr lang="fr-FR"/>
           </a:p>
@@ -4854,7 +5354,7 @@
           <a:p>
             <a:fld id="{0C841782-00D3-463A-AEBA-08D13A465165}" type="slidenum">
               <a:rPr lang="fr-FR" smtClean="0"/>
-              <a:t>10</a:t>
+              <a:t>11</a:t>
             </a:fld>
             <a:endParaRPr lang="fr-FR"/>
           </a:p>
@@ -5153,7 +5653,7 @@
           <a:p>
             <a:fld id="{6ED292EB-C7F1-4F58-9AFF-73AD766BED89}" type="datetime1">
               <a:rPr lang="fr-FR" smtClean="0"/>
-              <a:t>06/03/2012</a:t>
+              <a:t>15/03/2012</a:t>
             </a:fld>
             <a:endParaRPr lang="fr-FR"/>
           </a:p>
@@ -5546,7 +6046,7 @@
           <a:p>
             <a:fld id="{7486B4B1-BD59-485B-B64D-323998831651}" type="datetime1">
               <a:rPr lang="fr-FR" smtClean="0"/>
-              <a:t>06/03/2012</a:t>
+              <a:t>15/03/2012</a:t>
             </a:fld>
             <a:endParaRPr lang="fr-FR"/>
           </a:p>
@@ -6078,7 +6578,7 @@
           <a:p>
             <a:fld id="{048D1AA3-2B64-4E9F-983B-3700D607EE23}" type="datetime1">
               <a:rPr lang="fr-FR" smtClean="0"/>
-              <a:t>06/03/2012</a:t>
+              <a:t>15/03/2012</a:t>
             </a:fld>
             <a:endParaRPr lang="fr-FR"/>
           </a:p>
@@ -6211,7 +6711,7 @@
           <a:p>
             <a:fld id="{61C6BECC-9643-4209-B1F6-AEA818F4372A}" type="datetime1">
               <a:rPr lang="fr-FR" smtClean="0"/>
-              <a:t>06/03/2012</a:t>
+              <a:t>15/03/2012</a:t>
             </a:fld>
             <a:endParaRPr lang="fr-FR"/>
           </a:p>
@@ -6754,7 +7254,7 @@
           <a:p>
             <a:fld id="{B6F5BA1D-472E-43F3-B12A-58222AD4AF57}" type="datetime1">
               <a:rPr lang="fr-FR" smtClean="0"/>
-              <a:t>06/03/2012</a:t>
+              <a:t>15/03/2012</a:t>
             </a:fld>
             <a:endParaRPr lang="fr-FR"/>
           </a:p>
@@ -7049,7 +7549,7 @@
           <a:p>
             <a:fld id="{6CD2640C-73C8-40C2-8187-48474083A033}" type="datetime1">
               <a:rPr lang="fr-FR" smtClean="0"/>
-              <a:t>06/03/2012</a:t>
+              <a:t>15/03/2012</a:t>
             </a:fld>
             <a:endParaRPr lang="fr-FR"/>
           </a:p>
@@ -7708,7 +8208,7 @@
           <a:p>
             <a:fld id="{5508CB71-2857-4AA6-BEA8-A65394A44D40}" type="datetime1">
               <a:rPr lang="fr-FR" smtClean="0"/>
-              <a:t>06/03/2012</a:t>
+              <a:t>15/03/2012</a:t>
             </a:fld>
             <a:endParaRPr lang="fr-FR"/>
           </a:p>
@@ -8144,7 +8644,7 @@
           <a:p>
             <a:fld id="{01248D90-35CD-4712-8009-EE8B7341AFA0}" type="datetime1">
               <a:rPr lang="fr-FR" smtClean="0"/>
-              <a:t>06/03/2012</a:t>
+              <a:t>15/03/2012</a:t>
             </a:fld>
             <a:endParaRPr lang="fr-FR"/>
           </a:p>
@@ -8457,7 +8957,7 @@
           <a:p>
             <a:fld id="{5489565B-27FA-4A9A-9BC8-5DACB6F01EF7}" type="datetime1">
               <a:rPr lang="fr-FR" smtClean="0"/>
-              <a:t>06/03/2012</a:t>
+              <a:t>15/03/2012</a:t>
             </a:fld>
             <a:endParaRPr lang="fr-FR"/>
           </a:p>
@@ -9189,7 +9689,7 @@
           <a:p>
             <a:fld id="{D37C6FC2-CBDB-4491-849E-72C829FFD37D}" type="datetime1">
               <a:rPr lang="fr-FR" smtClean="0"/>
-              <a:t>06/03/2012</a:t>
+              <a:t>15/03/2012</a:t>
             </a:fld>
             <a:endParaRPr lang="fr-FR"/>
           </a:p>
@@ -9853,7 +10353,7 @@
           <a:p>
             <a:fld id="{6F7C5D7C-49BD-4D33-AD40-B1A2BB182054}" type="datetime1">
               <a:rPr lang="fr-FR" smtClean="0"/>
-              <a:t>06/03/2012</a:t>
+              <a:t>15/03/2012</a:t>
             </a:fld>
             <a:endParaRPr lang="fr-FR"/>
           </a:p>
@@ -10126,7 +10626,7 @@
           <a:p>
             <a:fld id="{42484E48-0E8A-4102-8E09-5720A5108850}" type="datetime1">
               <a:rPr lang="fr-FR" smtClean="0"/>
-              <a:t>06/03/2012</a:t>
+              <a:t>15/03/2012</a:t>
             </a:fld>
             <a:endParaRPr lang="fr-FR"/>
           </a:p>
@@ -10886,6 +11386,70 @@
           </a:p>
         </p:txBody>
       </p:sp>
+      <p:pic>
+        <p:nvPicPr>
+          <p:cNvPr id="5122" name="Picture 2"/>
+          <p:cNvPicPr>
+            <a:picLocks noChangeAspect="1" noChangeArrowheads="1"/>
+          </p:cNvPicPr>
+          <p:nvPr/>
+        </p:nvPicPr>
+        <p:blipFill>
+          <a:blip r:embed="rId2">
+            <a:extLst>
+              <a:ext uri="{28A0092B-C50C-407E-A947-70E740481C1C}">
+                <a14:useLocalDpi xmlns:a14="http://schemas.microsoft.com/office/drawing/2010/main" val="0"/>
+              </a:ext>
+            </a:extLst>
+          </a:blip>
+          <a:srcRect/>
+          <a:stretch>
+            <a:fillRect/>
+          </a:stretch>
+        </p:blipFill>
+        <p:spPr bwMode="auto">
+          <a:xfrm>
+            <a:off x="3203848" y="4149080"/>
+            <a:ext cx="2736304" cy="1915413"/>
+          </a:xfrm>
+          <a:prstGeom prst="rect">
+            <a:avLst/>
+          </a:prstGeom>
+          <a:noFill/>
+          <a:ln>
+            <a:noFill/>
+          </a:ln>
+          <a:effectLst/>
+          <a:extLst>
+            <a:ext uri="{909E8E84-426E-40DD-AFC4-6F175D3DCCD1}">
+              <a14:hiddenFill xmlns:a14="http://schemas.microsoft.com/office/drawing/2010/main">
+                <a:solidFill>
+                  <a:schemeClr val="accent1"/>
+                </a:solidFill>
+              </a14:hiddenFill>
+            </a:ext>
+            <a:ext uri="{91240B29-F687-4F45-9708-019B960494DF}">
+              <a14:hiddenLine xmlns:a14="http://schemas.microsoft.com/office/drawing/2010/main" w="9525">
+                <a:solidFill>
+                  <a:schemeClr val="tx1"/>
+                </a:solidFill>
+                <a:miter lim="800000"/>
+                <a:headEnd/>
+                <a:tailEnd/>
+              </a14:hiddenLine>
+            </a:ext>
+            <a:ext uri="{AF507438-7753-43E0-B8FC-AC1667EBCBE1}">
+              <a14:hiddenEffects xmlns:a14="http://schemas.microsoft.com/office/drawing/2010/main">
+                <a:effectLst>
+                  <a:outerShdw dist="35921" dir="2700000" algn="ctr" rotWithShape="0">
+                    <a:schemeClr val="bg2"/>
+                  </a:outerShdw>
+                </a:effectLst>
+              </a14:hiddenEffects>
+            </a:ext>
+          </a:extLst>
+        </p:spPr>
+      </p:pic>
     </p:spTree>
     <p:extLst>
       <p:ext uri="{BB962C8B-B14F-4D97-AF65-F5344CB8AC3E}">
@@ -10918,12 +11482,12 @@
       </p:grpSpPr>
       <p:sp>
         <p:nvSpPr>
-          <p:cNvPr id="5" name="Titre 4"/>
-          <p:cNvSpPr>
-            <a:spLocks noGrp="1"/>
-          </p:cNvSpPr>
-          <p:nvPr>
-            <p:ph type="title"/>
+          <p:cNvPr id="11" name="Espace réservé du texte 10"/>
+          <p:cNvSpPr>
+            <a:spLocks noGrp="1"/>
+          </p:cNvSpPr>
+          <p:nvPr>
+            <p:ph type="body" idx="1"/>
           </p:nvPr>
         </p:nvSpPr>
         <p:spPr/>
@@ -10931,17 +11495,13 @@
           <a:bodyPr/>
           <a:lstStyle/>
           <a:p>
-            <a:r>
-              <a:rPr lang="fr-FR" dirty="0" smtClean="0"/>
-              <a:t>Que fait-on sur internet ?</a:t>
-            </a:r>
-            <a:endParaRPr lang="fr-FR" dirty="0"/>
-          </a:p>
-        </p:txBody>
-      </p:sp>
-      <p:sp>
-        <p:nvSpPr>
-          <p:cNvPr id="3" name="Espace réservé du numéro de diapositive 2"/>
+            <a:endParaRPr lang="fr-FR"/>
+          </a:p>
+        </p:txBody>
+      </p:sp>
+      <p:sp>
+        <p:nvSpPr>
+          <p:cNvPr id="6" name="Espace réservé du numéro de diapositive 5"/>
           <p:cNvSpPr>
             <a:spLocks noGrp="1"/>
           </p:cNvSpPr>
@@ -10962,35 +11522,33 @@
           </a:p>
         </p:txBody>
       </p:sp>
-      <p:graphicFrame>
-        <p:nvGraphicFramePr>
-          <p:cNvPr id="7" name="Espace réservé du contenu 6"/>
-          <p:cNvGraphicFramePr>
-            <a:graphicFrameLocks noGrp="1"/>
-          </p:cNvGraphicFramePr>
-          <p:nvPr>
-            <p:ph sz="quarter" idx="1"/>
-            <p:extLst>
-              <p:ext uri="{D42A27DB-BD31-4B8C-83A1-F6EECF244321}">
-                <p14:modId xmlns:p14="http://schemas.microsoft.com/office/powerpoint/2010/main" val="2318275538"/>
-              </p:ext>
-            </p:extLst>
-          </p:nvPr>
-        </p:nvGraphicFramePr>
-        <p:xfrm>
-          <a:off x="301625" y="1527175"/>
-          <a:ext cx="8504238" cy="4572000"/>
-        </p:xfrm>
-        <a:graphic>
-          <a:graphicData uri="http://schemas.openxmlformats.org/drawingml/2006/diagram">
-            <dgm:relIds xmlns:dgm="http://schemas.openxmlformats.org/drawingml/2006/diagram" xmlns:r="http://schemas.openxmlformats.org/officeDocument/2006/relationships" r:dm="rId3" r:lo="rId4" r:qs="rId5" r:cs="rId6"/>
-          </a:graphicData>
-        </a:graphic>
-      </p:graphicFrame>
+      <p:sp>
+        <p:nvSpPr>
+          <p:cNvPr id="8" name="Titre 7"/>
+          <p:cNvSpPr>
+            <a:spLocks noGrp="1"/>
+          </p:cNvSpPr>
+          <p:nvPr>
+            <p:ph type="title"/>
+          </p:nvPr>
+        </p:nvSpPr>
+        <p:spPr/>
+        <p:txBody>
+          <a:bodyPr/>
+          <a:lstStyle/>
+          <a:p>
+            <a:r>
+              <a:rPr lang="fr-FR" dirty="0" smtClean="0"/>
+              <a:t>Notre démarche</a:t>
+            </a:r>
+            <a:endParaRPr lang="fr-FR" dirty="0"/>
+          </a:p>
+        </p:txBody>
+      </p:sp>
     </p:spTree>
     <p:extLst>
       <p:ext uri="{BB962C8B-B14F-4D97-AF65-F5344CB8AC3E}">
-        <p14:creationId xmlns:p14="http://schemas.microsoft.com/office/powerpoint/2010/main" val="712184074"/>
+        <p14:creationId xmlns:p14="http://schemas.microsoft.com/office/powerpoint/2010/main" val="1558027307"/>
       </p:ext>
     </p:extLst>
   </p:cSld>
@@ -11019,7 +11577,7 @@
       </p:grpSpPr>
       <p:sp>
         <p:nvSpPr>
-          <p:cNvPr id="2" name="Titre 1"/>
+          <p:cNvPr id="5" name="Titre 4"/>
           <p:cNvSpPr>
             <a:spLocks noGrp="1"/>
           </p:cNvSpPr>
@@ -11034,7 +11592,7 @@
           <a:p>
             <a:r>
               <a:rPr lang="fr-FR" dirty="0" smtClean="0"/>
-              <a:t>Résolution de ces problèmes</a:t>
+              <a:t>Que fait-on sur internet ?</a:t>
             </a:r>
             <a:endParaRPr lang="fr-FR" dirty="0"/>
           </a:p>
@@ -11058,6 +11616,107 @@
             <a:fld id="{0F242953-DAFC-495B-AE02-16ED9D37F665}" type="slidenum">
               <a:rPr lang="fr-FR" smtClean="0"/>
               <a:t>11</a:t>
+            </a:fld>
+            <a:endParaRPr lang="fr-FR"/>
+          </a:p>
+        </p:txBody>
+      </p:sp>
+      <p:graphicFrame>
+        <p:nvGraphicFramePr>
+          <p:cNvPr id="7" name="Espace réservé du contenu 6"/>
+          <p:cNvGraphicFramePr>
+            <a:graphicFrameLocks noGrp="1"/>
+          </p:cNvGraphicFramePr>
+          <p:nvPr>
+            <p:ph sz="quarter" idx="1"/>
+            <p:extLst>
+              <p:ext uri="{D42A27DB-BD31-4B8C-83A1-F6EECF244321}">
+                <p14:modId xmlns:p14="http://schemas.microsoft.com/office/powerpoint/2010/main" val="2318275538"/>
+              </p:ext>
+            </p:extLst>
+          </p:nvPr>
+        </p:nvGraphicFramePr>
+        <p:xfrm>
+          <a:off x="301625" y="1527175"/>
+          <a:ext cx="8504238" cy="4572000"/>
+        </p:xfrm>
+        <a:graphic>
+          <a:graphicData uri="http://schemas.openxmlformats.org/drawingml/2006/diagram">
+            <dgm:relIds xmlns:dgm="http://schemas.openxmlformats.org/drawingml/2006/diagram" xmlns:r="http://schemas.openxmlformats.org/officeDocument/2006/relationships" r:dm="rId3" r:lo="rId4" r:qs="rId5" r:cs="rId6"/>
+          </a:graphicData>
+        </a:graphic>
+      </p:graphicFrame>
+    </p:spTree>
+    <p:extLst>
+      <p:ext uri="{BB962C8B-B14F-4D97-AF65-F5344CB8AC3E}">
+        <p14:creationId xmlns:p14="http://schemas.microsoft.com/office/powerpoint/2010/main" val="712184074"/>
+      </p:ext>
+    </p:extLst>
+  </p:cSld>
+  <p:clrMapOvr>
+    <a:masterClrMapping/>
+  </p:clrMapOvr>
+</p:sld>
+</file>
+
+<file path=ppt/slides/slide12.xml><?xml version="1.0" encoding="utf-8"?>
+<p:sld xmlns:a="http://schemas.openxmlformats.org/drawingml/2006/main" xmlns:r="http://schemas.openxmlformats.org/officeDocument/2006/relationships" xmlns:p="http://schemas.openxmlformats.org/presentationml/2006/main">
+  <p:cSld>
+    <p:spTree>
+      <p:nvGrpSpPr>
+        <p:cNvPr id="1" name=""/>
+        <p:cNvGrpSpPr/>
+        <p:nvPr/>
+      </p:nvGrpSpPr>
+      <p:grpSpPr>
+        <a:xfrm>
+          <a:off x="0" y="0"/>
+          <a:ext cx="0" cy="0"/>
+          <a:chOff x="0" y="0"/>
+          <a:chExt cx="0" cy="0"/>
+        </a:xfrm>
+      </p:grpSpPr>
+      <p:sp>
+        <p:nvSpPr>
+          <p:cNvPr id="2" name="Titre 1"/>
+          <p:cNvSpPr>
+            <a:spLocks noGrp="1"/>
+          </p:cNvSpPr>
+          <p:nvPr>
+            <p:ph type="title"/>
+          </p:nvPr>
+        </p:nvSpPr>
+        <p:spPr/>
+        <p:txBody>
+          <a:bodyPr/>
+          <a:lstStyle/>
+          <a:p>
+            <a:r>
+              <a:rPr lang="fr-FR" dirty="0" smtClean="0"/>
+              <a:t>Résolution de ces problèmes</a:t>
+            </a:r>
+            <a:endParaRPr lang="fr-FR" dirty="0"/>
+          </a:p>
+        </p:txBody>
+      </p:sp>
+      <p:sp>
+        <p:nvSpPr>
+          <p:cNvPr id="3" name="Espace réservé du numéro de diapositive 2"/>
+          <p:cNvSpPr>
+            <a:spLocks noGrp="1"/>
+          </p:cNvSpPr>
+          <p:nvPr>
+            <p:ph type="sldNum" sz="quarter" idx="12"/>
+          </p:nvPr>
+        </p:nvSpPr>
+        <p:spPr/>
+        <p:txBody>
+          <a:bodyPr/>
+          <a:lstStyle/>
+          <a:p>
+            <a:fld id="{0F242953-DAFC-495B-AE02-16ED9D37F665}" type="slidenum">
+              <a:rPr lang="fr-FR" smtClean="0"/>
+              <a:t>12</a:t>
             </a:fld>
             <a:endParaRPr lang="fr-FR"/>
           </a:p>
@@ -11151,165 +11810,6 @@
 </p:sld>
 </file>
 
-<file path=ppt/slides/slide12.xml><?xml version="1.0" encoding="utf-8"?>
-<p:sld xmlns:a="http://schemas.openxmlformats.org/drawingml/2006/main" xmlns:r="http://schemas.openxmlformats.org/officeDocument/2006/relationships" xmlns:p="http://schemas.openxmlformats.org/presentationml/2006/main">
-  <p:cSld>
-    <p:spTree>
-      <p:nvGrpSpPr>
-        <p:cNvPr id="1" name=""/>
-        <p:cNvGrpSpPr/>
-        <p:nvPr/>
-      </p:nvGrpSpPr>
-      <p:grpSpPr>
-        <a:xfrm>
-          <a:off x="0" y="0"/>
-          <a:ext cx="0" cy="0"/>
-          <a:chOff x="0" y="0"/>
-          <a:chExt cx="0" cy="0"/>
-        </a:xfrm>
-      </p:grpSpPr>
-      <p:sp>
-        <p:nvSpPr>
-          <p:cNvPr id="2" name="Titre 1"/>
-          <p:cNvSpPr>
-            <a:spLocks noGrp="1"/>
-          </p:cNvSpPr>
-          <p:nvPr>
-            <p:ph type="title"/>
-          </p:nvPr>
-        </p:nvSpPr>
-        <p:spPr/>
-        <p:txBody>
-          <a:bodyPr/>
-          <a:lstStyle/>
-          <a:p>
-            <a:r>
-              <a:rPr lang="fr-FR" dirty="0"/>
-              <a:t>Résolution de ces problèmes</a:t>
-            </a:r>
-          </a:p>
-        </p:txBody>
-      </p:sp>
-      <p:sp>
-        <p:nvSpPr>
-          <p:cNvPr id="3" name="Espace réservé du numéro de diapositive 2"/>
-          <p:cNvSpPr>
-            <a:spLocks noGrp="1"/>
-          </p:cNvSpPr>
-          <p:nvPr>
-            <p:ph type="sldNum" sz="quarter" idx="12"/>
-          </p:nvPr>
-        </p:nvSpPr>
-        <p:spPr/>
-        <p:txBody>
-          <a:bodyPr/>
-          <a:lstStyle/>
-          <a:p>
-            <a:fld id="{0F242953-DAFC-495B-AE02-16ED9D37F665}" type="slidenum">
-              <a:rPr lang="fr-FR" smtClean="0"/>
-              <a:t>12</a:t>
-            </a:fld>
-            <a:endParaRPr lang="fr-FR"/>
-          </a:p>
-        </p:txBody>
-      </p:sp>
-      <p:sp>
-        <p:nvSpPr>
-          <p:cNvPr id="4" name="Espace réservé du contenu 3"/>
-          <p:cNvSpPr>
-            <a:spLocks noGrp="1"/>
-          </p:cNvSpPr>
-          <p:nvPr>
-            <p:ph sz="quarter" idx="1"/>
-          </p:nvPr>
-        </p:nvSpPr>
-        <p:spPr/>
-        <p:txBody>
-          <a:bodyPr/>
-          <a:lstStyle/>
-          <a:p>
-            <a:pPr marL="514350" indent="-514350">
-              <a:buFont typeface="+mj-lt"/>
-              <a:buAutoNum type="arabicPeriod" startAt="2"/>
-            </a:pPr>
-            <a:r>
-              <a:rPr lang="fr-FR" dirty="0" smtClean="0"/>
-              <a:t>Navigation</a:t>
-            </a:r>
-          </a:p>
-          <a:p>
-            <a:pPr lvl="2"/>
-            <a:r>
-              <a:rPr lang="fr-FR" dirty="0" smtClean="0"/>
-              <a:t>3 moyens recensés</a:t>
-            </a:r>
-            <a:endParaRPr lang="fr-FR" dirty="0"/>
-          </a:p>
-          <a:p>
-            <a:pPr lvl="3"/>
-            <a:r>
-              <a:rPr lang="fr-FR" dirty="0" smtClean="0"/>
-              <a:t>Vimperator</a:t>
-            </a:r>
-          </a:p>
-          <a:p>
-            <a:pPr lvl="3"/>
-            <a:r>
-              <a:rPr lang="fr-FR" dirty="0" smtClean="0"/>
-              <a:t>Les favoris</a:t>
-            </a:r>
-          </a:p>
-          <a:p>
-            <a:pPr lvl="4"/>
-            <a:r>
-              <a:rPr lang="fr-FR" dirty="0" smtClean="0"/>
-              <a:t>Fichiers</a:t>
-            </a:r>
-          </a:p>
-          <a:p>
-            <a:pPr lvl="4"/>
-            <a:r>
-              <a:rPr lang="fr-FR" dirty="0" smtClean="0"/>
-              <a:t>La base de données Firefox</a:t>
-            </a:r>
-          </a:p>
-          <a:p>
-            <a:pPr lvl="3"/>
-            <a:r>
-              <a:rPr lang="fr-FR" dirty="0" smtClean="0"/>
-              <a:t>Balayage-écran</a:t>
-            </a:r>
-          </a:p>
-          <a:p>
-            <a:pPr lvl="4"/>
-            <a:r>
-              <a:rPr lang="fr-FR" dirty="0" smtClean="0"/>
-              <a:t>Écran</a:t>
-            </a:r>
-          </a:p>
-          <a:p>
-            <a:pPr lvl="4"/>
-            <a:r>
-              <a:rPr lang="fr-FR" dirty="0" smtClean="0"/>
-              <a:t>Fenêtre</a:t>
-            </a:r>
-            <a:endParaRPr lang="fr-FR" dirty="0"/>
-          </a:p>
-        </p:txBody>
-      </p:sp>
-    </p:spTree>
-    <p:extLst>
-      <p:ext uri="{BB962C8B-B14F-4D97-AF65-F5344CB8AC3E}">
-        <p14:creationId xmlns:p14="http://schemas.microsoft.com/office/powerpoint/2010/main" val="626397029"/>
-      </p:ext>
-    </p:extLst>
-  </p:cSld>
-  <p:clrMapOvr>
-    <a:masterClrMapping/>
-  </p:clrMapOvr>
-</p:sld>
-</file>
-
 <file path=ppt/slides/slide13.xml><?xml version="1.0" encoding="utf-8"?>
 <p:sld xmlns:a="http://schemas.openxmlformats.org/drawingml/2006/main" xmlns:r="http://schemas.openxmlformats.org/officeDocument/2006/relationships" xmlns:p="http://schemas.openxmlformats.org/presentationml/2006/main">
   <p:cSld>
@@ -11387,38 +11887,71 @@
           <a:bodyPr/>
           <a:lstStyle/>
           <a:p>
-            <a:r>
-              <a:rPr lang="fr-FR" dirty="0"/>
+            <a:pPr marL="514350" indent="-514350">
+              <a:buFont typeface="+mj-lt"/>
+              <a:buAutoNum type="arabicPeriod" startAt="2"/>
+            </a:pPr>
+            <a:r>
+              <a:rPr lang="fr-FR" dirty="0" smtClean="0"/>
+              <a:t>Navigation</a:t>
+            </a:r>
+          </a:p>
+          <a:p>
+            <a:pPr lvl="2"/>
+            <a:r>
+              <a:rPr lang="fr-FR" dirty="0" smtClean="0"/>
+              <a:t>3 moyens recensés</a:t>
+            </a:r>
+            <a:endParaRPr lang="fr-FR" dirty="0"/>
+          </a:p>
+          <a:p>
+            <a:pPr lvl="3"/>
+            <a:r>
+              <a:rPr lang="fr-FR" dirty="0" smtClean="0"/>
               <a:t>Vimperator</a:t>
             </a:r>
           </a:p>
           <a:p>
-            <a:pPr lvl="1"/>
-            <a:r>
-              <a:rPr lang="fr-FR" dirty="0"/>
-              <a:t>Porté de la numérotation des </a:t>
-            </a:r>
+            <a:pPr lvl="3"/>
             <a:r>
               <a:rPr lang="fr-FR" dirty="0" smtClean="0"/>
-              <a:t>liens</a:t>
-            </a:r>
-          </a:p>
-          <a:p>
-            <a:pPr lvl="1"/>
+              <a:t>Les favoris</a:t>
+            </a:r>
+          </a:p>
+          <a:p>
+            <a:pPr lvl="4"/>
             <a:r>
               <a:rPr lang="fr-FR" dirty="0" smtClean="0"/>
-              <a:t>Question de la charge de travail ?</a:t>
-            </a:r>
-          </a:p>
-          <a:p>
-            <a:pPr lvl="1"/>
-            <a:endParaRPr lang="fr-FR" dirty="0" smtClean="0"/>
-          </a:p>
-          <a:p>
-            <a:pPr lvl="1"/>
-            <a:endParaRPr lang="fr-FR" dirty="0"/>
-          </a:p>
-          <a:p>
+              <a:t>Fichiers</a:t>
+            </a:r>
+          </a:p>
+          <a:p>
+            <a:pPr lvl="4"/>
+            <a:r>
+              <a:rPr lang="fr-FR" dirty="0" smtClean="0"/>
+              <a:t>La base de données Firefox</a:t>
+            </a:r>
+          </a:p>
+          <a:p>
+            <a:pPr lvl="3"/>
+            <a:r>
+              <a:rPr lang="fr-FR" dirty="0" smtClean="0"/>
+              <a:t>Balayage-écran</a:t>
+            </a:r>
+          </a:p>
+          <a:p>
+            <a:pPr lvl="4"/>
+            <a:r>
+              <a:rPr lang="fr-FR" dirty="0" smtClean="0"/>
+              <a:t>Écran</a:t>
+            </a:r>
+          </a:p>
+          <a:p>
+            <a:pPr lvl="4"/>
+            <a:r>
+              <a:rPr lang="fr-FR" dirty="0" smtClean="0"/>
+              <a:t>Fenêtre</a:t>
+            </a:r>
             <a:endParaRPr lang="fr-FR" dirty="0"/>
           </a:p>
         </p:txBody>
@@ -11426,7 +11959,7 @@
     </p:spTree>
     <p:extLst>
       <p:ext uri="{BB962C8B-B14F-4D97-AF65-F5344CB8AC3E}">
-        <p14:creationId xmlns:p14="http://schemas.microsoft.com/office/powerpoint/2010/main" val="3655028931"/>
+        <p14:creationId xmlns:p14="http://schemas.microsoft.com/office/powerpoint/2010/main" val="626397029"/>
       </p:ext>
     </p:extLst>
   </p:cSld>
@@ -11510,88 +12043,41 @@
         </p:nvSpPr>
         <p:spPr/>
         <p:txBody>
-          <a:bodyPr>
-            <a:normAutofit/>
-          </a:bodyPr>
+          <a:bodyPr/>
           <a:lstStyle/>
           <a:p>
             <a:r>
               <a:rPr lang="fr-FR" dirty="0"/>
-              <a:t>Les favoris</a:t>
+              <a:t>Vimperator</a:t>
             </a:r>
           </a:p>
           <a:p>
             <a:pPr lvl="1"/>
             <a:r>
               <a:rPr lang="fr-FR" dirty="0"/>
-              <a:t>Fichiers</a:t>
-            </a:r>
-          </a:p>
-          <a:p>
-            <a:pPr lvl="2"/>
-            <a:r>
-              <a:rPr lang="fr-FR" dirty="0"/>
-              <a:t>Première version des favoris </a:t>
+              <a:t>Porté de la numérotation des </a:t>
             </a:r>
             <a:r>
               <a:rPr lang="fr-FR" dirty="0" smtClean="0"/>
-              <a:t>utilise </a:t>
-            </a:r>
-            <a:r>
-              <a:rPr lang="fr-FR" dirty="0"/>
-              <a:t>les fichiers puis</a:t>
-            </a:r>
-          </a:p>
-          <a:p>
-            <a:pPr lvl="2"/>
-            <a:r>
-              <a:rPr lang="fr-FR" dirty="0"/>
-              <a:t>Prétexte pour étudier comment sauvegarder les préférences </a:t>
-            </a:r>
+              <a:t>liens</a:t>
+            </a:r>
+          </a:p>
+          <a:p>
+            <a:pPr lvl="1"/>
             <a:r>
               <a:rPr lang="fr-FR" dirty="0" smtClean="0"/>
-              <a:t>utilisateurs</a:t>
-            </a:r>
-          </a:p>
-          <a:p>
-            <a:pPr lvl="3"/>
-            <a:r>
-              <a:rPr lang="fr-FR" dirty="0" smtClean="0"/>
-              <a:t>Via un objet Firefox (problème de fiabilité)</a:t>
-            </a:r>
-          </a:p>
-          <a:p>
-            <a:pPr lvl="3"/>
-            <a:r>
-              <a:rPr lang="fr-FR" dirty="0" smtClean="0"/>
-              <a:t>Via </a:t>
-            </a:r>
-            <a:r>
-              <a:rPr lang="fr-FR" dirty="0" err="1" smtClean="0"/>
-              <a:t>FileReader</a:t>
-            </a:r>
-            <a:r>
-              <a:rPr lang="fr-FR" dirty="0" smtClean="0"/>
-              <a:t> et </a:t>
-            </a:r>
-            <a:r>
-              <a:rPr lang="fr-FR" dirty="0" err="1" smtClean="0"/>
-              <a:t>FileWriter</a:t>
-            </a:r>
-            <a:r>
-              <a:rPr lang="fr-FR" dirty="0" smtClean="0"/>
-              <a:t> (HTML5)</a:t>
-            </a:r>
-          </a:p>
-          <a:p>
-            <a:pPr lvl="3"/>
-            <a:r>
-              <a:rPr lang="fr-FR" dirty="0" smtClean="0"/>
-              <a:t>Via Ajax nécessite un serveur local</a:t>
-            </a:r>
-          </a:p>
-          <a:p>
-            <a:pPr lvl="2"/>
+              <a:t>Question de la charge de travail ?</a:t>
+            </a:r>
+          </a:p>
+          <a:p>
+            <a:pPr lvl="1"/>
+            <a:endParaRPr lang="fr-FR" dirty="0" smtClean="0"/>
+          </a:p>
+          <a:p>
+            <a:pPr lvl="1"/>
+            <a:endParaRPr lang="fr-FR" dirty="0"/>
+          </a:p>
+          <a:p>
             <a:endParaRPr lang="fr-FR" dirty="0"/>
           </a:p>
         </p:txBody>
@@ -11599,7 +12085,7 @@
     </p:spTree>
     <p:extLst>
       <p:ext uri="{BB962C8B-B14F-4D97-AF65-F5344CB8AC3E}">
-        <p14:creationId xmlns:p14="http://schemas.microsoft.com/office/powerpoint/2010/main" val="4138976322"/>
+        <p14:creationId xmlns:p14="http://schemas.microsoft.com/office/powerpoint/2010/main" val="3655028931"/>
       </p:ext>
     </p:extLst>
   </p:cSld>
@@ -11683,59 +12169,88 @@
         </p:nvSpPr>
         <p:spPr/>
         <p:txBody>
-          <a:bodyPr/>
-          <a:lstStyle/>
-          <a:p>
+          <a:bodyPr>
+            <a:normAutofit/>
+          </a:bodyPr>
+          <a:lstStyle/>
+          <a:p>
+            <a:r>
+              <a:rPr lang="fr-FR" dirty="0"/>
+              <a:t>Les favoris</a:t>
+            </a:r>
+          </a:p>
+          <a:p>
+            <a:pPr lvl="1"/>
+            <a:r>
+              <a:rPr lang="fr-FR" dirty="0"/>
+              <a:t>Fichiers</a:t>
+            </a:r>
+          </a:p>
+          <a:p>
+            <a:pPr lvl="2"/>
+            <a:r>
+              <a:rPr lang="fr-FR" dirty="0"/>
+              <a:t>Première version des favoris </a:t>
+            </a:r>
             <a:r>
               <a:rPr lang="fr-FR" dirty="0" smtClean="0"/>
-              <a:t>Les favoris</a:t>
-            </a:r>
-          </a:p>
-          <a:p>
-            <a:pPr lvl="1"/>
+              <a:t>utilise </a:t>
+            </a:r>
+            <a:r>
+              <a:rPr lang="fr-FR" dirty="0"/>
+              <a:t>les fichiers puis</a:t>
+            </a:r>
+          </a:p>
+          <a:p>
+            <a:pPr lvl="2"/>
+            <a:r>
+              <a:rPr lang="fr-FR" dirty="0"/>
+              <a:t>Prétexte pour étudier comment sauvegarder les préférences </a:t>
+            </a:r>
             <a:r>
               <a:rPr lang="fr-FR" dirty="0" smtClean="0"/>
-              <a:t>La </a:t>
-            </a:r>
-            <a:r>
-              <a:rPr lang="fr-FR" dirty="0"/>
-              <a:t>base de données Firefox</a:t>
+              <a:t>utilisateurs</a:t>
+            </a:r>
+          </a:p>
+          <a:p>
+            <a:pPr lvl="3"/>
+            <a:r>
+              <a:rPr lang="fr-FR" dirty="0" smtClean="0"/>
+              <a:t>Via un objet Firefox (problème de fiabilité)</a:t>
+            </a:r>
+          </a:p>
+          <a:p>
+            <a:pPr lvl="3"/>
+            <a:r>
+              <a:rPr lang="fr-FR" dirty="0" smtClean="0"/>
+              <a:t>Via </a:t>
+            </a:r>
+            <a:r>
+              <a:rPr lang="fr-FR" dirty="0" err="1" smtClean="0"/>
+              <a:t>FileReader</a:t>
+            </a:r>
+            <a:r>
+              <a:rPr lang="fr-FR" dirty="0" smtClean="0"/>
+              <a:t> et </a:t>
+            </a:r>
+            <a:r>
+              <a:rPr lang="fr-FR" dirty="0" err="1" smtClean="0"/>
+              <a:t>FileWriter</a:t>
+            </a:r>
+            <a:r>
+              <a:rPr lang="fr-FR" dirty="0" smtClean="0"/>
+              <a:t> (HTML5)</a:t>
+            </a:r>
+          </a:p>
+          <a:p>
+            <a:pPr lvl="3"/>
+            <a:r>
+              <a:rPr lang="fr-FR" dirty="0" smtClean="0"/>
+              <a:t>Via Ajax nécessite un serveur local</a:t>
             </a:r>
           </a:p>
           <a:p>
             <a:pPr lvl="2"/>
-            <a:r>
-              <a:rPr lang="fr-FR" dirty="0" err="1"/>
-              <a:t>BdD</a:t>
-            </a:r>
-            <a:r>
-              <a:rPr lang="fr-FR" dirty="0"/>
-              <a:t> </a:t>
-            </a:r>
-            <a:r>
-              <a:rPr lang="fr-FR" dirty="0" err="1"/>
-              <a:t>SQLite</a:t>
-            </a:r>
-            <a:r>
-              <a:rPr lang="fr-FR" dirty="0"/>
-              <a:t> manipulation des favoris à travers deux objets. </a:t>
-            </a:r>
-          </a:p>
-          <a:p>
-            <a:pPr lvl="2"/>
-            <a:r>
-              <a:rPr lang="fr-FR" dirty="0"/>
-              <a:t>Le premier servant pour la lecture, écriture, modification des informations sur un lien donné. </a:t>
-            </a:r>
-          </a:p>
-          <a:p>
-            <a:pPr lvl="2"/>
-            <a:r>
-              <a:rPr lang="fr-FR" dirty="0"/>
-              <a:t>Le second pour récupérer l’ensemble des liens suivant certains critères (répertoire, nom, etc.). </a:t>
-            </a:r>
-          </a:p>
-          <a:p>
             <a:endParaRPr lang="fr-FR" dirty="0"/>
           </a:p>
         </p:txBody>
@@ -11743,7 +12258,7 @@
     </p:spTree>
     <p:extLst>
       <p:ext uri="{BB962C8B-B14F-4D97-AF65-F5344CB8AC3E}">
-        <p14:creationId xmlns:p14="http://schemas.microsoft.com/office/powerpoint/2010/main" val="4119805540"/>
+        <p14:creationId xmlns:p14="http://schemas.microsoft.com/office/powerpoint/2010/main" val="4138976322"/>
       </p:ext>
     </p:extLst>
   </p:cSld>
@@ -11772,12 +12287,12 @@
       </p:grpSpPr>
       <p:sp>
         <p:nvSpPr>
-          <p:cNvPr id="5" name="Espace réservé du texte 4"/>
-          <p:cNvSpPr>
-            <a:spLocks noGrp="1"/>
-          </p:cNvSpPr>
-          <p:nvPr>
-            <p:ph type="body" idx="1"/>
+          <p:cNvPr id="2" name="Titre 1"/>
+          <p:cNvSpPr>
+            <a:spLocks noGrp="1"/>
+          </p:cNvSpPr>
+          <p:nvPr>
+            <p:ph type="title"/>
           </p:nvPr>
         </p:nvSpPr>
         <p:spPr/>
@@ -11786,33 +12301,9 @@
           <a:lstStyle/>
           <a:p>
             <a:r>
-              <a:rPr lang="fr-FR" dirty="0" smtClean="0"/>
-              <a:t>Balayage écran</a:t>
-            </a:r>
-            <a:endParaRPr lang="fr-FR" dirty="0"/>
-          </a:p>
-        </p:txBody>
-      </p:sp>
-      <p:sp>
-        <p:nvSpPr>
-          <p:cNvPr id="7" name="Espace réservé du texte 6"/>
-          <p:cNvSpPr>
-            <a:spLocks noGrp="1"/>
-          </p:cNvSpPr>
-          <p:nvPr>
-            <p:ph type="body" sz="half" idx="3"/>
-          </p:nvPr>
-        </p:nvSpPr>
-        <p:spPr/>
-        <p:txBody>
-          <a:bodyPr/>
-          <a:lstStyle/>
-          <a:p>
-            <a:r>
-              <a:rPr lang="fr-FR" dirty="0" smtClean="0"/>
-              <a:t>Balayage fenêtre</a:t>
-            </a:r>
-            <a:endParaRPr lang="fr-FR" dirty="0"/>
+              <a:rPr lang="fr-FR" dirty="0"/>
+              <a:t>Résolution de ces problèmes</a:t>
+            </a:r>
           </a:p>
         </p:txBody>
       </p:sp>
@@ -11834,6 +12325,174 @@
             <a:fld id="{0F242953-DAFC-495B-AE02-16ED9D37F665}" type="slidenum">
               <a:rPr lang="fr-FR" smtClean="0"/>
               <a:t>16</a:t>
+            </a:fld>
+            <a:endParaRPr lang="fr-FR"/>
+          </a:p>
+        </p:txBody>
+      </p:sp>
+      <p:sp>
+        <p:nvSpPr>
+          <p:cNvPr id="4" name="Espace réservé du contenu 3"/>
+          <p:cNvSpPr>
+            <a:spLocks noGrp="1"/>
+          </p:cNvSpPr>
+          <p:nvPr>
+            <p:ph sz="quarter" idx="1"/>
+          </p:nvPr>
+        </p:nvSpPr>
+        <p:spPr/>
+        <p:txBody>
+          <a:bodyPr/>
+          <a:lstStyle/>
+          <a:p>
+            <a:r>
+              <a:rPr lang="fr-FR" dirty="0" smtClean="0"/>
+              <a:t>Les favoris</a:t>
+            </a:r>
+          </a:p>
+          <a:p>
+            <a:pPr lvl="1"/>
+            <a:r>
+              <a:rPr lang="fr-FR" dirty="0" smtClean="0"/>
+              <a:t>La </a:t>
+            </a:r>
+            <a:r>
+              <a:rPr lang="fr-FR" dirty="0"/>
+              <a:t>base de données Firefox</a:t>
+            </a:r>
+          </a:p>
+          <a:p>
+            <a:pPr lvl="2"/>
+            <a:r>
+              <a:rPr lang="fr-FR" dirty="0" err="1"/>
+              <a:t>BdD</a:t>
+            </a:r>
+            <a:r>
+              <a:rPr lang="fr-FR" dirty="0"/>
+              <a:t> </a:t>
+            </a:r>
+            <a:r>
+              <a:rPr lang="fr-FR" dirty="0" err="1"/>
+              <a:t>SQLite</a:t>
+            </a:r>
+            <a:r>
+              <a:rPr lang="fr-FR" dirty="0"/>
+              <a:t> manipulation des favoris à travers deux objets. </a:t>
+            </a:r>
+          </a:p>
+          <a:p>
+            <a:pPr lvl="2"/>
+            <a:r>
+              <a:rPr lang="fr-FR" dirty="0"/>
+              <a:t>Le premier servant pour la lecture, écriture, modification des informations sur un lien donné. </a:t>
+            </a:r>
+          </a:p>
+          <a:p>
+            <a:pPr lvl="2"/>
+            <a:r>
+              <a:rPr lang="fr-FR" dirty="0"/>
+              <a:t>Le second pour récupérer l’ensemble des liens suivant certains critères (répertoire, nom, etc.). </a:t>
+            </a:r>
+          </a:p>
+          <a:p>
+            <a:endParaRPr lang="fr-FR" dirty="0"/>
+          </a:p>
+        </p:txBody>
+      </p:sp>
+    </p:spTree>
+    <p:extLst>
+      <p:ext uri="{BB962C8B-B14F-4D97-AF65-F5344CB8AC3E}">
+        <p14:creationId xmlns:p14="http://schemas.microsoft.com/office/powerpoint/2010/main" val="4119805540"/>
+      </p:ext>
+    </p:extLst>
+  </p:cSld>
+  <p:clrMapOvr>
+    <a:masterClrMapping/>
+  </p:clrMapOvr>
+</p:sld>
+</file>
+
+<file path=ppt/slides/slide17.xml><?xml version="1.0" encoding="utf-8"?>
+<p:sld xmlns:a="http://schemas.openxmlformats.org/drawingml/2006/main" xmlns:r="http://schemas.openxmlformats.org/officeDocument/2006/relationships" xmlns:p="http://schemas.openxmlformats.org/presentationml/2006/main">
+  <p:cSld>
+    <p:spTree>
+      <p:nvGrpSpPr>
+        <p:cNvPr id="1" name=""/>
+        <p:cNvGrpSpPr/>
+        <p:nvPr/>
+      </p:nvGrpSpPr>
+      <p:grpSpPr>
+        <a:xfrm>
+          <a:off x="0" y="0"/>
+          <a:ext cx="0" cy="0"/>
+          <a:chOff x="0" y="0"/>
+          <a:chExt cx="0" cy="0"/>
+        </a:xfrm>
+      </p:grpSpPr>
+      <p:sp>
+        <p:nvSpPr>
+          <p:cNvPr id="5" name="Espace réservé du texte 4"/>
+          <p:cNvSpPr>
+            <a:spLocks noGrp="1"/>
+          </p:cNvSpPr>
+          <p:nvPr>
+            <p:ph type="body" idx="1"/>
+          </p:nvPr>
+        </p:nvSpPr>
+        <p:spPr/>
+        <p:txBody>
+          <a:bodyPr/>
+          <a:lstStyle/>
+          <a:p>
+            <a:r>
+              <a:rPr lang="fr-FR" dirty="0" smtClean="0"/>
+              <a:t>Balayage écran</a:t>
+            </a:r>
+            <a:endParaRPr lang="fr-FR" dirty="0"/>
+          </a:p>
+        </p:txBody>
+      </p:sp>
+      <p:sp>
+        <p:nvSpPr>
+          <p:cNvPr id="7" name="Espace réservé du texte 6"/>
+          <p:cNvSpPr>
+            <a:spLocks noGrp="1"/>
+          </p:cNvSpPr>
+          <p:nvPr>
+            <p:ph type="body" sz="half" idx="3"/>
+          </p:nvPr>
+        </p:nvSpPr>
+        <p:spPr/>
+        <p:txBody>
+          <a:bodyPr/>
+          <a:lstStyle/>
+          <a:p>
+            <a:r>
+              <a:rPr lang="fr-FR" dirty="0" smtClean="0"/>
+              <a:t>Balayage fenêtre</a:t>
+            </a:r>
+            <a:endParaRPr lang="fr-FR" dirty="0"/>
+          </a:p>
+        </p:txBody>
+      </p:sp>
+      <p:sp>
+        <p:nvSpPr>
+          <p:cNvPr id="3" name="Espace réservé du numéro de diapositive 2"/>
+          <p:cNvSpPr>
+            <a:spLocks noGrp="1"/>
+          </p:cNvSpPr>
+          <p:nvPr>
+            <p:ph type="sldNum" sz="quarter" idx="12"/>
+          </p:nvPr>
+        </p:nvSpPr>
+        <p:spPr/>
+        <p:txBody>
+          <a:bodyPr/>
+          <a:lstStyle/>
+          <a:p>
+            <a:fld id="{0F242953-DAFC-495B-AE02-16ED9D37F665}" type="slidenum">
+              <a:rPr lang="fr-FR" smtClean="0"/>
+              <a:t>17</a:t>
             </a:fld>
             <a:endParaRPr lang="fr-FR"/>
           </a:p>
@@ -11944,129 +12603,6 @@
 </p:sld>
 </file>
 
-<file path=ppt/slides/slide17.xml><?xml version="1.0" encoding="utf-8"?>
-<p:sld xmlns:a="http://schemas.openxmlformats.org/drawingml/2006/main" xmlns:r="http://schemas.openxmlformats.org/officeDocument/2006/relationships" xmlns:p="http://schemas.openxmlformats.org/presentationml/2006/main">
-  <p:cSld>
-    <p:spTree>
-      <p:nvGrpSpPr>
-        <p:cNvPr id="1" name=""/>
-        <p:cNvGrpSpPr/>
-        <p:nvPr/>
-      </p:nvGrpSpPr>
-      <p:grpSpPr>
-        <a:xfrm>
-          <a:off x="0" y="0"/>
-          <a:ext cx="0" cy="0"/>
-          <a:chOff x="0" y="0"/>
-          <a:chExt cx="0" cy="0"/>
-        </a:xfrm>
-      </p:grpSpPr>
-      <p:sp>
-        <p:nvSpPr>
-          <p:cNvPr id="8" name="Titre 7"/>
-          <p:cNvSpPr>
-            <a:spLocks noGrp="1"/>
-          </p:cNvSpPr>
-          <p:nvPr>
-            <p:ph type="title"/>
-          </p:nvPr>
-        </p:nvSpPr>
-        <p:spPr/>
-        <p:txBody>
-          <a:bodyPr/>
-          <a:lstStyle/>
-          <a:p>
-            <a:r>
-              <a:rPr lang="fr-FR" dirty="0"/>
-              <a:t>Résolution de ces problèmes</a:t>
-            </a:r>
-          </a:p>
-        </p:txBody>
-      </p:sp>
-      <p:sp>
-        <p:nvSpPr>
-          <p:cNvPr id="6" name="Espace réservé du numéro de diapositive 5"/>
-          <p:cNvSpPr>
-            <a:spLocks noGrp="1"/>
-          </p:cNvSpPr>
-          <p:nvPr>
-            <p:ph type="sldNum" sz="quarter" idx="12"/>
-          </p:nvPr>
-        </p:nvSpPr>
-        <p:spPr/>
-        <p:txBody>
-          <a:bodyPr/>
-          <a:lstStyle/>
-          <a:p>
-            <a:fld id="{0F242953-DAFC-495B-AE02-16ED9D37F665}" type="slidenum">
-              <a:rPr lang="fr-FR" smtClean="0"/>
-              <a:t>17</a:t>
-            </a:fld>
-            <a:endParaRPr lang="fr-FR"/>
-          </a:p>
-        </p:txBody>
-      </p:sp>
-      <p:sp>
-        <p:nvSpPr>
-          <p:cNvPr id="9" name="Espace réservé du contenu 8"/>
-          <p:cNvSpPr>
-            <a:spLocks noGrp="1"/>
-          </p:cNvSpPr>
-          <p:nvPr>
-            <p:ph sz="quarter" idx="1"/>
-          </p:nvPr>
-        </p:nvSpPr>
-        <p:spPr/>
-        <p:txBody>
-          <a:bodyPr/>
-          <a:lstStyle/>
-          <a:p>
-            <a:pPr marL="514350" indent="-514350">
-              <a:buFont typeface="+mj-lt"/>
-              <a:buAutoNum type="arabicPeriod" startAt="3"/>
-            </a:pPr>
-            <a:r>
-              <a:rPr lang="fr-FR" dirty="0" smtClean="0"/>
-              <a:t>Téléchargement</a:t>
-            </a:r>
-          </a:p>
-          <a:p>
-            <a:pPr lvl="1"/>
-            <a:r>
-              <a:rPr lang="fr-FR" dirty="0" smtClean="0"/>
-              <a:t>Délégation à Vimperator</a:t>
-            </a:r>
-          </a:p>
-          <a:p>
-            <a:pPr lvl="1"/>
-            <a:r>
-              <a:rPr lang="fr-FR" dirty="0" smtClean="0"/>
-              <a:t>Le soucis apparaît au moment de l’ouverture de modale</a:t>
-            </a:r>
-          </a:p>
-          <a:p>
-            <a:pPr lvl="1"/>
-            <a:r>
-              <a:rPr lang="fr-FR" dirty="0" smtClean="0"/>
-              <a:t>Solution : utiliser un balayage écran</a:t>
-            </a:r>
-            <a:endParaRPr lang="fr-FR" dirty="0"/>
-          </a:p>
-        </p:txBody>
-      </p:sp>
-    </p:spTree>
-    <p:extLst>
-      <p:ext uri="{BB962C8B-B14F-4D97-AF65-F5344CB8AC3E}">
-        <p14:creationId xmlns:p14="http://schemas.microsoft.com/office/powerpoint/2010/main" val="1904742545"/>
-      </p:ext>
-    </p:extLst>
-  </p:cSld>
-  <p:clrMapOvr>
-    <a:masterClrMapping/>
-  </p:clrMapOvr>
-</p:sld>
-</file>
-
 <file path=ppt/slides/slide18.xml><?xml version="1.0" encoding="utf-8"?>
 <p:sld xmlns:a="http://schemas.openxmlformats.org/drawingml/2006/main" xmlns:r="http://schemas.openxmlformats.org/officeDocument/2006/relationships" xmlns:p="http://schemas.openxmlformats.org/presentationml/2006/main">
   <p:cSld>
@@ -12086,7 +12622,7 @@
       </p:grpSpPr>
       <p:sp>
         <p:nvSpPr>
-          <p:cNvPr id="2" name="Titre 1"/>
+          <p:cNvPr id="8" name="Titre 7"/>
           <p:cNvSpPr>
             <a:spLocks noGrp="1"/>
           </p:cNvSpPr>
@@ -12108,7 +12644,7 @@
       </p:sp>
       <p:sp>
         <p:nvSpPr>
-          <p:cNvPr id="3" name="Espace réservé du numéro de diapositive 2"/>
+          <p:cNvPr id="6" name="Espace réservé du numéro de diapositive 5"/>
           <p:cNvSpPr>
             <a:spLocks noGrp="1"/>
           </p:cNvSpPr>
@@ -12131,7 +12667,7 @@
       </p:sp>
       <p:sp>
         <p:nvSpPr>
-          <p:cNvPr id="4" name="Espace réservé du contenu 3"/>
+          <p:cNvPr id="9" name="Espace réservé du contenu 8"/>
           <p:cNvSpPr>
             <a:spLocks noGrp="1"/>
           </p:cNvSpPr>
@@ -12146,63 +12682,32 @@
           <a:p>
             <a:pPr marL="514350" indent="-514350">
               <a:buFont typeface="+mj-lt"/>
-              <a:buAutoNum type="arabicPeriod" startAt="4"/>
+              <a:buAutoNum type="arabicPeriod" startAt="3"/>
             </a:pPr>
             <a:r>
               <a:rPr lang="fr-FR" dirty="0" smtClean="0"/>
-              <a:t>Vidéo et musique</a:t>
+              <a:t>Téléchargement</a:t>
             </a:r>
           </a:p>
           <a:p>
             <a:pPr lvl="1"/>
             <a:r>
               <a:rPr lang="fr-FR" dirty="0" smtClean="0"/>
-              <a:t>Nombreuses solutions (balise &lt;</a:t>
-            </a:r>
-            <a:r>
-              <a:rPr lang="fr-FR" dirty="0" err="1" smtClean="0"/>
-              <a:t>embed</a:t>
-            </a:r>
+              <a:t>Délégation à Vimperator</a:t>
+            </a:r>
+          </a:p>
+          <a:p>
+            <a:pPr lvl="1"/>
             <a:r>
               <a:rPr lang="fr-FR" dirty="0" smtClean="0"/>
-              <a:t>&gt;, &lt;</a:t>
-            </a:r>
-            <a:r>
-              <a:rPr lang="fr-FR" dirty="0" err="1" smtClean="0"/>
-              <a:t>object</a:t>
-            </a:r>
+              <a:t>Le soucis apparaît au moment de l’ouverture de modale</a:t>
+            </a:r>
+          </a:p>
+          <a:p>
+            <a:pPr lvl="1"/>
             <a:r>
               <a:rPr lang="fr-FR" dirty="0" smtClean="0"/>
-              <a:t>&gt;, avec HTML5 &lt;</a:t>
-            </a:r>
-            <a:r>
-              <a:rPr lang="fr-FR" dirty="0" err="1" smtClean="0"/>
-              <a:t>video</a:t>
-            </a:r>
-            <a:r>
-              <a:rPr lang="fr-FR" dirty="0" smtClean="0"/>
-              <a:t>&gt;</a:t>
-            </a:r>
-          </a:p>
-          <a:p>
-            <a:pPr lvl="1"/>
-            <a:r>
-              <a:rPr lang="fr-FR" dirty="0" smtClean="0"/>
-              <a:t>Problème d’imbrication de balise pour la portabilité vers différent navigateur</a:t>
-            </a:r>
-          </a:p>
-          <a:p>
-            <a:pPr lvl="1"/>
-            <a:r>
-              <a:rPr lang="fr-FR" dirty="0" smtClean="0"/>
-              <a:t>Toutes manipulables avec JavaScript</a:t>
-            </a:r>
-          </a:p>
-          <a:p>
-            <a:pPr lvl="1"/>
-            <a:r>
-              <a:rPr lang="fr-FR" dirty="0" smtClean="0"/>
-              <a:t>Autre solution utiliser le balayage-écran</a:t>
+              <a:t>Solution : utiliser un balayage écran</a:t>
             </a:r>
             <a:endParaRPr lang="fr-FR" dirty="0"/>
           </a:p>
@@ -12211,7 +12716,7 @@
     </p:spTree>
     <p:extLst>
       <p:ext uri="{BB962C8B-B14F-4D97-AF65-F5344CB8AC3E}">
-        <p14:creationId xmlns:p14="http://schemas.microsoft.com/office/powerpoint/2010/main" val="1499721758"/>
+        <p14:creationId xmlns:p14="http://schemas.microsoft.com/office/powerpoint/2010/main" val="1904742545"/>
       </p:ext>
     </p:extLst>
   </p:cSld>
@@ -12300,49 +12805,63 @@
           <a:p>
             <a:pPr marL="514350" indent="-514350">
               <a:buFont typeface="+mj-lt"/>
-              <a:buAutoNum type="arabicPeriod" startAt="5"/>
+              <a:buAutoNum type="arabicPeriod" startAt="4"/>
             </a:pPr>
             <a:r>
               <a:rPr lang="fr-FR" dirty="0" smtClean="0"/>
-              <a:t>Copier/Coller</a:t>
+              <a:t>Vidéo et musique</a:t>
             </a:r>
           </a:p>
           <a:p>
             <a:pPr lvl="1"/>
             <a:r>
               <a:rPr lang="fr-FR" dirty="0" smtClean="0"/>
-              <a:t>Manipulation apparemment interdite</a:t>
+              <a:t>Nombreuses solutions (balise &lt;</a:t>
+            </a:r>
+            <a:r>
+              <a:rPr lang="fr-FR" dirty="0" err="1" smtClean="0"/>
+              <a:t>embed</a:t>
+            </a:r>
+            <a:r>
+              <a:rPr lang="fr-FR" dirty="0" smtClean="0"/>
+              <a:t>&gt;, &lt;</a:t>
+            </a:r>
+            <a:r>
+              <a:rPr lang="fr-FR" dirty="0" err="1" smtClean="0"/>
+              <a:t>object</a:t>
+            </a:r>
+            <a:r>
+              <a:rPr lang="fr-FR" dirty="0" smtClean="0"/>
+              <a:t>&gt;, avec HTML5 &lt;</a:t>
+            </a:r>
+            <a:r>
+              <a:rPr lang="fr-FR" dirty="0" err="1" smtClean="0"/>
+              <a:t>video</a:t>
+            </a:r>
+            <a:r>
+              <a:rPr lang="fr-FR" dirty="0" smtClean="0"/>
+              <a:t>&gt;</a:t>
             </a:r>
           </a:p>
           <a:p>
             <a:pPr lvl="1"/>
             <a:r>
               <a:rPr lang="fr-FR" dirty="0" smtClean="0"/>
-              <a:t>Proposition : passer par le CGI</a:t>
-            </a:r>
-          </a:p>
-          <a:p>
-            <a:pPr marL="514350" indent="-514350">
-              <a:buFont typeface="+mj-lt"/>
-              <a:buAutoNum type="arabicPeriod" startAt="5"/>
-            </a:pPr>
+              <a:t>Problème d’imbrication de balise pour la portabilité vers différent navigateur</a:t>
+            </a:r>
+          </a:p>
+          <a:p>
+            <a:pPr lvl="1"/>
             <a:r>
               <a:rPr lang="fr-FR" dirty="0" smtClean="0"/>
-              <a:t>Impression</a:t>
+              <a:t>Toutes manipulables avec JavaScript</a:t>
             </a:r>
           </a:p>
           <a:p>
             <a:pPr lvl="1"/>
             <a:r>
               <a:rPr lang="fr-FR" dirty="0" smtClean="0"/>
-              <a:t>Possible via JavaScript</a:t>
-            </a:r>
-          </a:p>
-          <a:p>
-            <a:pPr lvl="1"/>
-            <a:r>
-              <a:rPr lang="fr-FR" dirty="0" smtClean="0"/>
-              <a:t>Ou balayage-écran</a:t>
+              <a:t>Autre solution utiliser le balayage-écran</a:t>
             </a:r>
             <a:endParaRPr lang="fr-FR" dirty="0"/>
           </a:p>
@@ -12351,7 +12870,7 @@
     </p:spTree>
     <p:extLst>
       <p:ext uri="{BB962C8B-B14F-4D97-AF65-F5344CB8AC3E}">
-        <p14:creationId xmlns:p14="http://schemas.microsoft.com/office/powerpoint/2010/main" val="3978637289"/>
+        <p14:creationId xmlns:p14="http://schemas.microsoft.com/office/powerpoint/2010/main" val="1499721758"/>
       </p:ext>
     </p:extLst>
   </p:cSld>
@@ -12395,7 +12914,7 @@
           <a:p>
             <a:r>
               <a:rPr lang="fr-FR" dirty="0" smtClean="0"/>
-              <a:t>Objectif</a:t>
+              <a:t>Sommaire</a:t>
             </a:r>
             <a:endParaRPr lang="fr-FR" dirty="0"/>
           </a:p>
@@ -12403,7 +12922,7 @@
       </p:sp>
       <p:sp>
         <p:nvSpPr>
-          <p:cNvPr id="4" name="Espace réservé du numéro de diapositive 3"/>
+          <p:cNvPr id="3" name="Espace réservé du numéro de diapositive 2"/>
           <p:cNvSpPr>
             <a:spLocks noGrp="1"/>
           </p:cNvSpPr>
@@ -12426,7 +12945,7 @@
       </p:sp>
       <p:sp>
         <p:nvSpPr>
-          <p:cNvPr id="3" name="Espace réservé du contenu 2"/>
+          <p:cNvPr id="4" name="Espace réservé du contenu 3"/>
           <p:cNvSpPr>
             <a:spLocks noGrp="1"/>
           </p:cNvSpPr>
@@ -12441,10 +12960,39 @@
           <a:p>
             <a:r>
               <a:rPr lang="fr-FR" dirty="0" smtClean="0"/>
-              <a:t>Rendre le web accessible aux personnes handicapées physiques</a:t>
-            </a:r>
-          </a:p>
-          <a:p>
+              <a:t>Objectif</a:t>
+            </a:r>
+          </a:p>
+          <a:p>
+            <a:r>
+              <a:rPr lang="fr-FR" dirty="0" smtClean="0"/>
+              <a:t>Moyens</a:t>
+            </a:r>
+          </a:p>
+          <a:p>
+            <a:r>
+              <a:rPr lang="fr-FR" dirty="0" smtClean="0"/>
+              <a:t>Existant</a:t>
+            </a:r>
+          </a:p>
+          <a:p>
+            <a:r>
+              <a:rPr lang="fr-FR" dirty="0" err="1" smtClean="0"/>
+              <a:t>Vimperator</a:t>
+            </a:r>
+            <a:endParaRPr lang="fr-FR" dirty="0" smtClean="0"/>
+          </a:p>
+          <a:p>
+            <a:r>
+              <a:rPr lang="fr-FR" dirty="0" smtClean="0"/>
+              <a:t>Notre démarche</a:t>
+            </a:r>
+          </a:p>
+          <a:p>
+            <a:r>
+              <a:rPr lang="fr-FR" dirty="0" smtClean="0"/>
+              <a:t>Conclusion</a:t>
+            </a:r>
             <a:endParaRPr lang="fr-FR" dirty="0"/>
           </a:p>
         </p:txBody>
@@ -12452,7 +13000,7 @@
     </p:spTree>
     <p:extLst>
       <p:ext uri="{BB962C8B-B14F-4D97-AF65-F5344CB8AC3E}">
-        <p14:creationId xmlns:p14="http://schemas.microsoft.com/office/powerpoint/2010/main" val="2554208347"/>
+        <p14:creationId xmlns:p14="http://schemas.microsoft.com/office/powerpoint/2010/main" val="2879116946"/>
       </p:ext>
     </p:extLst>
   </p:cSld>
@@ -12495,10 +13043,9 @@
           <a:lstStyle/>
           <a:p>
             <a:r>
-              <a:rPr lang="fr-FR" dirty="0" smtClean="0"/>
-              <a:t>Technologie &amp; vise en œuvre du plug-in</a:t>
-            </a:r>
-            <a:endParaRPr lang="fr-FR" dirty="0"/>
+              <a:rPr lang="fr-FR" dirty="0"/>
+              <a:t>Résolution de ces problèmes</a:t>
+            </a:r>
           </a:p>
         </p:txBody>
       </p:sp>
@@ -12520,6 +13067,155 @@
             <a:fld id="{0F242953-DAFC-495B-AE02-16ED9D37F665}" type="slidenum">
               <a:rPr lang="fr-FR" smtClean="0"/>
               <a:t>20</a:t>
+            </a:fld>
+            <a:endParaRPr lang="fr-FR"/>
+          </a:p>
+        </p:txBody>
+      </p:sp>
+      <p:sp>
+        <p:nvSpPr>
+          <p:cNvPr id="4" name="Espace réservé du contenu 3"/>
+          <p:cNvSpPr>
+            <a:spLocks noGrp="1"/>
+          </p:cNvSpPr>
+          <p:nvPr>
+            <p:ph sz="quarter" idx="1"/>
+          </p:nvPr>
+        </p:nvSpPr>
+        <p:spPr/>
+        <p:txBody>
+          <a:bodyPr/>
+          <a:lstStyle/>
+          <a:p>
+            <a:pPr marL="514350" indent="-514350">
+              <a:buFont typeface="+mj-lt"/>
+              <a:buAutoNum type="arabicPeriod" startAt="5"/>
+            </a:pPr>
+            <a:r>
+              <a:rPr lang="fr-FR" dirty="0" smtClean="0"/>
+              <a:t>Copier/Coller</a:t>
+            </a:r>
+          </a:p>
+          <a:p>
+            <a:pPr lvl="1"/>
+            <a:r>
+              <a:rPr lang="fr-FR" dirty="0" smtClean="0"/>
+              <a:t>Manipulation apparemment interdite</a:t>
+            </a:r>
+          </a:p>
+          <a:p>
+            <a:pPr lvl="1"/>
+            <a:r>
+              <a:rPr lang="fr-FR" dirty="0" smtClean="0"/>
+              <a:t>Proposition : passer par le CGI</a:t>
+            </a:r>
+          </a:p>
+          <a:p>
+            <a:pPr marL="514350" indent="-514350">
+              <a:buFont typeface="+mj-lt"/>
+              <a:buAutoNum type="arabicPeriod" startAt="5"/>
+            </a:pPr>
+            <a:r>
+              <a:rPr lang="fr-FR" dirty="0" smtClean="0"/>
+              <a:t>Impression</a:t>
+            </a:r>
+          </a:p>
+          <a:p>
+            <a:pPr lvl="1"/>
+            <a:r>
+              <a:rPr lang="fr-FR" dirty="0" smtClean="0"/>
+              <a:t>Possible via JavaScript</a:t>
+            </a:r>
+          </a:p>
+          <a:p>
+            <a:pPr lvl="1"/>
+            <a:r>
+              <a:rPr lang="fr-FR" dirty="0" smtClean="0"/>
+              <a:t>Ou balayage-écran</a:t>
+            </a:r>
+            <a:endParaRPr lang="fr-FR" dirty="0"/>
+          </a:p>
+        </p:txBody>
+      </p:sp>
+    </p:spTree>
+    <p:extLst>
+      <p:ext uri="{BB962C8B-B14F-4D97-AF65-F5344CB8AC3E}">
+        <p14:creationId xmlns:p14="http://schemas.microsoft.com/office/powerpoint/2010/main" val="3978637289"/>
+      </p:ext>
+    </p:extLst>
+  </p:cSld>
+  <p:clrMapOvr>
+    <a:masterClrMapping/>
+  </p:clrMapOvr>
+</p:sld>
+</file>
+
+<file path=ppt/slides/slide21.xml><?xml version="1.0" encoding="utf-8"?>
+<p:sld xmlns:a="http://schemas.openxmlformats.org/drawingml/2006/main" xmlns:r="http://schemas.openxmlformats.org/officeDocument/2006/relationships" xmlns:p="http://schemas.openxmlformats.org/presentationml/2006/main">
+  <p:cSld>
+    <p:spTree>
+      <p:nvGrpSpPr>
+        <p:cNvPr id="1" name=""/>
+        <p:cNvGrpSpPr/>
+        <p:nvPr/>
+      </p:nvGrpSpPr>
+      <p:grpSpPr>
+        <a:xfrm>
+          <a:off x="0" y="0"/>
+          <a:ext cx="0" cy="0"/>
+          <a:chOff x="0" y="0"/>
+          <a:chExt cx="0" cy="0"/>
+        </a:xfrm>
+      </p:grpSpPr>
+      <p:sp>
+        <p:nvSpPr>
+          <p:cNvPr id="2" name="Titre 1"/>
+          <p:cNvSpPr>
+            <a:spLocks noGrp="1"/>
+          </p:cNvSpPr>
+          <p:nvPr>
+            <p:ph type="title"/>
+          </p:nvPr>
+        </p:nvSpPr>
+        <p:spPr/>
+        <p:txBody>
+          <a:bodyPr/>
+          <a:lstStyle/>
+          <a:p>
+            <a:r>
+              <a:rPr lang="fr-FR" dirty="0" smtClean="0"/>
+              <a:t>Technologie &amp; </a:t>
+            </a:r>
+            <a:r>
+              <a:rPr lang="fr-FR" dirty="0" smtClean="0"/>
+              <a:t>mise </a:t>
+            </a:r>
+            <a:r>
+              <a:rPr lang="fr-FR" dirty="0" smtClean="0"/>
+              <a:t>en œuvre du plug-in</a:t>
+            </a:r>
+            <a:endParaRPr lang="fr-FR" dirty="0"/>
+          </a:p>
+        </p:txBody>
+      </p:sp>
+      <p:sp>
+        <p:nvSpPr>
+          <p:cNvPr id="3" name="Espace réservé du numéro de diapositive 2"/>
+          <p:cNvSpPr>
+            <a:spLocks noGrp="1"/>
+          </p:cNvSpPr>
+          <p:nvPr>
+            <p:ph type="sldNum" sz="quarter" idx="12"/>
+          </p:nvPr>
+        </p:nvSpPr>
+        <p:spPr/>
+        <p:txBody>
+          <a:bodyPr/>
+          <a:lstStyle/>
+          <a:p>
+            <a:fld id="{0F242953-DAFC-495B-AE02-16ED9D37F665}" type="slidenum">
+              <a:rPr lang="fr-FR" smtClean="0"/>
+              <a:t>21</a:t>
             </a:fld>
             <a:endParaRPr lang="fr-FR"/>
           </a:p>
@@ -12692,111 +13388,6 @@
 </p:sld>
 </file>
 
-<file path=ppt/slides/slide21.xml><?xml version="1.0" encoding="utf-8"?>
-<p:sld xmlns:a="http://schemas.openxmlformats.org/drawingml/2006/main" xmlns:r="http://schemas.openxmlformats.org/officeDocument/2006/relationships" xmlns:p="http://schemas.openxmlformats.org/presentationml/2006/main">
-  <p:cSld>
-    <p:spTree>
-      <p:nvGrpSpPr>
-        <p:cNvPr id="1" name=""/>
-        <p:cNvGrpSpPr/>
-        <p:nvPr/>
-      </p:nvGrpSpPr>
-      <p:grpSpPr>
-        <a:xfrm>
-          <a:off x="0" y="0"/>
-          <a:ext cx="0" cy="0"/>
-          <a:chOff x="0" y="0"/>
-          <a:chExt cx="0" cy="0"/>
-        </a:xfrm>
-      </p:grpSpPr>
-      <p:sp>
-        <p:nvSpPr>
-          <p:cNvPr id="2" name="Titre 1"/>
-          <p:cNvSpPr>
-            <a:spLocks noGrp="1"/>
-          </p:cNvSpPr>
-          <p:nvPr>
-            <p:ph type="title"/>
-          </p:nvPr>
-        </p:nvSpPr>
-        <p:spPr/>
-        <p:txBody>
-          <a:bodyPr/>
-          <a:lstStyle/>
-          <a:p>
-            <a:r>
-              <a:rPr lang="fr-FR" dirty="0"/>
-              <a:t>Technologie &amp; vise en œuvre du plug-in</a:t>
-            </a:r>
-          </a:p>
-        </p:txBody>
-      </p:sp>
-      <p:sp>
-        <p:nvSpPr>
-          <p:cNvPr id="3" name="Espace réservé du numéro de diapositive 2"/>
-          <p:cNvSpPr>
-            <a:spLocks noGrp="1"/>
-          </p:cNvSpPr>
-          <p:nvPr>
-            <p:ph type="sldNum" sz="quarter" idx="12"/>
-          </p:nvPr>
-        </p:nvSpPr>
-        <p:spPr/>
-        <p:txBody>
-          <a:bodyPr/>
-          <a:lstStyle/>
-          <a:p>
-            <a:fld id="{0F242953-DAFC-495B-AE02-16ED9D37F665}" type="slidenum">
-              <a:rPr lang="fr-FR" smtClean="0"/>
-              <a:t>21</a:t>
-            </a:fld>
-            <a:endParaRPr lang="fr-FR"/>
-          </a:p>
-        </p:txBody>
-      </p:sp>
-      <p:sp>
-        <p:nvSpPr>
-          <p:cNvPr id="4" name="Espace réservé du contenu 3"/>
-          <p:cNvSpPr>
-            <a:spLocks noGrp="1"/>
-          </p:cNvSpPr>
-          <p:nvPr>
-            <p:ph sz="quarter" idx="1"/>
-          </p:nvPr>
-        </p:nvSpPr>
-        <p:spPr/>
-        <p:txBody>
-          <a:bodyPr/>
-          <a:lstStyle/>
-          <a:p>
-            <a:r>
-              <a:rPr lang="fr-FR" dirty="0" smtClean="0"/>
-              <a:t>JavaScript</a:t>
-            </a:r>
-          </a:p>
-          <a:p>
-            <a:pPr lvl="1"/>
-            <a:r>
-              <a:rPr lang="fr-FR" dirty="0" smtClean="0"/>
-              <a:t>Permet d’amener le dynamisme de la même manière que pour HTML</a:t>
-            </a:r>
-            <a:endParaRPr lang="fr-FR" dirty="0"/>
-          </a:p>
-        </p:txBody>
-      </p:sp>
-    </p:spTree>
-    <p:extLst>
-      <p:ext uri="{BB962C8B-B14F-4D97-AF65-F5344CB8AC3E}">
-        <p14:creationId xmlns:p14="http://schemas.microsoft.com/office/powerpoint/2010/main" val="4230161827"/>
-      </p:ext>
-    </p:extLst>
-  </p:cSld>
-  <p:clrMapOvr>
-    <a:masterClrMapping/>
-  </p:clrMapOvr>
-</p:sld>
-</file>
-
 <file path=ppt/slides/slide22.xml><?xml version="1.0" encoding="utf-8"?>
 <p:sld xmlns:a="http://schemas.openxmlformats.org/drawingml/2006/main" xmlns:r="http://schemas.openxmlformats.org/officeDocument/2006/relationships" xmlns:p="http://schemas.openxmlformats.org/presentationml/2006/main">
   <p:cSld>
@@ -12831,7 +13422,15 @@
           <a:p>
             <a:r>
               <a:rPr lang="fr-FR" dirty="0"/>
-              <a:t>Technologie &amp; vise en œuvre du plug-in</a:t>
+              <a:t>Technologie &amp; </a:t>
+            </a:r>
+            <a:r>
+              <a:rPr lang="fr-FR" dirty="0" smtClean="0"/>
+              <a:t>mise </a:t>
+            </a:r>
+            <a:r>
+              <a:rPr lang="fr-FR" dirty="0"/>
+              <a:t>en œuvre du plug-in</a:t>
             </a:r>
           </a:p>
         </p:txBody>
@@ -12876,6 +13475,119 @@
           <a:p>
             <a:r>
               <a:rPr lang="fr-FR" dirty="0" smtClean="0"/>
+              <a:t>JavaScript</a:t>
+            </a:r>
+          </a:p>
+          <a:p>
+            <a:pPr lvl="1"/>
+            <a:r>
+              <a:rPr lang="fr-FR" dirty="0" smtClean="0"/>
+              <a:t>Permet d’amener le dynamisme de la même manière que pour HTML</a:t>
+            </a:r>
+            <a:endParaRPr lang="fr-FR" dirty="0"/>
+          </a:p>
+        </p:txBody>
+      </p:sp>
+    </p:spTree>
+    <p:extLst>
+      <p:ext uri="{BB962C8B-B14F-4D97-AF65-F5344CB8AC3E}">
+        <p14:creationId xmlns:p14="http://schemas.microsoft.com/office/powerpoint/2010/main" val="4230161827"/>
+      </p:ext>
+    </p:extLst>
+  </p:cSld>
+  <p:clrMapOvr>
+    <a:masterClrMapping/>
+  </p:clrMapOvr>
+</p:sld>
+</file>
+
+<file path=ppt/slides/slide23.xml><?xml version="1.0" encoding="utf-8"?>
+<p:sld xmlns:a="http://schemas.openxmlformats.org/drawingml/2006/main" xmlns:r="http://schemas.openxmlformats.org/officeDocument/2006/relationships" xmlns:p="http://schemas.openxmlformats.org/presentationml/2006/main">
+  <p:cSld>
+    <p:spTree>
+      <p:nvGrpSpPr>
+        <p:cNvPr id="1" name=""/>
+        <p:cNvGrpSpPr/>
+        <p:nvPr/>
+      </p:nvGrpSpPr>
+      <p:grpSpPr>
+        <a:xfrm>
+          <a:off x="0" y="0"/>
+          <a:ext cx="0" cy="0"/>
+          <a:chOff x="0" y="0"/>
+          <a:chExt cx="0" cy="0"/>
+        </a:xfrm>
+      </p:grpSpPr>
+      <p:sp>
+        <p:nvSpPr>
+          <p:cNvPr id="2" name="Titre 1"/>
+          <p:cNvSpPr>
+            <a:spLocks noGrp="1"/>
+          </p:cNvSpPr>
+          <p:nvPr>
+            <p:ph type="title"/>
+          </p:nvPr>
+        </p:nvSpPr>
+        <p:spPr/>
+        <p:txBody>
+          <a:bodyPr/>
+          <a:lstStyle/>
+          <a:p>
+            <a:r>
+              <a:rPr lang="fr-FR" dirty="0"/>
+              <a:t>Technologie &amp; </a:t>
+            </a:r>
+            <a:r>
+              <a:rPr lang="fr-FR" dirty="0" smtClean="0"/>
+              <a:t>mise </a:t>
+            </a:r>
+            <a:r>
+              <a:rPr lang="fr-FR" dirty="0"/>
+              <a:t>en œuvre du plug-in</a:t>
+            </a:r>
+          </a:p>
+        </p:txBody>
+      </p:sp>
+      <p:sp>
+        <p:nvSpPr>
+          <p:cNvPr id="3" name="Espace réservé du numéro de diapositive 2"/>
+          <p:cNvSpPr>
+            <a:spLocks noGrp="1"/>
+          </p:cNvSpPr>
+          <p:nvPr>
+            <p:ph type="sldNum" sz="quarter" idx="12"/>
+          </p:nvPr>
+        </p:nvSpPr>
+        <p:spPr/>
+        <p:txBody>
+          <a:bodyPr/>
+          <a:lstStyle/>
+          <a:p>
+            <a:fld id="{0F242953-DAFC-495B-AE02-16ED9D37F665}" type="slidenum">
+              <a:rPr lang="fr-FR" smtClean="0"/>
+              <a:t>23</a:t>
+            </a:fld>
+            <a:endParaRPr lang="fr-FR"/>
+          </a:p>
+        </p:txBody>
+      </p:sp>
+      <p:sp>
+        <p:nvSpPr>
+          <p:cNvPr id="4" name="Espace réservé du contenu 3"/>
+          <p:cNvSpPr>
+            <a:spLocks noGrp="1"/>
+          </p:cNvSpPr>
+          <p:nvPr>
+            <p:ph sz="quarter" idx="1"/>
+          </p:nvPr>
+        </p:nvSpPr>
+        <p:spPr/>
+        <p:txBody>
+          <a:bodyPr/>
+          <a:lstStyle/>
+          <a:p>
+            <a:r>
+              <a:rPr lang="fr-FR" dirty="0" smtClean="0"/>
               <a:t>Ajax</a:t>
             </a:r>
           </a:p>
@@ -12904,6 +13616,757 @@
     <p:extLst>
       <p:ext uri="{BB962C8B-B14F-4D97-AF65-F5344CB8AC3E}">
         <p14:creationId xmlns:p14="http://schemas.microsoft.com/office/powerpoint/2010/main" val="520033418"/>
+      </p:ext>
+    </p:extLst>
+  </p:cSld>
+  <p:clrMapOvr>
+    <a:masterClrMapping/>
+  </p:clrMapOvr>
+</p:sld>
+</file>
+
+<file path=ppt/slides/slide24.xml><?xml version="1.0" encoding="utf-8"?>
+<p:sld xmlns:a="http://schemas.openxmlformats.org/drawingml/2006/main" xmlns:r="http://schemas.openxmlformats.org/officeDocument/2006/relationships" xmlns:p="http://schemas.openxmlformats.org/presentationml/2006/main">
+  <p:cSld>
+    <p:spTree>
+      <p:nvGrpSpPr>
+        <p:cNvPr id="1" name=""/>
+        <p:cNvGrpSpPr/>
+        <p:nvPr/>
+      </p:nvGrpSpPr>
+      <p:grpSpPr>
+        <a:xfrm>
+          <a:off x="0" y="0"/>
+          <a:ext cx="0" cy="0"/>
+          <a:chOff x="0" y="0"/>
+          <a:chExt cx="0" cy="0"/>
+        </a:xfrm>
+      </p:grpSpPr>
+      <p:sp>
+        <p:nvSpPr>
+          <p:cNvPr id="2" name="Titre 1"/>
+          <p:cNvSpPr>
+            <a:spLocks noGrp="1"/>
+          </p:cNvSpPr>
+          <p:nvPr>
+            <p:ph type="title"/>
+          </p:nvPr>
+        </p:nvSpPr>
+        <p:spPr/>
+        <p:txBody>
+          <a:bodyPr/>
+          <a:lstStyle/>
+          <a:p>
+            <a:r>
+              <a:rPr lang="fr-FR" dirty="0"/>
+              <a:t>Technologie &amp; mise en œuvre du plug-in</a:t>
+            </a:r>
+          </a:p>
+        </p:txBody>
+      </p:sp>
+      <p:sp>
+        <p:nvSpPr>
+          <p:cNvPr id="3" name="Espace réservé du numéro de diapositive 2"/>
+          <p:cNvSpPr>
+            <a:spLocks noGrp="1"/>
+          </p:cNvSpPr>
+          <p:nvPr>
+            <p:ph type="sldNum" sz="quarter" idx="12"/>
+          </p:nvPr>
+        </p:nvSpPr>
+        <p:spPr/>
+        <p:txBody>
+          <a:bodyPr/>
+          <a:lstStyle/>
+          <a:p>
+            <a:fld id="{0F242953-DAFC-495B-AE02-16ED9D37F665}" type="slidenum">
+              <a:rPr lang="fr-FR" smtClean="0"/>
+              <a:t>24</a:t>
+            </a:fld>
+            <a:endParaRPr lang="fr-FR"/>
+          </a:p>
+        </p:txBody>
+      </p:sp>
+      <p:sp>
+        <p:nvSpPr>
+          <p:cNvPr id="4" name="Espace réservé du contenu 3"/>
+          <p:cNvSpPr>
+            <a:spLocks noGrp="1"/>
+          </p:cNvSpPr>
+          <p:nvPr>
+            <p:ph sz="quarter" idx="1"/>
+          </p:nvPr>
+        </p:nvSpPr>
+        <p:spPr/>
+        <p:txBody>
+          <a:bodyPr/>
+          <a:lstStyle/>
+          <a:p>
+            <a:r>
+              <a:rPr lang="fr-FR" dirty="0" smtClean="0"/>
+              <a:t>Architecture</a:t>
+            </a:r>
+          </a:p>
+        </p:txBody>
+      </p:sp>
+      <p:pic>
+        <p:nvPicPr>
+          <p:cNvPr id="5" name="Image 4"/>
+          <p:cNvPicPr/>
+          <p:nvPr/>
+        </p:nvPicPr>
+        <p:blipFill>
+          <a:blip r:embed="rId2">
+            <a:extLst>
+              <a:ext uri="{28A0092B-C50C-407E-A947-70E740481C1C}">
+                <a14:useLocalDpi xmlns:a14="http://schemas.microsoft.com/office/drawing/2010/main" val="0"/>
+              </a:ext>
+            </a:extLst>
+          </a:blip>
+          <a:srcRect/>
+          <a:stretch>
+            <a:fillRect/>
+          </a:stretch>
+        </p:blipFill>
+        <p:spPr bwMode="auto">
+          <a:xfrm>
+            <a:off x="1690686" y="2636912"/>
+            <a:ext cx="5762625" cy="3057525"/>
+          </a:xfrm>
+          <a:prstGeom prst="rect">
+            <a:avLst/>
+          </a:prstGeom>
+          <a:noFill/>
+          <a:ln>
+            <a:noFill/>
+          </a:ln>
+        </p:spPr>
+      </p:pic>
+    </p:spTree>
+    <p:extLst>
+      <p:ext uri="{BB962C8B-B14F-4D97-AF65-F5344CB8AC3E}">
+        <p14:creationId xmlns:p14="http://schemas.microsoft.com/office/powerpoint/2010/main" val="910504181"/>
+      </p:ext>
+    </p:extLst>
+  </p:cSld>
+  <p:clrMapOvr>
+    <a:masterClrMapping/>
+  </p:clrMapOvr>
+</p:sld>
+</file>
+
+<file path=ppt/slides/slide25.xml><?xml version="1.0" encoding="utf-8"?>
+<p:sld xmlns:a="http://schemas.openxmlformats.org/drawingml/2006/main" xmlns:r="http://schemas.openxmlformats.org/officeDocument/2006/relationships" xmlns:p="http://schemas.openxmlformats.org/presentationml/2006/main">
+  <p:cSld>
+    <p:spTree>
+      <p:nvGrpSpPr>
+        <p:cNvPr id="1" name=""/>
+        <p:cNvGrpSpPr/>
+        <p:nvPr/>
+      </p:nvGrpSpPr>
+      <p:grpSpPr>
+        <a:xfrm>
+          <a:off x="0" y="0"/>
+          <a:ext cx="0" cy="0"/>
+          <a:chOff x="0" y="0"/>
+          <a:chExt cx="0" cy="0"/>
+        </a:xfrm>
+      </p:grpSpPr>
+      <p:sp>
+        <p:nvSpPr>
+          <p:cNvPr id="2" name="Titre 1"/>
+          <p:cNvSpPr>
+            <a:spLocks noGrp="1"/>
+          </p:cNvSpPr>
+          <p:nvPr>
+            <p:ph type="title"/>
+          </p:nvPr>
+        </p:nvSpPr>
+        <p:spPr/>
+        <p:txBody>
+          <a:bodyPr/>
+          <a:lstStyle/>
+          <a:p>
+            <a:r>
+              <a:rPr lang="fr-FR" dirty="0"/>
+              <a:t>Technologie &amp; mise en œuvre du plug-in</a:t>
+            </a:r>
+          </a:p>
+        </p:txBody>
+      </p:sp>
+      <p:sp>
+        <p:nvSpPr>
+          <p:cNvPr id="3" name="Espace réservé du numéro de diapositive 2"/>
+          <p:cNvSpPr>
+            <a:spLocks noGrp="1"/>
+          </p:cNvSpPr>
+          <p:nvPr>
+            <p:ph type="sldNum" sz="quarter" idx="12"/>
+          </p:nvPr>
+        </p:nvSpPr>
+        <p:spPr/>
+        <p:txBody>
+          <a:bodyPr/>
+          <a:lstStyle/>
+          <a:p>
+            <a:fld id="{0F242953-DAFC-495B-AE02-16ED9D37F665}" type="slidenum">
+              <a:rPr lang="fr-FR" smtClean="0"/>
+              <a:t>25</a:t>
+            </a:fld>
+            <a:endParaRPr lang="fr-FR"/>
+          </a:p>
+        </p:txBody>
+      </p:sp>
+      <p:sp>
+        <p:nvSpPr>
+          <p:cNvPr id="4" name="Espace réservé du contenu 3"/>
+          <p:cNvSpPr>
+            <a:spLocks noGrp="1"/>
+          </p:cNvSpPr>
+          <p:nvPr>
+            <p:ph sz="quarter" idx="1"/>
+          </p:nvPr>
+        </p:nvSpPr>
+        <p:spPr/>
+        <p:txBody>
+          <a:bodyPr/>
+          <a:lstStyle/>
+          <a:p>
+            <a:r>
+              <a:rPr lang="fr-FR" dirty="0" smtClean="0"/>
+              <a:t>Interface du prototype </a:t>
+            </a:r>
+          </a:p>
+          <a:p>
+            <a:pPr lvl="1"/>
+            <a:r>
+              <a:rPr lang="fr-FR" dirty="0" smtClean="0"/>
+              <a:t>Accent mis sur le prototype</a:t>
+            </a:r>
+          </a:p>
+          <a:p>
+            <a:pPr lvl="1"/>
+            <a:r>
+              <a:rPr lang="fr-FR" dirty="0" smtClean="0"/>
+              <a:t>Ergonomie du plug-in non poussée </a:t>
+            </a:r>
+          </a:p>
+          <a:p>
+            <a:pPr lvl="1"/>
+            <a:r>
+              <a:rPr lang="fr-FR" dirty="0" smtClean="0"/>
+              <a:t>Temps trop court</a:t>
+            </a:r>
+          </a:p>
+          <a:p>
+            <a:pPr lvl="1"/>
+            <a:endParaRPr lang="fr-FR" dirty="0" smtClean="0"/>
+          </a:p>
+        </p:txBody>
+      </p:sp>
+    </p:spTree>
+    <p:extLst>
+      <p:ext uri="{BB962C8B-B14F-4D97-AF65-F5344CB8AC3E}">
+        <p14:creationId xmlns:p14="http://schemas.microsoft.com/office/powerpoint/2010/main" val="614631447"/>
+      </p:ext>
+    </p:extLst>
+  </p:cSld>
+  <p:clrMapOvr>
+    <a:masterClrMapping/>
+  </p:clrMapOvr>
+</p:sld>
+</file>
+
+<file path=ppt/slides/slide26.xml><?xml version="1.0" encoding="utf-8"?>
+<p:sld xmlns:a="http://schemas.openxmlformats.org/drawingml/2006/main" xmlns:r="http://schemas.openxmlformats.org/officeDocument/2006/relationships" xmlns:p="http://schemas.openxmlformats.org/presentationml/2006/main">
+  <p:cSld>
+    <p:spTree>
+      <p:nvGrpSpPr>
+        <p:cNvPr id="1" name=""/>
+        <p:cNvGrpSpPr/>
+        <p:nvPr/>
+      </p:nvGrpSpPr>
+      <p:grpSpPr>
+        <a:xfrm>
+          <a:off x="0" y="0"/>
+          <a:ext cx="0" cy="0"/>
+          <a:chOff x="0" y="0"/>
+          <a:chExt cx="0" cy="0"/>
+        </a:xfrm>
+      </p:grpSpPr>
+      <p:sp>
+        <p:nvSpPr>
+          <p:cNvPr id="2" name="Titre 1"/>
+          <p:cNvSpPr>
+            <a:spLocks noGrp="1"/>
+          </p:cNvSpPr>
+          <p:nvPr>
+            <p:ph type="title"/>
+          </p:nvPr>
+        </p:nvSpPr>
+        <p:spPr/>
+        <p:txBody>
+          <a:bodyPr/>
+          <a:lstStyle/>
+          <a:p>
+            <a:r>
+              <a:rPr lang="fr-FR" dirty="0"/>
+              <a:t>Technologie &amp; mise en œuvre du plug-in</a:t>
+            </a:r>
+          </a:p>
+        </p:txBody>
+      </p:sp>
+      <p:sp>
+        <p:nvSpPr>
+          <p:cNvPr id="3" name="Espace réservé du numéro de diapositive 2"/>
+          <p:cNvSpPr>
+            <a:spLocks noGrp="1"/>
+          </p:cNvSpPr>
+          <p:nvPr>
+            <p:ph type="sldNum" sz="quarter" idx="12"/>
+          </p:nvPr>
+        </p:nvSpPr>
+        <p:spPr/>
+        <p:txBody>
+          <a:bodyPr/>
+          <a:lstStyle/>
+          <a:p>
+            <a:fld id="{0F242953-DAFC-495B-AE02-16ED9D37F665}" type="slidenum">
+              <a:rPr lang="fr-FR" smtClean="0"/>
+              <a:t>26</a:t>
+            </a:fld>
+            <a:endParaRPr lang="fr-FR"/>
+          </a:p>
+        </p:txBody>
+      </p:sp>
+      <p:sp>
+        <p:nvSpPr>
+          <p:cNvPr id="4" name="Espace réservé du contenu 3"/>
+          <p:cNvSpPr>
+            <a:spLocks noGrp="1"/>
+          </p:cNvSpPr>
+          <p:nvPr>
+            <p:ph sz="quarter" idx="1"/>
+          </p:nvPr>
+        </p:nvSpPr>
+        <p:spPr/>
+        <p:txBody>
+          <a:bodyPr/>
+          <a:lstStyle/>
+          <a:p>
+            <a:r>
+              <a:rPr lang="fr-FR" dirty="0" smtClean="0"/>
+              <a:t>Page d’accueil</a:t>
+            </a:r>
+          </a:p>
+          <a:p>
+            <a:endParaRPr lang="fr-FR" dirty="0"/>
+          </a:p>
+        </p:txBody>
+      </p:sp>
+      <p:pic>
+        <p:nvPicPr>
+          <p:cNvPr id="5" name="Image 4" descr="C:\Users\Sarah\Downloads\screenshot HandiFox\screenshot HandiFox\Principale.png"/>
+          <p:cNvPicPr/>
+          <p:nvPr/>
+        </p:nvPicPr>
+        <p:blipFill>
+          <a:blip r:embed="rId2">
+            <a:extLst>
+              <a:ext uri="{28A0092B-C50C-407E-A947-70E740481C1C}">
+                <a14:useLocalDpi xmlns:a14="http://schemas.microsoft.com/office/drawing/2010/main" val="0"/>
+              </a:ext>
+            </a:extLst>
+          </a:blip>
+          <a:srcRect/>
+          <a:stretch>
+            <a:fillRect/>
+          </a:stretch>
+        </p:blipFill>
+        <p:spPr bwMode="auto">
+          <a:xfrm>
+            <a:off x="1695450" y="2420888"/>
+            <a:ext cx="5753100" cy="3600450"/>
+          </a:xfrm>
+          <a:prstGeom prst="rect">
+            <a:avLst/>
+          </a:prstGeom>
+          <a:noFill/>
+          <a:ln>
+            <a:noFill/>
+          </a:ln>
+        </p:spPr>
+      </p:pic>
+    </p:spTree>
+    <p:extLst>
+      <p:ext uri="{BB962C8B-B14F-4D97-AF65-F5344CB8AC3E}">
+        <p14:creationId xmlns:p14="http://schemas.microsoft.com/office/powerpoint/2010/main" val="3038749279"/>
+      </p:ext>
+    </p:extLst>
+  </p:cSld>
+  <p:clrMapOvr>
+    <a:masterClrMapping/>
+  </p:clrMapOvr>
+</p:sld>
+</file>
+
+<file path=ppt/slides/slide27.xml><?xml version="1.0" encoding="utf-8"?>
+<p:sld xmlns:a="http://schemas.openxmlformats.org/drawingml/2006/main" xmlns:r="http://schemas.openxmlformats.org/officeDocument/2006/relationships" xmlns:p="http://schemas.openxmlformats.org/presentationml/2006/main">
+  <p:cSld>
+    <p:spTree>
+      <p:nvGrpSpPr>
+        <p:cNvPr id="1" name=""/>
+        <p:cNvGrpSpPr/>
+        <p:nvPr/>
+      </p:nvGrpSpPr>
+      <p:grpSpPr>
+        <a:xfrm>
+          <a:off x="0" y="0"/>
+          <a:ext cx="0" cy="0"/>
+          <a:chOff x="0" y="0"/>
+          <a:chExt cx="0" cy="0"/>
+        </a:xfrm>
+      </p:grpSpPr>
+      <p:sp>
+        <p:nvSpPr>
+          <p:cNvPr id="2" name="Titre 1"/>
+          <p:cNvSpPr>
+            <a:spLocks noGrp="1"/>
+          </p:cNvSpPr>
+          <p:nvPr>
+            <p:ph type="title"/>
+          </p:nvPr>
+        </p:nvSpPr>
+        <p:spPr/>
+        <p:txBody>
+          <a:bodyPr/>
+          <a:lstStyle/>
+          <a:p>
+            <a:r>
+              <a:rPr lang="fr-FR" dirty="0"/>
+              <a:t>Technologie &amp; mise en œuvre du plug-in</a:t>
+            </a:r>
+          </a:p>
+        </p:txBody>
+      </p:sp>
+      <p:sp>
+        <p:nvSpPr>
+          <p:cNvPr id="3" name="Espace réservé du numéro de diapositive 2"/>
+          <p:cNvSpPr>
+            <a:spLocks noGrp="1"/>
+          </p:cNvSpPr>
+          <p:nvPr>
+            <p:ph type="sldNum" sz="quarter" idx="12"/>
+          </p:nvPr>
+        </p:nvSpPr>
+        <p:spPr/>
+        <p:txBody>
+          <a:bodyPr/>
+          <a:lstStyle/>
+          <a:p>
+            <a:fld id="{0F242953-DAFC-495B-AE02-16ED9D37F665}" type="slidenum">
+              <a:rPr lang="fr-FR" smtClean="0"/>
+              <a:t>27</a:t>
+            </a:fld>
+            <a:endParaRPr lang="fr-FR"/>
+          </a:p>
+        </p:txBody>
+      </p:sp>
+      <p:sp>
+        <p:nvSpPr>
+          <p:cNvPr id="4" name="Espace réservé du contenu 3"/>
+          <p:cNvSpPr>
+            <a:spLocks noGrp="1"/>
+          </p:cNvSpPr>
+          <p:nvPr>
+            <p:ph sz="quarter" idx="1"/>
+          </p:nvPr>
+        </p:nvSpPr>
+        <p:spPr/>
+        <p:txBody>
+          <a:bodyPr/>
+          <a:lstStyle/>
+          <a:p>
+            <a:r>
+              <a:rPr lang="fr-FR" dirty="0" smtClean="0"/>
+              <a:t>Les onglets</a:t>
+            </a:r>
+          </a:p>
+          <a:p>
+            <a:endParaRPr lang="fr-FR" dirty="0"/>
+          </a:p>
+        </p:txBody>
+      </p:sp>
+      <p:pic>
+        <p:nvPicPr>
+          <p:cNvPr id="6" name="Image 5"/>
+          <p:cNvPicPr/>
+          <p:nvPr/>
+        </p:nvPicPr>
+        <p:blipFill>
+          <a:blip r:embed="rId2"/>
+          <a:stretch>
+            <a:fillRect/>
+          </a:stretch>
+        </p:blipFill>
+        <p:spPr>
+          <a:xfrm>
+            <a:off x="1691640" y="2420888"/>
+            <a:ext cx="5760720" cy="3600450"/>
+          </a:xfrm>
+          <a:prstGeom prst="rect">
+            <a:avLst/>
+          </a:prstGeom>
+        </p:spPr>
+      </p:pic>
+    </p:spTree>
+    <p:extLst>
+      <p:ext uri="{BB962C8B-B14F-4D97-AF65-F5344CB8AC3E}">
+        <p14:creationId xmlns:p14="http://schemas.microsoft.com/office/powerpoint/2010/main" val="2756579222"/>
+      </p:ext>
+    </p:extLst>
+  </p:cSld>
+  <p:clrMapOvr>
+    <a:masterClrMapping/>
+  </p:clrMapOvr>
+</p:sld>
+</file>
+
+<file path=ppt/slides/slide28.xml><?xml version="1.0" encoding="utf-8"?>
+<p:sld xmlns:a="http://schemas.openxmlformats.org/drawingml/2006/main" xmlns:r="http://schemas.openxmlformats.org/officeDocument/2006/relationships" xmlns:p="http://schemas.openxmlformats.org/presentationml/2006/main">
+  <p:cSld>
+    <p:spTree>
+      <p:nvGrpSpPr>
+        <p:cNvPr id="1" name=""/>
+        <p:cNvGrpSpPr/>
+        <p:nvPr/>
+      </p:nvGrpSpPr>
+      <p:grpSpPr>
+        <a:xfrm>
+          <a:off x="0" y="0"/>
+          <a:ext cx="0" cy="0"/>
+          <a:chOff x="0" y="0"/>
+          <a:chExt cx="0" cy="0"/>
+        </a:xfrm>
+      </p:grpSpPr>
+      <p:sp>
+        <p:nvSpPr>
+          <p:cNvPr id="2" name="Titre 1"/>
+          <p:cNvSpPr>
+            <a:spLocks noGrp="1"/>
+          </p:cNvSpPr>
+          <p:nvPr>
+            <p:ph type="title"/>
+          </p:nvPr>
+        </p:nvSpPr>
+        <p:spPr/>
+        <p:txBody>
+          <a:bodyPr/>
+          <a:lstStyle/>
+          <a:p>
+            <a:r>
+              <a:rPr lang="fr-FR" dirty="0"/>
+              <a:t>Technologie &amp; mise en œuvre du plug-in</a:t>
+            </a:r>
+          </a:p>
+        </p:txBody>
+      </p:sp>
+      <p:sp>
+        <p:nvSpPr>
+          <p:cNvPr id="3" name="Espace réservé du numéro de diapositive 2"/>
+          <p:cNvSpPr>
+            <a:spLocks noGrp="1"/>
+          </p:cNvSpPr>
+          <p:nvPr>
+            <p:ph type="sldNum" sz="quarter" idx="12"/>
+          </p:nvPr>
+        </p:nvSpPr>
+        <p:spPr/>
+        <p:txBody>
+          <a:bodyPr/>
+          <a:lstStyle/>
+          <a:p>
+            <a:fld id="{0F242953-DAFC-495B-AE02-16ED9D37F665}" type="slidenum">
+              <a:rPr lang="fr-FR" smtClean="0"/>
+              <a:t>28</a:t>
+            </a:fld>
+            <a:endParaRPr lang="fr-FR"/>
+          </a:p>
+        </p:txBody>
+      </p:sp>
+      <p:sp>
+        <p:nvSpPr>
+          <p:cNvPr id="4" name="Espace réservé du contenu 3"/>
+          <p:cNvSpPr>
+            <a:spLocks noGrp="1"/>
+          </p:cNvSpPr>
+          <p:nvPr>
+            <p:ph sz="quarter" idx="1"/>
+          </p:nvPr>
+        </p:nvSpPr>
+        <p:spPr/>
+        <p:txBody>
+          <a:bodyPr/>
+          <a:lstStyle/>
+          <a:p>
+            <a:r>
+              <a:rPr lang="fr-FR" dirty="0" smtClean="0"/>
+              <a:t>Page</a:t>
+            </a:r>
+          </a:p>
+          <a:p>
+            <a:endParaRPr lang="fr-FR" dirty="0"/>
+          </a:p>
+        </p:txBody>
+      </p:sp>
+      <p:pic>
+        <p:nvPicPr>
+          <p:cNvPr id="7" name="Image 6"/>
+          <p:cNvPicPr/>
+          <p:nvPr/>
+        </p:nvPicPr>
+        <p:blipFill>
+          <a:blip r:embed="rId2"/>
+          <a:stretch>
+            <a:fillRect/>
+          </a:stretch>
+        </p:blipFill>
+        <p:spPr>
+          <a:xfrm>
+            <a:off x="1691640" y="2420888"/>
+            <a:ext cx="5760720" cy="3600450"/>
+          </a:xfrm>
+          <a:prstGeom prst="rect">
+            <a:avLst/>
+          </a:prstGeom>
+        </p:spPr>
+      </p:pic>
+    </p:spTree>
+    <p:extLst>
+      <p:ext uri="{BB962C8B-B14F-4D97-AF65-F5344CB8AC3E}">
+        <p14:creationId xmlns:p14="http://schemas.microsoft.com/office/powerpoint/2010/main" val="695135789"/>
+      </p:ext>
+    </p:extLst>
+  </p:cSld>
+  <p:clrMapOvr>
+    <a:masterClrMapping/>
+  </p:clrMapOvr>
+</p:sld>
+</file>
+
+<file path=ppt/slides/slide29.xml><?xml version="1.0" encoding="utf-8"?>
+<p:sld xmlns:a="http://schemas.openxmlformats.org/drawingml/2006/main" xmlns:r="http://schemas.openxmlformats.org/officeDocument/2006/relationships" xmlns:p="http://schemas.openxmlformats.org/presentationml/2006/main">
+  <p:cSld>
+    <p:spTree>
+      <p:nvGrpSpPr>
+        <p:cNvPr id="1" name=""/>
+        <p:cNvGrpSpPr/>
+        <p:nvPr/>
+      </p:nvGrpSpPr>
+      <p:grpSpPr>
+        <a:xfrm>
+          <a:off x="0" y="0"/>
+          <a:ext cx="0" cy="0"/>
+          <a:chOff x="0" y="0"/>
+          <a:chExt cx="0" cy="0"/>
+        </a:xfrm>
+      </p:grpSpPr>
+      <p:sp>
+        <p:nvSpPr>
+          <p:cNvPr id="2" name="Titre 1"/>
+          <p:cNvSpPr>
+            <a:spLocks noGrp="1"/>
+          </p:cNvSpPr>
+          <p:nvPr>
+            <p:ph type="title"/>
+          </p:nvPr>
+        </p:nvSpPr>
+        <p:spPr/>
+        <p:txBody>
+          <a:bodyPr/>
+          <a:lstStyle/>
+          <a:p>
+            <a:r>
+              <a:rPr lang="fr-FR" dirty="0"/>
+              <a:t>Technologie &amp; mise en œuvre du plug-in</a:t>
+            </a:r>
+          </a:p>
+        </p:txBody>
+      </p:sp>
+      <p:sp>
+        <p:nvSpPr>
+          <p:cNvPr id="3" name="Espace réservé du numéro de diapositive 2"/>
+          <p:cNvSpPr>
+            <a:spLocks noGrp="1"/>
+          </p:cNvSpPr>
+          <p:nvPr>
+            <p:ph type="sldNum" sz="quarter" idx="12"/>
+          </p:nvPr>
+        </p:nvSpPr>
+        <p:spPr/>
+        <p:txBody>
+          <a:bodyPr/>
+          <a:lstStyle/>
+          <a:p>
+            <a:fld id="{0F242953-DAFC-495B-AE02-16ED9D37F665}" type="slidenum">
+              <a:rPr lang="fr-FR" smtClean="0"/>
+              <a:t>29</a:t>
+            </a:fld>
+            <a:endParaRPr lang="fr-FR"/>
+          </a:p>
+        </p:txBody>
+      </p:sp>
+      <p:sp>
+        <p:nvSpPr>
+          <p:cNvPr id="4" name="Espace réservé du contenu 3"/>
+          <p:cNvSpPr>
+            <a:spLocks noGrp="1"/>
+          </p:cNvSpPr>
+          <p:nvPr>
+            <p:ph sz="quarter" idx="1"/>
+          </p:nvPr>
+        </p:nvSpPr>
+        <p:spPr/>
+        <p:txBody>
+          <a:bodyPr/>
+          <a:lstStyle/>
+          <a:p>
+            <a:r>
+              <a:rPr lang="fr-FR" dirty="0" smtClean="0"/>
+              <a:t>Clavier</a:t>
+            </a:r>
+          </a:p>
+          <a:p>
+            <a:endParaRPr lang="fr-FR" dirty="0"/>
+          </a:p>
+        </p:txBody>
+      </p:sp>
+      <p:pic>
+        <p:nvPicPr>
+          <p:cNvPr id="6" name="Image 5"/>
+          <p:cNvPicPr/>
+          <p:nvPr/>
+        </p:nvPicPr>
+        <p:blipFill>
+          <a:blip r:embed="rId2"/>
+          <a:stretch>
+            <a:fillRect/>
+          </a:stretch>
+        </p:blipFill>
+        <p:spPr>
+          <a:xfrm>
+            <a:off x="1691640" y="2420888"/>
+            <a:ext cx="5760720" cy="3600450"/>
+          </a:xfrm>
+          <a:prstGeom prst="rect">
+            <a:avLst/>
+          </a:prstGeom>
+        </p:spPr>
+      </p:pic>
+    </p:spTree>
+    <p:extLst>
+      <p:ext uri="{BB962C8B-B14F-4D97-AF65-F5344CB8AC3E}">
+        <p14:creationId xmlns:p14="http://schemas.microsoft.com/office/powerpoint/2010/main" val="201618724"/>
       </p:ext>
     </p:extLst>
   </p:cSld>
@@ -12947,7 +14410,7 @@
           <a:p>
             <a:r>
               <a:rPr lang="fr-FR" dirty="0" smtClean="0"/>
-              <a:t>Moyens</a:t>
+              <a:t>Objectif</a:t>
             </a:r>
             <a:endParaRPr lang="fr-FR" dirty="0"/>
           </a:p>
@@ -12955,7 +14418,7 @@
       </p:sp>
       <p:sp>
         <p:nvSpPr>
-          <p:cNvPr id="3" name="Espace réservé du numéro de diapositive 2"/>
+          <p:cNvPr id="4" name="Espace réservé du numéro de diapositive 3"/>
           <p:cNvSpPr>
             <a:spLocks noGrp="1"/>
           </p:cNvSpPr>
@@ -12978,7 +14441,7 @@
       </p:sp>
       <p:sp>
         <p:nvSpPr>
-          <p:cNvPr id="4" name="Espace réservé du contenu 3"/>
+          <p:cNvPr id="3" name="Espace réservé du contenu 2"/>
           <p:cNvSpPr>
             <a:spLocks noGrp="1"/>
           </p:cNvSpPr>
@@ -12993,43 +14456,10 @@
           <a:p>
             <a:r>
               <a:rPr lang="fr-FR" dirty="0" smtClean="0"/>
-              <a:t>A notre disposition</a:t>
-            </a:r>
-          </a:p>
-          <a:p>
-            <a:pPr lvl="1"/>
-            <a:r>
-              <a:rPr lang="fr-FR" dirty="0" smtClean="0"/>
-              <a:t>Navigateur web Firefox</a:t>
-            </a:r>
-          </a:p>
-          <a:p>
-            <a:pPr lvl="2"/>
-            <a:r>
-              <a:rPr lang="fr-FR" dirty="0" smtClean="0"/>
-              <a:t>Possibilité d’ajouter des plug-in</a:t>
-            </a:r>
-          </a:p>
-          <a:p>
-            <a:pPr lvl="1"/>
-            <a:r>
-              <a:rPr lang="fr-FR" dirty="0" smtClean="0"/>
-              <a:t>Vimperator</a:t>
-            </a:r>
-          </a:p>
-          <a:p>
-            <a:pPr lvl="2"/>
-            <a:r>
-              <a:rPr lang="fr-FR" dirty="0" smtClean="0"/>
-              <a:t>Permet entre autre la manipulation de Firefox en ligne de commande</a:t>
-            </a:r>
-          </a:p>
-          <a:p>
-            <a:pPr lvl="1"/>
-            <a:endParaRPr lang="fr-FR" dirty="0" smtClean="0"/>
-          </a:p>
-          <a:p>
-            <a:pPr lvl="1"/>
+              <a:t>Rendre le web accessible aux personnes handicapées physiques</a:t>
+            </a:r>
+          </a:p>
+          <a:p>
             <a:endParaRPr lang="fr-FR" dirty="0"/>
           </a:p>
         </p:txBody>
@@ -13037,7 +14467,1457 @@
     </p:spTree>
     <p:extLst>
       <p:ext uri="{BB962C8B-B14F-4D97-AF65-F5344CB8AC3E}">
-        <p14:creationId xmlns:p14="http://schemas.microsoft.com/office/powerpoint/2010/main" val="1976332384"/>
+        <p14:creationId xmlns:p14="http://schemas.microsoft.com/office/powerpoint/2010/main" val="2554208347"/>
+      </p:ext>
+    </p:extLst>
+  </p:cSld>
+  <p:clrMapOvr>
+    <a:masterClrMapping/>
+  </p:clrMapOvr>
+</p:sld>
+</file>
+
+<file path=ppt/slides/slide30.xml><?xml version="1.0" encoding="utf-8"?>
+<p:sld xmlns:a="http://schemas.openxmlformats.org/drawingml/2006/main" xmlns:r="http://schemas.openxmlformats.org/officeDocument/2006/relationships" xmlns:p="http://schemas.openxmlformats.org/presentationml/2006/main">
+  <p:cSld>
+    <p:spTree>
+      <p:nvGrpSpPr>
+        <p:cNvPr id="1" name=""/>
+        <p:cNvGrpSpPr/>
+        <p:nvPr/>
+      </p:nvGrpSpPr>
+      <p:grpSpPr>
+        <a:xfrm>
+          <a:off x="0" y="0"/>
+          <a:ext cx="0" cy="0"/>
+          <a:chOff x="0" y="0"/>
+          <a:chExt cx="0" cy="0"/>
+        </a:xfrm>
+      </p:grpSpPr>
+      <p:sp>
+        <p:nvSpPr>
+          <p:cNvPr id="2" name="Titre 1"/>
+          <p:cNvSpPr>
+            <a:spLocks noGrp="1"/>
+          </p:cNvSpPr>
+          <p:nvPr>
+            <p:ph type="title"/>
+          </p:nvPr>
+        </p:nvSpPr>
+        <p:spPr/>
+        <p:txBody>
+          <a:bodyPr/>
+          <a:lstStyle/>
+          <a:p>
+            <a:r>
+              <a:rPr lang="fr-FR" dirty="0"/>
+              <a:t>Technologie &amp; mise en œuvre du plug-in</a:t>
+            </a:r>
+          </a:p>
+        </p:txBody>
+      </p:sp>
+      <p:sp>
+        <p:nvSpPr>
+          <p:cNvPr id="3" name="Espace réservé du numéro de diapositive 2"/>
+          <p:cNvSpPr>
+            <a:spLocks noGrp="1"/>
+          </p:cNvSpPr>
+          <p:nvPr>
+            <p:ph type="sldNum" sz="quarter" idx="12"/>
+          </p:nvPr>
+        </p:nvSpPr>
+        <p:spPr/>
+        <p:txBody>
+          <a:bodyPr/>
+          <a:lstStyle/>
+          <a:p>
+            <a:fld id="{0F242953-DAFC-495B-AE02-16ED9D37F665}" type="slidenum">
+              <a:rPr lang="fr-FR" smtClean="0"/>
+              <a:t>30</a:t>
+            </a:fld>
+            <a:endParaRPr lang="fr-FR"/>
+          </a:p>
+        </p:txBody>
+      </p:sp>
+      <p:sp>
+        <p:nvSpPr>
+          <p:cNvPr id="4" name="Espace réservé du contenu 3"/>
+          <p:cNvSpPr>
+            <a:spLocks noGrp="1"/>
+          </p:cNvSpPr>
+          <p:nvPr>
+            <p:ph sz="quarter" idx="1"/>
+          </p:nvPr>
+        </p:nvSpPr>
+        <p:spPr/>
+        <p:txBody>
+          <a:bodyPr/>
+          <a:lstStyle/>
+          <a:p>
+            <a:r>
+              <a:rPr lang="fr-FR" dirty="0" smtClean="0"/>
+              <a:t>Favoris</a:t>
+            </a:r>
+          </a:p>
+          <a:p>
+            <a:endParaRPr lang="fr-FR" dirty="0"/>
+          </a:p>
+        </p:txBody>
+      </p:sp>
+      <p:pic>
+        <p:nvPicPr>
+          <p:cNvPr id="7" name="Image 6"/>
+          <p:cNvPicPr/>
+          <p:nvPr/>
+        </p:nvPicPr>
+        <p:blipFill>
+          <a:blip r:embed="rId2"/>
+          <a:stretch>
+            <a:fillRect/>
+          </a:stretch>
+        </p:blipFill>
+        <p:spPr>
+          <a:xfrm>
+            <a:off x="1691640" y="2420888"/>
+            <a:ext cx="5760720" cy="3600450"/>
+          </a:xfrm>
+          <a:prstGeom prst="rect">
+            <a:avLst/>
+          </a:prstGeom>
+        </p:spPr>
+      </p:pic>
+    </p:spTree>
+    <p:extLst>
+      <p:ext uri="{BB962C8B-B14F-4D97-AF65-F5344CB8AC3E}">
+        <p14:creationId xmlns:p14="http://schemas.microsoft.com/office/powerpoint/2010/main" val="1162246311"/>
+      </p:ext>
+    </p:extLst>
+  </p:cSld>
+  <p:clrMapOvr>
+    <a:masterClrMapping/>
+  </p:clrMapOvr>
+</p:sld>
+</file>
+
+<file path=ppt/slides/slide31.xml><?xml version="1.0" encoding="utf-8"?>
+<p:sld xmlns:a="http://schemas.openxmlformats.org/drawingml/2006/main" xmlns:r="http://schemas.openxmlformats.org/officeDocument/2006/relationships" xmlns:p="http://schemas.openxmlformats.org/presentationml/2006/main">
+  <p:cSld>
+    <p:spTree>
+      <p:nvGrpSpPr>
+        <p:cNvPr id="1" name=""/>
+        <p:cNvGrpSpPr/>
+        <p:nvPr/>
+      </p:nvGrpSpPr>
+      <p:grpSpPr>
+        <a:xfrm>
+          <a:off x="0" y="0"/>
+          <a:ext cx="0" cy="0"/>
+          <a:chOff x="0" y="0"/>
+          <a:chExt cx="0" cy="0"/>
+        </a:xfrm>
+      </p:grpSpPr>
+      <p:sp>
+        <p:nvSpPr>
+          <p:cNvPr id="2" name="Titre 1"/>
+          <p:cNvSpPr>
+            <a:spLocks noGrp="1"/>
+          </p:cNvSpPr>
+          <p:nvPr>
+            <p:ph type="title"/>
+          </p:nvPr>
+        </p:nvSpPr>
+        <p:spPr/>
+        <p:txBody>
+          <a:bodyPr/>
+          <a:lstStyle/>
+          <a:p>
+            <a:r>
+              <a:rPr lang="fr-FR" dirty="0"/>
+              <a:t>Technologie &amp; mise en œuvre du plug-in</a:t>
+            </a:r>
+          </a:p>
+        </p:txBody>
+      </p:sp>
+      <p:sp>
+        <p:nvSpPr>
+          <p:cNvPr id="3" name="Espace réservé du numéro de diapositive 2"/>
+          <p:cNvSpPr>
+            <a:spLocks noGrp="1"/>
+          </p:cNvSpPr>
+          <p:nvPr>
+            <p:ph type="sldNum" sz="quarter" idx="12"/>
+          </p:nvPr>
+        </p:nvSpPr>
+        <p:spPr/>
+        <p:txBody>
+          <a:bodyPr/>
+          <a:lstStyle/>
+          <a:p>
+            <a:fld id="{0F242953-DAFC-495B-AE02-16ED9D37F665}" type="slidenum">
+              <a:rPr lang="fr-FR" smtClean="0"/>
+              <a:t>31</a:t>
+            </a:fld>
+            <a:endParaRPr lang="fr-FR"/>
+          </a:p>
+        </p:txBody>
+      </p:sp>
+      <p:sp>
+        <p:nvSpPr>
+          <p:cNvPr id="4" name="Espace réservé du contenu 3"/>
+          <p:cNvSpPr>
+            <a:spLocks noGrp="1"/>
+          </p:cNvSpPr>
+          <p:nvPr>
+            <p:ph sz="quarter" idx="1"/>
+          </p:nvPr>
+        </p:nvSpPr>
+        <p:spPr>
+          <a:xfrm>
+            <a:off x="320040" y="1527048"/>
+            <a:ext cx="8503920" cy="4572000"/>
+          </a:xfrm>
+        </p:spPr>
+        <p:txBody>
+          <a:bodyPr/>
+          <a:lstStyle/>
+          <a:p>
+            <a:r>
+              <a:rPr lang="fr-FR" dirty="0" smtClean="0"/>
+              <a:t>Les liens</a:t>
+            </a:r>
+          </a:p>
+          <a:p>
+            <a:endParaRPr lang="fr-FR" dirty="0"/>
+          </a:p>
+        </p:txBody>
+      </p:sp>
+      <p:pic>
+        <p:nvPicPr>
+          <p:cNvPr id="6" name="Image 5"/>
+          <p:cNvPicPr/>
+          <p:nvPr/>
+        </p:nvPicPr>
+        <p:blipFill>
+          <a:blip r:embed="rId2"/>
+          <a:stretch>
+            <a:fillRect/>
+          </a:stretch>
+        </p:blipFill>
+        <p:spPr>
+          <a:xfrm>
+            <a:off x="1691640" y="2420888"/>
+            <a:ext cx="5760720" cy="3600450"/>
+          </a:xfrm>
+          <a:prstGeom prst="rect">
+            <a:avLst/>
+          </a:prstGeom>
+        </p:spPr>
+      </p:pic>
+    </p:spTree>
+    <p:extLst>
+      <p:ext uri="{BB962C8B-B14F-4D97-AF65-F5344CB8AC3E}">
+        <p14:creationId xmlns:p14="http://schemas.microsoft.com/office/powerpoint/2010/main" val="3361454594"/>
+      </p:ext>
+    </p:extLst>
+  </p:cSld>
+  <p:clrMapOvr>
+    <a:masterClrMapping/>
+  </p:clrMapOvr>
+</p:sld>
+</file>
+
+<file path=ppt/slides/slide32.xml><?xml version="1.0" encoding="utf-8"?>
+<p:sld xmlns:a="http://schemas.openxmlformats.org/drawingml/2006/main" xmlns:r="http://schemas.openxmlformats.org/officeDocument/2006/relationships" xmlns:p="http://schemas.openxmlformats.org/presentationml/2006/main">
+  <p:cSld>
+    <p:spTree>
+      <p:nvGrpSpPr>
+        <p:cNvPr id="1" name=""/>
+        <p:cNvGrpSpPr/>
+        <p:nvPr/>
+      </p:nvGrpSpPr>
+      <p:grpSpPr>
+        <a:xfrm>
+          <a:off x="0" y="0"/>
+          <a:ext cx="0" cy="0"/>
+          <a:chOff x="0" y="0"/>
+          <a:chExt cx="0" cy="0"/>
+        </a:xfrm>
+      </p:grpSpPr>
+      <p:sp>
+        <p:nvSpPr>
+          <p:cNvPr id="2" name="Titre 1"/>
+          <p:cNvSpPr>
+            <a:spLocks noGrp="1"/>
+          </p:cNvSpPr>
+          <p:nvPr>
+            <p:ph type="title"/>
+          </p:nvPr>
+        </p:nvSpPr>
+        <p:spPr/>
+        <p:txBody>
+          <a:bodyPr/>
+          <a:lstStyle/>
+          <a:p>
+            <a:r>
+              <a:rPr lang="fr-FR" dirty="0"/>
+              <a:t>Technologie &amp; mise en œuvre du plug-in</a:t>
+            </a:r>
+          </a:p>
+        </p:txBody>
+      </p:sp>
+      <p:sp>
+        <p:nvSpPr>
+          <p:cNvPr id="3" name="Espace réservé du numéro de diapositive 2"/>
+          <p:cNvSpPr>
+            <a:spLocks noGrp="1"/>
+          </p:cNvSpPr>
+          <p:nvPr>
+            <p:ph type="sldNum" sz="quarter" idx="12"/>
+          </p:nvPr>
+        </p:nvSpPr>
+        <p:spPr/>
+        <p:txBody>
+          <a:bodyPr/>
+          <a:lstStyle/>
+          <a:p>
+            <a:fld id="{0F242953-DAFC-495B-AE02-16ED9D37F665}" type="slidenum">
+              <a:rPr lang="fr-FR" smtClean="0"/>
+              <a:t>32</a:t>
+            </a:fld>
+            <a:endParaRPr lang="fr-FR"/>
+          </a:p>
+        </p:txBody>
+      </p:sp>
+      <p:sp>
+        <p:nvSpPr>
+          <p:cNvPr id="4" name="Espace réservé du contenu 3"/>
+          <p:cNvSpPr>
+            <a:spLocks noGrp="1"/>
+          </p:cNvSpPr>
+          <p:nvPr>
+            <p:ph sz="quarter" idx="1"/>
+          </p:nvPr>
+        </p:nvSpPr>
+        <p:spPr>
+          <a:xfrm>
+            <a:off x="320040" y="1527048"/>
+            <a:ext cx="8503920" cy="4572000"/>
+          </a:xfrm>
+        </p:spPr>
+        <p:txBody>
+          <a:bodyPr/>
+          <a:lstStyle/>
+          <a:p>
+            <a:r>
+              <a:rPr lang="fr-FR" dirty="0" smtClean="0"/>
+              <a:t>Balayage</a:t>
+            </a:r>
+          </a:p>
+          <a:p>
+            <a:endParaRPr lang="fr-FR" dirty="0"/>
+          </a:p>
+        </p:txBody>
+      </p:sp>
+      <p:pic>
+        <p:nvPicPr>
+          <p:cNvPr id="7" name="Image 6"/>
+          <p:cNvPicPr/>
+          <p:nvPr/>
+        </p:nvPicPr>
+        <p:blipFill>
+          <a:blip r:embed="rId2"/>
+          <a:stretch>
+            <a:fillRect/>
+          </a:stretch>
+        </p:blipFill>
+        <p:spPr>
+          <a:xfrm>
+            <a:off x="1691640" y="2420838"/>
+            <a:ext cx="5760720" cy="3600450"/>
+          </a:xfrm>
+          <a:prstGeom prst="rect">
+            <a:avLst/>
+          </a:prstGeom>
+        </p:spPr>
+      </p:pic>
+    </p:spTree>
+    <p:extLst>
+      <p:ext uri="{BB962C8B-B14F-4D97-AF65-F5344CB8AC3E}">
+        <p14:creationId xmlns:p14="http://schemas.microsoft.com/office/powerpoint/2010/main" val="3735928411"/>
+      </p:ext>
+    </p:extLst>
+  </p:cSld>
+  <p:clrMapOvr>
+    <a:masterClrMapping/>
+  </p:clrMapOvr>
+</p:sld>
+</file>
+
+<file path=ppt/slides/slide33.xml><?xml version="1.0" encoding="utf-8"?>
+<p:sld xmlns:a="http://schemas.openxmlformats.org/drawingml/2006/main" xmlns:r="http://schemas.openxmlformats.org/officeDocument/2006/relationships" xmlns:p="http://schemas.openxmlformats.org/presentationml/2006/main">
+  <p:cSld>
+    <p:spTree>
+      <p:nvGrpSpPr>
+        <p:cNvPr id="1" name=""/>
+        <p:cNvGrpSpPr/>
+        <p:nvPr/>
+      </p:nvGrpSpPr>
+      <p:grpSpPr>
+        <a:xfrm>
+          <a:off x="0" y="0"/>
+          <a:ext cx="0" cy="0"/>
+          <a:chOff x="0" y="0"/>
+          <a:chExt cx="0" cy="0"/>
+        </a:xfrm>
+      </p:grpSpPr>
+      <p:sp>
+        <p:nvSpPr>
+          <p:cNvPr id="2" name="Titre 1"/>
+          <p:cNvSpPr>
+            <a:spLocks noGrp="1"/>
+          </p:cNvSpPr>
+          <p:nvPr>
+            <p:ph type="title"/>
+          </p:nvPr>
+        </p:nvSpPr>
+        <p:spPr/>
+        <p:txBody>
+          <a:bodyPr/>
+          <a:lstStyle/>
+          <a:p>
+            <a:r>
+              <a:rPr lang="fr-FR" dirty="0"/>
+              <a:t>Technologie &amp; mise en œuvre du plug-in</a:t>
+            </a:r>
+          </a:p>
+        </p:txBody>
+      </p:sp>
+      <p:sp>
+        <p:nvSpPr>
+          <p:cNvPr id="3" name="Espace réservé du numéro de diapositive 2"/>
+          <p:cNvSpPr>
+            <a:spLocks noGrp="1"/>
+          </p:cNvSpPr>
+          <p:nvPr>
+            <p:ph type="sldNum" sz="quarter" idx="12"/>
+          </p:nvPr>
+        </p:nvSpPr>
+        <p:spPr/>
+        <p:txBody>
+          <a:bodyPr/>
+          <a:lstStyle/>
+          <a:p>
+            <a:fld id="{0F242953-DAFC-495B-AE02-16ED9D37F665}" type="slidenum">
+              <a:rPr lang="fr-FR" smtClean="0"/>
+              <a:t>33</a:t>
+            </a:fld>
+            <a:endParaRPr lang="fr-FR"/>
+          </a:p>
+        </p:txBody>
+      </p:sp>
+      <p:sp>
+        <p:nvSpPr>
+          <p:cNvPr id="4" name="Espace réservé du contenu 3"/>
+          <p:cNvSpPr>
+            <a:spLocks noGrp="1"/>
+          </p:cNvSpPr>
+          <p:nvPr>
+            <p:ph sz="quarter" idx="1"/>
+          </p:nvPr>
+        </p:nvSpPr>
+        <p:spPr>
+          <a:xfrm>
+            <a:off x="320040" y="1527048"/>
+            <a:ext cx="8503920" cy="4572000"/>
+          </a:xfrm>
+        </p:spPr>
+        <p:txBody>
+          <a:bodyPr/>
+          <a:lstStyle/>
+          <a:p>
+            <a:r>
+              <a:rPr lang="fr-FR" dirty="0" smtClean="0"/>
+              <a:t>Balayage</a:t>
+            </a:r>
+          </a:p>
+          <a:p>
+            <a:endParaRPr lang="fr-FR" dirty="0"/>
+          </a:p>
+        </p:txBody>
+      </p:sp>
+      <p:pic>
+        <p:nvPicPr>
+          <p:cNvPr id="7" name="Image 6"/>
+          <p:cNvPicPr/>
+          <p:nvPr/>
+        </p:nvPicPr>
+        <p:blipFill>
+          <a:blip r:embed="rId2"/>
+          <a:stretch>
+            <a:fillRect/>
+          </a:stretch>
+        </p:blipFill>
+        <p:spPr>
+          <a:xfrm>
+            <a:off x="1691640" y="2420838"/>
+            <a:ext cx="5760720" cy="3600450"/>
+          </a:xfrm>
+          <a:prstGeom prst="rect">
+            <a:avLst/>
+          </a:prstGeom>
+        </p:spPr>
+      </p:pic>
+    </p:spTree>
+    <p:extLst>
+      <p:ext uri="{BB962C8B-B14F-4D97-AF65-F5344CB8AC3E}">
+        <p14:creationId xmlns:p14="http://schemas.microsoft.com/office/powerpoint/2010/main" val="4088199065"/>
+      </p:ext>
+    </p:extLst>
+  </p:cSld>
+  <p:clrMapOvr>
+    <a:masterClrMapping/>
+  </p:clrMapOvr>
+</p:sld>
+</file>
+
+<file path=ppt/slides/slide34.xml><?xml version="1.0" encoding="utf-8"?>
+<p:sld xmlns:a="http://schemas.openxmlformats.org/drawingml/2006/main" xmlns:r="http://schemas.openxmlformats.org/officeDocument/2006/relationships" xmlns:p="http://schemas.openxmlformats.org/presentationml/2006/main">
+  <p:cSld>
+    <p:spTree>
+      <p:nvGrpSpPr>
+        <p:cNvPr id="1" name=""/>
+        <p:cNvGrpSpPr/>
+        <p:nvPr/>
+      </p:nvGrpSpPr>
+      <p:grpSpPr>
+        <a:xfrm>
+          <a:off x="0" y="0"/>
+          <a:ext cx="0" cy="0"/>
+          <a:chOff x="0" y="0"/>
+          <a:chExt cx="0" cy="0"/>
+        </a:xfrm>
+      </p:grpSpPr>
+      <p:sp>
+        <p:nvSpPr>
+          <p:cNvPr id="2" name="Titre 1"/>
+          <p:cNvSpPr>
+            <a:spLocks noGrp="1"/>
+          </p:cNvSpPr>
+          <p:nvPr>
+            <p:ph type="title"/>
+          </p:nvPr>
+        </p:nvSpPr>
+        <p:spPr/>
+        <p:txBody>
+          <a:bodyPr/>
+          <a:lstStyle/>
+          <a:p>
+            <a:r>
+              <a:rPr lang="fr-FR" dirty="0" smtClean="0"/>
+              <a:t>Tests utilisateurs</a:t>
+            </a:r>
+            <a:endParaRPr lang="fr-FR" dirty="0"/>
+          </a:p>
+        </p:txBody>
+      </p:sp>
+      <p:sp>
+        <p:nvSpPr>
+          <p:cNvPr id="3" name="Espace réservé du numéro de diapositive 2"/>
+          <p:cNvSpPr>
+            <a:spLocks noGrp="1"/>
+          </p:cNvSpPr>
+          <p:nvPr>
+            <p:ph type="sldNum" sz="quarter" idx="12"/>
+          </p:nvPr>
+        </p:nvSpPr>
+        <p:spPr/>
+        <p:txBody>
+          <a:bodyPr/>
+          <a:lstStyle/>
+          <a:p>
+            <a:fld id="{0F242953-DAFC-495B-AE02-16ED9D37F665}" type="slidenum">
+              <a:rPr lang="fr-FR" smtClean="0"/>
+              <a:t>34</a:t>
+            </a:fld>
+            <a:endParaRPr lang="fr-FR"/>
+          </a:p>
+        </p:txBody>
+      </p:sp>
+      <p:sp>
+        <p:nvSpPr>
+          <p:cNvPr id="4" name="Espace réservé du contenu 3"/>
+          <p:cNvSpPr>
+            <a:spLocks noGrp="1"/>
+          </p:cNvSpPr>
+          <p:nvPr>
+            <p:ph sz="quarter" idx="1"/>
+          </p:nvPr>
+        </p:nvSpPr>
+        <p:spPr/>
+        <p:txBody>
+          <a:bodyPr/>
+          <a:lstStyle/>
+          <a:p>
+            <a:r>
+              <a:rPr lang="fr-FR" dirty="0" smtClean="0"/>
+              <a:t>Objectif</a:t>
+            </a:r>
+          </a:p>
+          <a:p>
+            <a:pPr lvl="1"/>
+            <a:r>
+              <a:rPr lang="fr-FR" dirty="0" smtClean="0"/>
+              <a:t>Avoir un avis sur les interactions</a:t>
+            </a:r>
+          </a:p>
+          <a:p>
+            <a:pPr lvl="1"/>
+            <a:r>
+              <a:rPr lang="fr-FR" dirty="0" smtClean="0"/>
+              <a:t>Pas la performance</a:t>
+            </a:r>
+          </a:p>
+          <a:p>
+            <a:pPr lvl="1"/>
+            <a:endParaRPr lang="fr-FR" dirty="0" smtClean="0"/>
+          </a:p>
+          <a:p>
+            <a:r>
+              <a:rPr lang="fr-FR" dirty="0" smtClean="0"/>
+              <a:t>Environnement</a:t>
+            </a:r>
+          </a:p>
+          <a:p>
+            <a:pPr lvl="1"/>
+            <a:r>
+              <a:rPr lang="fr-FR" dirty="0" smtClean="0"/>
+              <a:t>Environnement calme</a:t>
+            </a:r>
+          </a:p>
+          <a:p>
+            <a:pPr lvl="1"/>
+            <a:r>
+              <a:rPr lang="fr-FR" dirty="0" smtClean="0"/>
+              <a:t>Sous Windows</a:t>
+            </a:r>
+          </a:p>
+          <a:p>
+            <a:pPr lvl="1"/>
+            <a:r>
+              <a:rPr lang="fr-FR" dirty="0" smtClean="0"/>
+              <a:t>Petit tutoriel au préalable</a:t>
+            </a:r>
+            <a:endParaRPr lang="fr-FR" dirty="0"/>
+          </a:p>
+          <a:p>
+            <a:pPr lvl="1"/>
+            <a:endParaRPr lang="fr-FR" dirty="0" smtClean="0"/>
+          </a:p>
+          <a:p>
+            <a:pPr lvl="1"/>
+            <a:endParaRPr lang="fr-FR" dirty="0"/>
+          </a:p>
+        </p:txBody>
+      </p:sp>
+      <p:pic>
+        <p:nvPicPr>
+          <p:cNvPr id="1026" name="Picture 2" descr="http://www.eebxl1.eu/blogs/cde/files/2011/03/usability-testing.jpg"/>
+          <p:cNvPicPr>
+            <a:picLocks noChangeAspect="1" noChangeArrowheads="1"/>
+          </p:cNvPicPr>
+          <p:nvPr/>
+        </p:nvPicPr>
+        <p:blipFill>
+          <a:blip r:embed="rId2">
+            <a:extLst>
+              <a:ext uri="{28A0092B-C50C-407E-A947-70E740481C1C}">
+                <a14:useLocalDpi xmlns:a14="http://schemas.microsoft.com/office/drawing/2010/main" val="0"/>
+              </a:ext>
+            </a:extLst>
+          </a:blip>
+          <a:srcRect/>
+          <a:stretch>
+            <a:fillRect/>
+          </a:stretch>
+        </p:blipFill>
+        <p:spPr bwMode="auto">
+          <a:xfrm>
+            <a:off x="4860032" y="2996952"/>
+            <a:ext cx="3086100" cy="2400301"/>
+          </a:xfrm>
+          <a:prstGeom prst="rect">
+            <a:avLst/>
+          </a:prstGeom>
+          <a:noFill/>
+          <a:extLst>
+            <a:ext uri="{909E8E84-426E-40DD-AFC4-6F175D3DCCD1}">
+              <a14:hiddenFill xmlns:a14="http://schemas.microsoft.com/office/drawing/2010/main">
+                <a:solidFill>
+                  <a:srgbClr val="FFFFFF"/>
+                </a:solidFill>
+              </a14:hiddenFill>
+            </a:ext>
+          </a:extLst>
+        </p:spPr>
+      </p:pic>
+    </p:spTree>
+    <p:extLst>
+      <p:ext uri="{BB962C8B-B14F-4D97-AF65-F5344CB8AC3E}">
+        <p14:creationId xmlns:p14="http://schemas.microsoft.com/office/powerpoint/2010/main" val="1089978752"/>
+      </p:ext>
+    </p:extLst>
+  </p:cSld>
+  <p:clrMapOvr>
+    <a:masterClrMapping/>
+  </p:clrMapOvr>
+</p:sld>
+</file>
+
+<file path=ppt/slides/slide35.xml><?xml version="1.0" encoding="utf-8"?>
+<p:sld xmlns:a="http://schemas.openxmlformats.org/drawingml/2006/main" xmlns:r="http://schemas.openxmlformats.org/officeDocument/2006/relationships" xmlns:p="http://schemas.openxmlformats.org/presentationml/2006/main">
+  <p:cSld>
+    <p:spTree>
+      <p:nvGrpSpPr>
+        <p:cNvPr id="1" name=""/>
+        <p:cNvGrpSpPr/>
+        <p:nvPr/>
+      </p:nvGrpSpPr>
+      <p:grpSpPr>
+        <a:xfrm>
+          <a:off x="0" y="0"/>
+          <a:ext cx="0" cy="0"/>
+          <a:chOff x="0" y="0"/>
+          <a:chExt cx="0" cy="0"/>
+        </a:xfrm>
+      </p:grpSpPr>
+      <p:sp>
+        <p:nvSpPr>
+          <p:cNvPr id="2" name="Titre 1"/>
+          <p:cNvSpPr>
+            <a:spLocks noGrp="1"/>
+          </p:cNvSpPr>
+          <p:nvPr>
+            <p:ph type="title"/>
+          </p:nvPr>
+        </p:nvSpPr>
+        <p:spPr/>
+        <p:txBody>
+          <a:bodyPr/>
+          <a:lstStyle/>
+          <a:p>
+            <a:r>
+              <a:rPr lang="fr-FR" dirty="0" smtClean="0"/>
+              <a:t>Tests utilisateurs</a:t>
+            </a:r>
+            <a:endParaRPr lang="fr-FR" dirty="0"/>
+          </a:p>
+        </p:txBody>
+      </p:sp>
+      <p:sp>
+        <p:nvSpPr>
+          <p:cNvPr id="3" name="Espace réservé du numéro de diapositive 2"/>
+          <p:cNvSpPr>
+            <a:spLocks noGrp="1"/>
+          </p:cNvSpPr>
+          <p:nvPr>
+            <p:ph type="sldNum" sz="quarter" idx="12"/>
+          </p:nvPr>
+        </p:nvSpPr>
+        <p:spPr/>
+        <p:txBody>
+          <a:bodyPr/>
+          <a:lstStyle/>
+          <a:p>
+            <a:fld id="{0F242953-DAFC-495B-AE02-16ED9D37F665}" type="slidenum">
+              <a:rPr lang="fr-FR" smtClean="0"/>
+              <a:t>35</a:t>
+            </a:fld>
+            <a:endParaRPr lang="fr-FR"/>
+          </a:p>
+        </p:txBody>
+      </p:sp>
+      <p:sp>
+        <p:nvSpPr>
+          <p:cNvPr id="4" name="Espace réservé du contenu 3"/>
+          <p:cNvSpPr>
+            <a:spLocks noGrp="1"/>
+          </p:cNvSpPr>
+          <p:nvPr>
+            <p:ph sz="quarter" idx="1"/>
+          </p:nvPr>
+        </p:nvSpPr>
+        <p:spPr/>
+        <p:txBody>
+          <a:bodyPr/>
+          <a:lstStyle/>
+          <a:p>
+            <a:r>
+              <a:rPr lang="fr-FR" dirty="0" smtClean="0"/>
+              <a:t>Utilisateurs</a:t>
+            </a:r>
+          </a:p>
+          <a:p>
+            <a:pPr lvl="1"/>
+            <a:r>
+              <a:rPr lang="fr-FR" dirty="0" smtClean="0"/>
+              <a:t>5 personnes (4hommes + 1 femme)</a:t>
+            </a:r>
+          </a:p>
+          <a:p>
+            <a:pPr lvl="1"/>
+            <a:r>
+              <a:rPr lang="fr-FR" dirty="0" smtClean="0"/>
+              <a:t>15ans à plus de 50 ans</a:t>
+            </a:r>
+          </a:p>
+          <a:p>
+            <a:pPr lvl="1"/>
+            <a:r>
+              <a:rPr lang="fr-FR" dirty="0" smtClean="0"/>
+              <a:t>Expérience informatique variée</a:t>
+            </a:r>
+          </a:p>
+          <a:p>
+            <a:pPr lvl="1"/>
+            <a:r>
+              <a:rPr lang="fr-FR" dirty="0" smtClean="0"/>
+              <a:t>Tous ont déjà utilisé Firefox</a:t>
+            </a:r>
+          </a:p>
+          <a:p>
+            <a:pPr lvl="1"/>
+            <a:r>
+              <a:rPr lang="fr-FR" dirty="0" smtClean="0"/>
+              <a:t>3 ayant déjà naviguer sans souris</a:t>
+            </a:r>
+          </a:p>
+          <a:p>
+            <a:pPr marL="274320" lvl="1" indent="0">
+              <a:buNone/>
+            </a:pPr>
+            <a:endParaRPr lang="fr-FR" dirty="0" smtClean="0"/>
+          </a:p>
+          <a:p>
+            <a:pPr lvl="1"/>
+            <a:endParaRPr lang="fr-FR" dirty="0"/>
+          </a:p>
+        </p:txBody>
+      </p:sp>
+      <p:pic>
+        <p:nvPicPr>
+          <p:cNvPr id="2050" name="Picture 2" descr="http://www.web-ergo.com/images/css/tests-utilisateurs.jpg"/>
+          <p:cNvPicPr>
+            <a:picLocks noChangeAspect="1" noChangeArrowheads="1"/>
+          </p:cNvPicPr>
+          <p:nvPr/>
+        </p:nvPicPr>
+        <p:blipFill>
+          <a:blip r:embed="rId2">
+            <a:extLst>
+              <a:ext uri="{28A0092B-C50C-407E-A947-70E740481C1C}">
+                <a14:useLocalDpi xmlns:a14="http://schemas.microsoft.com/office/drawing/2010/main" val="0"/>
+              </a:ext>
+            </a:extLst>
+          </a:blip>
+          <a:srcRect/>
+          <a:stretch>
+            <a:fillRect/>
+          </a:stretch>
+        </p:blipFill>
+        <p:spPr bwMode="auto">
+          <a:xfrm>
+            <a:off x="3619500" y="4293096"/>
+            <a:ext cx="1905000" cy="1905000"/>
+          </a:xfrm>
+          <a:prstGeom prst="rect">
+            <a:avLst/>
+          </a:prstGeom>
+          <a:noFill/>
+          <a:extLst>
+            <a:ext uri="{909E8E84-426E-40DD-AFC4-6F175D3DCCD1}">
+              <a14:hiddenFill xmlns:a14="http://schemas.microsoft.com/office/drawing/2010/main">
+                <a:solidFill>
+                  <a:srgbClr val="FFFFFF"/>
+                </a:solidFill>
+              </a14:hiddenFill>
+            </a:ext>
+          </a:extLst>
+        </p:spPr>
+      </p:pic>
+    </p:spTree>
+    <p:extLst>
+      <p:ext uri="{BB962C8B-B14F-4D97-AF65-F5344CB8AC3E}">
+        <p14:creationId xmlns:p14="http://schemas.microsoft.com/office/powerpoint/2010/main" val="2494717254"/>
+      </p:ext>
+    </p:extLst>
+  </p:cSld>
+  <p:clrMapOvr>
+    <a:masterClrMapping/>
+  </p:clrMapOvr>
+</p:sld>
+</file>
+
+<file path=ppt/slides/slide36.xml><?xml version="1.0" encoding="utf-8"?>
+<p:sld xmlns:a="http://schemas.openxmlformats.org/drawingml/2006/main" xmlns:r="http://schemas.openxmlformats.org/officeDocument/2006/relationships" xmlns:p="http://schemas.openxmlformats.org/presentationml/2006/main">
+  <p:cSld>
+    <p:spTree>
+      <p:nvGrpSpPr>
+        <p:cNvPr id="1" name=""/>
+        <p:cNvGrpSpPr/>
+        <p:nvPr/>
+      </p:nvGrpSpPr>
+      <p:grpSpPr>
+        <a:xfrm>
+          <a:off x="0" y="0"/>
+          <a:ext cx="0" cy="0"/>
+          <a:chOff x="0" y="0"/>
+          <a:chExt cx="0" cy="0"/>
+        </a:xfrm>
+      </p:grpSpPr>
+      <p:sp>
+        <p:nvSpPr>
+          <p:cNvPr id="2" name="Titre 1"/>
+          <p:cNvSpPr>
+            <a:spLocks noGrp="1"/>
+          </p:cNvSpPr>
+          <p:nvPr>
+            <p:ph type="title"/>
+          </p:nvPr>
+        </p:nvSpPr>
+        <p:spPr/>
+        <p:txBody>
+          <a:bodyPr/>
+          <a:lstStyle/>
+          <a:p>
+            <a:r>
+              <a:rPr lang="fr-FR" dirty="0" smtClean="0"/>
+              <a:t>Tests utilisateurs</a:t>
+            </a:r>
+            <a:endParaRPr lang="fr-FR" dirty="0"/>
+          </a:p>
+        </p:txBody>
+      </p:sp>
+      <p:sp>
+        <p:nvSpPr>
+          <p:cNvPr id="3" name="Espace réservé du numéro de diapositive 2"/>
+          <p:cNvSpPr>
+            <a:spLocks noGrp="1"/>
+          </p:cNvSpPr>
+          <p:nvPr>
+            <p:ph type="sldNum" sz="quarter" idx="12"/>
+          </p:nvPr>
+        </p:nvSpPr>
+        <p:spPr/>
+        <p:txBody>
+          <a:bodyPr/>
+          <a:lstStyle/>
+          <a:p>
+            <a:fld id="{0F242953-DAFC-495B-AE02-16ED9D37F665}" type="slidenum">
+              <a:rPr lang="fr-FR" smtClean="0"/>
+              <a:t>36</a:t>
+            </a:fld>
+            <a:endParaRPr lang="fr-FR"/>
+          </a:p>
+        </p:txBody>
+      </p:sp>
+      <p:sp>
+        <p:nvSpPr>
+          <p:cNvPr id="4" name="Espace réservé du contenu 3"/>
+          <p:cNvSpPr>
+            <a:spLocks noGrp="1"/>
+          </p:cNvSpPr>
+          <p:nvPr>
+            <p:ph sz="quarter" idx="1"/>
+          </p:nvPr>
+        </p:nvSpPr>
+        <p:spPr/>
+        <p:txBody>
+          <a:bodyPr>
+            <a:normAutofit/>
+          </a:bodyPr>
+          <a:lstStyle/>
+          <a:p>
+            <a:r>
+              <a:rPr lang="fr-FR" dirty="0" smtClean="0"/>
+              <a:t>Scénarii</a:t>
+            </a:r>
+          </a:p>
+          <a:p>
+            <a:pPr lvl="1"/>
+            <a:r>
+              <a:rPr lang="fr-FR" dirty="0"/>
+              <a:t>Rechercher « Metz » avec le moteur de recherche Google. (Indication : liens et clavier)</a:t>
+            </a:r>
+          </a:p>
+          <a:p>
+            <a:pPr lvl="1"/>
+            <a:r>
+              <a:rPr lang="fr-FR" dirty="0"/>
+              <a:t>Aller sur l’onglet comportant la page du site </a:t>
+            </a:r>
+            <a:r>
+              <a:rPr lang="fr-FR" dirty="0" err="1"/>
+              <a:t>DailyMotion</a:t>
+            </a:r>
+            <a:r>
+              <a:rPr lang="fr-FR" dirty="0"/>
+              <a:t> . Mettez la première vidéo de la page en marche. (Indication : onglet et balayage)</a:t>
+            </a:r>
+          </a:p>
+          <a:p>
+            <a:pPr lvl="1"/>
+            <a:r>
+              <a:rPr lang="fr-FR" dirty="0"/>
+              <a:t>Ouvrez la page du site « </a:t>
+            </a:r>
+            <a:r>
+              <a:rPr lang="fr-FR" dirty="0" err="1"/>
+              <a:t>Laposte</a:t>
+            </a:r>
+            <a:r>
+              <a:rPr lang="fr-FR" dirty="0"/>
+              <a:t> » qui est un favori et allez sur la page concernée. Puis sélectionnez le lien « Particulier », qu'elles sont les 5 outils et services les plus utilisés ? (information en bas de page) (Indication : favoris, onglet, liens et page)</a:t>
+            </a:r>
+          </a:p>
+          <a:p>
+            <a:pPr lvl="1"/>
+            <a:endParaRPr lang="fr-FR" dirty="0" smtClean="0"/>
+          </a:p>
+          <a:p>
+            <a:pPr lvl="1"/>
+            <a:endParaRPr lang="fr-FR" dirty="0"/>
+          </a:p>
+        </p:txBody>
+      </p:sp>
+    </p:spTree>
+    <p:extLst>
+      <p:ext uri="{BB962C8B-B14F-4D97-AF65-F5344CB8AC3E}">
+        <p14:creationId xmlns:p14="http://schemas.microsoft.com/office/powerpoint/2010/main" val="2109429489"/>
+      </p:ext>
+    </p:extLst>
+  </p:cSld>
+  <p:clrMapOvr>
+    <a:masterClrMapping/>
+  </p:clrMapOvr>
+</p:sld>
+</file>
+
+<file path=ppt/slides/slide37.xml><?xml version="1.0" encoding="utf-8"?>
+<p:sld xmlns:a="http://schemas.openxmlformats.org/drawingml/2006/main" xmlns:r="http://schemas.openxmlformats.org/officeDocument/2006/relationships" xmlns:p="http://schemas.openxmlformats.org/presentationml/2006/main">
+  <p:cSld>
+    <p:spTree>
+      <p:nvGrpSpPr>
+        <p:cNvPr id="1" name=""/>
+        <p:cNvGrpSpPr/>
+        <p:nvPr/>
+      </p:nvGrpSpPr>
+      <p:grpSpPr>
+        <a:xfrm>
+          <a:off x="0" y="0"/>
+          <a:ext cx="0" cy="0"/>
+          <a:chOff x="0" y="0"/>
+          <a:chExt cx="0" cy="0"/>
+        </a:xfrm>
+      </p:grpSpPr>
+      <p:sp>
+        <p:nvSpPr>
+          <p:cNvPr id="2" name="Titre 1"/>
+          <p:cNvSpPr>
+            <a:spLocks noGrp="1"/>
+          </p:cNvSpPr>
+          <p:nvPr>
+            <p:ph type="title"/>
+          </p:nvPr>
+        </p:nvSpPr>
+        <p:spPr/>
+        <p:txBody>
+          <a:bodyPr/>
+          <a:lstStyle/>
+          <a:p>
+            <a:r>
+              <a:rPr lang="fr-FR" dirty="0" smtClean="0"/>
+              <a:t>Tests utilisateurs</a:t>
+            </a:r>
+            <a:endParaRPr lang="fr-FR" dirty="0"/>
+          </a:p>
+        </p:txBody>
+      </p:sp>
+      <p:sp>
+        <p:nvSpPr>
+          <p:cNvPr id="3" name="Espace réservé du numéro de diapositive 2"/>
+          <p:cNvSpPr>
+            <a:spLocks noGrp="1"/>
+          </p:cNvSpPr>
+          <p:nvPr>
+            <p:ph type="sldNum" sz="quarter" idx="12"/>
+          </p:nvPr>
+        </p:nvSpPr>
+        <p:spPr/>
+        <p:txBody>
+          <a:bodyPr/>
+          <a:lstStyle/>
+          <a:p>
+            <a:fld id="{0F242953-DAFC-495B-AE02-16ED9D37F665}" type="slidenum">
+              <a:rPr lang="fr-FR" smtClean="0"/>
+              <a:t>37</a:t>
+            </a:fld>
+            <a:endParaRPr lang="fr-FR"/>
+          </a:p>
+        </p:txBody>
+      </p:sp>
+      <p:sp>
+        <p:nvSpPr>
+          <p:cNvPr id="4" name="Espace réservé du contenu 3"/>
+          <p:cNvSpPr>
+            <a:spLocks noGrp="1"/>
+          </p:cNvSpPr>
+          <p:nvPr>
+            <p:ph sz="quarter" idx="1"/>
+          </p:nvPr>
+        </p:nvSpPr>
+        <p:spPr/>
+        <p:txBody>
+          <a:bodyPr>
+            <a:normAutofit/>
+          </a:bodyPr>
+          <a:lstStyle/>
+          <a:p>
+            <a:r>
+              <a:rPr lang="fr-FR" dirty="0" smtClean="0"/>
+              <a:t>Résultats</a:t>
+            </a:r>
+          </a:p>
+          <a:p>
+            <a:pPr marL="0" indent="0">
+              <a:buNone/>
+            </a:pPr>
+            <a:endParaRPr lang="fr-FR" dirty="0" smtClean="0"/>
+          </a:p>
+          <a:p>
+            <a:pPr lvl="1"/>
+            <a:r>
+              <a:rPr lang="fr-FR" dirty="0" smtClean="0"/>
+              <a:t>Tâches réalisées jusqu’au bout</a:t>
+            </a:r>
+          </a:p>
+          <a:p>
+            <a:pPr lvl="1"/>
+            <a:r>
+              <a:rPr lang="fr-FR" dirty="0" smtClean="0"/>
+              <a:t>Temps raisonnable et quasi égal pour chaque utilisateur</a:t>
+            </a:r>
+          </a:p>
+          <a:p>
+            <a:pPr lvl="1"/>
+            <a:r>
+              <a:rPr lang="fr-FR" dirty="0" smtClean="0"/>
+              <a:t>Remarques sur l’ergonomie de l’interface</a:t>
+            </a:r>
+          </a:p>
+          <a:p>
+            <a:pPr lvl="1"/>
+            <a:r>
+              <a:rPr lang="fr-FR" dirty="0" smtClean="0"/>
+              <a:t>Vitesse de balayage</a:t>
+            </a:r>
+          </a:p>
+          <a:p>
+            <a:pPr lvl="1"/>
+            <a:endParaRPr lang="fr-FR" dirty="0"/>
+          </a:p>
+          <a:p>
+            <a:pPr lvl="1"/>
+            <a:endParaRPr lang="fr-FR" dirty="0" smtClean="0"/>
+          </a:p>
+          <a:p>
+            <a:pPr lvl="1"/>
+            <a:endParaRPr lang="fr-FR" dirty="0"/>
+          </a:p>
+        </p:txBody>
+      </p:sp>
+    </p:spTree>
+    <p:extLst>
+      <p:ext uri="{BB962C8B-B14F-4D97-AF65-F5344CB8AC3E}">
+        <p14:creationId xmlns:p14="http://schemas.microsoft.com/office/powerpoint/2010/main" val="1669089780"/>
+      </p:ext>
+    </p:extLst>
+  </p:cSld>
+  <p:clrMapOvr>
+    <a:masterClrMapping/>
+  </p:clrMapOvr>
+</p:sld>
+</file>
+
+<file path=ppt/slides/slide38.xml><?xml version="1.0" encoding="utf-8"?>
+<p:sld xmlns:a="http://schemas.openxmlformats.org/drawingml/2006/main" xmlns:r="http://schemas.openxmlformats.org/officeDocument/2006/relationships" xmlns:p="http://schemas.openxmlformats.org/presentationml/2006/main">
+  <p:cSld>
+    <p:spTree>
+      <p:nvGrpSpPr>
+        <p:cNvPr id="1" name=""/>
+        <p:cNvGrpSpPr/>
+        <p:nvPr/>
+      </p:nvGrpSpPr>
+      <p:grpSpPr>
+        <a:xfrm>
+          <a:off x="0" y="0"/>
+          <a:ext cx="0" cy="0"/>
+          <a:chOff x="0" y="0"/>
+          <a:chExt cx="0" cy="0"/>
+        </a:xfrm>
+      </p:grpSpPr>
+      <p:sp>
+        <p:nvSpPr>
+          <p:cNvPr id="2" name="Titre 1"/>
+          <p:cNvSpPr>
+            <a:spLocks noGrp="1"/>
+          </p:cNvSpPr>
+          <p:nvPr>
+            <p:ph type="title"/>
+          </p:nvPr>
+        </p:nvSpPr>
+        <p:spPr/>
+        <p:txBody>
+          <a:bodyPr/>
+          <a:lstStyle/>
+          <a:p>
+            <a:r>
+              <a:rPr lang="fr-FR" dirty="0" smtClean="0"/>
+              <a:t>Tests utilisateurs</a:t>
+            </a:r>
+            <a:endParaRPr lang="fr-FR" dirty="0"/>
+          </a:p>
+        </p:txBody>
+      </p:sp>
+      <p:sp>
+        <p:nvSpPr>
+          <p:cNvPr id="3" name="Espace réservé du numéro de diapositive 2"/>
+          <p:cNvSpPr>
+            <a:spLocks noGrp="1"/>
+          </p:cNvSpPr>
+          <p:nvPr>
+            <p:ph type="sldNum" sz="quarter" idx="12"/>
+          </p:nvPr>
+        </p:nvSpPr>
+        <p:spPr/>
+        <p:txBody>
+          <a:bodyPr/>
+          <a:lstStyle/>
+          <a:p>
+            <a:fld id="{0F242953-DAFC-495B-AE02-16ED9D37F665}" type="slidenum">
+              <a:rPr lang="fr-FR" smtClean="0"/>
+              <a:t>38</a:t>
+            </a:fld>
+            <a:endParaRPr lang="fr-FR"/>
+          </a:p>
+        </p:txBody>
+      </p:sp>
+      <p:sp>
+        <p:nvSpPr>
+          <p:cNvPr id="4" name="Espace réservé du contenu 3"/>
+          <p:cNvSpPr>
+            <a:spLocks noGrp="1"/>
+          </p:cNvSpPr>
+          <p:nvPr>
+            <p:ph sz="quarter" idx="1"/>
+          </p:nvPr>
+        </p:nvSpPr>
+        <p:spPr/>
+        <p:txBody>
+          <a:bodyPr>
+            <a:normAutofit/>
+          </a:bodyPr>
+          <a:lstStyle/>
+          <a:p>
+            <a:r>
+              <a:rPr lang="fr-FR" dirty="0" smtClean="0"/>
+              <a:t>Post-questionnaire</a:t>
+            </a:r>
+            <a:endParaRPr lang="fr-FR" dirty="0"/>
+          </a:p>
+          <a:p>
+            <a:pPr lvl="1"/>
+            <a:r>
+              <a:rPr lang="fr-FR" dirty="0" smtClean="0"/>
+              <a:t>Aucun problème lors des tests</a:t>
+            </a:r>
+          </a:p>
+          <a:p>
+            <a:pPr lvl="1"/>
+            <a:r>
+              <a:rPr lang="fr-FR" dirty="0" smtClean="0"/>
+              <a:t>(Temps trop long pour taper une requête)</a:t>
+            </a:r>
+          </a:p>
+          <a:p>
+            <a:pPr lvl="1"/>
+            <a:endParaRPr lang="fr-FR" dirty="0"/>
+          </a:p>
+        </p:txBody>
+      </p:sp>
+      <p:graphicFrame>
+        <p:nvGraphicFramePr>
+          <p:cNvPr id="5" name="Graphique 4"/>
+          <p:cNvGraphicFramePr/>
+          <p:nvPr>
+            <p:extLst>
+              <p:ext uri="{D42A27DB-BD31-4B8C-83A1-F6EECF244321}">
+                <p14:modId xmlns:p14="http://schemas.microsoft.com/office/powerpoint/2010/main" val="1767852318"/>
+              </p:ext>
+            </p:extLst>
+          </p:nvPr>
+        </p:nvGraphicFramePr>
+        <p:xfrm>
+          <a:off x="2286000" y="3429000"/>
+          <a:ext cx="4572000" cy="2743200"/>
+        </p:xfrm>
+        <a:graphic>
+          <a:graphicData uri="http://schemas.openxmlformats.org/drawingml/2006/chart">
+            <c:chart xmlns:c="http://schemas.openxmlformats.org/drawingml/2006/chart" xmlns:r="http://schemas.openxmlformats.org/officeDocument/2006/relationships" r:id="rId2"/>
+          </a:graphicData>
+        </a:graphic>
+      </p:graphicFrame>
+    </p:spTree>
+    <p:extLst>
+      <p:ext uri="{BB962C8B-B14F-4D97-AF65-F5344CB8AC3E}">
+        <p14:creationId xmlns:p14="http://schemas.microsoft.com/office/powerpoint/2010/main" val="4286615357"/>
+      </p:ext>
+    </p:extLst>
+  </p:cSld>
+  <p:clrMapOvr>
+    <a:masterClrMapping/>
+  </p:clrMapOvr>
+</p:sld>
+</file>
+
+<file path=ppt/slides/slide39.xml><?xml version="1.0" encoding="utf-8"?>
+<p:sld xmlns:a="http://schemas.openxmlformats.org/drawingml/2006/main" xmlns:r="http://schemas.openxmlformats.org/officeDocument/2006/relationships" xmlns:p="http://schemas.openxmlformats.org/presentationml/2006/main">
+  <p:cSld>
+    <p:spTree>
+      <p:nvGrpSpPr>
+        <p:cNvPr id="1" name=""/>
+        <p:cNvGrpSpPr/>
+        <p:nvPr/>
+      </p:nvGrpSpPr>
+      <p:grpSpPr>
+        <a:xfrm>
+          <a:off x="0" y="0"/>
+          <a:ext cx="0" cy="0"/>
+          <a:chOff x="0" y="0"/>
+          <a:chExt cx="0" cy="0"/>
+        </a:xfrm>
+      </p:grpSpPr>
+      <p:sp>
+        <p:nvSpPr>
+          <p:cNvPr id="2" name="Titre 1"/>
+          <p:cNvSpPr>
+            <a:spLocks noGrp="1"/>
+          </p:cNvSpPr>
+          <p:nvPr>
+            <p:ph type="title"/>
+          </p:nvPr>
+        </p:nvSpPr>
+        <p:spPr/>
+        <p:txBody>
+          <a:bodyPr/>
+          <a:lstStyle/>
+          <a:p>
+            <a:r>
+              <a:rPr lang="fr-FR" dirty="0" smtClean="0"/>
+              <a:t>Tests utilisateurs</a:t>
+            </a:r>
+            <a:endParaRPr lang="fr-FR" dirty="0"/>
+          </a:p>
+        </p:txBody>
+      </p:sp>
+      <p:sp>
+        <p:nvSpPr>
+          <p:cNvPr id="3" name="Espace réservé du numéro de diapositive 2"/>
+          <p:cNvSpPr>
+            <a:spLocks noGrp="1"/>
+          </p:cNvSpPr>
+          <p:nvPr>
+            <p:ph type="sldNum" sz="quarter" idx="12"/>
+          </p:nvPr>
+        </p:nvSpPr>
+        <p:spPr/>
+        <p:txBody>
+          <a:bodyPr/>
+          <a:lstStyle/>
+          <a:p>
+            <a:fld id="{0F242953-DAFC-495B-AE02-16ED9D37F665}" type="slidenum">
+              <a:rPr lang="fr-FR" smtClean="0"/>
+              <a:t>39</a:t>
+            </a:fld>
+            <a:endParaRPr lang="fr-FR"/>
+          </a:p>
+        </p:txBody>
+      </p:sp>
+      <p:sp>
+        <p:nvSpPr>
+          <p:cNvPr id="4" name="Espace réservé du contenu 3"/>
+          <p:cNvSpPr>
+            <a:spLocks noGrp="1"/>
+          </p:cNvSpPr>
+          <p:nvPr>
+            <p:ph sz="quarter" idx="1"/>
+          </p:nvPr>
+        </p:nvSpPr>
+        <p:spPr/>
+        <p:txBody>
+          <a:bodyPr>
+            <a:normAutofit/>
+          </a:bodyPr>
+          <a:lstStyle/>
+          <a:p>
+            <a:r>
+              <a:rPr lang="fr-FR" dirty="0" smtClean="0"/>
+              <a:t>Post-questionnaire</a:t>
+            </a:r>
+            <a:endParaRPr lang="fr-FR" dirty="0"/>
+          </a:p>
+          <a:p>
+            <a:pPr lvl="1"/>
+            <a:r>
+              <a:rPr lang="fr-FR" dirty="0" smtClean="0"/>
+              <a:t>Tutoriel pré-test utile</a:t>
+            </a:r>
+          </a:p>
+          <a:p>
+            <a:pPr lvl="1"/>
+            <a:r>
+              <a:rPr lang="fr-FR" dirty="0" smtClean="0"/>
+              <a:t>« Il faut comprendre le fonctionnement puis très simple à utiliser »</a:t>
+            </a:r>
+            <a:endParaRPr lang="fr-FR" dirty="0"/>
+          </a:p>
+        </p:txBody>
+      </p:sp>
+      <p:graphicFrame>
+        <p:nvGraphicFramePr>
+          <p:cNvPr id="6" name="Graphique 5"/>
+          <p:cNvGraphicFramePr/>
+          <p:nvPr>
+            <p:extLst>
+              <p:ext uri="{D42A27DB-BD31-4B8C-83A1-F6EECF244321}">
+                <p14:modId xmlns:p14="http://schemas.microsoft.com/office/powerpoint/2010/main" val="1479708883"/>
+              </p:ext>
+            </p:extLst>
+          </p:nvPr>
+        </p:nvGraphicFramePr>
+        <p:xfrm>
+          <a:off x="2267744" y="3429000"/>
+          <a:ext cx="4572000" cy="2743200"/>
+        </p:xfrm>
+        <a:graphic>
+          <a:graphicData uri="http://schemas.openxmlformats.org/drawingml/2006/chart">
+            <c:chart xmlns:c="http://schemas.openxmlformats.org/drawingml/2006/chart" xmlns:r="http://schemas.openxmlformats.org/officeDocument/2006/relationships" r:id="rId2"/>
+          </a:graphicData>
+        </a:graphic>
+      </p:graphicFrame>
+    </p:spTree>
+    <p:extLst>
+      <p:ext uri="{BB962C8B-B14F-4D97-AF65-F5344CB8AC3E}">
+        <p14:creationId xmlns:p14="http://schemas.microsoft.com/office/powerpoint/2010/main" val="1222268603"/>
       </p:ext>
     </p:extLst>
   </p:cSld>
@@ -13081,7 +15961,7 @@
           <a:p>
             <a:r>
               <a:rPr lang="fr-FR" dirty="0" smtClean="0"/>
-              <a:t>Existant</a:t>
+              <a:t>Moyens</a:t>
             </a:r>
             <a:endParaRPr lang="fr-FR" dirty="0"/>
           </a:p>
@@ -13127,48 +16007,726 @@
           <a:p>
             <a:r>
               <a:rPr lang="fr-FR" dirty="0" smtClean="0"/>
-              <a:t>L’existant se constitue majoritairement de solutions</a:t>
-            </a:r>
-            <a:r>
-              <a:rPr lang="fr-FR" dirty="0"/>
-              <a:t> à</a:t>
-            </a:r>
+              <a:t>A notre disposition</a:t>
+            </a:r>
+          </a:p>
+          <a:p>
+            <a:pPr lvl="1"/>
             <a:r>
               <a:rPr lang="fr-FR" dirty="0" smtClean="0"/>
-              <a:t> base</a:t>
+              <a:t>Navigateur web Firefox</a:t>
+            </a:r>
+          </a:p>
+          <a:p>
+            <a:pPr lvl="2"/>
+            <a:r>
+              <a:rPr lang="fr-FR" dirty="0" smtClean="0"/>
+              <a:t>Possibilité d’ajouter des plug-in</a:t>
             </a:r>
           </a:p>
           <a:p>
             <a:pPr lvl="1"/>
             <a:r>
               <a:rPr lang="fr-FR" dirty="0" smtClean="0"/>
-              <a:t>De commande vocale</a:t>
-            </a:r>
-          </a:p>
-          <a:p>
-            <a:pPr lvl="1"/>
+              <a:t>Vimperator</a:t>
+            </a:r>
+          </a:p>
+          <a:p>
+            <a:pPr lvl="2"/>
             <a:r>
               <a:rPr lang="fr-FR" dirty="0" smtClean="0"/>
-              <a:t>Balayage-écran</a:t>
-            </a:r>
-          </a:p>
-          <a:p>
-            <a:pPr lvl="1"/>
-            <a:r>
-              <a:rPr lang="fr-FR" dirty="0" smtClean="0"/>
-              <a:t>Émulation de souris à partir d’un clavier virtuel</a:t>
+              <a:t>Permet entre autre la manipulation de Firefox en ligne de commande</a:t>
             </a:r>
           </a:p>
           <a:p>
             <a:pPr lvl="1"/>
             <a:endParaRPr lang="fr-FR" dirty="0" smtClean="0"/>
+          </a:p>
+          <a:p>
+            <a:pPr lvl="1"/>
+            <a:endParaRPr lang="fr-FR" dirty="0"/>
           </a:p>
         </p:txBody>
       </p:sp>
     </p:spTree>
     <p:extLst>
       <p:ext uri="{BB962C8B-B14F-4D97-AF65-F5344CB8AC3E}">
-        <p14:creationId xmlns:p14="http://schemas.microsoft.com/office/powerpoint/2010/main" val="2941035121"/>
+        <p14:creationId xmlns:p14="http://schemas.microsoft.com/office/powerpoint/2010/main" val="1976332384"/>
+      </p:ext>
+    </p:extLst>
+  </p:cSld>
+  <p:clrMapOvr>
+    <a:masterClrMapping/>
+  </p:clrMapOvr>
+</p:sld>
+</file>
+
+<file path=ppt/slides/slide40.xml><?xml version="1.0" encoding="utf-8"?>
+<p:sld xmlns:a="http://schemas.openxmlformats.org/drawingml/2006/main" xmlns:r="http://schemas.openxmlformats.org/officeDocument/2006/relationships" xmlns:p="http://schemas.openxmlformats.org/presentationml/2006/main">
+  <p:cSld>
+    <p:spTree>
+      <p:nvGrpSpPr>
+        <p:cNvPr id="1" name=""/>
+        <p:cNvGrpSpPr/>
+        <p:nvPr/>
+      </p:nvGrpSpPr>
+      <p:grpSpPr>
+        <a:xfrm>
+          <a:off x="0" y="0"/>
+          <a:ext cx="0" cy="0"/>
+          <a:chOff x="0" y="0"/>
+          <a:chExt cx="0" cy="0"/>
+        </a:xfrm>
+      </p:grpSpPr>
+      <p:sp>
+        <p:nvSpPr>
+          <p:cNvPr id="2" name="Titre 1"/>
+          <p:cNvSpPr>
+            <a:spLocks noGrp="1"/>
+          </p:cNvSpPr>
+          <p:nvPr>
+            <p:ph type="title"/>
+          </p:nvPr>
+        </p:nvSpPr>
+        <p:spPr/>
+        <p:txBody>
+          <a:bodyPr/>
+          <a:lstStyle/>
+          <a:p>
+            <a:r>
+              <a:rPr lang="fr-FR" dirty="0" smtClean="0"/>
+              <a:t>Tests utilisateurs</a:t>
+            </a:r>
+            <a:endParaRPr lang="fr-FR" dirty="0"/>
+          </a:p>
+        </p:txBody>
+      </p:sp>
+      <p:sp>
+        <p:nvSpPr>
+          <p:cNvPr id="3" name="Espace réservé du numéro de diapositive 2"/>
+          <p:cNvSpPr>
+            <a:spLocks noGrp="1"/>
+          </p:cNvSpPr>
+          <p:nvPr>
+            <p:ph type="sldNum" sz="quarter" idx="12"/>
+          </p:nvPr>
+        </p:nvSpPr>
+        <p:spPr/>
+        <p:txBody>
+          <a:bodyPr/>
+          <a:lstStyle/>
+          <a:p>
+            <a:fld id="{0F242953-DAFC-495B-AE02-16ED9D37F665}" type="slidenum">
+              <a:rPr lang="fr-FR" smtClean="0"/>
+              <a:t>40</a:t>
+            </a:fld>
+            <a:endParaRPr lang="fr-FR"/>
+          </a:p>
+        </p:txBody>
+      </p:sp>
+      <p:sp>
+        <p:nvSpPr>
+          <p:cNvPr id="4" name="Espace réservé du contenu 3"/>
+          <p:cNvSpPr>
+            <a:spLocks noGrp="1"/>
+          </p:cNvSpPr>
+          <p:nvPr>
+            <p:ph sz="quarter" idx="1"/>
+          </p:nvPr>
+        </p:nvSpPr>
+        <p:spPr/>
+        <p:txBody>
+          <a:bodyPr>
+            <a:normAutofit/>
+          </a:bodyPr>
+          <a:lstStyle/>
+          <a:p>
+            <a:r>
+              <a:rPr lang="fr-FR" dirty="0" smtClean="0"/>
+              <a:t>Post-questionnaire</a:t>
+            </a:r>
+          </a:p>
+          <a:p>
+            <a:pPr lvl="1"/>
+            <a:r>
+              <a:rPr lang="fr-FR" dirty="0" smtClean="0"/>
+              <a:t>Problème pour le clavier AZERTY</a:t>
+            </a:r>
+          </a:p>
+          <a:p>
+            <a:pPr lvl="1"/>
+            <a:r>
+              <a:rPr lang="fr-FR" dirty="0" smtClean="0"/>
+              <a:t>Ergonomie à </a:t>
+            </a:r>
+            <a:r>
+              <a:rPr lang="fr-FR" b="1" dirty="0" smtClean="0"/>
+              <a:t>voir </a:t>
+            </a:r>
+            <a:r>
+              <a:rPr lang="fr-FR" dirty="0" smtClean="0"/>
+              <a:t>pour les futurs versions</a:t>
+            </a:r>
+          </a:p>
+          <a:p>
+            <a:pPr lvl="1"/>
+            <a:r>
+              <a:rPr lang="fr-FR" dirty="0" smtClean="0"/>
+              <a:t>Testeurs ≠ public cible</a:t>
+            </a:r>
+            <a:endParaRPr lang="fr-FR" dirty="0"/>
+          </a:p>
+        </p:txBody>
+      </p:sp>
+      <p:graphicFrame>
+        <p:nvGraphicFramePr>
+          <p:cNvPr id="7" name="Graphique 6"/>
+          <p:cNvGraphicFramePr/>
+          <p:nvPr>
+            <p:extLst>
+              <p:ext uri="{D42A27DB-BD31-4B8C-83A1-F6EECF244321}">
+                <p14:modId xmlns:p14="http://schemas.microsoft.com/office/powerpoint/2010/main" val="3787659251"/>
+              </p:ext>
+            </p:extLst>
+          </p:nvPr>
+        </p:nvGraphicFramePr>
+        <p:xfrm>
+          <a:off x="2286000" y="3501008"/>
+          <a:ext cx="4572000" cy="2743200"/>
+        </p:xfrm>
+        <a:graphic>
+          <a:graphicData uri="http://schemas.openxmlformats.org/drawingml/2006/chart">
+            <c:chart xmlns:c="http://schemas.openxmlformats.org/drawingml/2006/chart" xmlns:r="http://schemas.openxmlformats.org/officeDocument/2006/relationships" r:id="rId2"/>
+          </a:graphicData>
+        </a:graphic>
+      </p:graphicFrame>
+    </p:spTree>
+    <p:extLst>
+      <p:ext uri="{BB962C8B-B14F-4D97-AF65-F5344CB8AC3E}">
+        <p14:creationId xmlns:p14="http://schemas.microsoft.com/office/powerpoint/2010/main" val="3879808235"/>
+      </p:ext>
+    </p:extLst>
+  </p:cSld>
+  <p:clrMapOvr>
+    <a:masterClrMapping/>
+  </p:clrMapOvr>
+</p:sld>
+</file>
+
+<file path=ppt/slides/slide41.xml><?xml version="1.0" encoding="utf-8"?>
+<p:sld xmlns:a="http://schemas.openxmlformats.org/drawingml/2006/main" xmlns:r="http://schemas.openxmlformats.org/officeDocument/2006/relationships" xmlns:p="http://schemas.openxmlformats.org/presentationml/2006/main">
+  <p:cSld>
+    <p:spTree>
+      <p:nvGrpSpPr>
+        <p:cNvPr id="1" name=""/>
+        <p:cNvGrpSpPr/>
+        <p:nvPr/>
+      </p:nvGrpSpPr>
+      <p:grpSpPr>
+        <a:xfrm>
+          <a:off x="0" y="0"/>
+          <a:ext cx="0" cy="0"/>
+          <a:chOff x="0" y="0"/>
+          <a:chExt cx="0" cy="0"/>
+        </a:xfrm>
+      </p:grpSpPr>
+      <p:sp>
+        <p:nvSpPr>
+          <p:cNvPr id="2" name="Titre 1"/>
+          <p:cNvSpPr>
+            <a:spLocks noGrp="1"/>
+          </p:cNvSpPr>
+          <p:nvPr>
+            <p:ph type="title"/>
+          </p:nvPr>
+        </p:nvSpPr>
+        <p:spPr/>
+        <p:txBody>
+          <a:bodyPr/>
+          <a:lstStyle/>
+          <a:p>
+            <a:r>
+              <a:rPr lang="fr-FR" dirty="0" smtClean="0"/>
+              <a:t>Tests utilisateurs</a:t>
+            </a:r>
+            <a:endParaRPr lang="fr-FR" dirty="0"/>
+          </a:p>
+        </p:txBody>
+      </p:sp>
+      <p:sp>
+        <p:nvSpPr>
+          <p:cNvPr id="3" name="Espace réservé du numéro de diapositive 2"/>
+          <p:cNvSpPr>
+            <a:spLocks noGrp="1"/>
+          </p:cNvSpPr>
+          <p:nvPr>
+            <p:ph type="sldNum" sz="quarter" idx="12"/>
+          </p:nvPr>
+        </p:nvSpPr>
+        <p:spPr/>
+        <p:txBody>
+          <a:bodyPr/>
+          <a:lstStyle/>
+          <a:p>
+            <a:fld id="{0F242953-DAFC-495B-AE02-16ED9D37F665}" type="slidenum">
+              <a:rPr lang="fr-FR" smtClean="0"/>
+              <a:t>41</a:t>
+            </a:fld>
+            <a:endParaRPr lang="fr-FR"/>
+          </a:p>
+        </p:txBody>
+      </p:sp>
+      <p:sp>
+        <p:nvSpPr>
+          <p:cNvPr id="4" name="Espace réservé du contenu 3"/>
+          <p:cNvSpPr>
+            <a:spLocks noGrp="1"/>
+          </p:cNvSpPr>
+          <p:nvPr>
+            <p:ph sz="quarter" idx="1"/>
+          </p:nvPr>
+        </p:nvSpPr>
+        <p:spPr/>
+        <p:txBody>
+          <a:bodyPr>
+            <a:normAutofit/>
+          </a:bodyPr>
+          <a:lstStyle/>
+          <a:p>
+            <a:r>
+              <a:rPr lang="fr-FR" dirty="0" smtClean="0"/>
+              <a:t>Post-questionnaire</a:t>
+            </a:r>
+          </a:p>
+          <a:p>
+            <a:pPr lvl="1"/>
+            <a:r>
+              <a:rPr lang="fr-FR" dirty="0" smtClean="0"/>
+              <a:t>Succès du balayage</a:t>
+            </a:r>
+          </a:p>
+          <a:p>
+            <a:pPr lvl="1"/>
+            <a:r>
+              <a:rPr lang="fr-FR" dirty="0" smtClean="0"/>
+              <a:t>Facilité d’utilisation</a:t>
+            </a:r>
+          </a:p>
+          <a:p>
+            <a:pPr lvl="1"/>
+            <a:r>
+              <a:rPr lang="fr-FR" dirty="0" smtClean="0"/>
+              <a:t>Temps d’exécution plus faible</a:t>
+            </a:r>
+          </a:p>
+        </p:txBody>
+      </p:sp>
+      <p:graphicFrame>
+        <p:nvGraphicFramePr>
+          <p:cNvPr id="6" name="Graphique 5"/>
+          <p:cNvGraphicFramePr/>
+          <p:nvPr>
+            <p:extLst>
+              <p:ext uri="{D42A27DB-BD31-4B8C-83A1-F6EECF244321}">
+                <p14:modId xmlns:p14="http://schemas.microsoft.com/office/powerpoint/2010/main" val="4063244721"/>
+              </p:ext>
+            </p:extLst>
+          </p:nvPr>
+        </p:nvGraphicFramePr>
+        <p:xfrm>
+          <a:off x="2568258" y="3645024"/>
+          <a:ext cx="4007485" cy="2400300"/>
+        </p:xfrm>
+        <a:graphic>
+          <a:graphicData uri="http://schemas.openxmlformats.org/drawingml/2006/chart">
+            <c:chart xmlns:c="http://schemas.openxmlformats.org/drawingml/2006/chart" xmlns:r="http://schemas.openxmlformats.org/officeDocument/2006/relationships" r:id="rId2"/>
+          </a:graphicData>
+        </a:graphic>
+      </p:graphicFrame>
+    </p:spTree>
+    <p:extLst>
+      <p:ext uri="{BB962C8B-B14F-4D97-AF65-F5344CB8AC3E}">
+        <p14:creationId xmlns:p14="http://schemas.microsoft.com/office/powerpoint/2010/main" val="3524965623"/>
+      </p:ext>
+    </p:extLst>
+  </p:cSld>
+  <p:clrMapOvr>
+    <a:masterClrMapping/>
+  </p:clrMapOvr>
+</p:sld>
+</file>
+
+<file path=ppt/slides/slide42.xml><?xml version="1.0" encoding="utf-8"?>
+<p:sld xmlns:a="http://schemas.openxmlformats.org/drawingml/2006/main" xmlns:r="http://schemas.openxmlformats.org/officeDocument/2006/relationships" xmlns:p="http://schemas.openxmlformats.org/presentationml/2006/main">
+  <p:cSld>
+    <p:spTree>
+      <p:nvGrpSpPr>
+        <p:cNvPr id="1" name=""/>
+        <p:cNvGrpSpPr/>
+        <p:nvPr/>
+      </p:nvGrpSpPr>
+      <p:grpSpPr>
+        <a:xfrm>
+          <a:off x="0" y="0"/>
+          <a:ext cx="0" cy="0"/>
+          <a:chOff x="0" y="0"/>
+          <a:chExt cx="0" cy="0"/>
+        </a:xfrm>
+      </p:grpSpPr>
+      <p:sp>
+        <p:nvSpPr>
+          <p:cNvPr id="2" name="Titre 1"/>
+          <p:cNvSpPr>
+            <a:spLocks noGrp="1"/>
+          </p:cNvSpPr>
+          <p:nvPr>
+            <p:ph type="title"/>
+          </p:nvPr>
+        </p:nvSpPr>
+        <p:spPr/>
+        <p:txBody>
+          <a:bodyPr/>
+          <a:lstStyle/>
+          <a:p>
+            <a:r>
+              <a:rPr lang="fr-FR" dirty="0" smtClean="0"/>
+              <a:t>Tests utilisateurs</a:t>
+            </a:r>
+            <a:endParaRPr lang="fr-FR" dirty="0"/>
+          </a:p>
+        </p:txBody>
+      </p:sp>
+      <p:sp>
+        <p:nvSpPr>
+          <p:cNvPr id="3" name="Espace réservé du numéro de diapositive 2"/>
+          <p:cNvSpPr>
+            <a:spLocks noGrp="1"/>
+          </p:cNvSpPr>
+          <p:nvPr>
+            <p:ph type="sldNum" sz="quarter" idx="12"/>
+          </p:nvPr>
+        </p:nvSpPr>
+        <p:spPr/>
+        <p:txBody>
+          <a:bodyPr/>
+          <a:lstStyle/>
+          <a:p>
+            <a:fld id="{0F242953-DAFC-495B-AE02-16ED9D37F665}" type="slidenum">
+              <a:rPr lang="fr-FR" smtClean="0"/>
+              <a:t>42</a:t>
+            </a:fld>
+            <a:endParaRPr lang="fr-FR"/>
+          </a:p>
+        </p:txBody>
+      </p:sp>
+      <p:sp>
+        <p:nvSpPr>
+          <p:cNvPr id="4" name="Espace réservé du contenu 3"/>
+          <p:cNvSpPr>
+            <a:spLocks noGrp="1"/>
+          </p:cNvSpPr>
+          <p:nvPr>
+            <p:ph sz="quarter" idx="1"/>
+          </p:nvPr>
+        </p:nvSpPr>
+        <p:spPr/>
+        <p:txBody>
+          <a:bodyPr>
+            <a:normAutofit/>
+          </a:bodyPr>
+          <a:lstStyle/>
+          <a:p>
+            <a:r>
+              <a:rPr lang="fr-FR" dirty="0" smtClean="0"/>
+              <a:t>Post-questionnaire : </a:t>
+            </a:r>
+            <a:r>
+              <a:rPr lang="fr-FR" sz="2400" b="1" dirty="0"/>
+              <a:t>Les points à </a:t>
+            </a:r>
+            <a:r>
+              <a:rPr lang="fr-FR" sz="2400" b="1" dirty="0" smtClean="0"/>
+              <a:t>améliorer</a:t>
+            </a:r>
+            <a:endParaRPr lang="fr-FR" dirty="0" smtClean="0"/>
+          </a:p>
+          <a:p>
+            <a:pPr lvl="1"/>
+            <a:r>
+              <a:rPr lang="fr-FR" dirty="0"/>
+              <a:t>L’ergonomie du plug-in est clairement un point à améliorer. Mais pour notre prototype, les points à améliorer selon les utilisateurs sont les suivants </a:t>
+            </a:r>
+            <a:r>
+              <a:rPr lang="fr-FR" dirty="0" smtClean="0"/>
+              <a:t>:</a:t>
+            </a:r>
+          </a:p>
+          <a:p>
+            <a:pPr marL="274320" lvl="1" indent="0">
+              <a:buNone/>
+            </a:pPr>
+            <a:endParaRPr lang="fr-FR" dirty="0"/>
+          </a:p>
+          <a:p>
+            <a:pPr lvl="2"/>
+            <a:r>
+              <a:rPr lang="fr-FR" dirty="0"/>
+              <a:t>Mise en évidence du bouton courant, ou sélectionné, plus visible</a:t>
+            </a:r>
+          </a:p>
+          <a:p>
+            <a:pPr lvl="2"/>
+            <a:r>
+              <a:rPr lang="fr-FR" dirty="0"/>
+              <a:t>Ajout de la première ligne de balayage lors du balayage</a:t>
+            </a:r>
+          </a:p>
+          <a:p>
+            <a:pPr lvl="2"/>
+            <a:r>
+              <a:rPr lang="fr-FR" dirty="0"/>
+              <a:t>Amélioration de la sélection des </a:t>
+            </a:r>
+            <a:r>
+              <a:rPr lang="fr-FR" dirty="0" smtClean="0"/>
+              <a:t>liens</a:t>
+            </a:r>
+          </a:p>
+          <a:p>
+            <a:pPr lvl="2"/>
+            <a:endParaRPr lang="fr-FR" dirty="0"/>
+          </a:p>
+          <a:p>
+            <a:pPr lvl="1"/>
+            <a:r>
+              <a:rPr lang="fr-FR" dirty="0" smtClean="0"/>
+              <a:t>Conclusion</a:t>
+            </a:r>
+          </a:p>
+          <a:p>
+            <a:pPr lvl="2"/>
+            <a:r>
+              <a:rPr lang="fr-FR" dirty="0" smtClean="0"/>
+              <a:t>Retour positif mis à part l’ergonomie</a:t>
+            </a:r>
+            <a:endParaRPr lang="fr-FR" dirty="0"/>
+          </a:p>
+          <a:p>
+            <a:pPr lvl="2"/>
+            <a:endParaRPr lang="fr-FR" dirty="0"/>
+          </a:p>
+        </p:txBody>
+      </p:sp>
+    </p:spTree>
+    <p:extLst>
+      <p:ext uri="{BB962C8B-B14F-4D97-AF65-F5344CB8AC3E}">
+        <p14:creationId xmlns:p14="http://schemas.microsoft.com/office/powerpoint/2010/main" val="1241524251"/>
+      </p:ext>
+    </p:extLst>
+  </p:cSld>
+  <p:clrMapOvr>
+    <a:masterClrMapping/>
+  </p:clrMapOvr>
+</p:sld>
+</file>
+
+<file path=ppt/slides/slide43.xml><?xml version="1.0" encoding="utf-8"?>
+<p:sld xmlns:a="http://schemas.openxmlformats.org/drawingml/2006/main" xmlns:r="http://schemas.openxmlformats.org/officeDocument/2006/relationships" xmlns:p="http://schemas.openxmlformats.org/presentationml/2006/main">
+  <p:cSld>
+    <p:spTree>
+      <p:nvGrpSpPr>
+        <p:cNvPr id="1" name=""/>
+        <p:cNvGrpSpPr/>
+        <p:nvPr/>
+      </p:nvGrpSpPr>
+      <p:grpSpPr>
+        <a:xfrm>
+          <a:off x="0" y="0"/>
+          <a:ext cx="0" cy="0"/>
+          <a:chOff x="0" y="0"/>
+          <a:chExt cx="0" cy="0"/>
+        </a:xfrm>
+      </p:grpSpPr>
+      <p:sp>
+        <p:nvSpPr>
+          <p:cNvPr id="2" name="Titre 1"/>
+          <p:cNvSpPr>
+            <a:spLocks noGrp="1"/>
+          </p:cNvSpPr>
+          <p:nvPr>
+            <p:ph type="title"/>
+          </p:nvPr>
+        </p:nvSpPr>
+        <p:spPr/>
+        <p:txBody>
+          <a:bodyPr/>
+          <a:lstStyle/>
+          <a:p>
+            <a:r>
+              <a:rPr lang="fr-FR" dirty="0" smtClean="0"/>
+              <a:t>Conclusion</a:t>
+            </a:r>
+            <a:endParaRPr lang="fr-FR" dirty="0"/>
+          </a:p>
+        </p:txBody>
+      </p:sp>
+      <p:sp>
+        <p:nvSpPr>
+          <p:cNvPr id="3" name="Espace réservé du numéro de diapositive 2"/>
+          <p:cNvSpPr>
+            <a:spLocks noGrp="1"/>
+          </p:cNvSpPr>
+          <p:nvPr>
+            <p:ph type="sldNum" sz="quarter" idx="12"/>
+          </p:nvPr>
+        </p:nvSpPr>
+        <p:spPr/>
+        <p:txBody>
+          <a:bodyPr/>
+          <a:lstStyle/>
+          <a:p>
+            <a:fld id="{0F242953-DAFC-495B-AE02-16ED9D37F665}" type="slidenum">
+              <a:rPr lang="fr-FR" smtClean="0"/>
+              <a:t>43</a:t>
+            </a:fld>
+            <a:endParaRPr lang="fr-FR"/>
+          </a:p>
+        </p:txBody>
+      </p:sp>
+      <p:sp>
+        <p:nvSpPr>
+          <p:cNvPr id="4" name="Espace réservé du contenu 3"/>
+          <p:cNvSpPr>
+            <a:spLocks noGrp="1"/>
+          </p:cNvSpPr>
+          <p:nvPr>
+            <p:ph sz="quarter" idx="1"/>
+          </p:nvPr>
+        </p:nvSpPr>
+        <p:spPr/>
+        <p:txBody>
+          <a:bodyPr>
+            <a:normAutofit/>
+          </a:bodyPr>
+          <a:lstStyle/>
+          <a:p>
+            <a:endParaRPr lang="fr-FR" dirty="0" smtClean="0"/>
+          </a:p>
+          <a:p>
+            <a:r>
+              <a:rPr lang="fr-FR" dirty="0" smtClean="0"/>
+              <a:t>Difficultés tout au long du développement</a:t>
+            </a:r>
+          </a:p>
+          <a:p>
+            <a:r>
+              <a:rPr lang="fr-FR" dirty="0" smtClean="0"/>
+              <a:t>Prototype assez complet pour une navigation simple</a:t>
+            </a:r>
+          </a:p>
+          <a:p>
+            <a:r>
+              <a:rPr lang="fr-FR" dirty="0" smtClean="0"/>
+              <a:t>Tests utilisateurs à faire sur public cible</a:t>
+            </a:r>
+          </a:p>
+          <a:p>
+            <a:r>
+              <a:rPr lang="fr-FR" dirty="0" smtClean="0"/>
+              <a:t>Prochaines versions:</a:t>
+            </a:r>
+          </a:p>
+          <a:p>
+            <a:pPr lvl="1"/>
+            <a:r>
+              <a:rPr lang="fr-FR" dirty="0" smtClean="0"/>
+              <a:t>Travailler l’ergonomie rustique du prototype</a:t>
+            </a:r>
+          </a:p>
+          <a:p>
+            <a:pPr lvl="1"/>
+            <a:r>
+              <a:rPr lang="fr-FR" dirty="0" smtClean="0"/>
+              <a:t>Ajouter des fonctionnalités (options, zoom,…)</a:t>
+            </a:r>
+          </a:p>
+          <a:p>
+            <a:endParaRPr lang="fr-FR" dirty="0" smtClean="0"/>
+          </a:p>
+          <a:p>
+            <a:pPr lvl="2"/>
+            <a:endParaRPr lang="fr-FR" dirty="0"/>
+          </a:p>
+        </p:txBody>
+      </p:sp>
+      <p:pic>
+        <p:nvPicPr>
+          <p:cNvPr id="4098" name="Picture 2"/>
+          <p:cNvPicPr>
+            <a:picLocks noChangeAspect="1" noChangeArrowheads="1"/>
+          </p:cNvPicPr>
+          <p:nvPr/>
+        </p:nvPicPr>
+        <p:blipFill>
+          <a:blip r:embed="rId2">
+            <a:extLst>
+              <a:ext uri="{28A0092B-C50C-407E-A947-70E740481C1C}">
+                <a14:useLocalDpi xmlns:a14="http://schemas.microsoft.com/office/drawing/2010/main" val="0"/>
+              </a:ext>
+            </a:extLst>
+          </a:blip>
+          <a:srcRect/>
+          <a:stretch>
+            <a:fillRect/>
+          </a:stretch>
+        </p:blipFill>
+        <p:spPr bwMode="auto">
+          <a:xfrm>
+            <a:off x="3798572" y="5160836"/>
+            <a:ext cx="1546856" cy="1082799"/>
+          </a:xfrm>
+          <a:prstGeom prst="rect">
+            <a:avLst/>
+          </a:prstGeom>
+          <a:noFill/>
+          <a:ln>
+            <a:noFill/>
+          </a:ln>
+          <a:effectLst/>
+          <a:extLst>
+            <a:ext uri="{909E8E84-426E-40DD-AFC4-6F175D3DCCD1}">
+              <a14:hiddenFill xmlns:a14="http://schemas.microsoft.com/office/drawing/2010/main">
+                <a:solidFill>
+                  <a:schemeClr val="accent1"/>
+                </a:solidFill>
+              </a14:hiddenFill>
+            </a:ext>
+            <a:ext uri="{91240B29-F687-4F45-9708-019B960494DF}">
+              <a14:hiddenLine xmlns:a14="http://schemas.microsoft.com/office/drawing/2010/main" w="9525">
+                <a:solidFill>
+                  <a:schemeClr val="tx1"/>
+                </a:solidFill>
+                <a:miter lim="800000"/>
+                <a:headEnd/>
+                <a:tailEnd/>
+              </a14:hiddenLine>
+            </a:ext>
+            <a:ext uri="{AF507438-7753-43E0-B8FC-AC1667EBCBE1}">
+              <a14:hiddenEffects xmlns:a14="http://schemas.microsoft.com/office/drawing/2010/main">
+                <a:effectLst>
+                  <a:outerShdw dist="35921" dir="2700000" algn="ctr" rotWithShape="0">
+                    <a:schemeClr val="bg2"/>
+                  </a:outerShdw>
+                </a:effectLst>
+              </a14:hiddenEffects>
+            </a:ext>
+          </a:extLst>
+        </p:spPr>
+      </p:pic>
+    </p:spTree>
+    <p:extLst>
+      <p:ext uri="{BB962C8B-B14F-4D97-AF65-F5344CB8AC3E}">
+        <p14:creationId xmlns:p14="http://schemas.microsoft.com/office/powerpoint/2010/main" val="747319404"/>
       </p:ext>
     </p:extLst>
   </p:cSld>
@@ -13212,7 +16770,7 @@
           <a:p>
             <a:r>
               <a:rPr lang="fr-FR" dirty="0" smtClean="0"/>
-              <a:t>Vimperator</a:t>
+              <a:t>Existant</a:t>
             </a:r>
             <a:endParaRPr lang="fr-FR" dirty="0"/>
           </a:p>
@@ -13258,67 +16816,48 @@
           <a:p>
             <a:r>
               <a:rPr lang="fr-FR" dirty="0" smtClean="0"/>
-              <a:t>Qu’est ce que c’est ?</a:t>
+              <a:t>L’existant se constitue majoritairement de solutions</a:t>
+            </a:r>
+            <a:r>
+              <a:rPr lang="fr-FR" dirty="0"/>
+              <a:t> à</a:t>
+            </a:r>
+            <a:r>
+              <a:rPr lang="fr-FR" dirty="0" smtClean="0"/>
+              <a:t> base</a:t>
             </a:r>
           </a:p>
           <a:p>
             <a:pPr lvl="1"/>
             <a:r>
               <a:rPr lang="fr-FR" dirty="0" smtClean="0"/>
-              <a:t>Plug-in permettant la manipulation de Firefox via le clavier</a:t>
+              <a:t>De commande vocale</a:t>
             </a:r>
           </a:p>
           <a:p>
             <a:pPr lvl="1"/>
             <a:r>
               <a:rPr lang="fr-FR" dirty="0" smtClean="0"/>
-              <a:t>Inspiré de </a:t>
-            </a:r>
-            <a:r>
-              <a:rPr lang="fr-FR" dirty="0" err="1" smtClean="0"/>
-              <a:t>Vim</a:t>
-            </a:r>
-            <a:endParaRPr lang="fr-FR" dirty="0" smtClean="0"/>
+              <a:t>Balayage-écran</a:t>
+            </a:r>
           </a:p>
           <a:p>
             <a:pPr lvl="1"/>
             <a:r>
               <a:rPr lang="fr-FR" dirty="0" smtClean="0"/>
-              <a:t>Abouti sur plusieurs autres projets Google code</a:t>
-            </a:r>
-          </a:p>
-          <a:p>
-            <a:pPr lvl="2"/>
-            <a:r>
-              <a:rPr lang="fr-FR" dirty="0" err="1" smtClean="0"/>
-              <a:t>Pentadactyl</a:t>
-            </a:r>
-            <a:endParaRPr lang="fr-FR" dirty="0" smtClean="0"/>
-          </a:p>
-          <a:p>
-            <a:pPr lvl="2"/>
-            <a:r>
-              <a:rPr lang="fr-FR" dirty="0" smtClean="0"/>
-              <a:t>Le notre</a:t>
+              <a:t>Émulation de souris à partir d’un clavier virtuel</a:t>
             </a:r>
           </a:p>
           <a:p>
             <a:pPr lvl="1"/>
             <a:endParaRPr lang="fr-FR" dirty="0" smtClean="0"/>
-          </a:p>
-          <a:p>
-            <a:pPr lvl="1"/>
-            <a:endParaRPr lang="fr-FR" dirty="0"/>
-          </a:p>
-          <a:p>
-            <a:endParaRPr lang="fr-FR" dirty="0"/>
           </a:p>
         </p:txBody>
       </p:sp>
     </p:spTree>
     <p:extLst>
       <p:ext uri="{BB962C8B-B14F-4D97-AF65-F5344CB8AC3E}">
-        <p14:creationId xmlns:p14="http://schemas.microsoft.com/office/powerpoint/2010/main" val="1679013779"/>
+        <p14:creationId xmlns:p14="http://schemas.microsoft.com/office/powerpoint/2010/main" val="2941035121"/>
       </p:ext>
     </p:extLst>
   </p:cSld>
@@ -13408,29 +16947,59 @@
           <a:p>
             <a:r>
               <a:rPr lang="fr-FR" dirty="0" smtClean="0"/>
-              <a:t>Ce qu’il permet</a:t>
+              <a:t>Qu’est ce que c’est ?</a:t>
             </a:r>
           </a:p>
           <a:p>
             <a:pPr lvl="1"/>
             <a:r>
               <a:rPr lang="fr-FR" dirty="0" smtClean="0"/>
-              <a:t>Naviguer dans la page</a:t>
+              <a:t>Plug-in permettant la manipulation de Firefox via le clavier</a:t>
             </a:r>
           </a:p>
           <a:p>
             <a:pPr lvl="1"/>
             <a:r>
               <a:rPr lang="fr-FR" dirty="0" smtClean="0"/>
-              <a:t>Naviguer dans les onglets</a:t>
-            </a:r>
+              <a:t>Inspiré de </a:t>
+            </a:r>
+            <a:r>
+              <a:rPr lang="fr-FR" dirty="0" err="1" smtClean="0"/>
+              <a:t>Vim</a:t>
+            </a:r>
+            <a:endParaRPr lang="fr-FR" dirty="0" smtClean="0"/>
           </a:p>
           <a:p>
             <a:pPr lvl="1"/>
             <a:r>
               <a:rPr lang="fr-FR" dirty="0" smtClean="0"/>
-              <a:t>Naviguer dans les liens hypertextes, formulaire, etc.</a:t>
-            </a:r>
+              <a:t>Abouti sur plusieurs autres projets Google code</a:t>
+            </a:r>
+          </a:p>
+          <a:p>
+            <a:pPr lvl="2"/>
+            <a:r>
+              <a:rPr lang="fr-FR" dirty="0" err="1" smtClean="0"/>
+              <a:t>Pentadactyl</a:t>
+            </a:r>
+            <a:endParaRPr lang="fr-FR" dirty="0" smtClean="0"/>
+          </a:p>
+          <a:p>
+            <a:pPr lvl="2"/>
+            <a:r>
+              <a:rPr lang="fr-FR" dirty="0" smtClean="0"/>
+              <a:t>Le notre</a:t>
+            </a:r>
+          </a:p>
+          <a:p>
+            <a:pPr lvl="1"/>
+            <a:endParaRPr lang="fr-FR" dirty="0" smtClean="0"/>
+          </a:p>
+          <a:p>
+            <a:pPr lvl="1"/>
+            <a:endParaRPr lang="fr-FR" dirty="0"/>
+          </a:p>
+          <a:p>
             <a:endParaRPr lang="fr-FR" dirty="0"/>
           </a:p>
         </p:txBody>
@@ -13438,7 +17007,7 @@
     </p:spTree>
     <p:extLst>
       <p:ext uri="{BB962C8B-B14F-4D97-AF65-F5344CB8AC3E}">
-        <p14:creationId xmlns:p14="http://schemas.microsoft.com/office/powerpoint/2010/main" val="1481019962"/>
+        <p14:creationId xmlns:p14="http://schemas.microsoft.com/office/powerpoint/2010/main" val="1679013779"/>
       </p:ext>
     </p:extLst>
   </p:cSld>
@@ -13506,6 +17075,126 @@
             <a:fld id="{0F242953-DAFC-495B-AE02-16ED9D37F665}" type="slidenum">
               <a:rPr lang="fr-FR" smtClean="0"/>
               <a:t>7</a:t>
+            </a:fld>
+            <a:endParaRPr lang="fr-FR"/>
+          </a:p>
+        </p:txBody>
+      </p:sp>
+      <p:sp>
+        <p:nvSpPr>
+          <p:cNvPr id="4" name="Espace réservé du contenu 3"/>
+          <p:cNvSpPr>
+            <a:spLocks noGrp="1"/>
+          </p:cNvSpPr>
+          <p:nvPr>
+            <p:ph sz="quarter" idx="1"/>
+          </p:nvPr>
+        </p:nvSpPr>
+        <p:spPr/>
+        <p:txBody>
+          <a:bodyPr/>
+          <a:lstStyle/>
+          <a:p>
+            <a:r>
+              <a:rPr lang="fr-FR" dirty="0" smtClean="0"/>
+              <a:t>Ce qu’il permet</a:t>
+            </a:r>
+          </a:p>
+          <a:p>
+            <a:pPr lvl="1"/>
+            <a:r>
+              <a:rPr lang="fr-FR" dirty="0" smtClean="0"/>
+              <a:t>Naviguer dans la page</a:t>
+            </a:r>
+          </a:p>
+          <a:p>
+            <a:pPr lvl="1"/>
+            <a:r>
+              <a:rPr lang="fr-FR" dirty="0" smtClean="0"/>
+              <a:t>Naviguer dans les onglets</a:t>
+            </a:r>
+          </a:p>
+          <a:p>
+            <a:pPr lvl="1"/>
+            <a:r>
+              <a:rPr lang="fr-FR" dirty="0" smtClean="0"/>
+              <a:t>Naviguer dans les liens hypertextes, formulaire, etc.</a:t>
+            </a:r>
+            <a:endParaRPr lang="fr-FR" dirty="0"/>
+          </a:p>
+        </p:txBody>
+      </p:sp>
+    </p:spTree>
+    <p:extLst>
+      <p:ext uri="{BB962C8B-B14F-4D97-AF65-F5344CB8AC3E}">
+        <p14:creationId xmlns:p14="http://schemas.microsoft.com/office/powerpoint/2010/main" val="1481019962"/>
+      </p:ext>
+    </p:extLst>
+  </p:cSld>
+  <p:clrMapOvr>
+    <a:masterClrMapping/>
+  </p:clrMapOvr>
+</p:sld>
+</file>
+
+<file path=ppt/slides/slide8.xml><?xml version="1.0" encoding="utf-8"?>
+<p:sld xmlns:a="http://schemas.openxmlformats.org/drawingml/2006/main" xmlns:r="http://schemas.openxmlformats.org/officeDocument/2006/relationships" xmlns:p="http://schemas.openxmlformats.org/presentationml/2006/main">
+  <p:cSld>
+    <p:spTree>
+      <p:nvGrpSpPr>
+        <p:cNvPr id="1" name=""/>
+        <p:cNvGrpSpPr/>
+        <p:nvPr/>
+      </p:nvGrpSpPr>
+      <p:grpSpPr>
+        <a:xfrm>
+          <a:off x="0" y="0"/>
+          <a:ext cx="0" cy="0"/>
+          <a:chOff x="0" y="0"/>
+          <a:chExt cx="0" cy="0"/>
+        </a:xfrm>
+      </p:grpSpPr>
+      <p:sp>
+        <p:nvSpPr>
+          <p:cNvPr id="2" name="Titre 1"/>
+          <p:cNvSpPr>
+            <a:spLocks noGrp="1"/>
+          </p:cNvSpPr>
+          <p:nvPr>
+            <p:ph type="title"/>
+          </p:nvPr>
+        </p:nvSpPr>
+        <p:spPr/>
+        <p:txBody>
+          <a:bodyPr/>
+          <a:lstStyle/>
+          <a:p>
+            <a:r>
+              <a:rPr lang="fr-FR" dirty="0" smtClean="0"/>
+              <a:t>Vimperator</a:t>
+            </a:r>
+            <a:endParaRPr lang="fr-FR" dirty="0"/>
+          </a:p>
+        </p:txBody>
+      </p:sp>
+      <p:sp>
+        <p:nvSpPr>
+          <p:cNvPr id="3" name="Espace réservé du numéro de diapositive 2"/>
+          <p:cNvSpPr>
+            <a:spLocks noGrp="1"/>
+          </p:cNvSpPr>
+          <p:nvPr>
+            <p:ph type="sldNum" sz="quarter" idx="12"/>
+          </p:nvPr>
+        </p:nvSpPr>
+        <p:spPr/>
+        <p:txBody>
+          <a:bodyPr/>
+          <a:lstStyle/>
+          <a:p>
+            <a:fld id="{0F242953-DAFC-495B-AE02-16ED9D37F665}" type="slidenum">
+              <a:rPr lang="fr-FR" smtClean="0"/>
+              <a:t>8</a:t>
             </a:fld>
             <a:endParaRPr lang="fr-FR"/>
           </a:p>
@@ -13629,7 +17318,7 @@
 </p:sld>
 </file>
 
-<file path=ppt/slides/slide8.xml><?xml version="1.0" encoding="utf-8"?>
+<file path=ppt/slides/slide9.xml><?xml version="1.0" encoding="utf-8"?>
 <p:sld xmlns:a="http://schemas.openxmlformats.org/drawingml/2006/main" xmlns:r="http://schemas.openxmlformats.org/officeDocument/2006/relationships" xmlns:p="http://schemas.openxmlformats.org/presentationml/2006/main">
   <p:cSld>
     <p:spTree>
@@ -13781,7 +17470,7 @@
           <a:p>
             <a:fld id="{0F242953-DAFC-495B-AE02-16ED9D37F665}" type="slidenum">
               <a:rPr lang="fr-FR" smtClean="0"/>
-              <a:t>8</a:t>
+              <a:t>9</a:t>
             </a:fld>
             <a:endParaRPr lang="fr-FR"/>
           </a:p>
@@ -13814,101 +17503,6 @@
     <p:extLst>
       <p:ext uri="{BB962C8B-B14F-4D97-AF65-F5344CB8AC3E}">
         <p14:creationId xmlns:p14="http://schemas.microsoft.com/office/powerpoint/2010/main" val="2620694380"/>
-      </p:ext>
-    </p:extLst>
-  </p:cSld>
-  <p:clrMapOvr>
-    <a:masterClrMapping/>
-  </p:clrMapOvr>
-</p:sld>
-</file>
-
-<file path=ppt/slides/slide9.xml><?xml version="1.0" encoding="utf-8"?>
-<p:sld xmlns:a="http://schemas.openxmlformats.org/drawingml/2006/main" xmlns:r="http://schemas.openxmlformats.org/officeDocument/2006/relationships" xmlns:p="http://schemas.openxmlformats.org/presentationml/2006/main">
-  <p:cSld>
-    <p:spTree>
-      <p:nvGrpSpPr>
-        <p:cNvPr id="1" name=""/>
-        <p:cNvGrpSpPr/>
-        <p:nvPr/>
-      </p:nvGrpSpPr>
-      <p:grpSpPr>
-        <a:xfrm>
-          <a:off x="0" y="0"/>
-          <a:ext cx="0" cy="0"/>
-          <a:chOff x="0" y="0"/>
-          <a:chExt cx="0" cy="0"/>
-        </a:xfrm>
-      </p:grpSpPr>
-      <p:sp>
-        <p:nvSpPr>
-          <p:cNvPr id="11" name="Espace réservé du texte 10"/>
-          <p:cNvSpPr>
-            <a:spLocks noGrp="1"/>
-          </p:cNvSpPr>
-          <p:nvPr>
-            <p:ph type="body" idx="1"/>
-          </p:nvPr>
-        </p:nvSpPr>
-        <p:spPr/>
-        <p:txBody>
-          <a:bodyPr/>
-          <a:lstStyle/>
-          <a:p>
-            <a:endParaRPr lang="fr-FR"/>
-          </a:p>
-        </p:txBody>
-      </p:sp>
-      <p:sp>
-        <p:nvSpPr>
-          <p:cNvPr id="6" name="Espace réservé du numéro de diapositive 5"/>
-          <p:cNvSpPr>
-            <a:spLocks noGrp="1"/>
-          </p:cNvSpPr>
-          <p:nvPr>
-            <p:ph type="sldNum" sz="quarter" idx="12"/>
-          </p:nvPr>
-        </p:nvSpPr>
-        <p:spPr/>
-        <p:txBody>
-          <a:bodyPr/>
-          <a:lstStyle/>
-          <a:p>
-            <a:fld id="{0F242953-DAFC-495B-AE02-16ED9D37F665}" type="slidenum">
-              <a:rPr lang="fr-FR" smtClean="0"/>
-              <a:t>9</a:t>
-            </a:fld>
-            <a:endParaRPr lang="fr-FR"/>
-          </a:p>
-        </p:txBody>
-      </p:sp>
-      <p:sp>
-        <p:nvSpPr>
-          <p:cNvPr id="8" name="Titre 7"/>
-          <p:cNvSpPr>
-            <a:spLocks noGrp="1"/>
-          </p:cNvSpPr>
-          <p:nvPr>
-            <p:ph type="title"/>
-          </p:nvPr>
-        </p:nvSpPr>
-        <p:spPr/>
-        <p:txBody>
-          <a:bodyPr/>
-          <a:lstStyle/>
-          <a:p>
-            <a:r>
-              <a:rPr lang="fr-FR" dirty="0" smtClean="0"/>
-              <a:t>Notre démarche</a:t>
-            </a:r>
-            <a:endParaRPr lang="fr-FR" dirty="0"/>
-          </a:p>
-        </p:txBody>
-      </p:sp>
-    </p:spTree>
-    <p:extLst>
-      <p:ext uri="{BB962C8B-B14F-4D97-AF65-F5344CB8AC3E}">
-        <p14:creationId xmlns:p14="http://schemas.microsoft.com/office/powerpoint/2010/main" val="1558027307"/>
       </p:ext>
     </p:extLst>
   </p:cSld>

--- a/wiki/HandiFox.pptx
+++ b/wiki/HandiFox.pptx
@@ -11460,6 +11460,13 @@
   <p:clrMapOvr>
     <a:masterClrMapping/>
   </p:clrMapOvr>
+  <p:timing>
+    <p:tnLst>
+      <p:par>
+        <p:cTn id="1" dur="indefinite" restart="never" nodeType="tmRoot"/>
+      </p:par>
+    </p:tnLst>
+  </p:timing>
 </p:sld>
 </file>
 
@@ -11555,6 +11562,13 @@
   <p:clrMapOvr>
     <a:masterClrMapping/>
   </p:clrMapOvr>
+  <p:timing>
+    <p:tnLst>
+      <p:par>
+        <p:cTn id="1" dur="indefinite" restart="never" nodeType="tmRoot"/>
+      </p:par>
+    </p:tnLst>
+  </p:timing>
 </p:sld>
 </file>
 
@@ -11656,6 +11670,13 @@
   <p:clrMapOvr>
     <a:masterClrMapping/>
   </p:clrMapOvr>
+  <p:timing>
+    <p:tnLst>
+      <p:par>
+        <p:cTn id="1" dur="indefinite" restart="never" nodeType="tmRoot"/>
+      </p:par>
+    </p:tnLst>
+  </p:timing>
 </p:sld>
 </file>
 
@@ -11807,6 +11828,13 @@
   <p:clrMapOvr>
     <a:masterClrMapping/>
   </p:clrMapOvr>
+  <p:timing>
+    <p:tnLst>
+      <p:par>
+        <p:cTn id="1" dur="indefinite" restart="never" nodeType="tmRoot"/>
+      </p:par>
+    </p:tnLst>
+  </p:timing>
 </p:sld>
 </file>
 
@@ -11966,6 +11994,13 @@
   <p:clrMapOvr>
     <a:masterClrMapping/>
   </p:clrMapOvr>
+  <p:timing>
+    <p:tnLst>
+      <p:par>
+        <p:cTn id="1" dur="indefinite" restart="never" nodeType="tmRoot"/>
+      </p:par>
+    </p:tnLst>
+  </p:timing>
 </p:sld>
 </file>
 
@@ -12092,6 +12127,13 @@
   <p:clrMapOvr>
     <a:masterClrMapping/>
   </p:clrMapOvr>
+  <p:timing>
+    <p:tnLst>
+      <p:par>
+        <p:cTn id="1" dur="indefinite" restart="never" nodeType="tmRoot"/>
+      </p:par>
+    </p:tnLst>
+  </p:timing>
 </p:sld>
 </file>
 
@@ -12265,6 +12307,13 @@
   <p:clrMapOvr>
     <a:masterClrMapping/>
   </p:clrMapOvr>
+  <p:timing>
+    <p:tnLst>
+      <p:par>
+        <p:cTn id="1" dur="indefinite" restart="never" nodeType="tmRoot"/>
+      </p:par>
+    </p:tnLst>
+  </p:timing>
 </p:sld>
 </file>
 
@@ -12409,6 +12458,13 @@
   <p:clrMapOvr>
     <a:masterClrMapping/>
   </p:clrMapOvr>
+  <p:timing>
+    <p:tnLst>
+      <p:par>
+        <p:cTn id="1" dur="indefinite" restart="never" nodeType="tmRoot"/>
+      </p:par>
+    </p:tnLst>
+  </p:timing>
 </p:sld>
 </file>
 
@@ -12600,6 +12656,13 @@
   <p:clrMapOvr>
     <a:masterClrMapping/>
   </p:clrMapOvr>
+  <p:timing>
+    <p:tnLst>
+      <p:par>
+        <p:cTn id="1" dur="indefinite" restart="never" nodeType="tmRoot"/>
+      </p:par>
+    </p:tnLst>
+  </p:timing>
 </p:sld>
 </file>
 
@@ -12723,6 +12786,13 @@
   <p:clrMapOvr>
     <a:masterClrMapping/>
   </p:clrMapOvr>
+  <p:timing>
+    <p:tnLst>
+      <p:par>
+        <p:cTn id="1" dur="indefinite" restart="never" nodeType="tmRoot"/>
+      </p:par>
+    </p:tnLst>
+  </p:timing>
 </p:sld>
 </file>
 
@@ -12877,6 +12947,13 @@
   <p:clrMapOvr>
     <a:masterClrMapping/>
   </p:clrMapOvr>
+  <p:timing>
+    <p:tnLst>
+      <p:par>
+        <p:cTn id="1" dur="indefinite" restart="never" nodeType="tmRoot"/>
+      </p:par>
+    </p:tnLst>
+  </p:timing>
 </p:sld>
 </file>
 
@@ -13007,6 +13084,13 @@
   <p:clrMapOvr>
     <a:masterClrMapping/>
   </p:clrMapOvr>
+  <p:timing>
+    <p:tnLst>
+      <p:par>
+        <p:cTn id="1" dur="indefinite" restart="never" nodeType="tmRoot"/>
+      </p:par>
+    </p:tnLst>
+  </p:timing>
 </p:sld>
 </file>
 
@@ -13147,6 +13231,13 @@
   <p:clrMapOvr>
     <a:masterClrMapping/>
   </p:clrMapOvr>
+  <p:timing>
+    <p:tnLst>
+      <p:par>
+        <p:cTn id="1" dur="indefinite" restart="never" nodeType="tmRoot"/>
+      </p:par>
+    </p:tnLst>
+  </p:timing>
 </p:sld>
 </file>
 
@@ -13184,15 +13275,7 @@
           <a:p>
             <a:r>
               <a:rPr lang="fr-FR" dirty="0" smtClean="0"/>
-              <a:t>Technologie &amp; </a:t>
-            </a:r>
-            <a:r>
-              <a:rPr lang="fr-FR" dirty="0" smtClean="0"/>
-              <a:t>mise </a:t>
-            </a:r>
-            <a:r>
-              <a:rPr lang="fr-FR" dirty="0" smtClean="0"/>
-              <a:t>en œuvre du plug-in</a:t>
+              <a:t>Technologie &amp; mise en œuvre du plug-in</a:t>
             </a:r>
             <a:endParaRPr lang="fr-FR" dirty="0"/>
           </a:p>
@@ -13385,6 +13468,13 @@
   <p:clrMapOvr>
     <a:masterClrMapping/>
   </p:clrMapOvr>
+  <p:timing>
+    <p:tnLst>
+      <p:par>
+        <p:cTn id="1" dur="indefinite" restart="never" nodeType="tmRoot"/>
+      </p:par>
+    </p:tnLst>
+  </p:timing>
 </p:sld>
 </file>
 
@@ -13498,6 +13588,13 @@
   <p:clrMapOvr>
     <a:masterClrMapping/>
   </p:clrMapOvr>
+  <p:timing>
+    <p:tnLst>
+      <p:par>
+        <p:cTn id="1" dur="indefinite" restart="never" nodeType="tmRoot"/>
+      </p:par>
+    </p:tnLst>
+  </p:timing>
 </p:sld>
 </file>
 
@@ -13622,6 +13719,13 @@
   <p:clrMapOvr>
     <a:masterClrMapping/>
   </p:clrMapOvr>
+  <p:timing>
+    <p:tnLst>
+      <p:par>
+        <p:cTn id="1" dur="indefinite" restart="never" nodeType="tmRoot"/>
+      </p:par>
+    </p:tnLst>
+  </p:timing>
 </p:sld>
 </file>
 
@@ -13752,6 +13856,13 @@
   <p:clrMapOvr>
     <a:masterClrMapping/>
   </p:clrMapOvr>
+  <p:timing>
+    <p:tnLst>
+      <p:par>
+        <p:cTn id="1" dur="indefinite" restart="never" nodeType="tmRoot"/>
+      </p:par>
+    </p:tnLst>
+  </p:timing>
 </p:sld>
 </file>
 
@@ -13874,6 +13985,13 @@
   <p:clrMapOvr>
     <a:masterClrMapping/>
   </p:clrMapOvr>
+  <p:timing>
+    <p:tnLst>
+      <p:par>
+        <p:cTn id="1" dur="indefinite" restart="never" nodeType="tmRoot"/>
+      </p:par>
+    </p:tnLst>
+  </p:timing>
 </p:sld>
 </file>
 
@@ -14007,6 +14125,13 @@
   <p:clrMapOvr>
     <a:masterClrMapping/>
   </p:clrMapOvr>
+  <p:timing>
+    <p:tnLst>
+      <p:par>
+        <p:cTn id="1" dur="indefinite" restart="never" nodeType="tmRoot"/>
+      </p:par>
+    </p:tnLst>
+  </p:timing>
 </p:sld>
 </file>
 
@@ -14129,6 +14254,13 @@
   <p:clrMapOvr>
     <a:masterClrMapping/>
   </p:clrMapOvr>
+  <p:timing>
+    <p:tnLst>
+      <p:par>
+        <p:cTn id="1" dur="indefinite" restart="never" nodeType="tmRoot"/>
+      </p:par>
+    </p:tnLst>
+  </p:timing>
 </p:sld>
 </file>
 
@@ -14251,6 +14383,13 @@
   <p:clrMapOvr>
     <a:masterClrMapping/>
   </p:clrMapOvr>
+  <p:timing>
+    <p:tnLst>
+      <p:par>
+        <p:cTn id="1" dur="indefinite" restart="never" nodeType="tmRoot"/>
+      </p:par>
+    </p:tnLst>
+  </p:timing>
 </p:sld>
 </file>
 
@@ -14373,6 +14512,13 @@
   <p:clrMapOvr>
     <a:masterClrMapping/>
   </p:clrMapOvr>
+  <p:timing>
+    <p:tnLst>
+      <p:par>
+        <p:cTn id="1" dur="indefinite" restart="never" nodeType="tmRoot"/>
+      </p:par>
+    </p:tnLst>
+  </p:timing>
 </p:sld>
 </file>
 
@@ -14474,6 +14620,13 @@
   <p:clrMapOvr>
     <a:masterClrMapping/>
   </p:clrMapOvr>
+  <p:timing>
+    <p:tnLst>
+      <p:par>
+        <p:cTn id="1" dur="indefinite" restart="never" nodeType="tmRoot"/>
+      </p:par>
+    </p:tnLst>
+  </p:timing>
 </p:sld>
 </file>
 
@@ -14596,6 +14749,13 @@
   <p:clrMapOvr>
     <a:masterClrMapping/>
   </p:clrMapOvr>
+  <p:timing>
+    <p:tnLst>
+      <p:par>
+        <p:cTn id="1" dur="indefinite" restart="never" nodeType="tmRoot"/>
+      </p:par>
+    </p:tnLst>
+  </p:timing>
 </p:sld>
 </file>
 
@@ -14723,6 +14883,13 @@
   <p:clrMapOvr>
     <a:masterClrMapping/>
   </p:clrMapOvr>
+  <p:timing>
+    <p:tnLst>
+      <p:par>
+        <p:cTn id="1" dur="indefinite" restart="never" nodeType="tmRoot"/>
+      </p:par>
+    </p:tnLst>
+  </p:timing>
 </p:sld>
 </file>
 
@@ -14850,6 +15017,13 @@
   <p:clrMapOvr>
     <a:masterClrMapping/>
   </p:clrMapOvr>
+  <p:timing>
+    <p:tnLst>
+      <p:par>
+        <p:cTn id="1" dur="indefinite" restart="never" nodeType="tmRoot"/>
+      </p:par>
+    </p:tnLst>
+  </p:timing>
 </p:sld>
 </file>
 
@@ -14977,6 +15151,13 @@
   <p:clrMapOvr>
     <a:masterClrMapping/>
   </p:clrMapOvr>
+  <p:timing>
+    <p:tnLst>
+      <p:par>
+        <p:cTn id="1" dur="indefinite" restart="never" nodeType="tmRoot"/>
+      </p:par>
+    </p:tnLst>
+  </p:timing>
 </p:sld>
 </file>
 
@@ -15170,6 +15351,13 @@
   <p:clrMapOvr>
     <a:masterClrMapping/>
   </p:clrMapOvr>
+  <p:timing>
+    <p:tnLst>
+      <p:par>
+        <p:cTn id="1" dur="indefinite" restart="never" nodeType="tmRoot"/>
+      </p:par>
+    </p:tnLst>
+  </p:timing>
 </p:sld>
 </file>
 
@@ -15354,6 +15542,13 @@
   <p:clrMapOvr>
     <a:masterClrMapping/>
   </p:clrMapOvr>
+  <p:timing>
+    <p:tnLst>
+      <p:par>
+        <p:cTn id="1" dur="indefinite" restart="never" nodeType="tmRoot"/>
+      </p:par>
+    </p:tnLst>
+  </p:timing>
 </p:sld>
 </file>
 
@@ -15476,7 +15671,19 @@
             </a:r>
             <a:r>
               <a:rPr lang="fr-FR" dirty="0"/>
-              <a:t> » qui est un favori et allez sur la page concernée. Puis sélectionnez le lien « Particulier », qu'elles sont les 5 outils et services les plus utilisés ? (information en bas de page) (Indication : favoris, onglet, liens et page)</a:t>
+              <a:t> » qui est un favori et allez sur la page concernée. Puis sélectionnez le lien « Particulier </a:t>
+            </a:r>
+            <a:r>
+              <a:rPr lang="fr-FR"/>
+              <a:t>», </a:t>
+            </a:r>
+            <a:r>
+              <a:rPr lang="fr-FR" smtClean="0"/>
+              <a:t>quelles </a:t>
+            </a:r>
+            <a:r>
+              <a:rPr lang="fr-FR" dirty="0"/>
+              <a:t>sont les 5 outils et services les plus utilisés ? (information en bas de page) (Indication : favoris, onglet, liens et page)</a:t>
             </a:r>
           </a:p>
           <a:p>
@@ -15499,6 +15706,13 @@
   <p:clrMapOvr>
     <a:masterClrMapping/>
   </p:clrMapOvr>
+  <p:timing>
+    <p:tnLst>
+      <p:par>
+        <p:cTn id="1" dur="indefinite" restart="never" nodeType="tmRoot"/>
+      </p:par>
+    </p:tnLst>
+  </p:timing>
 </p:sld>
 </file>
 
@@ -15645,6 +15859,13 @@
   <p:clrMapOvr>
     <a:masterClrMapping/>
   </p:clrMapOvr>
+  <p:timing>
+    <p:tnLst>
+      <p:par>
+        <p:cTn id="1" dur="indefinite" restart="never" nodeType="tmRoot"/>
+      </p:par>
+    </p:tnLst>
+  </p:timing>
 </p:sld>
 </file>
 
@@ -15786,6 +16007,13 @@
   <p:clrMapOvr>
     <a:masterClrMapping/>
   </p:clrMapOvr>
+  <p:timing>
+    <p:tnLst>
+      <p:par>
+        <p:cTn id="1" dur="indefinite" restart="never" nodeType="tmRoot"/>
+      </p:par>
+    </p:tnLst>
+  </p:timing>
 </p:sld>
 </file>
 
@@ -15924,6 +16152,13 @@
   <p:clrMapOvr>
     <a:masterClrMapping/>
   </p:clrMapOvr>
+  <p:timing>
+    <p:tnLst>
+      <p:par>
+        <p:cTn id="1" dur="indefinite" restart="never" nodeType="tmRoot"/>
+      </p:par>
+    </p:tnLst>
+  </p:timing>
 </p:sld>
 </file>
 
@@ -16058,6 +16293,13 @@
   <p:clrMapOvr>
     <a:masterClrMapping/>
   </p:clrMapOvr>
+  <p:timing>
+    <p:tnLst>
+      <p:par>
+        <p:cTn id="1" dur="indefinite" restart="never" nodeType="tmRoot"/>
+      </p:par>
+    </p:tnLst>
+  </p:timing>
 </p:sld>
 </file>
 
@@ -16210,6 +16452,13 @@
   <p:clrMapOvr>
     <a:masterClrMapping/>
   </p:clrMapOvr>
+  <p:timing>
+    <p:tnLst>
+      <p:par>
+        <p:cTn id="1" dur="indefinite" restart="never" nodeType="tmRoot"/>
+      </p:par>
+    </p:tnLst>
+  </p:timing>
 </p:sld>
 </file>
 
@@ -16353,6 +16602,13 @@
   <p:clrMapOvr>
     <a:masterClrMapping/>
   </p:clrMapOvr>
+  <p:timing>
+    <p:tnLst>
+      <p:par>
+        <p:cTn id="1" dur="indefinite" restart="never" nodeType="tmRoot"/>
+      </p:par>
+    </p:tnLst>
+  </p:timing>
 </p:sld>
 </file>
 
@@ -16527,6 +16783,13 @@
   <p:clrMapOvr>
     <a:masterClrMapping/>
   </p:clrMapOvr>
+  <p:timing>
+    <p:tnLst>
+      <p:par>
+        <p:cTn id="1" dur="indefinite" restart="never" nodeType="tmRoot"/>
+      </p:par>
+    </p:tnLst>
+  </p:timing>
 </p:sld>
 </file>
 
@@ -16733,6 +16996,13 @@
   <p:clrMapOvr>
     <a:masterClrMapping/>
   </p:clrMapOvr>
+  <p:timing>
+    <p:tnLst>
+      <p:par>
+        <p:cTn id="1" dur="indefinite" restart="never" nodeType="tmRoot"/>
+      </p:par>
+    </p:tnLst>
+  </p:timing>
 </p:sld>
 </file>
 
@@ -16864,6 +17134,13 @@
   <p:clrMapOvr>
     <a:masterClrMapping/>
   </p:clrMapOvr>
+  <p:timing>
+    <p:tnLst>
+      <p:par>
+        <p:cTn id="1" dur="indefinite" restart="never" nodeType="tmRoot"/>
+      </p:par>
+    </p:tnLst>
+  </p:timing>
 </p:sld>
 </file>
 
@@ -17014,6 +17291,13 @@
   <p:clrMapOvr>
     <a:masterClrMapping/>
   </p:clrMapOvr>
+  <p:timing>
+    <p:tnLst>
+      <p:par>
+        <p:cTn id="1" dur="indefinite" restart="never" nodeType="tmRoot"/>
+      </p:par>
+    </p:tnLst>
+  </p:timing>
 </p:sld>
 </file>
 
@@ -17134,6 +17418,13 @@
   <p:clrMapOvr>
     <a:masterClrMapping/>
   </p:clrMapOvr>
+  <p:timing>
+    <p:tnLst>
+      <p:par>
+        <p:cTn id="1" dur="indefinite" restart="never" nodeType="tmRoot"/>
+      </p:par>
+    </p:tnLst>
+  </p:timing>
 </p:sld>
 </file>
 
@@ -17315,6 +17606,13 @@
   <p:clrMapOvr>
     <a:masterClrMapping/>
   </p:clrMapOvr>
+  <p:timing>
+    <p:tnLst>
+      <p:par>
+        <p:cTn id="1" dur="indefinite" restart="never" nodeType="tmRoot"/>
+      </p:par>
+    </p:tnLst>
+  </p:timing>
 </p:sld>
 </file>
 
@@ -17509,6 +17807,13 @@
   <p:clrMapOvr>
     <a:masterClrMapping/>
   </p:clrMapOvr>
+  <p:timing>
+    <p:tnLst>
+      <p:par>
+        <p:cTn id="1" dur="indefinite" restart="never" nodeType="tmRoot"/>
+      </p:par>
+    </p:tnLst>
+  </p:timing>
 </p:sld>
 </file>
 

--- a/wiki/HandiFox.pptx
+++ b/wiki/HandiFox.pptx
@@ -5,7 +5,7 @@
     <p:sldMasterId id="2147483792" r:id="rId1"/>
   </p:sldMasterIdLst>
   <p:notesMasterIdLst>
-    <p:notesMasterId r:id="rId45"/>
+    <p:notesMasterId r:id="rId46"/>
   </p:notesMasterIdLst>
   <p:sldIdLst>
     <p:sldId id="256" r:id="rId2"/>
@@ -51,6 +51,7 @@
     <p:sldId id="296" r:id="rId42"/>
     <p:sldId id="294" r:id="rId43"/>
     <p:sldId id="297" r:id="rId44"/>
+    <p:sldId id="299" r:id="rId45"/>
   </p:sldIdLst>
   <p:sldSz cx="9144000" cy="6858000" type="screen4x3"/>
   <p:notesSz cx="6858000" cy="9144000"/>
@@ -187,7 +188,6 @@
           </a:p>
         </c:rich>
       </c:tx>
-      <c:layout/>
       <c:overlay val="0"/>
     </c:title>
     <c:autoTitleDeleted val="0"/>
@@ -260,7 +260,6 @@
     </c:plotArea>
     <c:legend>
       <c:legendPos val="r"/>
-      <c:layout/>
       <c:overlay val="0"/>
       <c:txPr>
         <a:bodyPr/>
@@ -298,7 +297,6 @@
   </mc:AlternateContent>
   <c:chart>
     <c:title>
-      <c:layout/>
       <c:overlay val="0"/>
     </c:title>
     <c:autoTitleDeleted val="0"/>
@@ -371,7 +369,6 @@
     </c:plotArea>
     <c:legend>
       <c:legendPos val="r"/>
-      <c:layout/>
       <c:overlay val="0"/>
       <c:txPr>
         <a:bodyPr/>
@@ -409,7 +406,6 @@
   </mc:AlternateContent>
   <c:chart>
     <c:title>
-      <c:layout/>
       <c:overlay val="0"/>
     </c:title>
     <c:autoTitleDeleted val="0"/>
@@ -482,7 +478,6 @@
     </c:plotArea>
     <c:legend>
       <c:legendPos val="r"/>
-      <c:layout/>
       <c:overlay val="0"/>
       <c:txPr>
         <a:bodyPr/>
@@ -2579,82 +2574,82 @@
     </dgm:pt>
   </dgm:ptLst>
   <dgm:cxnLst>
+    <dgm:cxn modelId="{2CC4A4F5-D213-4A29-AC2B-D49D6EF24C8C}" srcId="{135E18F3-B6A4-4DBF-991D-DC7F217DC00A}" destId="{2FD56500-859C-4F4A-9561-2671A8C19D30}" srcOrd="0" destOrd="0" parTransId="{2C24CCA9-D2F2-4AA5-8FAD-7ADC5FEBBB76}" sibTransId="{930F4F4D-1111-437C-9C9C-48AC9453B256}"/>
+    <dgm:cxn modelId="{F799A5FA-B588-4EF5-92F6-AADDF65C065A}" type="presOf" srcId="{219CF2AB-3346-4167-8FB7-6804CF2D65FD}" destId="{D96B1DD7-8E48-4705-B4D3-5144AC4B9623}" srcOrd="0" destOrd="1" presId="urn:microsoft.com/office/officeart/2005/8/layout/hList1"/>
+    <dgm:cxn modelId="{8765FDE6-DED4-43DC-B2CE-55441834FE1C}" srcId="{F73C5286-D75D-4AB2-8FBB-FFCE40E22796}" destId="{F148B01D-D628-45A3-B600-2C38A23F22CC}" srcOrd="3" destOrd="0" parTransId="{91373F5C-7EE8-4BBC-B13A-8A55B1F4C2BD}" sibTransId="{85DCF4FA-2C6C-43F5-B4AD-B6B6435166F7}"/>
+    <dgm:cxn modelId="{C0E483C9-A410-4E0A-8CC9-CC443FEBE718}" srcId="{7C7219EF-B467-40E7-A539-F087BA3C6A22}" destId="{4B18CDD2-3F4B-44CC-B9A6-7839CE21AE36}" srcOrd="1" destOrd="0" parTransId="{DE2721DC-8C83-4E76-9A23-AFF02FE92A81}" sibTransId="{55DB6E6E-631F-4160-91AA-BF23FE921F46}"/>
+    <dgm:cxn modelId="{DB2ADDC5-B724-4934-BC7E-789FED356166}" type="presOf" srcId="{A0DD9D26-4C9C-4027-B5DC-5CFC36865CA1}" destId="{D96B1DD7-8E48-4705-B4D3-5144AC4B9623}" srcOrd="0" destOrd="3" presId="urn:microsoft.com/office/officeart/2005/8/layout/hList1"/>
+    <dgm:cxn modelId="{277C3567-374D-476F-881B-A3FDCEA0A8DA}" type="presOf" srcId="{241A2126-65BD-4F5C-A3A1-6471E7C44B50}" destId="{D96B1DD7-8E48-4705-B4D3-5144AC4B9623}" srcOrd="0" destOrd="6" presId="urn:microsoft.com/office/officeart/2005/8/layout/hList1"/>
+    <dgm:cxn modelId="{F7A9E3F5-D83B-432A-A113-C0EE296A2C11}" srcId="{219CF2AB-3346-4167-8FB7-6804CF2D65FD}" destId="{DD5755FB-25CB-45ED-98BA-B36BE499371F}" srcOrd="3" destOrd="0" parTransId="{1CD6E024-BB1D-44DA-A316-AE401EC19CDE}" sibTransId="{7B01CA2E-6F9E-413D-B8B4-68978C83C5F8}"/>
+    <dgm:cxn modelId="{ACCDEACD-AE7B-4764-9F83-E03E589D5832}" type="presOf" srcId="{06B9130F-133A-4D79-8C11-E8A4BDC7E7B0}" destId="{D96B1DD7-8E48-4705-B4D3-5144AC4B9623}" srcOrd="0" destOrd="4" presId="urn:microsoft.com/office/officeart/2005/8/layout/hList1"/>
+    <dgm:cxn modelId="{1D6C88FB-CB5C-412E-850E-733958425F57}" srcId="{DD5755FB-25CB-45ED-98BA-B36BE499371F}" destId="{241A2126-65BD-4F5C-A3A1-6471E7C44B50}" srcOrd="0" destOrd="0" parTransId="{68CCE8D9-401F-4307-9F72-BAEA25937EA2}" sibTransId="{7719EB24-7DB1-46C3-A28C-DD1B9EF45E85}"/>
+    <dgm:cxn modelId="{F77DF7C9-EE46-4E35-B3FD-365A60F54CEE}" srcId="{B44C7717-E9BA-4E15-80C2-16E6BA3AF622}" destId="{2098E772-AF9E-466A-9621-5E99783368F1}" srcOrd="1" destOrd="0" parTransId="{B176A0F0-90B6-4825-B714-35A8032845C9}" sibTransId="{E506E0FA-415B-4CFF-8AD1-FD70DFE5FA19}"/>
+    <dgm:cxn modelId="{2A29FDB1-1540-4D0B-A485-DB016BD61978}" type="presOf" srcId="{7C7219EF-B467-40E7-A539-F087BA3C6A22}" destId="{7DC8BC4F-0763-47B4-BF9D-9C86A61CDD16}" srcOrd="0" destOrd="1" presId="urn:microsoft.com/office/officeart/2005/8/layout/hList1"/>
+    <dgm:cxn modelId="{954B4A95-E8AB-4BEE-B7E2-D01D10F289A4}" type="presOf" srcId="{B44C7717-E9BA-4E15-80C2-16E6BA3AF622}" destId="{11077F7F-CF05-4D64-A9D9-3CD5AAD0F34A}" srcOrd="0" destOrd="0" presId="urn:microsoft.com/office/officeart/2005/8/layout/hList1"/>
+    <dgm:cxn modelId="{9A3F0BCC-2B82-49B4-9113-FE4567F37B75}" type="presOf" srcId="{9C9906B2-51E5-421B-8D12-1E50070D5A0E}" destId="{7DC8BC4F-0763-47B4-BF9D-9C86A61CDD16}" srcOrd="0" destOrd="2" presId="urn:microsoft.com/office/officeart/2005/8/layout/hList1"/>
     <dgm:cxn modelId="{21D40831-13D7-41BC-AF6A-73577AF4BD3F}" srcId="{219CF2AB-3346-4167-8FB7-6804CF2D65FD}" destId="{A0DD9D26-4C9C-4027-B5DC-5CFC36865CA1}" srcOrd="1" destOrd="0" parTransId="{09C166F2-94DD-42B0-ABF9-E39ADF1C167E}" sibTransId="{0D3B3B2B-25E2-4C76-AB6C-EC183AAE271B}"/>
-    <dgm:cxn modelId="{344FD7DE-9D67-4CBB-AA1E-B0967EDC3CAE}" type="presOf" srcId="{6230CA0F-B768-4AFF-BCD7-DE90159CE347}" destId="{7DC8BC4F-0763-47B4-BF9D-9C86A61CDD16}" srcOrd="0" destOrd="9" presId="urn:microsoft.com/office/officeart/2005/8/layout/hList1"/>
+    <dgm:cxn modelId="{1CE47BAC-36AF-4439-B115-B84C57BCA83E}" srcId="{D6357AE1-2993-4893-BBCA-A3EC6A40E019}" destId="{7C7219EF-B467-40E7-A539-F087BA3C6A22}" srcOrd="1" destOrd="0" parTransId="{3C8868D3-A213-4AD0-B001-A7873F951525}" sibTransId="{77E28C5F-260E-4392-9889-A8E7CC8D037B}"/>
+    <dgm:cxn modelId="{29045EA2-A0F9-4F36-A91C-3C8BD9AAC6D8}" srcId="{D6357AE1-2993-4893-BBCA-A3EC6A40E019}" destId="{B4D4B0DA-C21B-4C27-951A-7671BBD7517E}" srcOrd="2" destOrd="0" parTransId="{1D788554-1F77-4733-B999-E5CBDD97AE8F}" sibTransId="{2969BB2F-1495-42BC-BCB4-79768268DC94}"/>
+    <dgm:cxn modelId="{8B2EEF65-D865-43C4-85C9-D6181212FC47}" type="presOf" srcId="{521B07B5-1650-40CD-9515-1D92620B2871}" destId="{D96B1DD7-8E48-4705-B4D3-5144AC4B9623}" srcOrd="0" destOrd="0" presId="urn:microsoft.com/office/officeart/2005/8/layout/hList1"/>
+    <dgm:cxn modelId="{4E6DDD34-12D2-4B15-B1D8-A0B53EF9945D}" type="presOf" srcId="{47D9FD87-C897-4C83-8879-344EBFE4F582}" destId="{ED147345-9534-4E96-80AB-E942E5A72ADC}" srcOrd="0" destOrd="0" presId="urn:microsoft.com/office/officeart/2005/8/layout/hList1"/>
+    <dgm:cxn modelId="{4B9467E0-1356-4E41-B471-98C1C075B78D}" type="presOf" srcId="{CD10B630-6836-4EF6-AB70-CF5ACCA3390A}" destId="{D96B1DD7-8E48-4705-B4D3-5144AC4B9623}" srcOrd="0" destOrd="8" presId="urn:microsoft.com/office/officeart/2005/8/layout/hList1"/>
+    <dgm:cxn modelId="{079B8A63-372F-4A2D-8DD4-A414571AAFB0}" type="presOf" srcId="{F148B01D-D628-45A3-B600-2C38A23F22CC}" destId="{D96B1DD7-8E48-4705-B4D3-5144AC4B9623}" srcOrd="0" destOrd="9" presId="urn:microsoft.com/office/officeart/2005/8/layout/hList1"/>
+    <dgm:cxn modelId="{49BCCAAF-86EC-4361-910C-339DA302E38B}" type="presOf" srcId="{D990B0F0-20FB-41F1-AECB-95C1B661550D}" destId="{7DC8BC4F-0763-47B4-BF9D-9C86A61CDD16}" srcOrd="0" destOrd="8" presId="urn:microsoft.com/office/officeart/2005/8/layout/hList1"/>
+    <dgm:cxn modelId="{350B7DE3-C94E-4CFD-A4C2-8D5ECFF8CF00}" type="presOf" srcId="{F912930F-45C0-4D22-A7E2-BDF30173324A}" destId="{7DC8BC4F-0763-47B4-BF9D-9C86A61CDD16}" srcOrd="0" destOrd="4" presId="urn:microsoft.com/office/officeart/2005/8/layout/hList1"/>
+    <dgm:cxn modelId="{5B4FA768-0379-4D60-B472-5A86700FE671}" type="presOf" srcId="{E17331F8-633E-473B-9E89-1D68F3E5C6BA}" destId="{ED147345-9534-4E96-80AB-E942E5A72ADC}" srcOrd="0" destOrd="3" presId="urn:microsoft.com/office/officeart/2005/8/layout/hList1"/>
+    <dgm:cxn modelId="{9D4FB452-A123-4472-8495-4C5DC3C43510}" srcId="{7213FF13-F07F-4915-956A-882EC11888F7}" destId="{F73C5286-D75D-4AB2-8FBB-FFCE40E22796}" srcOrd="2" destOrd="0" parTransId="{BDD9C37A-4007-456A-ABB4-22D6799DE115}" sibTransId="{24556D5B-CA7A-41C7-BBB2-B5E653C99811}"/>
+    <dgm:cxn modelId="{7B903D5E-00D3-457D-93A5-B77B99D37198}" srcId="{241A2126-65BD-4F5C-A3A1-6471E7C44B50}" destId="{8B324D47-AE3B-40AD-8A2A-FFCE57F44F34}" srcOrd="0" destOrd="0" parTransId="{9EC9C913-9CA7-41A6-89E4-D28B70F7DFA7}" sibTransId="{364839A8-621F-4B82-8B0C-089BEC2A07B8}"/>
     <dgm:cxn modelId="{565911E1-FA21-4BAF-84E4-BFAB687171DA}" srcId="{7C7219EF-B467-40E7-A539-F087BA3C6A22}" destId="{F912930F-45C0-4D22-A7E2-BDF30173324A}" srcOrd="2" destOrd="0" parTransId="{80D9AADA-E30B-4339-AA90-FFDC2E29061C}" sibTransId="{DD453EFA-E3B6-421E-90B1-B3BB071150FF}"/>
-    <dgm:cxn modelId="{707C7757-ACE7-4EED-941E-3B7418D0910D}" type="presOf" srcId="{B4D4B0DA-C21B-4C27-951A-7671BBD7517E}" destId="{7DC8BC4F-0763-47B4-BF9D-9C86A61CDD16}" srcOrd="0" destOrd="6" presId="urn:microsoft.com/office/officeart/2005/8/layout/hList1"/>
-    <dgm:cxn modelId="{2CC4A4F5-D213-4A29-AC2B-D49D6EF24C8C}" srcId="{135E18F3-B6A4-4DBF-991D-DC7F217DC00A}" destId="{2FD56500-859C-4F4A-9561-2671A8C19D30}" srcOrd="0" destOrd="0" parTransId="{2C24CCA9-D2F2-4AA5-8FAD-7ADC5FEBBB76}" sibTransId="{930F4F4D-1111-437C-9C9C-48AC9453B256}"/>
-    <dgm:cxn modelId="{B25023B7-D1E4-4FCD-9E8D-6EC5F3416F3A}" type="presOf" srcId="{8B324D47-AE3B-40AD-8A2A-FFCE57F44F34}" destId="{D96B1DD7-8E48-4705-B4D3-5144AC4B9623}" srcOrd="0" destOrd="7" presId="urn:microsoft.com/office/officeart/2005/8/layout/hList1"/>
+    <dgm:cxn modelId="{C5726B6E-F771-4E1B-86A4-650EA65BF1F5}" srcId="{7213FF13-F07F-4915-956A-882EC11888F7}" destId="{D6357AE1-2993-4893-BBCA-A3EC6A40E019}" srcOrd="1" destOrd="0" parTransId="{3DF32CFF-BC31-4467-8498-8EEDFE5B6B45}" sibTransId="{96084EE9-CF80-47C9-827C-3A8CE50C3081}"/>
+    <dgm:cxn modelId="{93A8690E-5660-450E-A7A0-7058FAEB5A3E}" type="presOf" srcId="{2098E772-AF9E-466A-9621-5E99783368F1}" destId="{ED147345-9534-4E96-80AB-E942E5A72ADC}" srcOrd="0" destOrd="1" presId="urn:microsoft.com/office/officeart/2005/8/layout/hList1"/>
+    <dgm:cxn modelId="{7229424E-E4E5-4915-ACC5-E6F3E1211915}" type="presOf" srcId="{F73C5286-D75D-4AB2-8FBB-FFCE40E22796}" destId="{63F6D684-3904-4EF7-939B-3BB1AFBA6DFB}" srcOrd="0" destOrd="0" presId="urn:microsoft.com/office/officeart/2005/8/layout/hList1"/>
+    <dgm:cxn modelId="{7EB2B3C9-C3B2-4018-8B15-0DE51795BBFA}" srcId="{219CF2AB-3346-4167-8FB7-6804CF2D65FD}" destId="{06B9130F-133A-4D79-8C11-E8A4BDC7E7B0}" srcOrd="2" destOrd="0" parTransId="{02752F01-9930-46B4-98C1-65E363B47A93}" sibTransId="{8C8198B1-9CED-4287-983B-FFF6331D9CE0}"/>
+    <dgm:cxn modelId="{9BBF8624-0589-487A-8A38-66ECFAD389B5}" srcId="{219CF2AB-3346-4167-8FB7-6804CF2D65FD}" destId="{30308F2A-DD2D-4E5A-8294-440B091E3381}" srcOrd="0" destOrd="0" parTransId="{9ED80A1F-D746-4B48-97DD-33117DF33CC5}" sibTransId="{D621EE4A-83B1-43E1-8E4C-9EE718E0EB2A}"/>
+    <dgm:cxn modelId="{D960C4B7-7FD2-4FBC-B2AC-6E033CE05DDC}" type="presOf" srcId="{C7C7B086-317B-4516-AF13-1BEC8821FEC2}" destId="{ED147345-9534-4E96-80AB-E942E5A72ADC}" srcOrd="0" destOrd="2" presId="urn:microsoft.com/office/officeart/2005/8/layout/hList1"/>
+    <dgm:cxn modelId="{EAC0C763-199B-4E0B-A8E9-C8D5910987B8}" srcId="{7213FF13-F07F-4915-956A-882EC11888F7}" destId="{B44C7717-E9BA-4E15-80C2-16E6BA3AF622}" srcOrd="0" destOrd="0" parTransId="{A49590A1-65F8-42A1-8651-16175DB09AC2}" sibTransId="{C42FC1D9-2EDC-4263-9C2D-FE4E0CF9DF30}"/>
+    <dgm:cxn modelId="{8405A6B8-9AC3-4494-98FF-DCF56CE60C8D}" type="presOf" srcId="{2FD56500-859C-4F4A-9561-2671A8C19D30}" destId="{D96B1DD7-8E48-4705-B4D3-5144AC4B9623}" srcOrd="0" destOrd="11" presId="urn:microsoft.com/office/officeart/2005/8/layout/hList1"/>
+    <dgm:cxn modelId="{B4C64DE5-2561-4254-8CA5-45C3D9149552}" type="presOf" srcId="{86BA7783-12D9-4F1F-8411-FE7EF610CB95}" destId="{7DC8BC4F-0763-47B4-BF9D-9C86A61CDD16}" srcOrd="0" destOrd="0" presId="urn:microsoft.com/office/officeart/2005/8/layout/hList1"/>
+    <dgm:cxn modelId="{C74DD2CE-306A-47DB-B9E7-EF420336DB18}" type="presOf" srcId="{135E18F3-B6A4-4DBF-991D-DC7F217DC00A}" destId="{D96B1DD7-8E48-4705-B4D3-5144AC4B9623}" srcOrd="0" destOrd="10" presId="urn:microsoft.com/office/officeart/2005/8/layout/hList1"/>
+    <dgm:cxn modelId="{40DB53F5-06AC-4F15-9A48-9CAA67029743}" srcId="{F148B01D-D628-45A3-B600-2C38A23F22CC}" destId="{135E18F3-B6A4-4DBF-991D-DC7F217DC00A}" srcOrd="0" destOrd="0" parTransId="{3DB8BACB-464D-4BE5-8AD4-562F31C48399}" sibTransId="{20BDCAB2-F1EF-4CFA-8C11-D3FD39843E16}"/>
+    <dgm:cxn modelId="{F73D1C2D-8526-47C7-ABB4-35B9A2B724B7}" srcId="{7C7219EF-B467-40E7-A539-F087BA3C6A22}" destId="{9C9906B2-51E5-421B-8D12-1E50070D5A0E}" srcOrd="0" destOrd="0" parTransId="{F1F6A967-DFA8-4E35-B1FD-B3367BB53144}" sibTransId="{E10333B3-0177-42F8-85C9-6668C7A5F87E}"/>
+    <dgm:cxn modelId="{042B9899-1881-4662-B6AD-F7C3E1F82042}" srcId="{B4D4B0DA-C21B-4C27-951A-7671BBD7517E}" destId="{73BF926D-CFED-4CF2-8D03-8FE1D89D39B2}" srcOrd="0" destOrd="0" parTransId="{2817D078-4E67-40D3-B9A1-733B12C23E92}" sibTransId="{5F359B12-FC18-4545-81D7-924A35A1366F}"/>
+    <dgm:cxn modelId="{D1E96CE1-A27F-45AF-B179-1012D4463D34}" srcId="{B44C7717-E9BA-4E15-80C2-16E6BA3AF622}" destId="{C7C7B086-317B-4516-AF13-1BEC8821FEC2}" srcOrd="2" destOrd="0" parTransId="{BD32C2C9-D2DF-46BF-95A1-8ECCD585AF2A}" sibTransId="{49E90F19-0699-4DA2-BDEA-6A7FFAA7561E}"/>
     <dgm:cxn modelId="{0800E2B6-BBEE-4CDE-A022-513B27ECC357}" srcId="{7C7219EF-B467-40E7-A539-F087BA3C6A22}" destId="{473CC83B-8633-4FF4-BBDB-905DA2E2CB7E}" srcOrd="3" destOrd="0" parTransId="{690A2397-8ED2-4682-9D7C-FB3456BBF45F}" sibTransId="{680E8BEB-55B5-47FF-8A3D-D66447D95038}"/>
-    <dgm:cxn modelId="{F751594B-3EDB-4DDE-B197-435616BA0787}" type="presOf" srcId="{E17331F8-633E-473B-9E89-1D68F3E5C6BA}" destId="{ED147345-9534-4E96-80AB-E942E5A72ADC}" srcOrd="0" destOrd="3" presId="urn:microsoft.com/office/officeart/2005/8/layout/hList1"/>
-    <dgm:cxn modelId="{C5726B6E-F771-4E1B-86A4-650EA65BF1F5}" srcId="{7213FF13-F07F-4915-956A-882EC11888F7}" destId="{D6357AE1-2993-4893-BBCA-A3EC6A40E019}" srcOrd="1" destOrd="0" parTransId="{3DF32CFF-BC31-4467-8498-8EEDFE5B6B45}" sibTransId="{96084EE9-CF80-47C9-827C-3A8CE50C3081}"/>
-    <dgm:cxn modelId="{B87F2ECE-CA46-4B7A-B470-65C832D28747}" type="presOf" srcId="{D6357AE1-2993-4893-BBCA-A3EC6A40E019}" destId="{118621E0-D609-4BD6-B6ED-1CCCAF87E2A1}" srcOrd="0" destOrd="0" presId="urn:microsoft.com/office/officeart/2005/8/layout/hList1"/>
-    <dgm:cxn modelId="{F7A9E3F5-D83B-432A-A113-C0EE296A2C11}" srcId="{219CF2AB-3346-4167-8FB7-6804CF2D65FD}" destId="{DD5755FB-25CB-45ED-98BA-B36BE499371F}" srcOrd="3" destOrd="0" parTransId="{1CD6E024-BB1D-44DA-A316-AE401EC19CDE}" sibTransId="{7B01CA2E-6F9E-413D-B8B4-68978C83C5F8}"/>
-    <dgm:cxn modelId="{6B583807-052C-4D27-8717-114E6181F6A3}" type="presOf" srcId="{A0DD9D26-4C9C-4027-B5DC-5CFC36865CA1}" destId="{D96B1DD7-8E48-4705-B4D3-5144AC4B9623}" srcOrd="0" destOrd="3" presId="urn:microsoft.com/office/officeart/2005/8/layout/hList1"/>
-    <dgm:cxn modelId="{7EB2B3C9-C3B2-4018-8B15-0DE51795BBFA}" srcId="{219CF2AB-3346-4167-8FB7-6804CF2D65FD}" destId="{06B9130F-133A-4D79-8C11-E8A4BDC7E7B0}" srcOrd="2" destOrd="0" parTransId="{02752F01-9930-46B4-98C1-65E363B47A93}" sibTransId="{8C8198B1-9CED-4287-983B-FFF6331D9CE0}"/>
-    <dgm:cxn modelId="{F4AE6FE3-89C1-4200-81DB-144AA9C0D4BF}" type="presOf" srcId="{219CF2AB-3346-4167-8FB7-6804CF2D65FD}" destId="{D96B1DD7-8E48-4705-B4D3-5144AC4B9623}" srcOrd="0" destOrd="1" presId="urn:microsoft.com/office/officeart/2005/8/layout/hList1"/>
-    <dgm:cxn modelId="{FBF9345A-D64D-484C-94DA-13D620957BEF}" type="presOf" srcId="{F148B01D-D628-45A3-B600-2C38A23F22CC}" destId="{D96B1DD7-8E48-4705-B4D3-5144AC4B9623}" srcOrd="0" destOrd="9" presId="urn:microsoft.com/office/officeart/2005/8/layout/hList1"/>
+    <dgm:cxn modelId="{1693DC5D-B326-44BE-8DC0-A2435A4894EC}" type="presOf" srcId="{8B324D47-AE3B-40AD-8A2A-FFCE57F44F34}" destId="{D96B1DD7-8E48-4705-B4D3-5144AC4B9623}" srcOrd="0" destOrd="7" presId="urn:microsoft.com/office/officeart/2005/8/layout/hList1"/>
+    <dgm:cxn modelId="{0DD82C0F-AB92-4885-B442-C305B48937CF}" srcId="{F73C5286-D75D-4AB2-8FBB-FFCE40E22796}" destId="{219CF2AB-3346-4167-8FB7-6804CF2D65FD}" srcOrd="1" destOrd="0" parTransId="{CBD3395C-CEC4-442C-A24C-2FF46156B136}" sibTransId="{BF7B92BC-409D-4138-9E0F-66359B9FDF2F}"/>
+    <dgm:cxn modelId="{793B90C3-7A7B-4BE2-81D7-5D3D0E61CB34}" type="presOf" srcId="{D6357AE1-2993-4893-BBCA-A3EC6A40E019}" destId="{118621E0-D609-4BD6-B6ED-1CCCAF87E2A1}" srcOrd="0" destOrd="0" presId="urn:microsoft.com/office/officeart/2005/8/layout/hList1"/>
+    <dgm:cxn modelId="{F9FFA9E3-12AD-4840-A1B2-2545379BE1F4}" srcId="{B44C7717-E9BA-4E15-80C2-16E6BA3AF622}" destId="{E17331F8-633E-473B-9E89-1D68F3E5C6BA}" srcOrd="3" destOrd="0" parTransId="{B5EEFEEF-4D1B-490B-9767-C3C9AB647172}" sibTransId="{5A7F1A1A-151B-4509-8CA5-6F78FB98665E}"/>
+    <dgm:cxn modelId="{B14D9C8F-2BD0-464E-BDE1-FE212F69A371}" type="presOf" srcId="{73BF926D-CFED-4CF2-8D03-8FE1D89D39B2}" destId="{7DC8BC4F-0763-47B4-BF9D-9C86A61CDD16}" srcOrd="0" destOrd="7" presId="urn:microsoft.com/office/officeart/2005/8/layout/hList1"/>
+    <dgm:cxn modelId="{8EB4393A-6066-4B4F-B383-9BF1A0D08165}" srcId="{D6357AE1-2993-4893-BBCA-A3EC6A40E019}" destId="{86BA7783-12D9-4F1F-8411-FE7EF610CB95}" srcOrd="0" destOrd="0" parTransId="{F6770846-6CF5-4F8E-AF2F-A7FAECC737D6}" sibTransId="{66A00CDC-81AF-46C5-B0A0-8F5913A39230}"/>
+    <dgm:cxn modelId="{0D7DB4E1-3075-4E95-B947-8C3786B7661C}" srcId="{B44C7717-E9BA-4E15-80C2-16E6BA3AF622}" destId="{47D9FD87-C897-4C83-8879-344EBFE4F582}" srcOrd="0" destOrd="0" parTransId="{3CA2507B-7047-4458-854A-0F3975CBFC7C}" sibTransId="{74B2CCBA-871B-4089-A012-598668E83606}"/>
     <dgm:cxn modelId="{594AE37F-19E0-401F-9CD6-7868F18B7897}" srcId="{B4D4B0DA-C21B-4C27-951A-7671BBD7517E}" destId="{6230CA0F-B768-4AFF-BCD7-DE90159CE347}" srcOrd="2" destOrd="0" parTransId="{5BAC2B55-FFD6-44D5-97DD-ED8FB23E4891}" sibTransId="{E756E706-A711-4CBA-8BFA-29F4432391E2}"/>
-    <dgm:cxn modelId="{8765FDE6-DED4-43DC-B2CE-55441834FE1C}" srcId="{F73C5286-D75D-4AB2-8FBB-FFCE40E22796}" destId="{F148B01D-D628-45A3-B600-2C38A23F22CC}" srcOrd="3" destOrd="0" parTransId="{91373F5C-7EE8-4BBC-B13A-8A55B1F4C2BD}" sibTransId="{85DCF4FA-2C6C-43F5-B4AD-B6B6435166F7}"/>
-    <dgm:cxn modelId="{7B903D5E-00D3-457D-93A5-B77B99D37198}" srcId="{241A2126-65BD-4F5C-A3A1-6471E7C44B50}" destId="{8B324D47-AE3B-40AD-8A2A-FFCE57F44F34}" srcOrd="0" destOrd="0" parTransId="{9EC9C913-9CA7-41A6-89E4-D28B70F7DFA7}" sibTransId="{364839A8-621F-4B82-8B0C-089BEC2A07B8}"/>
-    <dgm:cxn modelId="{0DD82C0F-AB92-4885-B442-C305B48937CF}" srcId="{F73C5286-D75D-4AB2-8FBB-FFCE40E22796}" destId="{219CF2AB-3346-4167-8FB7-6804CF2D65FD}" srcOrd="1" destOrd="0" parTransId="{CBD3395C-CEC4-442C-A24C-2FF46156B136}" sibTransId="{BF7B92BC-409D-4138-9E0F-66359B9FDF2F}"/>
-    <dgm:cxn modelId="{8116219B-6E7D-409A-A521-0A92364C7BB4}" type="presOf" srcId="{521B07B5-1650-40CD-9515-1D92620B2871}" destId="{D96B1DD7-8E48-4705-B4D3-5144AC4B9623}" srcOrd="0" destOrd="0" presId="urn:microsoft.com/office/officeart/2005/8/layout/hList1"/>
-    <dgm:cxn modelId="{F73D1C2D-8526-47C7-ABB4-35B9A2B724B7}" srcId="{7C7219EF-B467-40E7-A539-F087BA3C6A22}" destId="{9C9906B2-51E5-421B-8D12-1E50070D5A0E}" srcOrd="0" destOrd="0" parTransId="{F1F6A967-DFA8-4E35-B1FD-B3367BB53144}" sibTransId="{E10333B3-0177-42F8-85C9-6668C7A5F87E}"/>
-    <dgm:cxn modelId="{1CE47BAC-36AF-4439-B115-B84C57BCA83E}" srcId="{D6357AE1-2993-4893-BBCA-A3EC6A40E019}" destId="{7C7219EF-B467-40E7-A539-F087BA3C6A22}" srcOrd="1" destOrd="0" parTransId="{3C8868D3-A213-4AD0-B001-A7873F951525}" sibTransId="{77E28C5F-260E-4392-9889-A8E7CC8D037B}"/>
-    <dgm:cxn modelId="{404AF2C2-4A74-4A01-9FAD-0DCC76D333DC}" type="presOf" srcId="{F912930F-45C0-4D22-A7E2-BDF30173324A}" destId="{7DC8BC4F-0763-47B4-BF9D-9C86A61CDD16}" srcOrd="0" destOrd="4" presId="urn:microsoft.com/office/officeart/2005/8/layout/hList1"/>
-    <dgm:cxn modelId="{4203A322-9FCB-40E9-B8E0-AE4B5FA4BE60}" type="presOf" srcId="{9C9906B2-51E5-421B-8D12-1E50070D5A0E}" destId="{7DC8BC4F-0763-47B4-BF9D-9C86A61CDD16}" srcOrd="0" destOrd="2" presId="urn:microsoft.com/office/officeart/2005/8/layout/hList1"/>
-    <dgm:cxn modelId="{EAC0C763-199B-4E0B-A8E9-C8D5910987B8}" srcId="{7213FF13-F07F-4915-956A-882EC11888F7}" destId="{B44C7717-E9BA-4E15-80C2-16E6BA3AF622}" srcOrd="0" destOrd="0" parTransId="{A49590A1-65F8-42A1-8651-16175DB09AC2}" sibTransId="{C42FC1D9-2EDC-4263-9C2D-FE4E0CF9DF30}"/>
-    <dgm:cxn modelId="{245D2BAC-00AC-4529-A796-3ED791CF6774}" type="presOf" srcId="{241A2126-65BD-4F5C-A3A1-6471E7C44B50}" destId="{D96B1DD7-8E48-4705-B4D3-5144AC4B9623}" srcOrd="0" destOrd="6" presId="urn:microsoft.com/office/officeart/2005/8/layout/hList1"/>
-    <dgm:cxn modelId="{F9FFA9E3-12AD-4840-A1B2-2545379BE1F4}" srcId="{B44C7717-E9BA-4E15-80C2-16E6BA3AF622}" destId="{E17331F8-633E-473B-9E89-1D68F3E5C6BA}" srcOrd="3" destOrd="0" parTransId="{B5EEFEEF-4D1B-490B-9767-C3C9AB647172}" sibTransId="{5A7F1A1A-151B-4509-8CA5-6F78FB98665E}"/>
-    <dgm:cxn modelId="{3C7CF224-D19B-428D-A59F-BE9C97C013B3}" type="presOf" srcId="{2098E772-AF9E-466A-9621-5E99783368F1}" destId="{ED147345-9534-4E96-80AB-E942E5A72ADC}" srcOrd="0" destOrd="1" presId="urn:microsoft.com/office/officeart/2005/8/layout/hList1"/>
-    <dgm:cxn modelId="{D1E96CE1-A27F-45AF-B179-1012D4463D34}" srcId="{B44C7717-E9BA-4E15-80C2-16E6BA3AF622}" destId="{C7C7B086-317B-4516-AF13-1BEC8821FEC2}" srcOrd="2" destOrd="0" parTransId="{BD32C2C9-D2DF-46BF-95A1-8ECCD585AF2A}" sibTransId="{49E90F19-0699-4DA2-BDEA-6A7FFAA7561E}"/>
-    <dgm:cxn modelId="{29CB106C-305C-4831-BA51-4217B64F4E9C}" type="presOf" srcId="{D990B0F0-20FB-41F1-AECB-95C1B661550D}" destId="{7DC8BC4F-0763-47B4-BF9D-9C86A61CDD16}" srcOrd="0" destOrd="8" presId="urn:microsoft.com/office/officeart/2005/8/layout/hList1"/>
-    <dgm:cxn modelId="{8EB4393A-6066-4B4F-B383-9BF1A0D08165}" srcId="{D6357AE1-2993-4893-BBCA-A3EC6A40E019}" destId="{86BA7783-12D9-4F1F-8411-FE7EF610CB95}" srcOrd="0" destOrd="0" parTransId="{F6770846-6CF5-4F8E-AF2F-A7FAECC737D6}" sibTransId="{66A00CDC-81AF-46C5-B0A0-8F5913A39230}"/>
-    <dgm:cxn modelId="{40DB53F5-06AC-4F15-9A48-9CAA67029743}" srcId="{F148B01D-D628-45A3-B600-2C38A23F22CC}" destId="{135E18F3-B6A4-4DBF-991D-DC7F217DC00A}" srcOrd="0" destOrd="0" parTransId="{3DB8BACB-464D-4BE5-8AD4-562F31C48399}" sibTransId="{20BDCAB2-F1EF-4CFA-8C11-D3FD39843E16}"/>
-    <dgm:cxn modelId="{447AEE5F-6A92-4699-A7A0-53189682D036}" type="presOf" srcId="{135E18F3-B6A4-4DBF-991D-DC7F217DC00A}" destId="{D96B1DD7-8E48-4705-B4D3-5144AC4B9623}" srcOrd="0" destOrd="10" presId="urn:microsoft.com/office/officeart/2005/8/layout/hList1"/>
-    <dgm:cxn modelId="{9BBF8624-0589-487A-8A38-66ECFAD389B5}" srcId="{219CF2AB-3346-4167-8FB7-6804CF2D65FD}" destId="{30308F2A-DD2D-4E5A-8294-440B091E3381}" srcOrd="0" destOrd="0" parTransId="{9ED80A1F-D746-4B48-97DD-33117DF33CC5}" sibTransId="{D621EE4A-83B1-43E1-8E4C-9EE718E0EB2A}"/>
-    <dgm:cxn modelId="{8D3C9083-6577-4FAC-A990-71604BADD9D0}" type="presOf" srcId="{F73C5286-D75D-4AB2-8FBB-FFCE40E22796}" destId="{63F6D684-3904-4EF7-939B-3BB1AFBA6DFB}" srcOrd="0" destOrd="0" presId="urn:microsoft.com/office/officeart/2005/8/layout/hList1"/>
-    <dgm:cxn modelId="{B4052D68-A09A-41E1-A037-B874B08DDF2B}" type="presOf" srcId="{7C7219EF-B467-40E7-A539-F087BA3C6A22}" destId="{7DC8BC4F-0763-47B4-BF9D-9C86A61CDD16}" srcOrd="0" destOrd="1" presId="urn:microsoft.com/office/officeart/2005/8/layout/hList1"/>
-    <dgm:cxn modelId="{0D7DB4E1-3075-4E95-B947-8C3786B7661C}" srcId="{B44C7717-E9BA-4E15-80C2-16E6BA3AF622}" destId="{47D9FD87-C897-4C83-8879-344EBFE4F582}" srcOrd="0" destOrd="0" parTransId="{3CA2507B-7047-4458-854A-0F3975CBFC7C}" sibTransId="{74B2CCBA-871B-4089-A012-598668E83606}"/>
-    <dgm:cxn modelId="{02D1258E-66D1-487A-8FED-8F52958EE7DE}" type="presOf" srcId="{B44C7717-E9BA-4E15-80C2-16E6BA3AF622}" destId="{11077F7F-CF05-4D64-A9D9-3CD5AAD0F34A}" srcOrd="0" destOrd="0" presId="urn:microsoft.com/office/officeart/2005/8/layout/hList1"/>
-    <dgm:cxn modelId="{A1E464E9-EFCE-425E-AA60-1128F972B7B4}" type="presOf" srcId="{473CC83B-8633-4FF4-BBDB-905DA2E2CB7E}" destId="{7DC8BC4F-0763-47B4-BF9D-9C86A61CDD16}" srcOrd="0" destOrd="5" presId="urn:microsoft.com/office/officeart/2005/8/layout/hList1"/>
+    <dgm:cxn modelId="{AA451800-4EAC-4826-9393-3C1F2086605E}" type="presOf" srcId="{30308F2A-DD2D-4E5A-8294-440B091E3381}" destId="{D96B1DD7-8E48-4705-B4D3-5144AC4B9623}" srcOrd="0" destOrd="2" presId="urn:microsoft.com/office/officeart/2005/8/layout/hList1"/>
+    <dgm:cxn modelId="{8B97BEBB-657E-403D-BEE9-15B752CBF5DC}" type="presOf" srcId="{473CC83B-8633-4FF4-BBDB-905DA2E2CB7E}" destId="{7DC8BC4F-0763-47B4-BF9D-9C86A61CDD16}" srcOrd="0" destOrd="5" presId="urn:microsoft.com/office/officeart/2005/8/layout/hList1"/>
+    <dgm:cxn modelId="{A4DC340D-B5E1-423A-9F35-045770353185}" type="presOf" srcId="{4B18CDD2-3F4B-44CC-B9A6-7839CE21AE36}" destId="{7DC8BC4F-0763-47B4-BF9D-9C86A61CDD16}" srcOrd="0" destOrd="3" presId="urn:microsoft.com/office/officeart/2005/8/layout/hList1"/>
+    <dgm:cxn modelId="{8ADA8ADC-37C5-487C-ADA6-2808C921F8A2}" type="presOf" srcId="{DD5755FB-25CB-45ED-98BA-B36BE499371F}" destId="{D96B1DD7-8E48-4705-B4D3-5144AC4B9623}" srcOrd="0" destOrd="5" presId="urn:microsoft.com/office/officeart/2005/8/layout/hList1"/>
+    <dgm:cxn modelId="{2F42C010-AF56-4F08-B8C5-29DA2E016E3A}" srcId="{F73C5286-D75D-4AB2-8FBB-FFCE40E22796}" destId="{521B07B5-1650-40CD-9515-1D92620B2871}" srcOrd="0" destOrd="0" parTransId="{89CBACEB-5099-4D1E-BB84-7C4FBA158D35}" sibTransId="{2C552B8F-69D6-48AE-ACA7-158F8C8EBD35}"/>
+    <dgm:cxn modelId="{A4C5A2E9-1BFF-4F46-BB99-FE346DF7D210}" srcId="{B4D4B0DA-C21B-4C27-951A-7671BBD7517E}" destId="{D990B0F0-20FB-41F1-AECB-95C1B661550D}" srcOrd="1" destOrd="0" parTransId="{DD7CD0FE-0147-4222-8345-04B8B2D73BFB}" sibTransId="{62743255-1807-49F1-A786-BF8E999D73B6}"/>
+    <dgm:cxn modelId="{1520AA06-6667-42B6-8996-2E5045116E9F}" type="presOf" srcId="{7213FF13-F07F-4915-956A-882EC11888F7}" destId="{1E71B9D5-146A-437B-BE2E-3BAEEA923ADB}" srcOrd="0" destOrd="0" presId="urn:microsoft.com/office/officeart/2005/8/layout/hList1"/>
+    <dgm:cxn modelId="{DDE92B69-8D36-467C-9A8F-F24E3AE128F1}" type="presOf" srcId="{6230CA0F-B768-4AFF-BCD7-DE90159CE347}" destId="{7DC8BC4F-0763-47B4-BF9D-9C86A61CDD16}" srcOrd="0" destOrd="9" presId="urn:microsoft.com/office/officeart/2005/8/layout/hList1"/>
     <dgm:cxn modelId="{6BE16A03-2AA9-42F4-B5B2-CFA671E13725}" srcId="{F73C5286-D75D-4AB2-8FBB-FFCE40E22796}" destId="{CD10B630-6836-4EF6-AB70-CF5ACCA3390A}" srcOrd="2" destOrd="0" parTransId="{6F36735D-FDFD-4E96-BCC4-D4F744F0C22A}" sibTransId="{39C96CF2-2C3A-42FD-BEFA-B6CE6C3CE521}"/>
-    <dgm:cxn modelId="{C0E483C9-A410-4E0A-8CC9-CC443FEBE718}" srcId="{7C7219EF-B467-40E7-A539-F087BA3C6A22}" destId="{4B18CDD2-3F4B-44CC-B9A6-7839CE21AE36}" srcOrd="1" destOrd="0" parTransId="{DE2721DC-8C83-4E76-9A23-AFF02FE92A81}" sibTransId="{55DB6E6E-631F-4160-91AA-BF23FE921F46}"/>
-    <dgm:cxn modelId="{DFDF4816-D62A-48F3-8D1C-C050F4D57702}" type="presOf" srcId="{73BF926D-CFED-4CF2-8D03-8FE1D89D39B2}" destId="{7DC8BC4F-0763-47B4-BF9D-9C86A61CDD16}" srcOrd="0" destOrd="7" presId="urn:microsoft.com/office/officeart/2005/8/layout/hList1"/>
-    <dgm:cxn modelId="{9B103A2A-EDA9-4E66-9E82-1A90E4495ABF}" type="presOf" srcId="{30308F2A-DD2D-4E5A-8294-440B091E3381}" destId="{D96B1DD7-8E48-4705-B4D3-5144AC4B9623}" srcOrd="0" destOrd="2" presId="urn:microsoft.com/office/officeart/2005/8/layout/hList1"/>
-    <dgm:cxn modelId="{F77DF7C9-EE46-4E35-B3FD-365A60F54CEE}" srcId="{B44C7717-E9BA-4E15-80C2-16E6BA3AF622}" destId="{2098E772-AF9E-466A-9621-5E99783368F1}" srcOrd="1" destOrd="0" parTransId="{B176A0F0-90B6-4825-B714-35A8032845C9}" sibTransId="{E506E0FA-415B-4CFF-8AD1-FD70DFE5FA19}"/>
-    <dgm:cxn modelId="{1D6C88FB-CB5C-412E-850E-733958425F57}" srcId="{DD5755FB-25CB-45ED-98BA-B36BE499371F}" destId="{241A2126-65BD-4F5C-A3A1-6471E7C44B50}" srcOrd="0" destOrd="0" parTransId="{68CCE8D9-401F-4307-9F72-BAEA25937EA2}" sibTransId="{7719EB24-7DB1-46C3-A28C-DD1B9EF45E85}"/>
-    <dgm:cxn modelId="{29045EA2-A0F9-4F36-A91C-3C8BD9AAC6D8}" srcId="{D6357AE1-2993-4893-BBCA-A3EC6A40E019}" destId="{B4D4B0DA-C21B-4C27-951A-7671BBD7517E}" srcOrd="2" destOrd="0" parTransId="{1D788554-1F77-4733-B999-E5CBDD97AE8F}" sibTransId="{2969BB2F-1495-42BC-BCB4-79768268DC94}"/>
-    <dgm:cxn modelId="{5B0B4E76-E250-4619-B4F2-D19FD4C016C1}" type="presOf" srcId="{4B18CDD2-3F4B-44CC-B9A6-7839CE21AE36}" destId="{7DC8BC4F-0763-47B4-BF9D-9C86A61CDD16}" srcOrd="0" destOrd="3" presId="urn:microsoft.com/office/officeart/2005/8/layout/hList1"/>
-    <dgm:cxn modelId="{05C2F48C-B499-4C0A-AE4F-0F844AE363D0}" type="presOf" srcId="{86BA7783-12D9-4F1F-8411-FE7EF610CB95}" destId="{7DC8BC4F-0763-47B4-BF9D-9C86A61CDD16}" srcOrd="0" destOrd="0" presId="urn:microsoft.com/office/officeart/2005/8/layout/hList1"/>
-    <dgm:cxn modelId="{2F42C010-AF56-4F08-B8C5-29DA2E016E3A}" srcId="{F73C5286-D75D-4AB2-8FBB-FFCE40E22796}" destId="{521B07B5-1650-40CD-9515-1D92620B2871}" srcOrd="0" destOrd="0" parTransId="{89CBACEB-5099-4D1E-BB84-7C4FBA158D35}" sibTransId="{2C552B8F-69D6-48AE-ACA7-158F8C8EBD35}"/>
-    <dgm:cxn modelId="{9079C557-270F-434E-ADB1-C746828C7045}" type="presOf" srcId="{C7C7B086-317B-4516-AF13-1BEC8821FEC2}" destId="{ED147345-9534-4E96-80AB-E942E5A72ADC}" srcOrd="0" destOrd="2" presId="urn:microsoft.com/office/officeart/2005/8/layout/hList1"/>
-    <dgm:cxn modelId="{702B178B-AE85-4E26-97D3-21D991D9242F}" type="presOf" srcId="{7213FF13-F07F-4915-956A-882EC11888F7}" destId="{1E71B9D5-146A-437B-BE2E-3BAEEA923ADB}" srcOrd="0" destOrd="0" presId="urn:microsoft.com/office/officeart/2005/8/layout/hList1"/>
-    <dgm:cxn modelId="{E5BD1AD4-D465-4783-BC5D-9433EC5DD454}" type="presOf" srcId="{06B9130F-133A-4D79-8C11-E8A4BDC7E7B0}" destId="{D96B1DD7-8E48-4705-B4D3-5144AC4B9623}" srcOrd="0" destOrd="4" presId="urn:microsoft.com/office/officeart/2005/8/layout/hList1"/>
-    <dgm:cxn modelId="{A42B6E9E-B039-4339-9A81-B3F271DBD2BD}" type="presOf" srcId="{2FD56500-859C-4F4A-9561-2671A8C19D30}" destId="{D96B1DD7-8E48-4705-B4D3-5144AC4B9623}" srcOrd="0" destOrd="11" presId="urn:microsoft.com/office/officeart/2005/8/layout/hList1"/>
-    <dgm:cxn modelId="{A4C5A2E9-1BFF-4F46-BB99-FE346DF7D210}" srcId="{B4D4B0DA-C21B-4C27-951A-7671BBD7517E}" destId="{D990B0F0-20FB-41F1-AECB-95C1B661550D}" srcOrd="1" destOrd="0" parTransId="{DD7CD0FE-0147-4222-8345-04B8B2D73BFB}" sibTransId="{62743255-1807-49F1-A786-BF8E999D73B6}"/>
-    <dgm:cxn modelId="{042B9899-1881-4662-B6AD-F7C3E1F82042}" srcId="{B4D4B0DA-C21B-4C27-951A-7671BBD7517E}" destId="{73BF926D-CFED-4CF2-8D03-8FE1D89D39B2}" srcOrd="0" destOrd="0" parTransId="{2817D078-4E67-40D3-B9A1-733B12C23E92}" sibTransId="{5F359B12-FC18-4545-81D7-924A35A1366F}"/>
-    <dgm:cxn modelId="{682FA9F6-5208-42BC-8182-D538EA640418}" type="presOf" srcId="{47D9FD87-C897-4C83-8879-344EBFE4F582}" destId="{ED147345-9534-4E96-80AB-E942E5A72ADC}" srcOrd="0" destOrd="0" presId="urn:microsoft.com/office/officeart/2005/8/layout/hList1"/>
-    <dgm:cxn modelId="{2528B3F2-8A8B-4BC4-B295-199876D193E4}" type="presOf" srcId="{CD10B630-6836-4EF6-AB70-CF5ACCA3390A}" destId="{D96B1DD7-8E48-4705-B4D3-5144AC4B9623}" srcOrd="0" destOrd="8" presId="urn:microsoft.com/office/officeart/2005/8/layout/hList1"/>
-    <dgm:cxn modelId="{A697286F-6A7D-429A-BCB3-69F11237533A}" type="presOf" srcId="{DD5755FB-25CB-45ED-98BA-B36BE499371F}" destId="{D96B1DD7-8E48-4705-B4D3-5144AC4B9623}" srcOrd="0" destOrd="5" presId="urn:microsoft.com/office/officeart/2005/8/layout/hList1"/>
-    <dgm:cxn modelId="{9D4FB452-A123-4472-8495-4C5DC3C43510}" srcId="{7213FF13-F07F-4915-956A-882EC11888F7}" destId="{F73C5286-D75D-4AB2-8FBB-FFCE40E22796}" srcOrd="2" destOrd="0" parTransId="{BDD9C37A-4007-456A-ABB4-22D6799DE115}" sibTransId="{24556D5B-CA7A-41C7-BBB2-B5E653C99811}"/>
-    <dgm:cxn modelId="{EF120385-1FDA-448A-A2C3-00ABB74F85AC}" type="presParOf" srcId="{1E71B9D5-146A-437B-BE2E-3BAEEA923ADB}" destId="{443A5696-4C31-4276-9C3C-D061E735467B}" srcOrd="0" destOrd="0" presId="urn:microsoft.com/office/officeart/2005/8/layout/hList1"/>
-    <dgm:cxn modelId="{719D3CD0-4DF5-44E0-BF67-0E29E7E46D07}" type="presParOf" srcId="{443A5696-4C31-4276-9C3C-D061E735467B}" destId="{11077F7F-CF05-4D64-A9D9-3CD5AAD0F34A}" srcOrd="0" destOrd="0" presId="urn:microsoft.com/office/officeart/2005/8/layout/hList1"/>
-    <dgm:cxn modelId="{528D87D9-77E8-40A5-B556-406173AC0D85}" type="presParOf" srcId="{443A5696-4C31-4276-9C3C-D061E735467B}" destId="{ED147345-9534-4E96-80AB-E942E5A72ADC}" srcOrd="1" destOrd="0" presId="urn:microsoft.com/office/officeart/2005/8/layout/hList1"/>
-    <dgm:cxn modelId="{ECFBFEAE-4F7D-4188-8C3B-E7C8F893C365}" type="presParOf" srcId="{1E71B9D5-146A-437B-BE2E-3BAEEA923ADB}" destId="{E69F5897-C5E1-47F5-9503-2C837834471E}" srcOrd="1" destOrd="0" presId="urn:microsoft.com/office/officeart/2005/8/layout/hList1"/>
-    <dgm:cxn modelId="{0CC4DFFB-7120-41F1-BD67-79E3083F4146}" type="presParOf" srcId="{1E71B9D5-146A-437B-BE2E-3BAEEA923ADB}" destId="{DDD363FF-7BC2-44D8-876B-3DB9DD549AF5}" srcOrd="2" destOrd="0" presId="urn:microsoft.com/office/officeart/2005/8/layout/hList1"/>
-    <dgm:cxn modelId="{F46C5332-8667-45C0-961E-CCF819A4B096}" type="presParOf" srcId="{DDD363FF-7BC2-44D8-876B-3DB9DD549AF5}" destId="{118621E0-D609-4BD6-B6ED-1CCCAF87E2A1}" srcOrd="0" destOrd="0" presId="urn:microsoft.com/office/officeart/2005/8/layout/hList1"/>
-    <dgm:cxn modelId="{4F9DDCA2-420A-4EF9-9EED-D4734EFAB98D}" type="presParOf" srcId="{DDD363FF-7BC2-44D8-876B-3DB9DD549AF5}" destId="{7DC8BC4F-0763-47B4-BF9D-9C86A61CDD16}" srcOrd="1" destOrd="0" presId="urn:microsoft.com/office/officeart/2005/8/layout/hList1"/>
-    <dgm:cxn modelId="{91329A1F-0E83-42DE-BEA6-C1CC2A4F9765}" type="presParOf" srcId="{1E71B9D5-146A-437B-BE2E-3BAEEA923ADB}" destId="{5E440744-9A87-43A3-8F02-0C12CC5B146F}" srcOrd="3" destOrd="0" presId="urn:microsoft.com/office/officeart/2005/8/layout/hList1"/>
-    <dgm:cxn modelId="{5849A9A0-B557-458D-90FA-FEA57ACA290C}" type="presParOf" srcId="{1E71B9D5-146A-437B-BE2E-3BAEEA923ADB}" destId="{D59BBCD5-EBAA-42FA-AF30-82FE81B0FAE7}" srcOrd="4" destOrd="0" presId="urn:microsoft.com/office/officeart/2005/8/layout/hList1"/>
-    <dgm:cxn modelId="{FD35D184-1C5B-4E27-8081-E7237593BEE0}" type="presParOf" srcId="{D59BBCD5-EBAA-42FA-AF30-82FE81B0FAE7}" destId="{63F6D684-3904-4EF7-939B-3BB1AFBA6DFB}" srcOrd="0" destOrd="0" presId="urn:microsoft.com/office/officeart/2005/8/layout/hList1"/>
-    <dgm:cxn modelId="{EDE749BB-2E3E-47BE-BEDC-C8B88CB9DFA4}" type="presParOf" srcId="{D59BBCD5-EBAA-42FA-AF30-82FE81B0FAE7}" destId="{D96B1DD7-8E48-4705-B4D3-5144AC4B9623}" srcOrd="1" destOrd="0" presId="urn:microsoft.com/office/officeart/2005/8/layout/hList1"/>
+    <dgm:cxn modelId="{660ADAAC-82FD-4C09-9021-804435AB7CE9}" type="presOf" srcId="{B4D4B0DA-C21B-4C27-951A-7671BBD7517E}" destId="{7DC8BC4F-0763-47B4-BF9D-9C86A61CDD16}" srcOrd="0" destOrd="6" presId="urn:microsoft.com/office/officeart/2005/8/layout/hList1"/>
+    <dgm:cxn modelId="{1F2FB582-0BA6-4B51-A09C-77139A1DA93E}" type="presParOf" srcId="{1E71B9D5-146A-437B-BE2E-3BAEEA923ADB}" destId="{443A5696-4C31-4276-9C3C-D061E735467B}" srcOrd="0" destOrd="0" presId="urn:microsoft.com/office/officeart/2005/8/layout/hList1"/>
+    <dgm:cxn modelId="{8B7BDF16-0BB3-4479-9439-F8BFF80DF59A}" type="presParOf" srcId="{443A5696-4C31-4276-9C3C-D061E735467B}" destId="{11077F7F-CF05-4D64-A9D9-3CD5AAD0F34A}" srcOrd="0" destOrd="0" presId="urn:microsoft.com/office/officeart/2005/8/layout/hList1"/>
+    <dgm:cxn modelId="{7B66E325-38F7-4319-80B3-2FD84B76160B}" type="presParOf" srcId="{443A5696-4C31-4276-9C3C-D061E735467B}" destId="{ED147345-9534-4E96-80AB-E942E5A72ADC}" srcOrd="1" destOrd="0" presId="urn:microsoft.com/office/officeart/2005/8/layout/hList1"/>
+    <dgm:cxn modelId="{EFCAB25D-A81B-4A37-9B80-02B62998D04D}" type="presParOf" srcId="{1E71B9D5-146A-437B-BE2E-3BAEEA923ADB}" destId="{E69F5897-C5E1-47F5-9503-2C837834471E}" srcOrd="1" destOrd="0" presId="urn:microsoft.com/office/officeart/2005/8/layout/hList1"/>
+    <dgm:cxn modelId="{1DE68B32-7BF3-4C03-8B0C-3999F38496AE}" type="presParOf" srcId="{1E71B9D5-146A-437B-BE2E-3BAEEA923ADB}" destId="{DDD363FF-7BC2-44D8-876B-3DB9DD549AF5}" srcOrd="2" destOrd="0" presId="urn:microsoft.com/office/officeart/2005/8/layout/hList1"/>
+    <dgm:cxn modelId="{01C4B790-FF16-49F7-8139-143EF5875727}" type="presParOf" srcId="{DDD363FF-7BC2-44D8-876B-3DB9DD549AF5}" destId="{118621E0-D609-4BD6-B6ED-1CCCAF87E2A1}" srcOrd="0" destOrd="0" presId="urn:microsoft.com/office/officeart/2005/8/layout/hList1"/>
+    <dgm:cxn modelId="{8C603CC4-C63B-459C-BFD0-329E8FD56BE5}" type="presParOf" srcId="{DDD363FF-7BC2-44D8-876B-3DB9DD549AF5}" destId="{7DC8BC4F-0763-47B4-BF9D-9C86A61CDD16}" srcOrd="1" destOrd="0" presId="urn:microsoft.com/office/officeart/2005/8/layout/hList1"/>
+    <dgm:cxn modelId="{38DFAC3E-F684-4399-BF56-36A62B0E877C}" type="presParOf" srcId="{1E71B9D5-146A-437B-BE2E-3BAEEA923ADB}" destId="{5E440744-9A87-43A3-8F02-0C12CC5B146F}" srcOrd="3" destOrd="0" presId="urn:microsoft.com/office/officeart/2005/8/layout/hList1"/>
+    <dgm:cxn modelId="{6271B77F-55C9-49F6-AF9B-0722057DB05D}" type="presParOf" srcId="{1E71B9D5-146A-437B-BE2E-3BAEEA923ADB}" destId="{D59BBCD5-EBAA-42FA-AF30-82FE81B0FAE7}" srcOrd="4" destOrd="0" presId="urn:microsoft.com/office/officeart/2005/8/layout/hList1"/>
+    <dgm:cxn modelId="{BDA1ACCD-9A56-4120-9D3E-E54A0E042CC0}" type="presParOf" srcId="{D59BBCD5-EBAA-42FA-AF30-82FE81B0FAE7}" destId="{63F6D684-3904-4EF7-939B-3BB1AFBA6DFB}" srcOrd="0" destOrd="0" presId="urn:microsoft.com/office/officeart/2005/8/layout/hList1"/>
+    <dgm:cxn modelId="{B296CDAB-79DC-4182-950F-AB8D798F6AD0}" type="presParOf" srcId="{D59BBCD5-EBAA-42FA-AF30-82FE81B0FAE7}" destId="{D96B1DD7-8E48-4705-B4D3-5144AC4B9623}" srcOrd="1" destOrd="0" presId="urn:microsoft.com/office/officeart/2005/8/layout/hList1"/>
   </dgm:cxnLst>
   <dgm:bg/>
   <dgm:whole/>
   <dgm:extLst>
     <a:ext uri="http://schemas.microsoft.com/office/drawing/2008/diagram">
-      <dsp:dataModelExt xmlns:dsp="http://schemas.microsoft.com/office/drawing/2008/diagram" relId="rId7" minVer="http://schemas.openxmlformats.org/drawingml/2006/diagram"/>
+      <dsp:dataModelExt xmlns:dsp="http://schemas.microsoft.com/office/drawing/2008/diagram" relId="rId11" minVer="http://schemas.openxmlformats.org/drawingml/2006/diagram"/>
     </a:ext>
   </dgm:extLst>
 </dgm:dataModel>
@@ -2668,893 +2663,6 @@
       <dsp:cNvGrpSpPr/>
     </dsp:nvGrpSpPr>
     <dsp:grpSpPr/>
-    <dsp:sp modelId="{11077F7F-CF05-4D64-A9D9-3CD5AAD0F34A}">
-      <dsp:nvSpPr>
-        <dsp:cNvPr id="0" name=""/>
-        <dsp:cNvSpPr/>
-      </dsp:nvSpPr>
-      <dsp:spPr>
-        <a:xfrm>
-          <a:off x="2657" y="193846"/>
-          <a:ext cx="2591135" cy="460800"/>
-        </a:xfrm>
-        <a:prstGeom prst="rect">
-          <a:avLst/>
-        </a:prstGeom>
-        <a:solidFill>
-          <a:schemeClr val="accent1">
-            <a:hueOff val="0"/>
-            <a:satOff val="0"/>
-            <a:lumOff val="0"/>
-            <a:alphaOff val="0"/>
-          </a:schemeClr>
-        </a:solidFill>
-        <a:ln w="11429" cap="flat" cmpd="sng" algn="ctr">
-          <a:solidFill>
-            <a:schemeClr val="accent1">
-              <a:hueOff val="0"/>
-              <a:satOff val="0"/>
-              <a:lumOff val="0"/>
-              <a:alphaOff val="0"/>
-            </a:schemeClr>
-          </a:solidFill>
-          <a:prstDash val="sysDash"/>
-        </a:ln>
-        <a:effectLst/>
-      </dsp:spPr>
-      <dsp:style>
-        <a:lnRef idx="2">
-          <a:scrgbClr r="0" g="0" b="0"/>
-        </a:lnRef>
-        <a:fillRef idx="1">
-          <a:scrgbClr r="0" g="0" b="0"/>
-        </a:fillRef>
-        <a:effectRef idx="0">
-          <a:scrgbClr r="0" g="0" b="0"/>
-        </a:effectRef>
-        <a:fontRef idx="minor">
-          <a:schemeClr val="lt1"/>
-        </a:fontRef>
-      </dsp:style>
-      <dsp:txBody>
-        <a:bodyPr spcFirstLastPara="0" vert="horz" wrap="square" lIns="113792" tIns="65024" rIns="113792" bIns="65024" numCol="1" spcCol="1270" anchor="ctr" anchorCtr="0">
-          <a:noAutofit/>
-        </a:bodyPr>
-        <a:lstStyle/>
-        <a:p>
-          <a:pPr lvl="0" algn="ctr" defTabSz="711200">
-            <a:lnSpc>
-              <a:spcPct val="90000"/>
-            </a:lnSpc>
-            <a:spcBef>
-              <a:spcPct val="0"/>
-            </a:spcBef>
-            <a:spcAft>
-              <a:spcPct val="35000"/>
-            </a:spcAft>
-          </a:pPr>
-          <a:r>
-            <a:rPr lang="fr-FR" sz="1600" kern="1200"/>
-            <a:t>Ouïe</a:t>
-          </a:r>
-        </a:p>
-      </dsp:txBody>
-      <dsp:txXfrm>
-        <a:off x="2657" y="193846"/>
-        <a:ext cx="2591135" cy="460800"/>
-      </dsp:txXfrm>
-    </dsp:sp>
-    <dsp:sp modelId="{ED147345-9534-4E96-80AB-E942E5A72ADC}">
-      <dsp:nvSpPr>
-        <dsp:cNvPr id="0" name=""/>
-        <dsp:cNvSpPr/>
-      </dsp:nvSpPr>
-      <dsp:spPr>
-        <a:xfrm>
-          <a:off x="2657" y="654646"/>
-          <a:ext cx="2591135" cy="3723506"/>
-        </a:xfrm>
-        <a:prstGeom prst="rect">
-          <a:avLst/>
-        </a:prstGeom>
-        <a:solidFill>
-          <a:schemeClr val="accent1">
-            <a:alpha val="90000"/>
-            <a:tint val="40000"/>
-            <a:hueOff val="0"/>
-            <a:satOff val="0"/>
-            <a:lumOff val="0"/>
-            <a:alphaOff val="0"/>
-          </a:schemeClr>
-        </a:solidFill>
-        <a:ln w="11429" cap="flat" cmpd="sng" algn="ctr">
-          <a:solidFill>
-            <a:schemeClr val="accent1">
-              <a:alpha val="90000"/>
-              <a:tint val="40000"/>
-              <a:hueOff val="0"/>
-              <a:satOff val="0"/>
-              <a:lumOff val="0"/>
-              <a:alphaOff val="0"/>
-            </a:schemeClr>
-          </a:solidFill>
-          <a:prstDash val="sysDash"/>
-        </a:ln>
-        <a:effectLst/>
-      </dsp:spPr>
-      <dsp:style>
-        <a:lnRef idx="2">
-          <a:scrgbClr r="0" g="0" b="0"/>
-        </a:lnRef>
-        <a:fillRef idx="1">
-          <a:scrgbClr r="0" g="0" b="0"/>
-        </a:fillRef>
-        <a:effectRef idx="0">
-          <a:scrgbClr r="0" g="0" b="0"/>
-        </a:effectRef>
-        <a:fontRef idx="minor"/>
-      </dsp:style>
-      <dsp:txBody>
-        <a:bodyPr spcFirstLastPara="0" vert="horz" wrap="square" lIns="85344" tIns="85344" rIns="113792" bIns="128016" numCol="1" spcCol="1270" anchor="t" anchorCtr="0">
-          <a:noAutofit/>
-        </a:bodyPr>
-        <a:lstStyle/>
-        <a:p>
-          <a:pPr marL="171450" lvl="1" indent="-171450" algn="l" defTabSz="711200">
-            <a:lnSpc>
-              <a:spcPct val="90000"/>
-            </a:lnSpc>
-            <a:spcBef>
-              <a:spcPct val="0"/>
-            </a:spcBef>
-            <a:spcAft>
-              <a:spcPct val="15000"/>
-            </a:spcAft>
-            <a:buChar char="••"/>
-          </a:pPr>
-          <a:r>
-            <a:rPr lang="fr-FR" sz="1600" kern="1200"/>
-            <a:t>Le son</a:t>
-          </a:r>
-        </a:p>
-        <a:p>
-          <a:pPr marL="171450" lvl="1" indent="-171450" algn="l" defTabSz="711200">
-            <a:lnSpc>
-              <a:spcPct val="90000"/>
-            </a:lnSpc>
-            <a:spcBef>
-              <a:spcPct val="0"/>
-            </a:spcBef>
-            <a:spcAft>
-              <a:spcPct val="15000"/>
-            </a:spcAft>
-            <a:buChar char="••"/>
-          </a:pPr>
-          <a:r>
-            <a:rPr lang="fr-FR" sz="1600" kern="1200"/>
-            <a:t>Audio</a:t>
-          </a:r>
-        </a:p>
-        <a:p>
-          <a:pPr marL="171450" lvl="1" indent="-171450" algn="l" defTabSz="711200">
-            <a:lnSpc>
-              <a:spcPct val="90000"/>
-            </a:lnSpc>
-            <a:spcBef>
-              <a:spcPct val="0"/>
-            </a:spcBef>
-            <a:spcAft>
-              <a:spcPct val="15000"/>
-            </a:spcAft>
-            <a:buChar char="••"/>
-          </a:pPr>
-          <a:r>
-            <a:rPr lang="fr-FR" sz="1600" kern="1200"/>
-            <a:t>Musique</a:t>
-          </a:r>
-        </a:p>
-        <a:p>
-          <a:pPr marL="171450" lvl="1" indent="-171450" algn="l" defTabSz="711200">
-            <a:lnSpc>
-              <a:spcPct val="90000"/>
-            </a:lnSpc>
-            <a:spcBef>
-              <a:spcPct val="0"/>
-            </a:spcBef>
-            <a:spcAft>
-              <a:spcPct val="15000"/>
-            </a:spcAft>
-            <a:buChar char="••"/>
-          </a:pPr>
-          <a:r>
-            <a:rPr lang="fr-FR" sz="1600" kern="1200"/>
-            <a:t>Vidéo</a:t>
-          </a:r>
-        </a:p>
-      </dsp:txBody>
-      <dsp:txXfrm>
-        <a:off x="2657" y="654646"/>
-        <a:ext cx="2591135" cy="3723506"/>
-      </dsp:txXfrm>
-    </dsp:sp>
-    <dsp:sp modelId="{118621E0-D609-4BD6-B6ED-1CCCAF87E2A1}">
-      <dsp:nvSpPr>
-        <dsp:cNvPr id="0" name=""/>
-        <dsp:cNvSpPr/>
-      </dsp:nvSpPr>
-      <dsp:spPr>
-        <a:xfrm>
-          <a:off x="2956551" y="193846"/>
-          <a:ext cx="2591135" cy="460800"/>
-        </a:xfrm>
-        <a:prstGeom prst="rect">
-          <a:avLst/>
-        </a:prstGeom>
-        <a:solidFill>
-          <a:schemeClr val="accent1">
-            <a:hueOff val="0"/>
-            <a:satOff val="0"/>
-            <a:lumOff val="0"/>
-            <a:alphaOff val="0"/>
-          </a:schemeClr>
-        </a:solidFill>
-        <a:ln w="11429" cap="flat" cmpd="sng" algn="ctr">
-          <a:solidFill>
-            <a:schemeClr val="accent1">
-              <a:hueOff val="0"/>
-              <a:satOff val="0"/>
-              <a:lumOff val="0"/>
-              <a:alphaOff val="0"/>
-            </a:schemeClr>
-          </a:solidFill>
-          <a:prstDash val="sysDash"/>
-        </a:ln>
-        <a:effectLst/>
-      </dsp:spPr>
-      <dsp:style>
-        <a:lnRef idx="2">
-          <a:scrgbClr r="0" g="0" b="0"/>
-        </a:lnRef>
-        <a:fillRef idx="1">
-          <a:scrgbClr r="0" g="0" b="0"/>
-        </a:fillRef>
-        <a:effectRef idx="0">
-          <a:scrgbClr r="0" g="0" b="0"/>
-        </a:effectRef>
-        <a:fontRef idx="minor">
-          <a:schemeClr val="lt1"/>
-        </a:fontRef>
-      </dsp:style>
-      <dsp:txBody>
-        <a:bodyPr spcFirstLastPara="0" vert="horz" wrap="square" lIns="113792" tIns="65024" rIns="113792" bIns="65024" numCol="1" spcCol="1270" anchor="ctr" anchorCtr="0">
-          <a:noAutofit/>
-        </a:bodyPr>
-        <a:lstStyle/>
-        <a:p>
-          <a:pPr lvl="0" algn="ctr" defTabSz="711200">
-            <a:lnSpc>
-              <a:spcPct val="90000"/>
-            </a:lnSpc>
-            <a:spcBef>
-              <a:spcPct val="0"/>
-            </a:spcBef>
-            <a:spcAft>
-              <a:spcPct val="35000"/>
-            </a:spcAft>
-          </a:pPr>
-          <a:r>
-            <a:rPr lang="fr-FR" sz="1600" kern="1200"/>
-            <a:t>Vue</a:t>
-          </a:r>
-        </a:p>
-      </dsp:txBody>
-      <dsp:txXfrm>
-        <a:off x="2956551" y="193846"/>
-        <a:ext cx="2591135" cy="460800"/>
-      </dsp:txXfrm>
-    </dsp:sp>
-    <dsp:sp modelId="{7DC8BC4F-0763-47B4-BF9D-9C86A61CDD16}">
-      <dsp:nvSpPr>
-        <dsp:cNvPr id="0" name=""/>
-        <dsp:cNvSpPr/>
-      </dsp:nvSpPr>
-      <dsp:spPr>
-        <a:xfrm>
-          <a:off x="2956551" y="654646"/>
-          <a:ext cx="2591135" cy="3723506"/>
-        </a:xfrm>
-        <a:prstGeom prst="rect">
-          <a:avLst/>
-        </a:prstGeom>
-        <a:solidFill>
-          <a:schemeClr val="accent1">
-            <a:alpha val="90000"/>
-            <a:tint val="40000"/>
-            <a:hueOff val="0"/>
-            <a:satOff val="0"/>
-            <a:lumOff val="0"/>
-            <a:alphaOff val="0"/>
-          </a:schemeClr>
-        </a:solidFill>
-        <a:ln w="11429" cap="flat" cmpd="sng" algn="ctr">
-          <a:solidFill>
-            <a:schemeClr val="accent1">
-              <a:alpha val="90000"/>
-              <a:tint val="40000"/>
-              <a:hueOff val="0"/>
-              <a:satOff val="0"/>
-              <a:lumOff val="0"/>
-              <a:alphaOff val="0"/>
-            </a:schemeClr>
-          </a:solidFill>
-          <a:prstDash val="sysDash"/>
-        </a:ln>
-        <a:effectLst/>
-      </dsp:spPr>
-      <dsp:style>
-        <a:lnRef idx="2">
-          <a:scrgbClr r="0" g="0" b="0"/>
-        </a:lnRef>
-        <a:fillRef idx="1">
-          <a:scrgbClr r="0" g="0" b="0"/>
-        </a:fillRef>
-        <a:effectRef idx="0">
-          <a:scrgbClr r="0" g="0" b="0"/>
-        </a:effectRef>
-        <a:fontRef idx="minor"/>
-      </dsp:style>
-      <dsp:txBody>
-        <a:bodyPr spcFirstLastPara="0" vert="horz" wrap="square" lIns="85344" tIns="85344" rIns="113792" bIns="128016" numCol="1" spcCol="1270" anchor="t" anchorCtr="0">
-          <a:noAutofit/>
-        </a:bodyPr>
-        <a:lstStyle/>
-        <a:p>
-          <a:pPr marL="171450" lvl="1" indent="-171450" algn="l" defTabSz="711200">
-            <a:lnSpc>
-              <a:spcPct val="90000"/>
-            </a:lnSpc>
-            <a:spcBef>
-              <a:spcPct val="0"/>
-            </a:spcBef>
-            <a:spcAft>
-              <a:spcPct val="15000"/>
-            </a:spcAft>
-            <a:buChar char="••"/>
-          </a:pPr>
-          <a:r>
-            <a:rPr lang="fr-FR" sz="1600" kern="1200"/>
-            <a:t>Visualisation de données</a:t>
-          </a:r>
-        </a:p>
-        <a:p>
-          <a:pPr marL="171450" lvl="1" indent="-171450" algn="l" defTabSz="711200">
-            <a:lnSpc>
-              <a:spcPct val="90000"/>
-            </a:lnSpc>
-            <a:spcBef>
-              <a:spcPct val="0"/>
-            </a:spcBef>
-            <a:spcAft>
-              <a:spcPct val="15000"/>
-            </a:spcAft>
-            <a:buChar char="••"/>
-          </a:pPr>
-          <a:r>
-            <a:rPr lang="fr-FR" sz="1600" kern="1200"/>
-            <a:t>Recherche d'information</a:t>
-          </a:r>
-        </a:p>
-        <a:p>
-          <a:pPr marL="342900" lvl="2" indent="-171450" algn="l" defTabSz="711200">
-            <a:lnSpc>
-              <a:spcPct val="90000"/>
-            </a:lnSpc>
-            <a:spcBef>
-              <a:spcPct val="0"/>
-            </a:spcBef>
-            <a:spcAft>
-              <a:spcPct val="15000"/>
-            </a:spcAft>
-            <a:buChar char="••"/>
-          </a:pPr>
-          <a:r>
-            <a:rPr lang="fr-FR" sz="1600" kern="1200"/>
-            <a:t>Image</a:t>
-          </a:r>
-        </a:p>
-        <a:p>
-          <a:pPr marL="342900" lvl="2" indent="-171450" algn="l" defTabSz="711200">
-            <a:lnSpc>
-              <a:spcPct val="90000"/>
-            </a:lnSpc>
-            <a:spcBef>
-              <a:spcPct val="0"/>
-            </a:spcBef>
-            <a:spcAft>
-              <a:spcPct val="15000"/>
-            </a:spcAft>
-            <a:buChar char="••"/>
-          </a:pPr>
-          <a:r>
-            <a:rPr lang="fr-FR" sz="1600" kern="1200"/>
-            <a:t>Video</a:t>
-          </a:r>
-        </a:p>
-        <a:p>
-          <a:pPr marL="342900" lvl="2" indent="-171450" algn="l" defTabSz="711200">
-            <a:lnSpc>
-              <a:spcPct val="90000"/>
-            </a:lnSpc>
-            <a:spcBef>
-              <a:spcPct val="0"/>
-            </a:spcBef>
-            <a:spcAft>
-              <a:spcPct val="15000"/>
-            </a:spcAft>
-            <a:buChar char="••"/>
-          </a:pPr>
-          <a:r>
-            <a:rPr lang="fr-FR" sz="1600" kern="1200"/>
-            <a:t>Navigation</a:t>
-          </a:r>
-        </a:p>
-        <a:p>
-          <a:pPr marL="342900" lvl="2" indent="-171450" algn="l" defTabSz="711200">
-            <a:lnSpc>
-              <a:spcPct val="90000"/>
-            </a:lnSpc>
-            <a:spcBef>
-              <a:spcPct val="0"/>
-            </a:spcBef>
-            <a:spcAft>
-              <a:spcPct val="15000"/>
-            </a:spcAft>
-            <a:buChar char="••"/>
-          </a:pPr>
-          <a:r>
-            <a:rPr lang="fr-FR" sz="1600" kern="1200"/>
-            <a:t>Favoris</a:t>
-          </a:r>
-        </a:p>
-        <a:p>
-          <a:pPr marL="171450" lvl="1" indent="-171450" algn="l" defTabSz="711200">
-            <a:lnSpc>
-              <a:spcPct val="90000"/>
-            </a:lnSpc>
-            <a:spcBef>
-              <a:spcPct val="0"/>
-            </a:spcBef>
-            <a:spcAft>
-              <a:spcPct val="15000"/>
-            </a:spcAft>
-            <a:buChar char="••"/>
-          </a:pPr>
-          <a:r>
-            <a:rPr lang="fr-FR" sz="1600" kern="1200"/>
-            <a:t>Téléchargement</a:t>
-          </a:r>
-        </a:p>
-        <a:p>
-          <a:pPr marL="342900" lvl="2" indent="-171450" algn="l" defTabSz="711200">
-            <a:lnSpc>
-              <a:spcPct val="90000"/>
-            </a:lnSpc>
-            <a:spcBef>
-              <a:spcPct val="0"/>
-            </a:spcBef>
-            <a:spcAft>
-              <a:spcPct val="15000"/>
-            </a:spcAft>
-            <a:buChar char="••"/>
-          </a:pPr>
-          <a:r>
-            <a:rPr lang="fr-FR" sz="1600" kern="1200"/>
-            <a:t>Fichiers</a:t>
-          </a:r>
-        </a:p>
-        <a:p>
-          <a:pPr marL="342900" lvl="2" indent="-171450" algn="l" defTabSz="711200">
-            <a:lnSpc>
-              <a:spcPct val="90000"/>
-            </a:lnSpc>
-            <a:spcBef>
-              <a:spcPct val="0"/>
-            </a:spcBef>
-            <a:spcAft>
-              <a:spcPct val="15000"/>
-            </a:spcAft>
-            <a:buChar char="••"/>
-          </a:pPr>
-          <a:r>
-            <a:rPr lang="fr-FR" sz="1600" kern="1200"/>
-            <a:t>Images</a:t>
-          </a:r>
-        </a:p>
-        <a:p>
-          <a:pPr marL="342900" lvl="2" indent="-171450" algn="l" defTabSz="711200">
-            <a:lnSpc>
-              <a:spcPct val="90000"/>
-            </a:lnSpc>
-            <a:spcBef>
-              <a:spcPct val="0"/>
-            </a:spcBef>
-            <a:spcAft>
-              <a:spcPct val="15000"/>
-            </a:spcAft>
-            <a:buChar char="••"/>
-          </a:pPr>
-          <a:r>
-            <a:rPr lang="fr-FR" sz="1600" kern="1200"/>
-            <a:t>etc.</a:t>
-          </a:r>
-        </a:p>
-      </dsp:txBody>
-      <dsp:txXfrm>
-        <a:off x="2956551" y="654646"/>
-        <a:ext cx="2591135" cy="3723506"/>
-      </dsp:txXfrm>
-    </dsp:sp>
-    <dsp:sp modelId="{63F6D684-3904-4EF7-939B-3BB1AFBA6DFB}">
-      <dsp:nvSpPr>
-        <dsp:cNvPr id="0" name=""/>
-        <dsp:cNvSpPr/>
-      </dsp:nvSpPr>
-      <dsp:spPr>
-        <a:xfrm>
-          <a:off x="5910445" y="193846"/>
-          <a:ext cx="2591135" cy="460800"/>
-        </a:xfrm>
-        <a:prstGeom prst="rect">
-          <a:avLst/>
-        </a:prstGeom>
-        <a:solidFill>
-          <a:schemeClr val="accent1">
-            <a:hueOff val="0"/>
-            <a:satOff val="0"/>
-            <a:lumOff val="0"/>
-            <a:alphaOff val="0"/>
-          </a:schemeClr>
-        </a:solidFill>
-        <a:ln w="11429" cap="flat" cmpd="sng" algn="ctr">
-          <a:solidFill>
-            <a:schemeClr val="accent1">
-              <a:hueOff val="0"/>
-              <a:satOff val="0"/>
-              <a:lumOff val="0"/>
-              <a:alphaOff val="0"/>
-            </a:schemeClr>
-          </a:solidFill>
-          <a:prstDash val="sysDash"/>
-        </a:ln>
-        <a:effectLst/>
-      </dsp:spPr>
-      <dsp:style>
-        <a:lnRef idx="2">
-          <a:scrgbClr r="0" g="0" b="0"/>
-        </a:lnRef>
-        <a:fillRef idx="1">
-          <a:scrgbClr r="0" g="0" b="0"/>
-        </a:fillRef>
-        <a:effectRef idx="0">
-          <a:scrgbClr r="0" g="0" b="0"/>
-        </a:effectRef>
-        <a:fontRef idx="minor">
-          <a:schemeClr val="lt1"/>
-        </a:fontRef>
-      </dsp:style>
-      <dsp:txBody>
-        <a:bodyPr spcFirstLastPara="0" vert="horz" wrap="square" lIns="113792" tIns="65024" rIns="113792" bIns="65024" numCol="1" spcCol="1270" anchor="ctr" anchorCtr="0">
-          <a:noAutofit/>
-        </a:bodyPr>
-        <a:lstStyle/>
-        <a:p>
-          <a:pPr lvl="0" algn="ctr" defTabSz="711200">
-            <a:lnSpc>
-              <a:spcPct val="90000"/>
-            </a:lnSpc>
-            <a:spcBef>
-              <a:spcPct val="0"/>
-            </a:spcBef>
-            <a:spcAft>
-              <a:spcPct val="35000"/>
-            </a:spcAft>
-          </a:pPr>
-          <a:r>
-            <a:rPr lang="fr-FR" sz="1600" kern="1200"/>
-            <a:t>Toucher</a:t>
-          </a:r>
-        </a:p>
-      </dsp:txBody>
-      <dsp:txXfrm>
-        <a:off x="5910445" y="193846"/>
-        <a:ext cx="2591135" cy="460800"/>
-      </dsp:txXfrm>
-    </dsp:sp>
-    <dsp:sp modelId="{D96B1DD7-8E48-4705-B4D3-5144AC4B9623}">
-      <dsp:nvSpPr>
-        <dsp:cNvPr id="0" name=""/>
-        <dsp:cNvSpPr/>
-      </dsp:nvSpPr>
-      <dsp:spPr>
-        <a:xfrm>
-          <a:off x="5910445" y="654646"/>
-          <a:ext cx="2591135" cy="3723506"/>
-        </a:xfrm>
-        <a:prstGeom prst="rect">
-          <a:avLst/>
-        </a:prstGeom>
-        <a:solidFill>
-          <a:schemeClr val="accent1">
-            <a:alpha val="90000"/>
-            <a:tint val="40000"/>
-            <a:hueOff val="0"/>
-            <a:satOff val="0"/>
-            <a:lumOff val="0"/>
-            <a:alphaOff val="0"/>
-          </a:schemeClr>
-        </a:solidFill>
-        <a:ln w="11429" cap="flat" cmpd="sng" algn="ctr">
-          <a:solidFill>
-            <a:schemeClr val="accent1">
-              <a:alpha val="90000"/>
-              <a:tint val="40000"/>
-              <a:hueOff val="0"/>
-              <a:satOff val="0"/>
-              <a:lumOff val="0"/>
-              <a:alphaOff val="0"/>
-            </a:schemeClr>
-          </a:solidFill>
-          <a:prstDash val="sysDash"/>
-        </a:ln>
-        <a:effectLst/>
-      </dsp:spPr>
-      <dsp:style>
-        <a:lnRef idx="2">
-          <a:scrgbClr r="0" g="0" b="0"/>
-        </a:lnRef>
-        <a:fillRef idx="1">
-          <a:scrgbClr r="0" g="0" b="0"/>
-        </a:fillRef>
-        <a:effectRef idx="0">
-          <a:scrgbClr r="0" g="0" b="0"/>
-        </a:effectRef>
-        <a:fontRef idx="minor"/>
-      </dsp:style>
-      <dsp:txBody>
-        <a:bodyPr spcFirstLastPara="0" vert="horz" wrap="square" lIns="85344" tIns="85344" rIns="113792" bIns="128016" numCol="1" spcCol="1270" anchor="t" anchorCtr="0">
-          <a:noAutofit/>
-        </a:bodyPr>
-        <a:lstStyle/>
-        <a:p>
-          <a:pPr marL="171450" lvl="1" indent="-171450" algn="l" defTabSz="711200">
-            <a:lnSpc>
-              <a:spcPct val="90000"/>
-            </a:lnSpc>
-            <a:spcBef>
-              <a:spcPct val="0"/>
-            </a:spcBef>
-            <a:spcAft>
-              <a:spcPct val="15000"/>
-            </a:spcAft>
-            <a:buChar char="••"/>
-          </a:pPr>
-          <a:r>
-            <a:rPr lang="fr-FR" sz="1600" kern="1200"/>
-            <a:t>Interaction clavier</a:t>
-          </a:r>
-        </a:p>
-        <a:p>
-          <a:pPr marL="171450" lvl="1" indent="-171450" algn="l" defTabSz="711200">
-            <a:lnSpc>
-              <a:spcPct val="90000"/>
-            </a:lnSpc>
-            <a:spcBef>
-              <a:spcPct val="0"/>
-            </a:spcBef>
-            <a:spcAft>
-              <a:spcPct val="15000"/>
-            </a:spcAft>
-            <a:buChar char="••"/>
-          </a:pPr>
-          <a:r>
-            <a:rPr lang="fr-FR" sz="1600" kern="1200"/>
-            <a:t>Navigation</a:t>
-          </a:r>
-        </a:p>
-        <a:p>
-          <a:pPr marL="342900" lvl="2" indent="-171450" algn="l" defTabSz="711200">
-            <a:lnSpc>
-              <a:spcPct val="90000"/>
-            </a:lnSpc>
-            <a:spcBef>
-              <a:spcPct val="0"/>
-            </a:spcBef>
-            <a:spcAft>
-              <a:spcPct val="15000"/>
-            </a:spcAft>
-            <a:buChar char="••"/>
-          </a:pPr>
-          <a:r>
-            <a:rPr lang="fr-FR" sz="1600" kern="1200"/>
-            <a:t>Lien</a:t>
-          </a:r>
-        </a:p>
-        <a:p>
-          <a:pPr marL="342900" lvl="2" indent="-171450" algn="l" defTabSz="711200">
-            <a:lnSpc>
-              <a:spcPct val="90000"/>
-            </a:lnSpc>
-            <a:spcBef>
-              <a:spcPct val="0"/>
-            </a:spcBef>
-            <a:spcAft>
-              <a:spcPct val="15000"/>
-            </a:spcAft>
-            <a:buChar char="••"/>
-          </a:pPr>
-          <a:r>
-            <a:rPr lang="fr-FR" sz="1600" kern="1200"/>
-            <a:t>Adresse internet (URL)</a:t>
-          </a:r>
-        </a:p>
-        <a:p>
-          <a:pPr marL="342900" lvl="2" indent="-171450" algn="l" defTabSz="711200">
-            <a:lnSpc>
-              <a:spcPct val="90000"/>
-            </a:lnSpc>
-            <a:spcBef>
-              <a:spcPct val="0"/>
-            </a:spcBef>
-            <a:spcAft>
-              <a:spcPct val="15000"/>
-            </a:spcAft>
-            <a:buChar char="••"/>
-          </a:pPr>
-          <a:r>
-            <a:rPr lang="fr-FR" sz="1600" kern="1200"/>
-            <a:t>Favoris</a:t>
-          </a:r>
-        </a:p>
-        <a:p>
-          <a:pPr marL="342900" lvl="2" indent="-171450" algn="l" defTabSz="711200">
-            <a:lnSpc>
-              <a:spcPct val="90000"/>
-            </a:lnSpc>
-            <a:spcBef>
-              <a:spcPct val="0"/>
-            </a:spcBef>
-            <a:spcAft>
-              <a:spcPct val="15000"/>
-            </a:spcAft>
-            <a:buChar char="••"/>
-          </a:pPr>
-          <a:r>
-            <a:rPr lang="fr-FR" sz="1600" kern="1200"/>
-            <a:t>Saisie</a:t>
-          </a:r>
-        </a:p>
-        <a:p>
-          <a:pPr marL="514350" lvl="3" indent="-171450" algn="l" defTabSz="711200">
-            <a:lnSpc>
-              <a:spcPct val="90000"/>
-            </a:lnSpc>
-            <a:spcBef>
-              <a:spcPct val="0"/>
-            </a:spcBef>
-            <a:spcAft>
-              <a:spcPct val="15000"/>
-            </a:spcAft>
-            <a:buChar char="••"/>
-          </a:pPr>
-          <a:r>
-            <a:rPr lang="fr-FR" sz="1600" kern="1200"/>
-            <a:t>Formulaire</a:t>
-          </a:r>
-        </a:p>
-        <a:p>
-          <a:pPr marL="685800" lvl="4" indent="-171450" algn="l" defTabSz="711200">
-            <a:lnSpc>
-              <a:spcPct val="90000"/>
-            </a:lnSpc>
-            <a:spcBef>
-              <a:spcPct val="0"/>
-            </a:spcBef>
-            <a:spcAft>
-              <a:spcPct val="15000"/>
-            </a:spcAft>
-            <a:buChar char="••"/>
-          </a:pPr>
-          <a:r>
-            <a:rPr lang="fr-FR" sz="1600" kern="1200" dirty="0"/>
-            <a:t>Balise </a:t>
-          </a:r>
-          <a:r>
-            <a:rPr lang="fr-FR" sz="1600" kern="1200" dirty="0" smtClean="0"/>
-            <a:t>select, </a:t>
-          </a:r>
-          <a:r>
-            <a:rPr lang="fr-FR" sz="1600" kern="1200" dirty="0"/>
-            <a:t>radio, checkbox, etc.</a:t>
-          </a:r>
-        </a:p>
-        <a:p>
-          <a:pPr marL="171450" lvl="1" indent="-171450" algn="l" defTabSz="711200">
-            <a:lnSpc>
-              <a:spcPct val="90000"/>
-            </a:lnSpc>
-            <a:spcBef>
-              <a:spcPct val="0"/>
-            </a:spcBef>
-            <a:spcAft>
-              <a:spcPct val="15000"/>
-            </a:spcAft>
-            <a:buChar char="••"/>
-          </a:pPr>
-          <a:r>
-            <a:rPr lang="fr-FR" sz="1600" kern="1200"/>
-            <a:t>Copié/Collé</a:t>
-          </a:r>
-        </a:p>
-        <a:p>
-          <a:pPr marL="171450" lvl="1" indent="-171450" algn="l" defTabSz="711200">
-            <a:lnSpc>
-              <a:spcPct val="90000"/>
-            </a:lnSpc>
-            <a:spcBef>
-              <a:spcPct val="0"/>
-            </a:spcBef>
-            <a:spcAft>
-              <a:spcPct val="15000"/>
-            </a:spcAft>
-            <a:buChar char="••"/>
-          </a:pPr>
-          <a:r>
-            <a:rPr lang="fr-FR" sz="1600" kern="1200"/>
-            <a:t>Impression</a:t>
-          </a:r>
-        </a:p>
-        <a:p>
-          <a:pPr marL="342900" lvl="2" indent="-171450" algn="l" defTabSz="711200">
-            <a:lnSpc>
-              <a:spcPct val="90000"/>
-            </a:lnSpc>
-            <a:spcBef>
-              <a:spcPct val="0"/>
-            </a:spcBef>
-            <a:spcAft>
-              <a:spcPct val="15000"/>
-            </a:spcAft>
-            <a:buChar char="••"/>
-          </a:pPr>
-          <a:r>
-            <a:rPr lang="fr-FR" sz="1600" kern="1200"/>
-            <a:t>Type d'impressione</a:t>
-          </a:r>
-        </a:p>
-        <a:p>
-          <a:pPr marL="514350" lvl="3" indent="-171450" algn="l" defTabSz="711200">
-            <a:lnSpc>
-              <a:spcPct val="90000"/>
-            </a:lnSpc>
-            <a:spcBef>
-              <a:spcPct val="0"/>
-            </a:spcBef>
-            <a:spcAft>
-              <a:spcPct val="15000"/>
-            </a:spcAft>
-            <a:buChar char="••"/>
-          </a:pPr>
-          <a:r>
-            <a:rPr lang="fr-FR" sz="1600" kern="1200"/>
-            <a:t>Sélection, Page, etc.</a:t>
-          </a:r>
-        </a:p>
-      </dsp:txBody>
-      <dsp:txXfrm>
-        <a:off x="5910445" y="654646"/>
-        <a:ext cx="2591135" cy="3723506"/>
-      </dsp:txXfrm>
-    </dsp:sp>
   </dsp:spTree>
 </dsp:drawing>
 </file>
@@ -11308,6 +10416,9 @@
           </p:cNvSpPr>
           <p:nvPr>
             <p:ph type="subTitle" idx="1"/>
+            <p:custDataLst>
+              <p:tags r:id="rId1"/>
+            </p:custDataLst>
           </p:nvPr>
         </p:nvSpPr>
         <p:spPr/>
@@ -11348,6 +10459,9 @@
           </p:cNvSpPr>
           <p:nvPr>
             <p:ph type="sldNum" sz="quarter" idx="12"/>
+            <p:custDataLst>
+              <p:tags r:id="rId2"/>
+            </p:custDataLst>
           </p:nvPr>
         </p:nvSpPr>
         <p:spPr/>
@@ -11371,6 +10485,9 @@
           </p:cNvSpPr>
           <p:nvPr>
             <p:ph type="ctrTitle"/>
+            <p:custDataLst>
+              <p:tags r:id="rId3"/>
+            </p:custDataLst>
           </p:nvPr>
         </p:nvSpPr>
         <p:spPr/>
@@ -11392,10 +10509,14 @@
           <p:cNvPicPr>
             <a:picLocks noChangeAspect="1" noChangeArrowheads="1"/>
           </p:cNvPicPr>
-          <p:nvPr/>
+          <p:nvPr>
+            <p:custDataLst>
+              <p:tags r:id="rId4"/>
+            </p:custDataLst>
+          </p:nvPr>
         </p:nvPicPr>
         <p:blipFill>
-          <a:blip r:embed="rId2">
+          <a:blip r:embed="rId6">
             <a:extLst>
               <a:ext uri="{28A0092B-C50C-407E-A947-70E740481C1C}">
                 <a14:useLocalDpi xmlns:a14="http://schemas.microsoft.com/office/drawing/2010/main" val="0"/>
@@ -11495,6 +10616,9 @@
           </p:cNvSpPr>
           <p:nvPr>
             <p:ph type="body" idx="1"/>
+            <p:custDataLst>
+              <p:tags r:id="rId1"/>
+            </p:custDataLst>
           </p:nvPr>
         </p:nvSpPr>
         <p:spPr/>
@@ -11502,7 +10626,7 @@
           <a:bodyPr/>
           <a:lstStyle/>
           <a:p>
-            <a:endParaRPr lang="fr-FR"/>
+            <a:endParaRPr lang="fr-FR" dirty="0"/>
           </a:p>
         </p:txBody>
       </p:sp>
@@ -11514,6 +10638,9 @@
           </p:cNvSpPr>
           <p:nvPr>
             <p:ph type="sldNum" sz="quarter" idx="12"/>
+            <p:custDataLst>
+              <p:tags r:id="rId2"/>
+            </p:custDataLst>
           </p:nvPr>
         </p:nvSpPr>
         <p:spPr/>
@@ -11537,6 +10664,9 @@
           </p:cNvSpPr>
           <p:nvPr>
             <p:ph type="title"/>
+            <p:custDataLst>
+              <p:tags r:id="rId3"/>
+            </p:custDataLst>
           </p:nvPr>
         </p:nvSpPr>
         <p:spPr/>
@@ -11597,6 +10727,9 @@
           </p:cNvSpPr>
           <p:nvPr>
             <p:ph type="title"/>
+            <p:custDataLst>
+              <p:tags r:id="rId1"/>
+            </p:custDataLst>
           </p:nvPr>
         </p:nvSpPr>
         <p:spPr/>
@@ -11620,6 +10753,9 @@
           </p:cNvSpPr>
           <p:nvPr>
             <p:ph type="sldNum" sz="quarter" idx="12"/>
+            <p:custDataLst>
+              <p:tags r:id="rId2"/>
+            </p:custDataLst>
           </p:nvPr>
         </p:nvSpPr>
         <p:spPr/>
@@ -11637,15 +10773,17 @@
       </p:sp>
       <p:graphicFrame>
         <p:nvGraphicFramePr>
-          <p:cNvPr id="7" name="Espace réservé du contenu 6"/>
+          <p:cNvPr id="8" name="Espace réservé du contenu 6"/>
           <p:cNvGraphicFramePr>
-            <a:graphicFrameLocks noGrp="1"/>
+            <a:graphicFrameLocks/>
           </p:cNvGraphicFramePr>
           <p:nvPr>
-            <p:ph sz="quarter" idx="1"/>
+            <p:custDataLst>
+              <p:tags r:id="rId3"/>
+            </p:custDataLst>
             <p:extLst>
               <p:ext uri="{D42A27DB-BD31-4B8C-83A1-F6EECF244321}">
-                <p14:modId xmlns:p14="http://schemas.microsoft.com/office/powerpoint/2010/main" val="2318275538"/>
+                <p14:modId xmlns:p14="http://schemas.microsoft.com/office/powerpoint/2010/main" val="505496821"/>
               </p:ext>
             </p:extLst>
           </p:nvPr>
@@ -11656,10 +10794,77 @@
         </p:xfrm>
         <a:graphic>
           <a:graphicData uri="http://schemas.openxmlformats.org/drawingml/2006/diagram">
-            <dgm:relIds xmlns:dgm="http://schemas.openxmlformats.org/drawingml/2006/diagram" xmlns:r="http://schemas.openxmlformats.org/officeDocument/2006/relationships" r:dm="rId3" r:lo="rId4" r:qs="rId5" r:cs="rId6"/>
+            <dgm:relIds xmlns:dgm="http://schemas.openxmlformats.org/drawingml/2006/diagram" xmlns:r="http://schemas.openxmlformats.org/officeDocument/2006/relationships" r:dm="rId7" r:lo="rId8" r:qs="rId9" r:cs="rId10"/>
           </a:graphicData>
         </a:graphic>
       </p:graphicFrame>
+      <p:sp>
+        <p:nvSpPr>
+          <p:cNvPr id="4" name="Espace réservé du contenu 3"/>
+          <p:cNvSpPr>
+            <a:spLocks noGrp="1"/>
+          </p:cNvSpPr>
+          <p:nvPr>
+            <p:ph sz="quarter" idx="1"/>
+            <p:custDataLst>
+              <p:tags r:id="rId4"/>
+            </p:custDataLst>
+          </p:nvPr>
+        </p:nvSpPr>
+        <p:spPr/>
+        <p:txBody>
+          <a:bodyPr/>
+          <a:lstStyle/>
+          <a:p>
+            <a:r>
+              <a:rPr lang="fr-FR" dirty="0" smtClean="0"/>
+              <a:t>Ce qu’il en résulte :</a:t>
+            </a:r>
+          </a:p>
+          <a:p>
+            <a:pPr lvl="1"/>
+            <a:r>
+              <a:rPr lang="fr-FR" dirty="0" smtClean="0"/>
+              <a:t>Le clic</a:t>
+            </a:r>
+          </a:p>
+          <a:p>
+            <a:pPr lvl="1"/>
+            <a:r>
+              <a:rPr lang="fr-FR" dirty="0" smtClean="0"/>
+              <a:t>Navigation</a:t>
+            </a:r>
+          </a:p>
+          <a:p>
+            <a:pPr lvl="1"/>
+            <a:r>
+              <a:rPr lang="fr-FR" dirty="0" smtClean="0"/>
+              <a:t>Téléchargement</a:t>
+            </a:r>
+          </a:p>
+          <a:p>
+            <a:pPr lvl="1"/>
+            <a:r>
+              <a:rPr lang="fr-FR" dirty="0" smtClean="0"/>
+              <a:t>Vidéo &amp; Musique</a:t>
+            </a:r>
+          </a:p>
+          <a:p>
+            <a:pPr lvl="1"/>
+            <a:r>
+              <a:rPr lang="fr-FR" dirty="0" smtClean="0"/>
+              <a:t>Copié/Collé</a:t>
+            </a:r>
+          </a:p>
+          <a:p>
+            <a:pPr lvl="1"/>
+            <a:r>
+              <a:rPr lang="fr-FR" dirty="0" smtClean="0"/>
+              <a:t>Impression</a:t>
+            </a:r>
+          </a:p>
+        </p:txBody>
+      </p:sp>
     </p:spTree>
     <p:extLst>
       <p:ext uri="{BB962C8B-B14F-4D97-AF65-F5344CB8AC3E}">
@@ -11673,9 +10878,300 @@
   <p:timing>
     <p:tnLst>
       <p:par>
-        <p:cTn id="1" dur="indefinite" restart="never" nodeType="tmRoot"/>
+        <p:cTn id="1" dur="indefinite" restart="never" nodeType="tmRoot">
+          <p:childTnLst>
+            <p:seq concurrent="1" nextAc="seek">
+              <p:cTn id="2" dur="indefinite" nodeType="mainSeq">
+                <p:childTnLst>
+                  <p:par>
+                    <p:cTn id="3" fill="hold">
+                      <p:stCondLst>
+                        <p:cond delay="indefinite"/>
+                      </p:stCondLst>
+                      <p:childTnLst>
+                        <p:par>
+                          <p:cTn id="4" fill="hold">
+                            <p:stCondLst>
+                              <p:cond delay="0"/>
+                            </p:stCondLst>
+                            <p:childTnLst>
+                              <p:par>
+                                <p:cTn id="5" presetID="1" presetClass="exit" presetSubtype="0" fill="hold" grpId="0" nodeType="clickEffect">
+                                  <p:stCondLst>
+                                    <p:cond delay="0"/>
+                                  </p:stCondLst>
+                                  <p:childTnLst>
+                                    <p:set>
+                                      <p:cBhvr>
+                                        <p:cTn id="6" dur="1" fill="hold">
+                                          <p:stCondLst>
+                                            <p:cond delay="0"/>
+                                          </p:stCondLst>
+                                        </p:cTn>
+                                        <p:tgtEl>
+                                          <p:spTgt spid="8"/>
+                                        </p:tgtEl>
+                                        <p:attrNameLst>
+                                          <p:attrName>style.visibility</p:attrName>
+                                        </p:attrNameLst>
+                                      </p:cBhvr>
+                                      <p:to>
+                                        <p:strVal val="hidden"/>
+                                      </p:to>
+                                    </p:set>
+                                  </p:childTnLst>
+                                </p:cTn>
+                              </p:par>
+                              <p:par>
+                                <p:cTn id="7" presetID="1" presetClass="entr" presetSubtype="0" fill="hold" grpId="0" nodeType="withEffect">
+                                  <p:stCondLst>
+                                    <p:cond delay="0"/>
+                                  </p:stCondLst>
+                                  <p:childTnLst>
+                                    <p:set>
+                                      <p:cBhvr>
+                                        <p:cTn id="8" dur="1" fill="hold">
+                                          <p:stCondLst>
+                                            <p:cond delay="0"/>
+                                          </p:stCondLst>
+                                        </p:cTn>
+                                        <p:tgtEl>
+                                          <p:spTgt spid="4">
+                                            <p:txEl>
+                                              <p:pRg st="0" end="0"/>
+                                            </p:txEl>
+                                          </p:spTgt>
+                                        </p:tgtEl>
+                                        <p:attrNameLst>
+                                          <p:attrName>style.visibility</p:attrName>
+                                        </p:attrNameLst>
+                                      </p:cBhvr>
+                                      <p:to>
+                                        <p:strVal val="visible"/>
+                                      </p:to>
+                                    </p:set>
+                                  </p:childTnLst>
+                                </p:cTn>
+                              </p:par>
+                              <p:par>
+                                <p:cTn id="9" presetID="1" presetClass="entr" presetSubtype="0" fill="hold" grpId="0" nodeType="withEffect">
+                                  <p:stCondLst>
+                                    <p:cond delay="0"/>
+                                  </p:stCondLst>
+                                  <p:childTnLst>
+                                    <p:set>
+                                      <p:cBhvr>
+                                        <p:cTn id="10" dur="1" fill="hold">
+                                          <p:stCondLst>
+                                            <p:cond delay="0"/>
+                                          </p:stCondLst>
+                                        </p:cTn>
+                                        <p:tgtEl>
+                                          <p:spTgt spid="4">
+                                            <p:txEl>
+                                              <p:pRg st="1" end="1"/>
+                                            </p:txEl>
+                                          </p:spTgt>
+                                        </p:tgtEl>
+                                        <p:attrNameLst>
+                                          <p:attrName>style.visibility</p:attrName>
+                                        </p:attrNameLst>
+                                      </p:cBhvr>
+                                      <p:to>
+                                        <p:strVal val="visible"/>
+                                      </p:to>
+                                    </p:set>
+                                  </p:childTnLst>
+                                </p:cTn>
+                              </p:par>
+                              <p:par>
+                                <p:cTn id="11" presetID="1" presetClass="entr" presetSubtype="0" fill="hold" grpId="0" nodeType="withEffect">
+                                  <p:stCondLst>
+                                    <p:cond delay="0"/>
+                                  </p:stCondLst>
+                                  <p:childTnLst>
+                                    <p:set>
+                                      <p:cBhvr>
+                                        <p:cTn id="12" dur="1" fill="hold">
+                                          <p:stCondLst>
+                                            <p:cond delay="0"/>
+                                          </p:stCondLst>
+                                        </p:cTn>
+                                        <p:tgtEl>
+                                          <p:spTgt spid="4">
+                                            <p:txEl>
+                                              <p:pRg st="2" end="2"/>
+                                            </p:txEl>
+                                          </p:spTgt>
+                                        </p:tgtEl>
+                                        <p:attrNameLst>
+                                          <p:attrName>style.visibility</p:attrName>
+                                        </p:attrNameLst>
+                                      </p:cBhvr>
+                                      <p:to>
+                                        <p:strVal val="visible"/>
+                                      </p:to>
+                                    </p:set>
+                                  </p:childTnLst>
+                                </p:cTn>
+                              </p:par>
+                              <p:par>
+                                <p:cTn id="13" presetID="1" presetClass="entr" presetSubtype="0" fill="hold" grpId="0" nodeType="withEffect">
+                                  <p:stCondLst>
+                                    <p:cond delay="0"/>
+                                  </p:stCondLst>
+                                  <p:childTnLst>
+                                    <p:set>
+                                      <p:cBhvr>
+                                        <p:cTn id="14" dur="1" fill="hold">
+                                          <p:stCondLst>
+                                            <p:cond delay="0"/>
+                                          </p:stCondLst>
+                                        </p:cTn>
+                                        <p:tgtEl>
+                                          <p:spTgt spid="4">
+                                            <p:txEl>
+                                              <p:pRg st="3" end="3"/>
+                                            </p:txEl>
+                                          </p:spTgt>
+                                        </p:tgtEl>
+                                        <p:attrNameLst>
+                                          <p:attrName>style.visibility</p:attrName>
+                                        </p:attrNameLst>
+                                      </p:cBhvr>
+                                      <p:to>
+                                        <p:strVal val="visible"/>
+                                      </p:to>
+                                    </p:set>
+                                  </p:childTnLst>
+                                </p:cTn>
+                              </p:par>
+                              <p:par>
+                                <p:cTn id="15" presetID="1" presetClass="entr" presetSubtype="0" fill="hold" grpId="0" nodeType="withEffect">
+                                  <p:stCondLst>
+                                    <p:cond delay="0"/>
+                                  </p:stCondLst>
+                                  <p:childTnLst>
+                                    <p:set>
+                                      <p:cBhvr>
+                                        <p:cTn id="16" dur="1" fill="hold">
+                                          <p:stCondLst>
+                                            <p:cond delay="0"/>
+                                          </p:stCondLst>
+                                        </p:cTn>
+                                        <p:tgtEl>
+                                          <p:spTgt spid="4">
+                                            <p:txEl>
+                                              <p:pRg st="4" end="4"/>
+                                            </p:txEl>
+                                          </p:spTgt>
+                                        </p:tgtEl>
+                                        <p:attrNameLst>
+                                          <p:attrName>style.visibility</p:attrName>
+                                        </p:attrNameLst>
+                                      </p:cBhvr>
+                                      <p:to>
+                                        <p:strVal val="visible"/>
+                                      </p:to>
+                                    </p:set>
+                                  </p:childTnLst>
+                                </p:cTn>
+                              </p:par>
+                              <p:par>
+                                <p:cTn id="17" presetID="1" presetClass="entr" presetSubtype="0" fill="hold" grpId="0" nodeType="withEffect">
+                                  <p:stCondLst>
+                                    <p:cond delay="0"/>
+                                  </p:stCondLst>
+                                  <p:childTnLst>
+                                    <p:set>
+                                      <p:cBhvr>
+                                        <p:cTn id="18" dur="1" fill="hold">
+                                          <p:stCondLst>
+                                            <p:cond delay="0"/>
+                                          </p:stCondLst>
+                                        </p:cTn>
+                                        <p:tgtEl>
+                                          <p:spTgt spid="4">
+                                            <p:txEl>
+                                              <p:pRg st="5" end="5"/>
+                                            </p:txEl>
+                                          </p:spTgt>
+                                        </p:tgtEl>
+                                        <p:attrNameLst>
+                                          <p:attrName>style.visibility</p:attrName>
+                                        </p:attrNameLst>
+                                      </p:cBhvr>
+                                      <p:to>
+                                        <p:strVal val="visible"/>
+                                      </p:to>
+                                    </p:set>
+                                  </p:childTnLst>
+                                </p:cTn>
+                              </p:par>
+                              <p:par>
+                                <p:cTn id="19" presetID="1" presetClass="entr" presetSubtype="0" fill="hold" grpId="0" nodeType="withEffect">
+                                  <p:stCondLst>
+                                    <p:cond delay="0"/>
+                                  </p:stCondLst>
+                                  <p:childTnLst>
+                                    <p:set>
+                                      <p:cBhvr>
+                                        <p:cTn id="20" dur="1" fill="hold">
+                                          <p:stCondLst>
+                                            <p:cond delay="0"/>
+                                          </p:stCondLst>
+                                        </p:cTn>
+                                        <p:tgtEl>
+                                          <p:spTgt spid="4">
+                                            <p:txEl>
+                                              <p:pRg st="6" end="6"/>
+                                            </p:txEl>
+                                          </p:spTgt>
+                                        </p:tgtEl>
+                                        <p:attrNameLst>
+                                          <p:attrName>style.visibility</p:attrName>
+                                        </p:attrNameLst>
+                                      </p:cBhvr>
+                                      <p:to>
+                                        <p:strVal val="visible"/>
+                                      </p:to>
+                                    </p:set>
+                                  </p:childTnLst>
+                                </p:cTn>
+                              </p:par>
+                            </p:childTnLst>
+                          </p:cTn>
+                        </p:par>
+                      </p:childTnLst>
+                    </p:cTn>
+                  </p:par>
+                </p:childTnLst>
+              </p:cTn>
+              <p:prevCondLst>
+                <p:cond evt="onPrev" delay="0">
+                  <p:tgtEl>
+                    <p:sldTgt/>
+                  </p:tgtEl>
+                </p:cond>
+              </p:prevCondLst>
+              <p:nextCondLst>
+                <p:cond evt="onNext" delay="0">
+                  <p:tgtEl>
+                    <p:sldTgt/>
+                  </p:tgtEl>
+                </p:cond>
+              </p:nextCondLst>
+            </p:seq>
+          </p:childTnLst>
+        </p:cTn>
       </p:par>
     </p:tnLst>
+    <p:bldLst>
+      <p:bldGraphic spid="8" grpId="0">
+        <p:bldAsOne/>
+      </p:bldGraphic>
+      <p:bldP spid="4" grpId="0" build="p"/>
+    </p:bldLst>
   </p:timing>
 </p:sld>
 </file>
@@ -11705,6 +11201,9 @@
           </p:cNvSpPr>
           <p:nvPr>
             <p:ph type="title"/>
+            <p:custDataLst>
+              <p:tags r:id="rId1"/>
+            </p:custDataLst>
           </p:nvPr>
         </p:nvSpPr>
         <p:spPr/>
@@ -11728,6 +11227,9 @@
           </p:cNvSpPr>
           <p:nvPr>
             <p:ph type="sldNum" sz="quarter" idx="12"/>
+            <p:custDataLst>
+              <p:tags r:id="rId2"/>
+            </p:custDataLst>
           </p:nvPr>
         </p:nvSpPr>
         <p:spPr/>
@@ -11751,6 +11253,9 @@
           </p:cNvSpPr>
           <p:nvPr>
             <p:ph sz="quarter" idx="1"/>
+            <p:custDataLst>
+              <p:tags r:id="rId3"/>
+            </p:custDataLst>
           </p:nvPr>
         </p:nvSpPr>
         <p:spPr/>
@@ -11781,14 +11286,18 @@
         <p:nvPicPr>
           <p:cNvPr id="5" name="Image 4"/>
           <p:cNvPicPr/>
-          <p:nvPr/>
+          <p:nvPr>
+            <p:custDataLst>
+              <p:tags r:id="rId4"/>
+            </p:custDataLst>
+          </p:nvPr>
         </p:nvPicPr>
         <p:blipFill>
-          <a:blip r:embed="rId2" cstate="print">
+          <a:blip r:embed="rId6" cstate="print">
             <a:extLst>
               <a:ext uri="{BEBA8EAE-BF5A-486C-A8C5-ECC9F3942E4B}">
                 <a14:imgProps xmlns:a14="http://schemas.microsoft.com/office/drawing/2010/main">
-                  <a14:imgLayer r:embed="rId3">
+                  <a14:imgLayer r:embed="rId7">
                     <a14:imgEffect>
                       <a14:backgroundRemoval t="9896" b="89063" l="0" r="99479"/>
                     </a14:imgEffect>
@@ -11863,6 +11372,9 @@
           </p:cNvSpPr>
           <p:nvPr>
             <p:ph type="title"/>
+            <p:custDataLst>
+              <p:tags r:id="rId1"/>
+            </p:custDataLst>
           </p:nvPr>
         </p:nvSpPr>
         <p:spPr/>
@@ -11885,6 +11397,9 @@
           </p:cNvSpPr>
           <p:nvPr>
             <p:ph type="sldNum" sz="quarter" idx="12"/>
+            <p:custDataLst>
+              <p:tags r:id="rId2"/>
+            </p:custDataLst>
           </p:nvPr>
         </p:nvSpPr>
         <p:spPr/>
@@ -11908,6 +11423,9 @@
           </p:cNvSpPr>
           <p:nvPr>
             <p:ph sz="quarter" idx="1"/>
+            <p:custDataLst>
+              <p:tags r:id="rId3"/>
+            </p:custDataLst>
           </p:nvPr>
         </p:nvSpPr>
         <p:spPr/>
@@ -12029,6 +11547,9 @@
           </p:cNvSpPr>
           <p:nvPr>
             <p:ph type="title"/>
+            <p:custDataLst>
+              <p:tags r:id="rId1"/>
+            </p:custDataLst>
           </p:nvPr>
         </p:nvSpPr>
         <p:spPr/>
@@ -12051,6 +11572,9 @@
           </p:cNvSpPr>
           <p:nvPr>
             <p:ph type="sldNum" sz="quarter" idx="12"/>
+            <p:custDataLst>
+              <p:tags r:id="rId2"/>
+            </p:custDataLst>
           </p:nvPr>
         </p:nvSpPr>
         <p:spPr/>
@@ -12074,6 +11598,9 @@
           </p:cNvSpPr>
           <p:nvPr>
             <p:ph sz="quarter" idx="1"/>
+            <p:custDataLst>
+              <p:tags r:id="rId3"/>
+            </p:custDataLst>
           </p:nvPr>
         </p:nvSpPr>
         <p:spPr/>
@@ -12103,17 +11630,6 @@
               <a:rPr lang="fr-FR" dirty="0" smtClean="0"/>
               <a:t>Question de la charge de travail ?</a:t>
             </a:r>
-          </a:p>
-          <a:p>
-            <a:pPr lvl="1"/>
-            <a:endParaRPr lang="fr-FR" dirty="0" smtClean="0"/>
-          </a:p>
-          <a:p>
-            <a:pPr lvl="1"/>
-            <a:endParaRPr lang="fr-FR" dirty="0"/>
-          </a:p>
-          <a:p>
-            <a:endParaRPr lang="fr-FR" dirty="0"/>
           </a:p>
         </p:txBody>
       </p:sp>
@@ -12162,6 +11678,9 @@
           </p:cNvSpPr>
           <p:nvPr>
             <p:ph type="title"/>
+            <p:custDataLst>
+              <p:tags r:id="rId1"/>
+            </p:custDataLst>
           </p:nvPr>
         </p:nvSpPr>
         <p:spPr/>
@@ -12184,6 +11703,9 @@
           </p:cNvSpPr>
           <p:nvPr>
             <p:ph type="sldNum" sz="quarter" idx="12"/>
+            <p:custDataLst>
+              <p:tags r:id="rId2"/>
+            </p:custDataLst>
           </p:nvPr>
         </p:nvSpPr>
         <p:spPr/>
@@ -12195,7 +11717,7 @@
               <a:rPr lang="fr-FR" smtClean="0"/>
               <a:t>15</a:t>
             </a:fld>
-            <a:endParaRPr lang="fr-FR"/>
+            <a:endParaRPr lang="fr-FR" dirty="0"/>
           </a:p>
         </p:txBody>
       </p:sp>
@@ -12207,6 +11729,9 @@
           </p:cNvSpPr>
           <p:nvPr>
             <p:ph sz="quarter" idx="1"/>
+            <p:custDataLst>
+              <p:tags r:id="rId3"/>
+            </p:custDataLst>
           </p:nvPr>
         </p:nvSpPr>
         <p:spPr/>
@@ -12342,6 +11867,9 @@
           </p:cNvSpPr>
           <p:nvPr>
             <p:ph type="title"/>
+            <p:custDataLst>
+              <p:tags r:id="rId1"/>
+            </p:custDataLst>
           </p:nvPr>
         </p:nvSpPr>
         <p:spPr/>
@@ -12364,6 +11892,9 @@
           </p:cNvSpPr>
           <p:nvPr>
             <p:ph type="sldNum" sz="quarter" idx="12"/>
+            <p:custDataLst>
+              <p:tags r:id="rId2"/>
+            </p:custDataLst>
           </p:nvPr>
         </p:nvSpPr>
         <p:spPr/>
@@ -12387,6 +11918,9 @@
           </p:cNvSpPr>
           <p:nvPr>
             <p:ph sz="quarter" idx="1"/>
+            <p:custDataLst>
+              <p:tags r:id="rId3"/>
+            </p:custDataLst>
           </p:nvPr>
         </p:nvSpPr>
         <p:spPr/>
@@ -12493,6 +12027,9 @@
           </p:cNvSpPr>
           <p:nvPr>
             <p:ph type="body" idx="1"/>
+            <p:custDataLst>
+              <p:tags r:id="rId1"/>
+            </p:custDataLst>
           </p:nvPr>
         </p:nvSpPr>
         <p:spPr/>
@@ -12502,7 +12039,7 @@
           <a:p>
             <a:r>
               <a:rPr lang="fr-FR" dirty="0" smtClean="0"/>
-              <a:t>Balayage écran</a:t>
+              <a:t>Balayage-écran</a:t>
             </a:r>
             <a:endParaRPr lang="fr-FR" dirty="0"/>
           </a:p>
@@ -12516,6 +12053,9 @@
           </p:cNvSpPr>
           <p:nvPr>
             <p:ph type="body" sz="half" idx="3"/>
+            <p:custDataLst>
+              <p:tags r:id="rId2"/>
+            </p:custDataLst>
           </p:nvPr>
         </p:nvSpPr>
         <p:spPr/>
@@ -12539,6 +12079,9 @@
           </p:cNvSpPr>
           <p:nvPr>
             <p:ph type="sldNum" sz="quarter" idx="12"/>
+            <p:custDataLst>
+              <p:tags r:id="rId3"/>
+            </p:custDataLst>
           </p:nvPr>
         </p:nvSpPr>
         <p:spPr/>
@@ -12562,6 +12105,9 @@
           </p:cNvSpPr>
           <p:nvPr>
             <p:ph type="title"/>
+            <p:custDataLst>
+              <p:tags r:id="rId4"/>
+            </p:custDataLst>
           </p:nvPr>
         </p:nvSpPr>
         <p:spPr/>
@@ -12584,10 +12130,13 @@
           </p:cNvPicPr>
           <p:nvPr>
             <p:ph sz="quarter" idx="2"/>
+            <p:custDataLst>
+              <p:tags r:id="rId5"/>
+            </p:custDataLst>
           </p:nvPr>
         </p:nvPicPr>
         <p:blipFill>
-          <a:blip r:embed="rId2" cstate="print">
+          <a:blip r:embed="rId8" cstate="print">
             <a:extLst>
               <a:ext uri="{28A0092B-C50C-407E-A947-70E740481C1C}">
                 <a14:useLocalDpi xmlns:a14="http://schemas.microsoft.com/office/drawing/2010/main" val="0"/>
@@ -12621,10 +12170,13 @@
           </p:cNvPicPr>
           <p:nvPr>
             <p:ph sz="quarter" idx="4"/>
+            <p:custDataLst>
+              <p:tags r:id="rId6"/>
+            </p:custDataLst>
           </p:nvPr>
         </p:nvPicPr>
         <p:blipFill rotWithShape="1">
-          <a:blip r:embed="rId3"/>
+          <a:blip r:embed="rId9"/>
           <a:srcRect b="65574"/>
           <a:stretch/>
         </p:blipFill>
@@ -12691,6 +12243,9 @@
           </p:cNvSpPr>
           <p:nvPr>
             <p:ph type="title"/>
+            <p:custDataLst>
+              <p:tags r:id="rId1"/>
+            </p:custDataLst>
           </p:nvPr>
         </p:nvSpPr>
         <p:spPr/>
@@ -12713,6 +12268,9 @@
           </p:cNvSpPr>
           <p:nvPr>
             <p:ph type="sldNum" sz="quarter" idx="12"/>
+            <p:custDataLst>
+              <p:tags r:id="rId2"/>
+            </p:custDataLst>
           </p:nvPr>
         </p:nvSpPr>
         <p:spPr/>
@@ -12736,6 +12294,9 @@
           </p:cNvSpPr>
           <p:nvPr>
             <p:ph sz="quarter" idx="1"/>
+            <p:custDataLst>
+              <p:tags r:id="rId3"/>
+            </p:custDataLst>
           </p:nvPr>
         </p:nvSpPr>
         <p:spPr/>
@@ -12763,14 +12324,14 @@
             <a:pPr lvl="1"/>
             <a:r>
               <a:rPr lang="fr-FR" dirty="0" smtClean="0"/>
-              <a:t>Le soucis apparaît au moment de l’ouverture de modale</a:t>
+              <a:t>Le souci : fenêtre modale</a:t>
             </a:r>
           </a:p>
           <a:p>
             <a:pPr lvl="1"/>
             <a:r>
               <a:rPr lang="fr-FR" dirty="0" smtClean="0"/>
-              <a:t>Solution : utiliser un balayage écran</a:t>
+              <a:t>Solution : utiliser un balayage-écran</a:t>
             </a:r>
             <a:endParaRPr lang="fr-FR" dirty="0"/>
           </a:p>
@@ -12821,6 +12382,9 @@
           </p:cNvSpPr>
           <p:nvPr>
             <p:ph type="title"/>
+            <p:custDataLst>
+              <p:tags r:id="rId1"/>
+            </p:custDataLst>
           </p:nvPr>
         </p:nvSpPr>
         <p:spPr/>
@@ -12843,6 +12407,9 @@
           </p:cNvSpPr>
           <p:nvPr>
             <p:ph type="sldNum" sz="quarter" idx="12"/>
+            <p:custDataLst>
+              <p:tags r:id="rId2"/>
+            </p:custDataLst>
           </p:nvPr>
         </p:nvSpPr>
         <p:spPr/>
@@ -12866,6 +12433,9 @@
           </p:cNvSpPr>
           <p:nvPr>
             <p:ph sz="quarter" idx="1"/>
+            <p:custDataLst>
+              <p:tags r:id="rId3"/>
+            </p:custDataLst>
           </p:nvPr>
         </p:nvSpPr>
         <p:spPr/>
@@ -12917,7 +12487,7 @@
             <a:pPr lvl="1"/>
             <a:r>
               <a:rPr lang="fr-FR" dirty="0" smtClean="0"/>
-              <a:t>Problème d’imbrication de balise pour la portabilité vers différent navigateur</a:t>
+              <a:t>Problème d’imbrication de balise pour la portabilité vers différents navigateurs</a:t>
             </a:r>
           </a:p>
           <a:p>
@@ -12982,6 +12552,9 @@
           </p:cNvSpPr>
           <p:nvPr>
             <p:ph type="title"/>
+            <p:custDataLst>
+              <p:tags r:id="rId1"/>
+            </p:custDataLst>
           </p:nvPr>
         </p:nvSpPr>
         <p:spPr/>
@@ -13005,6 +12578,9 @@
           </p:cNvSpPr>
           <p:nvPr>
             <p:ph type="sldNum" sz="quarter" idx="12"/>
+            <p:custDataLst>
+              <p:tags r:id="rId2"/>
+            </p:custDataLst>
           </p:nvPr>
         </p:nvSpPr>
         <p:spPr/>
@@ -13028,6 +12604,9 @@
           </p:cNvSpPr>
           <p:nvPr>
             <p:ph sz="quarter" idx="1"/>
+            <p:custDataLst>
+              <p:tags r:id="rId3"/>
+            </p:custDataLst>
           </p:nvPr>
         </p:nvSpPr>
         <p:spPr/>
@@ -13119,6 +12698,9 @@
           </p:cNvSpPr>
           <p:nvPr>
             <p:ph type="title"/>
+            <p:custDataLst>
+              <p:tags r:id="rId1"/>
+            </p:custDataLst>
           </p:nvPr>
         </p:nvSpPr>
         <p:spPr/>
@@ -13141,6 +12723,9 @@
           </p:cNvSpPr>
           <p:nvPr>
             <p:ph type="sldNum" sz="quarter" idx="12"/>
+            <p:custDataLst>
+              <p:tags r:id="rId2"/>
+            </p:custDataLst>
           </p:nvPr>
         </p:nvSpPr>
         <p:spPr/>
@@ -13164,6 +12749,9 @@
           </p:cNvSpPr>
           <p:nvPr>
             <p:ph sz="quarter" idx="1"/>
+            <p:custDataLst>
+              <p:tags r:id="rId3"/>
+            </p:custDataLst>
           </p:nvPr>
         </p:nvSpPr>
         <p:spPr/>
@@ -13177,7 +12765,7 @@
             </a:pPr>
             <a:r>
               <a:rPr lang="fr-FR" dirty="0" smtClean="0"/>
-              <a:t>Copier/Coller</a:t>
+              <a:t>Copié/Collé</a:t>
             </a:r>
           </a:p>
           <a:p>
@@ -13266,6 +12854,9 @@
           </p:cNvSpPr>
           <p:nvPr>
             <p:ph type="title"/>
+            <p:custDataLst>
+              <p:tags r:id="rId1"/>
+            </p:custDataLst>
           </p:nvPr>
         </p:nvSpPr>
         <p:spPr/>
@@ -13289,6 +12880,9 @@
           </p:cNvSpPr>
           <p:nvPr>
             <p:ph type="sldNum" sz="quarter" idx="12"/>
+            <p:custDataLst>
+              <p:tags r:id="rId2"/>
+            </p:custDataLst>
           </p:nvPr>
         </p:nvSpPr>
         <p:spPr/>
@@ -13312,6 +12906,9 @@
           </p:cNvSpPr>
           <p:nvPr>
             <p:ph sz="quarter" idx="1"/>
+            <p:custDataLst>
+              <p:tags r:id="rId3"/>
+            </p:custDataLst>
           </p:nvPr>
         </p:nvSpPr>
         <p:spPr/>
@@ -13340,10 +12937,14 @@
           <p:cNvPicPr>
             <a:picLocks noChangeAspect="1" noChangeArrowheads="1"/>
           </p:cNvPicPr>
-          <p:nvPr/>
+          <p:nvPr>
+            <p:custDataLst>
+              <p:tags r:id="rId4"/>
+            </p:custDataLst>
+          </p:nvPr>
         </p:nvPicPr>
         <p:blipFill rotWithShape="1">
-          <a:blip r:embed="rId2">
+          <a:blip r:embed="rId7">
             <a:extLst>
               <a:ext uri="{28A0092B-C50C-407E-A947-70E740481C1C}">
                 <a14:useLocalDpi xmlns:a14="http://schemas.microsoft.com/office/drawing/2010/main" val="0"/>
@@ -13402,10 +13003,14 @@
           <p:cNvPicPr>
             <a:picLocks noChangeAspect="1" noChangeArrowheads="1"/>
           </p:cNvPicPr>
-          <p:nvPr/>
+          <p:nvPr>
+            <p:custDataLst>
+              <p:tags r:id="rId5"/>
+            </p:custDataLst>
+          </p:nvPr>
         </p:nvPicPr>
         <p:blipFill rotWithShape="1">
-          <a:blip r:embed="rId3">
+          <a:blip r:embed="rId8">
             <a:extLst>
               <a:ext uri="{28A0092B-C50C-407E-A947-70E740481C1C}">
                 <a14:useLocalDpi xmlns:a14="http://schemas.microsoft.com/office/drawing/2010/main" val="0"/>
@@ -13503,6 +13108,9 @@
           </p:cNvSpPr>
           <p:nvPr>
             <p:ph type="title"/>
+            <p:custDataLst>
+              <p:tags r:id="rId1"/>
+            </p:custDataLst>
           </p:nvPr>
         </p:nvSpPr>
         <p:spPr/>
@@ -13533,6 +13141,9 @@
           </p:cNvSpPr>
           <p:nvPr>
             <p:ph type="sldNum" sz="quarter" idx="12"/>
+            <p:custDataLst>
+              <p:tags r:id="rId2"/>
+            </p:custDataLst>
           </p:nvPr>
         </p:nvSpPr>
         <p:spPr/>
@@ -13556,6 +13167,9 @@
           </p:cNvSpPr>
           <p:nvPr>
             <p:ph sz="quarter" idx="1"/>
+            <p:custDataLst>
+              <p:tags r:id="rId3"/>
+            </p:custDataLst>
           </p:nvPr>
         </p:nvSpPr>
         <p:spPr/>
@@ -13623,6 +13237,9 @@
           </p:cNvSpPr>
           <p:nvPr>
             <p:ph type="title"/>
+            <p:custDataLst>
+              <p:tags r:id="rId1"/>
+            </p:custDataLst>
           </p:nvPr>
         </p:nvSpPr>
         <p:spPr/>
@@ -13653,6 +13270,9 @@
           </p:cNvSpPr>
           <p:nvPr>
             <p:ph type="sldNum" sz="quarter" idx="12"/>
+            <p:custDataLst>
+              <p:tags r:id="rId2"/>
+            </p:custDataLst>
           </p:nvPr>
         </p:nvSpPr>
         <p:spPr/>
@@ -13676,6 +13296,9 @@
           </p:cNvSpPr>
           <p:nvPr>
             <p:ph sz="quarter" idx="1"/>
+            <p:custDataLst>
+              <p:tags r:id="rId3"/>
+            </p:custDataLst>
           </p:nvPr>
         </p:nvSpPr>
         <p:spPr/>
@@ -13754,6 +13377,9 @@
           </p:cNvSpPr>
           <p:nvPr>
             <p:ph type="title"/>
+            <p:custDataLst>
+              <p:tags r:id="rId1"/>
+            </p:custDataLst>
           </p:nvPr>
         </p:nvSpPr>
         <p:spPr/>
@@ -13776,6 +13402,9 @@
           </p:cNvSpPr>
           <p:nvPr>
             <p:ph type="sldNum" sz="quarter" idx="12"/>
+            <p:custDataLst>
+              <p:tags r:id="rId2"/>
+            </p:custDataLst>
           </p:nvPr>
         </p:nvSpPr>
         <p:spPr/>
@@ -13799,6 +13428,9 @@
           </p:cNvSpPr>
           <p:nvPr>
             <p:ph sz="quarter" idx="1"/>
+            <p:custDataLst>
+              <p:tags r:id="rId3"/>
+            </p:custDataLst>
           </p:nvPr>
         </p:nvSpPr>
         <p:spPr/>
@@ -13817,10 +13449,14 @@
         <p:nvPicPr>
           <p:cNvPr id="5" name="Image 4"/>
           <p:cNvPicPr/>
-          <p:nvPr/>
+          <p:nvPr>
+            <p:custDataLst>
+              <p:tags r:id="rId4"/>
+            </p:custDataLst>
+          </p:nvPr>
         </p:nvPicPr>
         <p:blipFill>
-          <a:blip r:embed="rId2">
+          <a:blip r:embed="rId6">
             <a:extLst>
               <a:ext uri="{28A0092B-C50C-407E-A947-70E740481C1C}">
                 <a14:useLocalDpi xmlns:a14="http://schemas.microsoft.com/office/drawing/2010/main" val="0"/>
@@ -13891,6 +13527,9 @@
           </p:cNvSpPr>
           <p:nvPr>
             <p:ph type="title"/>
+            <p:custDataLst>
+              <p:tags r:id="rId1"/>
+            </p:custDataLst>
           </p:nvPr>
         </p:nvSpPr>
         <p:spPr/>
@@ -13913,6 +13552,9 @@
           </p:cNvSpPr>
           <p:nvPr>
             <p:ph type="sldNum" sz="quarter" idx="12"/>
+            <p:custDataLst>
+              <p:tags r:id="rId2"/>
+            </p:custDataLst>
           </p:nvPr>
         </p:nvSpPr>
         <p:spPr/>
@@ -13936,6 +13578,9 @@
           </p:cNvSpPr>
           <p:nvPr>
             <p:ph sz="quarter" idx="1"/>
+            <p:custDataLst>
+              <p:tags r:id="rId3"/>
+            </p:custDataLst>
           </p:nvPr>
         </p:nvSpPr>
         <p:spPr/>
@@ -14020,6 +13665,9 @@
           </p:cNvSpPr>
           <p:nvPr>
             <p:ph type="title"/>
+            <p:custDataLst>
+              <p:tags r:id="rId1"/>
+            </p:custDataLst>
           </p:nvPr>
         </p:nvSpPr>
         <p:spPr/>
@@ -14042,6 +13690,9 @@
           </p:cNvSpPr>
           <p:nvPr>
             <p:ph type="sldNum" sz="quarter" idx="12"/>
+            <p:custDataLst>
+              <p:tags r:id="rId2"/>
+            </p:custDataLst>
           </p:nvPr>
         </p:nvSpPr>
         <p:spPr/>
@@ -14065,6 +13716,9 @@
           </p:cNvSpPr>
           <p:nvPr>
             <p:ph sz="quarter" idx="1"/>
+            <p:custDataLst>
+              <p:tags r:id="rId3"/>
+            </p:custDataLst>
           </p:nvPr>
         </p:nvSpPr>
         <p:spPr/>
@@ -14086,10 +13740,14 @@
         <p:nvPicPr>
           <p:cNvPr id="5" name="Image 4" descr="C:\Users\Sarah\Downloads\screenshot HandiFox\screenshot HandiFox\Principale.png"/>
           <p:cNvPicPr/>
-          <p:nvPr/>
+          <p:nvPr>
+            <p:custDataLst>
+              <p:tags r:id="rId4"/>
+            </p:custDataLst>
+          </p:nvPr>
         </p:nvPicPr>
         <p:blipFill>
-          <a:blip r:embed="rId2">
+          <a:blip r:embed="rId6">
             <a:extLst>
               <a:ext uri="{28A0092B-C50C-407E-A947-70E740481C1C}">
                 <a14:useLocalDpi xmlns:a14="http://schemas.microsoft.com/office/drawing/2010/main" val="0"/>
@@ -14160,6 +13818,9 @@
           </p:cNvSpPr>
           <p:nvPr>
             <p:ph type="title"/>
+            <p:custDataLst>
+              <p:tags r:id="rId1"/>
+            </p:custDataLst>
           </p:nvPr>
         </p:nvSpPr>
         <p:spPr/>
@@ -14182,6 +13843,9 @@
           </p:cNvSpPr>
           <p:nvPr>
             <p:ph type="sldNum" sz="quarter" idx="12"/>
+            <p:custDataLst>
+              <p:tags r:id="rId2"/>
+            </p:custDataLst>
           </p:nvPr>
         </p:nvSpPr>
         <p:spPr/>
@@ -14205,6 +13869,9 @@
           </p:cNvSpPr>
           <p:nvPr>
             <p:ph sz="quarter" idx="1"/>
+            <p:custDataLst>
+              <p:tags r:id="rId3"/>
+            </p:custDataLst>
           </p:nvPr>
         </p:nvSpPr>
         <p:spPr/>
@@ -14226,10 +13893,14 @@
         <p:nvPicPr>
           <p:cNvPr id="6" name="Image 5"/>
           <p:cNvPicPr/>
-          <p:nvPr/>
+          <p:nvPr>
+            <p:custDataLst>
+              <p:tags r:id="rId4"/>
+            </p:custDataLst>
+          </p:nvPr>
         </p:nvPicPr>
         <p:blipFill>
-          <a:blip r:embed="rId2"/>
+          <a:blip r:embed="rId6"/>
           <a:stretch>
             <a:fillRect/>
           </a:stretch>
@@ -14289,6 +13960,9 @@
           </p:cNvSpPr>
           <p:nvPr>
             <p:ph type="title"/>
+            <p:custDataLst>
+              <p:tags r:id="rId1"/>
+            </p:custDataLst>
           </p:nvPr>
         </p:nvSpPr>
         <p:spPr/>
@@ -14311,6 +13985,9 @@
           </p:cNvSpPr>
           <p:nvPr>
             <p:ph type="sldNum" sz="quarter" idx="12"/>
+            <p:custDataLst>
+              <p:tags r:id="rId2"/>
+            </p:custDataLst>
           </p:nvPr>
         </p:nvSpPr>
         <p:spPr/>
@@ -14334,6 +14011,9 @@
           </p:cNvSpPr>
           <p:nvPr>
             <p:ph sz="quarter" idx="1"/>
+            <p:custDataLst>
+              <p:tags r:id="rId3"/>
+            </p:custDataLst>
           </p:nvPr>
         </p:nvSpPr>
         <p:spPr/>
@@ -14355,10 +14035,14 @@
         <p:nvPicPr>
           <p:cNvPr id="7" name="Image 6"/>
           <p:cNvPicPr/>
-          <p:nvPr/>
+          <p:nvPr>
+            <p:custDataLst>
+              <p:tags r:id="rId4"/>
+            </p:custDataLst>
+          </p:nvPr>
         </p:nvPicPr>
         <p:blipFill>
-          <a:blip r:embed="rId2"/>
+          <a:blip r:embed="rId6"/>
           <a:stretch>
             <a:fillRect/>
           </a:stretch>
@@ -14418,6 +14102,9 @@
           </p:cNvSpPr>
           <p:nvPr>
             <p:ph type="title"/>
+            <p:custDataLst>
+              <p:tags r:id="rId1"/>
+            </p:custDataLst>
           </p:nvPr>
         </p:nvSpPr>
         <p:spPr/>
@@ -14440,6 +14127,9 @@
           </p:cNvSpPr>
           <p:nvPr>
             <p:ph type="sldNum" sz="quarter" idx="12"/>
+            <p:custDataLst>
+              <p:tags r:id="rId2"/>
+            </p:custDataLst>
           </p:nvPr>
         </p:nvSpPr>
         <p:spPr/>
@@ -14463,6 +14153,9 @@
           </p:cNvSpPr>
           <p:nvPr>
             <p:ph sz="quarter" idx="1"/>
+            <p:custDataLst>
+              <p:tags r:id="rId3"/>
+            </p:custDataLst>
           </p:nvPr>
         </p:nvSpPr>
         <p:spPr/>
@@ -14484,10 +14177,14 @@
         <p:nvPicPr>
           <p:cNvPr id="6" name="Image 5"/>
           <p:cNvPicPr/>
-          <p:nvPr/>
+          <p:nvPr>
+            <p:custDataLst>
+              <p:tags r:id="rId4"/>
+            </p:custDataLst>
+          </p:nvPr>
         </p:nvPicPr>
         <p:blipFill>
-          <a:blip r:embed="rId2"/>
+          <a:blip r:embed="rId6"/>
           <a:stretch>
             <a:fillRect/>
           </a:stretch>
@@ -14547,6 +14244,9 @@
           </p:cNvSpPr>
           <p:nvPr>
             <p:ph type="title"/>
+            <p:custDataLst>
+              <p:tags r:id="rId1"/>
+            </p:custDataLst>
           </p:nvPr>
         </p:nvSpPr>
         <p:spPr/>
@@ -14570,6 +14270,9 @@
           </p:cNvSpPr>
           <p:nvPr>
             <p:ph type="sldNum" sz="quarter" idx="12"/>
+            <p:custDataLst>
+              <p:tags r:id="rId2"/>
+            </p:custDataLst>
           </p:nvPr>
         </p:nvSpPr>
         <p:spPr/>
@@ -14593,6 +14296,9 @@
           </p:cNvSpPr>
           <p:nvPr>
             <p:ph sz="quarter" idx="1"/>
+            <p:custDataLst>
+              <p:tags r:id="rId3"/>
+            </p:custDataLst>
           </p:nvPr>
         </p:nvSpPr>
         <p:spPr/>
@@ -14655,6 +14361,9 @@
           </p:cNvSpPr>
           <p:nvPr>
             <p:ph type="title"/>
+            <p:custDataLst>
+              <p:tags r:id="rId1"/>
+            </p:custDataLst>
           </p:nvPr>
         </p:nvSpPr>
         <p:spPr/>
@@ -14677,6 +14386,9 @@
           </p:cNvSpPr>
           <p:nvPr>
             <p:ph type="sldNum" sz="quarter" idx="12"/>
+            <p:custDataLst>
+              <p:tags r:id="rId2"/>
+            </p:custDataLst>
           </p:nvPr>
         </p:nvSpPr>
         <p:spPr/>
@@ -14700,6 +14412,9 @@
           </p:cNvSpPr>
           <p:nvPr>
             <p:ph sz="quarter" idx="1"/>
+            <p:custDataLst>
+              <p:tags r:id="rId3"/>
+            </p:custDataLst>
           </p:nvPr>
         </p:nvSpPr>
         <p:spPr/>
@@ -14721,10 +14436,14 @@
         <p:nvPicPr>
           <p:cNvPr id="7" name="Image 6"/>
           <p:cNvPicPr/>
-          <p:nvPr/>
+          <p:nvPr>
+            <p:custDataLst>
+              <p:tags r:id="rId4"/>
+            </p:custDataLst>
+          </p:nvPr>
         </p:nvPicPr>
         <p:blipFill>
-          <a:blip r:embed="rId2"/>
+          <a:blip r:embed="rId6"/>
           <a:stretch>
             <a:fillRect/>
           </a:stretch>
@@ -14784,6 +14503,9 @@
           </p:cNvSpPr>
           <p:nvPr>
             <p:ph type="title"/>
+            <p:custDataLst>
+              <p:tags r:id="rId1"/>
+            </p:custDataLst>
           </p:nvPr>
         </p:nvSpPr>
         <p:spPr/>
@@ -14806,6 +14528,9 @@
           </p:cNvSpPr>
           <p:nvPr>
             <p:ph type="sldNum" sz="quarter" idx="12"/>
+            <p:custDataLst>
+              <p:tags r:id="rId2"/>
+            </p:custDataLst>
           </p:nvPr>
         </p:nvSpPr>
         <p:spPr/>
@@ -14829,6 +14554,9 @@
           </p:cNvSpPr>
           <p:nvPr>
             <p:ph sz="quarter" idx="1"/>
+            <p:custDataLst>
+              <p:tags r:id="rId3"/>
+            </p:custDataLst>
           </p:nvPr>
         </p:nvSpPr>
         <p:spPr>
@@ -14855,10 +14583,14 @@
         <p:nvPicPr>
           <p:cNvPr id="6" name="Image 5"/>
           <p:cNvPicPr/>
-          <p:nvPr/>
+          <p:nvPr>
+            <p:custDataLst>
+              <p:tags r:id="rId4"/>
+            </p:custDataLst>
+          </p:nvPr>
         </p:nvPicPr>
         <p:blipFill>
-          <a:blip r:embed="rId2"/>
+          <a:blip r:embed="rId6"/>
           <a:stretch>
             <a:fillRect/>
           </a:stretch>
@@ -14918,6 +14650,9 @@
           </p:cNvSpPr>
           <p:nvPr>
             <p:ph type="title"/>
+            <p:custDataLst>
+              <p:tags r:id="rId1"/>
+            </p:custDataLst>
           </p:nvPr>
         </p:nvSpPr>
         <p:spPr/>
@@ -14940,6 +14675,9 @@
           </p:cNvSpPr>
           <p:nvPr>
             <p:ph type="sldNum" sz="quarter" idx="12"/>
+            <p:custDataLst>
+              <p:tags r:id="rId2"/>
+            </p:custDataLst>
           </p:nvPr>
         </p:nvSpPr>
         <p:spPr/>
@@ -14963,6 +14701,9 @@
           </p:cNvSpPr>
           <p:nvPr>
             <p:ph sz="quarter" idx="1"/>
+            <p:custDataLst>
+              <p:tags r:id="rId3"/>
+            </p:custDataLst>
           </p:nvPr>
         </p:nvSpPr>
         <p:spPr>
@@ -14989,10 +14730,14 @@
         <p:nvPicPr>
           <p:cNvPr id="7" name="Image 6"/>
           <p:cNvPicPr/>
-          <p:nvPr/>
+          <p:nvPr>
+            <p:custDataLst>
+              <p:tags r:id="rId4"/>
+            </p:custDataLst>
+          </p:nvPr>
         </p:nvPicPr>
         <p:blipFill>
-          <a:blip r:embed="rId2"/>
+          <a:blip r:embed="rId6"/>
           <a:stretch>
             <a:fillRect/>
           </a:stretch>
@@ -15052,6 +14797,9 @@
           </p:cNvSpPr>
           <p:nvPr>
             <p:ph type="title"/>
+            <p:custDataLst>
+              <p:tags r:id="rId1"/>
+            </p:custDataLst>
           </p:nvPr>
         </p:nvSpPr>
         <p:spPr/>
@@ -15074,6 +14822,9 @@
           </p:cNvSpPr>
           <p:nvPr>
             <p:ph type="sldNum" sz="quarter" idx="12"/>
+            <p:custDataLst>
+              <p:tags r:id="rId2"/>
+            </p:custDataLst>
           </p:nvPr>
         </p:nvSpPr>
         <p:spPr/>
@@ -15097,6 +14848,9 @@
           </p:cNvSpPr>
           <p:nvPr>
             <p:ph sz="quarter" idx="1"/>
+            <p:custDataLst>
+              <p:tags r:id="rId3"/>
+            </p:custDataLst>
           </p:nvPr>
         </p:nvSpPr>
         <p:spPr>
@@ -15123,10 +14877,14 @@
         <p:nvPicPr>
           <p:cNvPr id="7" name="Image 6"/>
           <p:cNvPicPr/>
-          <p:nvPr/>
+          <p:nvPr>
+            <p:custDataLst>
+              <p:tags r:id="rId4"/>
+            </p:custDataLst>
+          </p:nvPr>
         </p:nvPicPr>
         <p:blipFill>
-          <a:blip r:embed="rId2"/>
+          <a:blip r:embed="rId6"/>
           <a:stretch>
             <a:fillRect/>
           </a:stretch>
@@ -15186,6 +14944,9 @@
           </p:cNvSpPr>
           <p:nvPr>
             <p:ph type="title"/>
+            <p:custDataLst>
+              <p:tags r:id="rId1"/>
+            </p:custDataLst>
           </p:nvPr>
         </p:nvSpPr>
         <p:spPr/>
@@ -15209,6 +14970,9 @@
           </p:cNvSpPr>
           <p:nvPr>
             <p:ph type="sldNum" sz="quarter" idx="12"/>
+            <p:custDataLst>
+              <p:tags r:id="rId2"/>
+            </p:custDataLst>
           </p:nvPr>
         </p:nvSpPr>
         <p:spPr/>
@@ -15232,6 +14996,9 @@
           </p:cNvSpPr>
           <p:nvPr>
             <p:ph sz="quarter" idx="1"/>
+            <p:custDataLst>
+              <p:tags r:id="rId3"/>
+            </p:custDataLst>
           </p:nvPr>
         </p:nvSpPr>
         <p:spPr/>
@@ -15306,10 +15073,14 @@
           <p:cNvPicPr>
             <a:picLocks noChangeAspect="1" noChangeArrowheads="1"/>
           </p:cNvPicPr>
-          <p:nvPr/>
+          <p:nvPr>
+            <p:custDataLst>
+              <p:tags r:id="rId4"/>
+            </p:custDataLst>
+          </p:nvPr>
         </p:nvPicPr>
         <p:blipFill>
-          <a:blip r:embed="rId2">
+          <a:blip r:embed="rId6">
             <a:extLst>
               <a:ext uri="{28A0092B-C50C-407E-A947-70E740481C1C}">
                 <a14:useLocalDpi xmlns:a14="http://schemas.microsoft.com/office/drawing/2010/main" val="0"/>
@@ -15386,6 +15157,9 @@
           </p:cNvSpPr>
           <p:nvPr>
             <p:ph type="title"/>
+            <p:custDataLst>
+              <p:tags r:id="rId1"/>
+            </p:custDataLst>
           </p:nvPr>
         </p:nvSpPr>
         <p:spPr/>
@@ -15409,6 +15183,9 @@
           </p:cNvSpPr>
           <p:nvPr>
             <p:ph type="sldNum" sz="quarter" idx="12"/>
+            <p:custDataLst>
+              <p:tags r:id="rId2"/>
+            </p:custDataLst>
           </p:nvPr>
         </p:nvSpPr>
         <p:spPr/>
@@ -15432,6 +15209,9 @@
           </p:cNvSpPr>
           <p:nvPr>
             <p:ph sz="quarter" idx="1"/>
+            <p:custDataLst>
+              <p:tags r:id="rId3"/>
+            </p:custDataLst>
           </p:nvPr>
         </p:nvSpPr>
         <p:spPr/>
@@ -15497,10 +15277,14 @@
           <p:cNvPicPr>
             <a:picLocks noChangeAspect="1" noChangeArrowheads="1"/>
           </p:cNvPicPr>
-          <p:nvPr/>
+          <p:nvPr>
+            <p:custDataLst>
+              <p:tags r:id="rId4"/>
+            </p:custDataLst>
+          </p:nvPr>
         </p:nvPicPr>
         <p:blipFill>
-          <a:blip r:embed="rId2">
+          <a:blip r:embed="rId6">
             <a:extLst>
               <a:ext uri="{28A0092B-C50C-407E-A947-70E740481C1C}">
                 <a14:useLocalDpi xmlns:a14="http://schemas.microsoft.com/office/drawing/2010/main" val="0"/>
@@ -15577,6 +15361,9 @@
           </p:cNvSpPr>
           <p:nvPr>
             <p:ph type="title"/>
+            <p:custDataLst>
+              <p:tags r:id="rId1"/>
+            </p:custDataLst>
           </p:nvPr>
         </p:nvSpPr>
         <p:spPr/>
@@ -15600,6 +15387,9 @@
           </p:cNvSpPr>
           <p:nvPr>
             <p:ph type="sldNum" sz="quarter" idx="12"/>
+            <p:custDataLst>
+              <p:tags r:id="rId2"/>
+            </p:custDataLst>
           </p:nvPr>
         </p:nvSpPr>
         <p:spPr/>
@@ -15611,7 +15401,7 @@
               <a:rPr lang="fr-FR" smtClean="0"/>
               <a:t>36</a:t>
             </a:fld>
-            <a:endParaRPr lang="fr-FR"/>
+            <a:endParaRPr lang="fr-FR" dirty="0"/>
           </a:p>
         </p:txBody>
       </p:sp>
@@ -15623,6 +15413,9 @@
           </p:cNvSpPr>
           <p:nvPr>
             <p:ph sz="quarter" idx="1"/>
+            <p:custDataLst>
+              <p:tags r:id="rId3"/>
+            </p:custDataLst>
           </p:nvPr>
         </p:nvSpPr>
         <p:spPr/>
@@ -15741,6 +15534,9 @@
           </p:cNvSpPr>
           <p:nvPr>
             <p:ph type="title"/>
+            <p:custDataLst>
+              <p:tags r:id="rId1"/>
+            </p:custDataLst>
           </p:nvPr>
         </p:nvSpPr>
         <p:spPr/>
@@ -15764,6 +15560,9 @@
           </p:cNvSpPr>
           <p:nvPr>
             <p:ph type="sldNum" sz="quarter" idx="12"/>
+            <p:custDataLst>
+              <p:tags r:id="rId2"/>
+            </p:custDataLst>
           </p:nvPr>
         </p:nvSpPr>
         <p:spPr/>
@@ -15787,6 +15586,9 @@
           </p:cNvSpPr>
           <p:nvPr>
             <p:ph sz="quarter" idx="1"/>
+            <p:custDataLst>
+              <p:tags r:id="rId3"/>
+            </p:custDataLst>
           </p:nvPr>
         </p:nvSpPr>
         <p:spPr/>
@@ -15894,6 +15696,9 @@
           </p:cNvSpPr>
           <p:nvPr>
             <p:ph type="title"/>
+            <p:custDataLst>
+              <p:tags r:id="rId1"/>
+            </p:custDataLst>
           </p:nvPr>
         </p:nvSpPr>
         <p:spPr/>
@@ -15917,6 +15722,9 @@
           </p:cNvSpPr>
           <p:nvPr>
             <p:ph type="sldNum" sz="quarter" idx="12"/>
+            <p:custDataLst>
+              <p:tags r:id="rId2"/>
+            </p:custDataLst>
           </p:nvPr>
         </p:nvSpPr>
         <p:spPr/>
@@ -15940,6 +15748,9 @@
           </p:cNvSpPr>
           <p:nvPr>
             <p:ph sz="quarter" idx="1"/>
+            <p:custDataLst>
+              <p:tags r:id="rId3"/>
+            </p:custDataLst>
           </p:nvPr>
         </p:nvSpPr>
         <p:spPr/>
@@ -15980,6 +15791,9 @@
           <p:cNvPr id="5" name="Graphique 4"/>
           <p:cNvGraphicFramePr/>
           <p:nvPr>
+            <p:custDataLst>
+              <p:tags r:id="rId4"/>
+            </p:custDataLst>
             <p:extLst>
               <p:ext uri="{D42A27DB-BD31-4B8C-83A1-F6EECF244321}">
                 <p14:modId xmlns:p14="http://schemas.microsoft.com/office/powerpoint/2010/main" val="1767852318"/>
@@ -15993,7 +15807,7 @@
         </p:xfrm>
         <a:graphic>
           <a:graphicData uri="http://schemas.openxmlformats.org/drawingml/2006/chart">
-            <c:chart xmlns:c="http://schemas.openxmlformats.org/drawingml/2006/chart" xmlns:r="http://schemas.openxmlformats.org/officeDocument/2006/relationships" r:id="rId2"/>
+            <c:chart xmlns:c="http://schemas.openxmlformats.org/drawingml/2006/chart" xmlns:r="http://schemas.openxmlformats.org/officeDocument/2006/relationships" r:id="rId6"/>
           </a:graphicData>
         </a:graphic>
       </p:graphicFrame>
@@ -16042,6 +15856,9 @@
           </p:cNvSpPr>
           <p:nvPr>
             <p:ph type="title"/>
+            <p:custDataLst>
+              <p:tags r:id="rId1"/>
+            </p:custDataLst>
           </p:nvPr>
         </p:nvSpPr>
         <p:spPr/>
@@ -16065,6 +15882,9 @@
           </p:cNvSpPr>
           <p:nvPr>
             <p:ph type="sldNum" sz="quarter" idx="12"/>
+            <p:custDataLst>
+              <p:tags r:id="rId2"/>
+            </p:custDataLst>
           </p:nvPr>
         </p:nvSpPr>
         <p:spPr/>
@@ -16088,6 +15908,9 @@
           </p:cNvSpPr>
           <p:nvPr>
             <p:ph sz="quarter" idx="1"/>
+            <p:custDataLst>
+              <p:tags r:id="rId3"/>
+            </p:custDataLst>
           </p:nvPr>
         </p:nvSpPr>
         <p:spPr/>
@@ -16125,6 +15948,9 @@
           <p:cNvPr id="6" name="Graphique 5"/>
           <p:cNvGraphicFramePr/>
           <p:nvPr>
+            <p:custDataLst>
+              <p:tags r:id="rId4"/>
+            </p:custDataLst>
             <p:extLst>
               <p:ext uri="{D42A27DB-BD31-4B8C-83A1-F6EECF244321}">
                 <p14:modId xmlns:p14="http://schemas.microsoft.com/office/powerpoint/2010/main" val="1479708883"/>
@@ -16138,7 +15964,7 @@
         </p:xfrm>
         <a:graphic>
           <a:graphicData uri="http://schemas.openxmlformats.org/drawingml/2006/chart">
-            <c:chart xmlns:c="http://schemas.openxmlformats.org/drawingml/2006/chart" xmlns:r="http://schemas.openxmlformats.org/officeDocument/2006/relationships" r:id="rId2"/>
+            <c:chart xmlns:c="http://schemas.openxmlformats.org/drawingml/2006/chart" xmlns:r="http://schemas.openxmlformats.org/officeDocument/2006/relationships" r:id="rId6"/>
           </a:graphicData>
         </a:graphic>
       </p:graphicFrame>
@@ -16187,6 +16013,9 @@
           </p:cNvSpPr>
           <p:nvPr>
             <p:ph type="title"/>
+            <p:custDataLst>
+              <p:tags r:id="rId1"/>
+            </p:custDataLst>
           </p:nvPr>
         </p:nvSpPr>
         <p:spPr/>
@@ -16210,6 +16039,9 @@
           </p:cNvSpPr>
           <p:nvPr>
             <p:ph type="sldNum" sz="quarter" idx="12"/>
+            <p:custDataLst>
+              <p:tags r:id="rId2"/>
+            </p:custDataLst>
           </p:nvPr>
         </p:nvSpPr>
         <p:spPr/>
@@ -16233,6 +16065,9 @@
           </p:cNvSpPr>
           <p:nvPr>
             <p:ph sz="quarter" idx="1"/>
+            <p:custDataLst>
+              <p:tags r:id="rId3"/>
+            </p:custDataLst>
           </p:nvPr>
         </p:nvSpPr>
         <p:spPr/>
@@ -16242,7 +16077,7 @@
           <a:p>
             <a:r>
               <a:rPr lang="fr-FR" dirty="0" smtClean="0"/>
-              <a:t>A notre disposition</a:t>
+              <a:t>À notre disposition</a:t>
             </a:r>
           </a:p>
           <a:p>
@@ -16256,7 +16091,7 @@
             <a:pPr lvl="2"/>
             <a:r>
               <a:rPr lang="fr-FR" dirty="0" smtClean="0"/>
-              <a:t>Possibilité d’ajouter des plug-in</a:t>
+              <a:t>Possibilité d’ajouter des plug-ins</a:t>
             </a:r>
           </a:p>
           <a:p>
@@ -16270,7 +16105,7 @@
             <a:pPr lvl="2"/>
             <a:r>
               <a:rPr lang="fr-FR" dirty="0" smtClean="0"/>
-              <a:t>Permet entre autre la manipulation de Firefox en ligne de commande</a:t>
+              <a:t>Permets entre autres la manipulation de Firefox en ligne de commande</a:t>
             </a:r>
           </a:p>
           <a:p>
@@ -16328,6 +16163,9 @@
           </p:cNvSpPr>
           <p:nvPr>
             <p:ph type="title"/>
+            <p:custDataLst>
+              <p:tags r:id="rId1"/>
+            </p:custDataLst>
           </p:nvPr>
         </p:nvSpPr>
         <p:spPr/>
@@ -16351,6 +16189,9 @@
           </p:cNvSpPr>
           <p:nvPr>
             <p:ph type="sldNum" sz="quarter" idx="12"/>
+            <p:custDataLst>
+              <p:tags r:id="rId2"/>
+            </p:custDataLst>
           </p:nvPr>
         </p:nvSpPr>
         <p:spPr/>
@@ -16374,6 +16215,9 @@
           </p:cNvSpPr>
           <p:nvPr>
             <p:ph sz="quarter" idx="1"/>
+            <p:custDataLst>
+              <p:tags r:id="rId3"/>
+            </p:custDataLst>
           </p:nvPr>
         </p:nvSpPr>
         <p:spPr/>
@@ -16425,6 +16269,9 @@
           <p:cNvPr id="7" name="Graphique 6"/>
           <p:cNvGraphicFramePr/>
           <p:nvPr>
+            <p:custDataLst>
+              <p:tags r:id="rId4"/>
+            </p:custDataLst>
             <p:extLst>
               <p:ext uri="{D42A27DB-BD31-4B8C-83A1-F6EECF244321}">
                 <p14:modId xmlns:p14="http://schemas.microsoft.com/office/powerpoint/2010/main" val="3787659251"/>
@@ -16438,7 +16285,7 @@
         </p:xfrm>
         <a:graphic>
           <a:graphicData uri="http://schemas.openxmlformats.org/drawingml/2006/chart">
-            <c:chart xmlns:c="http://schemas.openxmlformats.org/drawingml/2006/chart" xmlns:r="http://schemas.openxmlformats.org/officeDocument/2006/relationships" r:id="rId2"/>
+            <c:chart xmlns:c="http://schemas.openxmlformats.org/drawingml/2006/chart" xmlns:r="http://schemas.openxmlformats.org/officeDocument/2006/relationships" r:id="rId6"/>
           </a:graphicData>
         </a:graphic>
       </p:graphicFrame>
@@ -16487,6 +16334,9 @@
           </p:cNvSpPr>
           <p:nvPr>
             <p:ph type="title"/>
+            <p:custDataLst>
+              <p:tags r:id="rId1"/>
+            </p:custDataLst>
           </p:nvPr>
         </p:nvSpPr>
         <p:spPr/>
@@ -16510,6 +16360,9 @@
           </p:cNvSpPr>
           <p:nvPr>
             <p:ph type="sldNum" sz="quarter" idx="12"/>
+            <p:custDataLst>
+              <p:tags r:id="rId2"/>
+            </p:custDataLst>
           </p:nvPr>
         </p:nvSpPr>
         <p:spPr/>
@@ -16533,6 +16386,9 @@
           </p:cNvSpPr>
           <p:nvPr>
             <p:ph sz="quarter" idx="1"/>
+            <p:custDataLst>
+              <p:tags r:id="rId3"/>
+            </p:custDataLst>
           </p:nvPr>
         </p:nvSpPr>
         <p:spPr/>
@@ -16575,6 +16431,9 @@
           <p:cNvPr id="6" name="Graphique 5"/>
           <p:cNvGraphicFramePr/>
           <p:nvPr>
+            <p:custDataLst>
+              <p:tags r:id="rId4"/>
+            </p:custDataLst>
             <p:extLst>
               <p:ext uri="{D42A27DB-BD31-4B8C-83A1-F6EECF244321}">
                 <p14:modId xmlns:p14="http://schemas.microsoft.com/office/powerpoint/2010/main" val="4063244721"/>
@@ -16588,7 +16447,7 @@
         </p:xfrm>
         <a:graphic>
           <a:graphicData uri="http://schemas.openxmlformats.org/drawingml/2006/chart">
-            <c:chart xmlns:c="http://schemas.openxmlformats.org/drawingml/2006/chart" xmlns:r="http://schemas.openxmlformats.org/officeDocument/2006/relationships" r:id="rId2"/>
+            <c:chart xmlns:c="http://schemas.openxmlformats.org/drawingml/2006/chart" xmlns:r="http://schemas.openxmlformats.org/officeDocument/2006/relationships" r:id="rId6"/>
           </a:graphicData>
         </a:graphic>
       </p:graphicFrame>
@@ -16637,6 +16496,9 @@
           </p:cNvSpPr>
           <p:nvPr>
             <p:ph type="title"/>
+            <p:custDataLst>
+              <p:tags r:id="rId1"/>
+            </p:custDataLst>
           </p:nvPr>
         </p:nvSpPr>
         <p:spPr/>
@@ -16660,6 +16522,9 @@
           </p:cNvSpPr>
           <p:nvPr>
             <p:ph type="sldNum" sz="quarter" idx="12"/>
+            <p:custDataLst>
+              <p:tags r:id="rId2"/>
+            </p:custDataLst>
           </p:nvPr>
         </p:nvSpPr>
         <p:spPr/>
@@ -16683,6 +16548,9 @@
           </p:cNvSpPr>
           <p:nvPr>
             <p:ph sz="quarter" idx="1"/>
+            <p:custDataLst>
+              <p:tags r:id="rId3"/>
+            </p:custDataLst>
           </p:nvPr>
         </p:nvSpPr>
         <p:spPr/>
@@ -16818,6 +16686,9 @@
           </p:cNvSpPr>
           <p:nvPr>
             <p:ph type="title"/>
+            <p:custDataLst>
+              <p:tags r:id="rId1"/>
+            </p:custDataLst>
           </p:nvPr>
         </p:nvSpPr>
         <p:spPr/>
@@ -16841,6 +16712,9 @@
           </p:cNvSpPr>
           <p:nvPr>
             <p:ph type="sldNum" sz="quarter" idx="12"/>
+            <p:custDataLst>
+              <p:tags r:id="rId2"/>
+            </p:custDataLst>
           </p:nvPr>
         </p:nvSpPr>
         <p:spPr/>
@@ -16852,7 +16726,7 @@
               <a:rPr lang="fr-FR" smtClean="0"/>
               <a:t>43</a:t>
             </a:fld>
-            <a:endParaRPr lang="fr-FR"/>
+            <a:endParaRPr lang="fr-FR" dirty="0"/>
           </a:p>
         </p:txBody>
       </p:sp>
@@ -16864,6 +16738,9 @@
           </p:cNvSpPr>
           <p:nvPr>
             <p:ph sz="quarter" idx="1"/>
+            <p:custDataLst>
+              <p:tags r:id="rId3"/>
+            </p:custDataLst>
           </p:nvPr>
         </p:nvSpPr>
         <p:spPr/>
@@ -16928,10 +16805,14 @@
           <p:cNvPicPr>
             <a:picLocks noChangeAspect="1" noChangeArrowheads="1"/>
           </p:cNvPicPr>
-          <p:nvPr/>
+          <p:nvPr>
+            <p:custDataLst>
+              <p:tags r:id="rId4"/>
+            </p:custDataLst>
+          </p:nvPr>
         </p:nvPicPr>
         <p:blipFill>
-          <a:blip r:embed="rId2">
+          <a:blip r:embed="rId6">
             <a:extLst>
               <a:ext uri="{28A0092B-C50C-407E-A947-70E740481C1C}">
                 <a14:useLocalDpi xmlns:a14="http://schemas.microsoft.com/office/drawing/2010/main" val="0"/>
@@ -17006,6 +16887,141 @@
 </p:sld>
 </file>
 
+<file path=ppt/slides/slide44.xml><?xml version="1.0" encoding="utf-8"?>
+<p:sld xmlns:a="http://schemas.openxmlformats.org/drawingml/2006/main" xmlns:r="http://schemas.openxmlformats.org/officeDocument/2006/relationships" xmlns:p="http://schemas.openxmlformats.org/presentationml/2006/main">
+  <p:cSld>
+    <p:spTree>
+      <p:nvGrpSpPr>
+        <p:cNvPr id="1" name=""/>
+        <p:cNvGrpSpPr/>
+        <p:nvPr/>
+      </p:nvGrpSpPr>
+      <p:grpSpPr>
+        <a:xfrm>
+          <a:off x="0" y="0"/>
+          <a:ext cx="0" cy="0"/>
+          <a:chOff x="0" y="0"/>
+          <a:chExt cx="0" cy="0"/>
+        </a:xfrm>
+      </p:grpSpPr>
+      <p:sp>
+        <p:nvSpPr>
+          <p:cNvPr id="2" name="Titre 1"/>
+          <p:cNvSpPr>
+            <a:spLocks noGrp="1"/>
+          </p:cNvSpPr>
+          <p:nvPr>
+            <p:ph type="title"/>
+            <p:custDataLst>
+              <p:tags r:id="rId1"/>
+            </p:custDataLst>
+          </p:nvPr>
+        </p:nvSpPr>
+        <p:spPr/>
+        <p:txBody>
+          <a:bodyPr/>
+          <a:lstStyle/>
+          <a:p>
+            <a:r>
+              <a:rPr lang="fr-FR" dirty="0" smtClean="0"/>
+              <a:t>Merci de votre attention</a:t>
+            </a:r>
+            <a:endParaRPr lang="fr-FR" dirty="0"/>
+          </a:p>
+        </p:txBody>
+      </p:sp>
+      <p:sp>
+        <p:nvSpPr>
+          <p:cNvPr id="3" name="Espace réservé du numéro de diapositive 2"/>
+          <p:cNvSpPr>
+            <a:spLocks noGrp="1"/>
+          </p:cNvSpPr>
+          <p:nvPr>
+            <p:ph type="sldNum" sz="quarter" idx="12"/>
+            <p:custDataLst>
+              <p:tags r:id="rId2"/>
+            </p:custDataLst>
+          </p:nvPr>
+        </p:nvSpPr>
+        <p:spPr/>
+        <p:txBody>
+          <a:bodyPr/>
+          <a:lstStyle/>
+          <a:p>
+            <a:fld id="{0F242953-DAFC-495B-AE02-16ED9D37F665}" type="slidenum">
+              <a:rPr lang="fr-FR" smtClean="0"/>
+              <a:t>44</a:t>
+            </a:fld>
+            <a:endParaRPr lang="fr-FR" dirty="0"/>
+          </a:p>
+        </p:txBody>
+      </p:sp>
+      <p:pic>
+        <p:nvPicPr>
+          <p:cNvPr id="1026" name="Picture 2" descr="C:\Users\NicolasMac\AppData\Local\Microsoft\Windows\Temporary Internet Files\Content.IE5\O89XBA6O\MC900441498[1].png"/>
+          <p:cNvPicPr>
+            <a:picLocks noGrp="1" noChangeAspect="1" noChangeArrowheads="1"/>
+          </p:cNvPicPr>
+          <p:nvPr>
+            <p:ph sz="quarter" idx="1"/>
+            <p:custDataLst>
+              <p:tags r:id="rId3"/>
+            </p:custDataLst>
+          </p:nvPr>
+        </p:nvPicPr>
+        <p:blipFill>
+          <a:blip r:embed="rId5">
+            <a:extLst>
+              <a:ext uri="{28A0092B-C50C-407E-A947-70E740481C1C}">
+                <a14:useLocalDpi xmlns:a14="http://schemas.microsoft.com/office/drawing/2010/main" val="0"/>
+              </a:ext>
+            </a:extLst>
+          </a:blip>
+          <a:srcRect/>
+          <a:stretch>
+            <a:fillRect/>
+          </a:stretch>
+        </p:blipFill>
+        <p:spPr bwMode="auto">
+          <a:xfrm>
+            <a:off x="2725172" y="1984603"/>
+            <a:ext cx="3657143" cy="3657143"/>
+          </a:xfrm>
+          <a:prstGeom prst="rect">
+            <a:avLst/>
+          </a:prstGeom>
+          <a:noFill/>
+          <a:extLst>
+            <a:ext uri="{909E8E84-426E-40DD-AFC4-6F175D3DCCD1}">
+              <a14:hiddenFill xmlns:a14="http://schemas.microsoft.com/office/drawing/2010/main">
+                <a:solidFill>
+                  <a:srgbClr val="FFFFFF"/>
+                </a:solidFill>
+              </a14:hiddenFill>
+            </a:ext>
+          </a:extLst>
+        </p:spPr>
+      </p:pic>
+    </p:spTree>
+    <p:extLst>
+      <p:ext uri="{BB962C8B-B14F-4D97-AF65-F5344CB8AC3E}">
+        <p14:creationId xmlns:p14="http://schemas.microsoft.com/office/powerpoint/2010/main" val="2003471368"/>
+      </p:ext>
+    </p:extLst>
+  </p:cSld>
+  <p:clrMapOvr>
+    <a:masterClrMapping/>
+  </p:clrMapOvr>
+  <p:timing>
+    <p:tnLst>
+      <p:par>
+        <p:cTn id="1" dur="indefinite" restart="never" nodeType="tmRoot"/>
+      </p:par>
+    </p:tnLst>
+  </p:timing>
+</p:sld>
+</file>
+
 <file path=ppt/slides/slide5.xml><?xml version="1.0" encoding="utf-8"?>
 <p:sld xmlns:a="http://schemas.openxmlformats.org/drawingml/2006/main" xmlns:r="http://schemas.openxmlformats.org/officeDocument/2006/relationships" xmlns:p="http://schemas.openxmlformats.org/presentationml/2006/main">
   <p:cSld>
@@ -17031,6 +17047,9 @@
           </p:cNvSpPr>
           <p:nvPr>
             <p:ph type="title"/>
+            <p:custDataLst>
+              <p:tags r:id="rId1"/>
+            </p:custDataLst>
           </p:nvPr>
         </p:nvSpPr>
         <p:spPr/>
@@ -17054,6 +17073,9 @@
           </p:cNvSpPr>
           <p:nvPr>
             <p:ph type="sldNum" sz="quarter" idx="12"/>
+            <p:custDataLst>
+              <p:tags r:id="rId2"/>
+            </p:custDataLst>
           </p:nvPr>
         </p:nvSpPr>
         <p:spPr/>
@@ -17077,6 +17099,9 @@
           </p:cNvSpPr>
           <p:nvPr>
             <p:ph sz="quarter" idx="1"/>
+            <p:custDataLst>
+              <p:tags r:id="rId3"/>
+            </p:custDataLst>
           </p:nvPr>
         </p:nvSpPr>
         <p:spPr/>
@@ -17169,6 +17194,9 @@
           </p:cNvSpPr>
           <p:nvPr>
             <p:ph type="title"/>
+            <p:custDataLst>
+              <p:tags r:id="rId1"/>
+            </p:custDataLst>
           </p:nvPr>
         </p:nvSpPr>
         <p:spPr/>
@@ -17192,6 +17220,9 @@
           </p:cNvSpPr>
           <p:nvPr>
             <p:ph type="sldNum" sz="quarter" idx="12"/>
+            <p:custDataLst>
+              <p:tags r:id="rId2"/>
+            </p:custDataLst>
           </p:nvPr>
         </p:nvSpPr>
         <p:spPr/>
@@ -17215,6 +17246,9 @@
           </p:cNvSpPr>
           <p:nvPr>
             <p:ph sz="quarter" idx="1"/>
+            <p:custDataLst>
+              <p:tags r:id="rId3"/>
+            </p:custDataLst>
           </p:nvPr>
         </p:nvSpPr>
         <p:spPr/>
@@ -17265,7 +17299,7 @@
             <a:pPr lvl="2"/>
             <a:r>
               <a:rPr lang="fr-FR" dirty="0" smtClean="0"/>
-              <a:t>Le notre</a:t>
+              <a:t>Le nôtre</a:t>
             </a:r>
           </a:p>
           <a:p>
@@ -17326,6 +17360,9 @@
           </p:cNvSpPr>
           <p:nvPr>
             <p:ph type="title"/>
+            <p:custDataLst>
+              <p:tags r:id="rId1"/>
+            </p:custDataLst>
           </p:nvPr>
         </p:nvSpPr>
         <p:spPr/>
@@ -17349,6 +17386,9 @@
           </p:cNvSpPr>
           <p:nvPr>
             <p:ph type="sldNum" sz="quarter" idx="12"/>
+            <p:custDataLst>
+              <p:tags r:id="rId2"/>
+            </p:custDataLst>
           </p:nvPr>
         </p:nvSpPr>
         <p:spPr/>
@@ -17372,6 +17412,9 @@
           </p:cNvSpPr>
           <p:nvPr>
             <p:ph sz="quarter" idx="1"/>
+            <p:custDataLst>
+              <p:tags r:id="rId3"/>
+            </p:custDataLst>
           </p:nvPr>
         </p:nvSpPr>
         <p:spPr/>
@@ -17453,6 +17496,9 @@
           </p:cNvSpPr>
           <p:nvPr>
             <p:ph type="title"/>
+            <p:custDataLst>
+              <p:tags r:id="rId1"/>
+            </p:custDataLst>
           </p:nvPr>
         </p:nvSpPr>
         <p:spPr/>
@@ -17476,6 +17522,9 @@
           </p:cNvSpPr>
           <p:nvPr>
             <p:ph type="sldNum" sz="quarter" idx="12"/>
+            <p:custDataLst>
+              <p:tags r:id="rId2"/>
+            </p:custDataLst>
           </p:nvPr>
         </p:nvSpPr>
         <p:spPr/>
@@ -17499,6 +17548,9 @@
           </p:cNvSpPr>
           <p:nvPr>
             <p:ph sz="quarter" idx="1"/>
+            <p:custDataLst>
+              <p:tags r:id="rId3"/>
+            </p:custDataLst>
           </p:nvPr>
         </p:nvSpPr>
         <p:spPr/>
@@ -17520,10 +17572,14 @@
         <p:nvPicPr>
           <p:cNvPr id="5" name="Image 4"/>
           <p:cNvPicPr/>
-          <p:nvPr/>
+          <p:nvPr>
+            <p:custDataLst>
+              <p:tags r:id="rId4"/>
+            </p:custDataLst>
+          </p:nvPr>
         </p:nvPicPr>
         <p:blipFill>
-          <a:blip r:embed="rId2">
+          <a:blip r:embed="rId7">
             <a:extLst>
               <a:ext uri="{28A0092B-C50C-407E-A947-70E740481C1C}">
                 <a14:useLocalDpi xmlns:a14="http://schemas.microsoft.com/office/drawing/2010/main" val="0"/>
@@ -17553,7 +17609,11 @@
         <p:nvSpPr>
           <p:cNvPr id="6" name="Rectangle à coins arrondis 5"/>
           <p:cNvSpPr/>
-          <p:nvPr/>
+          <p:nvPr>
+            <p:custDataLst>
+              <p:tags r:id="rId5"/>
+            </p:custDataLst>
+          </p:nvPr>
         </p:nvSpPr>
         <p:spPr>
           <a:xfrm>
@@ -17641,6 +17701,9 @@
           </p:cNvSpPr>
           <p:nvPr>
             <p:ph type="body" idx="1"/>
+            <p:custDataLst>
+              <p:tags r:id="rId1"/>
+            </p:custDataLst>
           </p:nvPr>
         </p:nvSpPr>
         <p:spPr/>
@@ -17664,6 +17727,9 @@
           </p:cNvSpPr>
           <p:nvPr>
             <p:ph type="body" sz="half" idx="3"/>
+            <p:custDataLst>
+              <p:tags r:id="rId2"/>
+            </p:custDataLst>
           </p:nvPr>
         </p:nvSpPr>
         <p:spPr/>
@@ -17687,10 +17753,13 @@
           </p:cNvPicPr>
           <p:nvPr>
             <p:ph sz="quarter" idx="2"/>
+            <p:custDataLst>
+              <p:tags r:id="rId3"/>
+            </p:custDataLst>
           </p:nvPr>
         </p:nvPicPr>
         <p:blipFill>
-          <a:blip r:embed="rId3">
+          <a:blip r:embed="rId9">
             <a:extLst>
               <a:ext uri="{28A0092B-C50C-407E-A947-70E740481C1C}">
                 <a14:useLocalDpi xmlns:a14="http://schemas.microsoft.com/office/drawing/2010/main" val="0"/>
@@ -17723,10 +17792,13 @@
           </p:cNvPicPr>
           <p:nvPr>
             <p:ph sz="quarter" idx="4"/>
+            <p:custDataLst>
+              <p:tags r:id="rId4"/>
+            </p:custDataLst>
           </p:nvPr>
         </p:nvPicPr>
         <p:blipFill>
-          <a:blip r:embed="rId4">
+          <a:blip r:embed="rId10">
             <a:extLst>
               <a:ext uri="{28A0092B-C50C-407E-A947-70E740481C1C}">
                 <a14:useLocalDpi xmlns:a14="http://schemas.microsoft.com/office/drawing/2010/main" val="0"/>
@@ -17759,6 +17831,9 @@
           </p:cNvSpPr>
           <p:nvPr>
             <p:ph type="sldNum" sz="quarter" idx="12"/>
+            <p:custDataLst>
+              <p:tags r:id="rId5"/>
+            </p:custDataLst>
           </p:nvPr>
         </p:nvSpPr>
         <p:spPr/>
@@ -17782,6 +17857,9 @@
           </p:cNvSpPr>
           <p:nvPr>
             <p:ph type="title"/>
+            <p:custDataLst>
+              <p:tags r:id="rId6"/>
+            </p:custDataLst>
           </p:nvPr>
         </p:nvSpPr>
         <p:spPr/>
@@ -17815,6 +17893,972 @@
     </p:tnLst>
   </p:timing>
 </p:sld>
+</file>
+
+<file path=ppt/tags/tag1.xml><?xml version="1.0" encoding="utf-8"?>
+<p:tagLst xmlns:a="http://schemas.openxmlformats.org/drawingml/2006/main" xmlns:r="http://schemas.openxmlformats.org/officeDocument/2006/relationships" xmlns:p="http://schemas.openxmlformats.org/presentationml/2006/main">
+  <p:tag name="NUM" val="1"/>
+</p:tagLst>
+</file>
+
+<file path=ppt/tags/tag10.xml><?xml version="1.0" encoding="utf-8"?>
+<p:tagLst xmlns:a="http://schemas.openxmlformats.org/drawingml/2006/main" xmlns:r="http://schemas.openxmlformats.org/officeDocument/2006/relationships" xmlns:p="http://schemas.openxmlformats.org/presentationml/2006/main">
+  <p:tag name="NUM" val="3"/>
+</p:tagLst>
+</file>
+
+<file path=ppt/tags/tag100.xml><?xml version="1.0" encoding="utf-8"?>
+<p:tagLst xmlns:a="http://schemas.openxmlformats.org/drawingml/2006/main" xmlns:r="http://schemas.openxmlformats.org/officeDocument/2006/relationships" xmlns:p="http://schemas.openxmlformats.org/presentationml/2006/main">
+  <p:tag name="NUM" val="3"/>
+</p:tagLst>
+</file>
+
+<file path=ppt/tags/tag101.xml><?xml version="1.0" encoding="utf-8"?>
+<p:tagLst xmlns:a="http://schemas.openxmlformats.org/drawingml/2006/main" xmlns:r="http://schemas.openxmlformats.org/officeDocument/2006/relationships" xmlns:p="http://schemas.openxmlformats.org/presentationml/2006/main">
+  <p:tag name="NUM" val="4"/>
+</p:tagLst>
+</file>
+
+<file path=ppt/tags/tag102.xml><?xml version="1.0" encoding="utf-8"?>
+<p:tagLst xmlns:a="http://schemas.openxmlformats.org/drawingml/2006/main" xmlns:r="http://schemas.openxmlformats.org/officeDocument/2006/relationships" xmlns:p="http://schemas.openxmlformats.org/presentationml/2006/main">
+  <p:tag name="NUM" val="1"/>
+</p:tagLst>
+</file>
+
+<file path=ppt/tags/tag103.xml><?xml version="1.0" encoding="utf-8"?>
+<p:tagLst xmlns:a="http://schemas.openxmlformats.org/drawingml/2006/main" xmlns:r="http://schemas.openxmlformats.org/officeDocument/2006/relationships" xmlns:p="http://schemas.openxmlformats.org/presentationml/2006/main">
+  <p:tag name="NUM" val="2"/>
+</p:tagLst>
+</file>
+
+<file path=ppt/tags/tag104.xml><?xml version="1.0" encoding="utf-8"?>
+<p:tagLst xmlns:a="http://schemas.openxmlformats.org/drawingml/2006/main" xmlns:r="http://schemas.openxmlformats.org/officeDocument/2006/relationships" xmlns:p="http://schemas.openxmlformats.org/presentationml/2006/main">
+  <p:tag name="NUM" val="3"/>
+</p:tagLst>
+</file>
+
+<file path=ppt/tags/tag105.xml><?xml version="1.0" encoding="utf-8"?>
+<p:tagLst xmlns:a="http://schemas.openxmlformats.org/drawingml/2006/main" xmlns:r="http://schemas.openxmlformats.org/officeDocument/2006/relationships" xmlns:p="http://schemas.openxmlformats.org/presentationml/2006/main">
+  <p:tag name="NUM" val="4"/>
+</p:tagLst>
+</file>
+
+<file path=ppt/tags/tag106.xml><?xml version="1.0" encoding="utf-8"?>
+<p:tagLst xmlns:a="http://schemas.openxmlformats.org/drawingml/2006/main" xmlns:r="http://schemas.openxmlformats.org/officeDocument/2006/relationships" xmlns:p="http://schemas.openxmlformats.org/presentationml/2006/main">
+  <p:tag name="NUM" val="1"/>
+</p:tagLst>
+</file>
+
+<file path=ppt/tags/tag107.xml><?xml version="1.0" encoding="utf-8"?>
+<p:tagLst xmlns:a="http://schemas.openxmlformats.org/drawingml/2006/main" xmlns:r="http://schemas.openxmlformats.org/officeDocument/2006/relationships" xmlns:p="http://schemas.openxmlformats.org/presentationml/2006/main">
+  <p:tag name="NUM" val="2"/>
+</p:tagLst>
+</file>
+
+<file path=ppt/tags/tag108.xml><?xml version="1.0" encoding="utf-8"?>
+<p:tagLst xmlns:a="http://schemas.openxmlformats.org/drawingml/2006/main" xmlns:r="http://schemas.openxmlformats.org/officeDocument/2006/relationships" xmlns:p="http://schemas.openxmlformats.org/presentationml/2006/main">
+  <p:tag name="NUM" val="3"/>
+</p:tagLst>
+</file>
+
+<file path=ppt/tags/tag109.xml><?xml version="1.0" encoding="utf-8"?>
+<p:tagLst xmlns:a="http://schemas.openxmlformats.org/drawingml/2006/main" xmlns:r="http://schemas.openxmlformats.org/officeDocument/2006/relationships" xmlns:p="http://schemas.openxmlformats.org/presentationml/2006/main">
+  <p:tag name="NUM" val="4"/>
+</p:tagLst>
+</file>
+
+<file path=ppt/tags/tag11.xml><?xml version="1.0" encoding="utf-8"?>
+<p:tagLst xmlns:a="http://schemas.openxmlformats.org/drawingml/2006/main" xmlns:r="http://schemas.openxmlformats.org/officeDocument/2006/relationships" xmlns:p="http://schemas.openxmlformats.org/presentationml/2006/main">
+  <p:tag name="NUM" val="1"/>
+</p:tagLst>
+</file>
+
+<file path=ppt/tags/tag110.xml><?xml version="1.0" encoding="utf-8"?>
+<p:tagLst xmlns:a="http://schemas.openxmlformats.org/drawingml/2006/main" xmlns:r="http://schemas.openxmlformats.org/officeDocument/2006/relationships" xmlns:p="http://schemas.openxmlformats.org/presentationml/2006/main">
+  <p:tag name="NUM" val="1"/>
+</p:tagLst>
+</file>
+
+<file path=ppt/tags/tag111.xml><?xml version="1.0" encoding="utf-8"?>
+<p:tagLst xmlns:a="http://schemas.openxmlformats.org/drawingml/2006/main" xmlns:r="http://schemas.openxmlformats.org/officeDocument/2006/relationships" xmlns:p="http://schemas.openxmlformats.org/presentationml/2006/main">
+  <p:tag name="NUM" val="2"/>
+</p:tagLst>
+</file>
+
+<file path=ppt/tags/tag112.xml><?xml version="1.0" encoding="utf-8"?>
+<p:tagLst xmlns:a="http://schemas.openxmlformats.org/drawingml/2006/main" xmlns:r="http://schemas.openxmlformats.org/officeDocument/2006/relationships" xmlns:p="http://schemas.openxmlformats.org/presentationml/2006/main">
+  <p:tag name="NUM" val="3"/>
+</p:tagLst>
+</file>
+
+<file path=ppt/tags/tag113.xml><?xml version="1.0" encoding="utf-8"?>
+<p:tagLst xmlns:a="http://schemas.openxmlformats.org/drawingml/2006/main" xmlns:r="http://schemas.openxmlformats.org/officeDocument/2006/relationships" xmlns:p="http://schemas.openxmlformats.org/presentationml/2006/main">
+  <p:tag name="NUM" val="4"/>
+</p:tagLst>
+</file>
+
+<file path=ppt/tags/tag114.xml><?xml version="1.0" encoding="utf-8"?>
+<p:tagLst xmlns:a="http://schemas.openxmlformats.org/drawingml/2006/main" xmlns:r="http://schemas.openxmlformats.org/officeDocument/2006/relationships" xmlns:p="http://schemas.openxmlformats.org/presentationml/2006/main">
+  <p:tag name="NUM" val="1"/>
+</p:tagLst>
+</file>
+
+<file path=ppt/tags/tag115.xml><?xml version="1.0" encoding="utf-8"?>
+<p:tagLst xmlns:a="http://schemas.openxmlformats.org/drawingml/2006/main" xmlns:r="http://schemas.openxmlformats.org/officeDocument/2006/relationships" xmlns:p="http://schemas.openxmlformats.org/presentationml/2006/main">
+  <p:tag name="NUM" val="2"/>
+</p:tagLst>
+</file>
+
+<file path=ppt/tags/tag116.xml><?xml version="1.0" encoding="utf-8"?>
+<p:tagLst xmlns:a="http://schemas.openxmlformats.org/drawingml/2006/main" xmlns:r="http://schemas.openxmlformats.org/officeDocument/2006/relationships" xmlns:p="http://schemas.openxmlformats.org/presentationml/2006/main">
+  <p:tag name="NUM" val="3"/>
+</p:tagLst>
+</file>
+
+<file path=ppt/tags/tag117.xml><?xml version="1.0" encoding="utf-8"?>
+<p:tagLst xmlns:a="http://schemas.openxmlformats.org/drawingml/2006/main" xmlns:r="http://schemas.openxmlformats.org/officeDocument/2006/relationships" xmlns:p="http://schemas.openxmlformats.org/presentationml/2006/main">
+  <p:tag name="NUM" val="4"/>
+</p:tagLst>
+</file>
+
+<file path=ppt/tags/tag118.xml><?xml version="1.0" encoding="utf-8"?>
+<p:tagLst xmlns:a="http://schemas.openxmlformats.org/drawingml/2006/main" xmlns:r="http://schemas.openxmlformats.org/officeDocument/2006/relationships" xmlns:p="http://schemas.openxmlformats.org/presentationml/2006/main">
+  <p:tag name="NUM" val="1"/>
+</p:tagLst>
+</file>
+
+<file path=ppt/tags/tag119.xml><?xml version="1.0" encoding="utf-8"?>
+<p:tagLst xmlns:a="http://schemas.openxmlformats.org/drawingml/2006/main" xmlns:r="http://schemas.openxmlformats.org/officeDocument/2006/relationships" xmlns:p="http://schemas.openxmlformats.org/presentationml/2006/main">
+  <p:tag name="NUM" val="2"/>
+</p:tagLst>
+</file>
+
+<file path=ppt/tags/tag12.xml><?xml version="1.0" encoding="utf-8"?>
+<p:tagLst xmlns:a="http://schemas.openxmlformats.org/drawingml/2006/main" xmlns:r="http://schemas.openxmlformats.org/officeDocument/2006/relationships" xmlns:p="http://schemas.openxmlformats.org/presentationml/2006/main">
+  <p:tag name="NUM" val="2"/>
+</p:tagLst>
+</file>
+
+<file path=ppt/tags/tag120.xml><?xml version="1.0" encoding="utf-8"?>
+<p:tagLst xmlns:a="http://schemas.openxmlformats.org/drawingml/2006/main" xmlns:r="http://schemas.openxmlformats.org/officeDocument/2006/relationships" xmlns:p="http://schemas.openxmlformats.org/presentationml/2006/main">
+  <p:tag name="NUM" val="3"/>
+</p:tagLst>
+</file>
+
+<file path=ppt/tags/tag121.xml><?xml version="1.0" encoding="utf-8"?>
+<p:tagLst xmlns:a="http://schemas.openxmlformats.org/drawingml/2006/main" xmlns:r="http://schemas.openxmlformats.org/officeDocument/2006/relationships" xmlns:p="http://schemas.openxmlformats.org/presentationml/2006/main">
+  <p:tag name="NUM" val="4"/>
+</p:tagLst>
+</file>
+
+<file path=ppt/tags/tag122.xml><?xml version="1.0" encoding="utf-8"?>
+<p:tagLst xmlns:a="http://schemas.openxmlformats.org/drawingml/2006/main" xmlns:r="http://schemas.openxmlformats.org/officeDocument/2006/relationships" xmlns:p="http://schemas.openxmlformats.org/presentationml/2006/main">
+  <p:tag name="NUM" val="1"/>
+</p:tagLst>
+</file>
+
+<file path=ppt/tags/tag123.xml><?xml version="1.0" encoding="utf-8"?>
+<p:tagLst xmlns:a="http://schemas.openxmlformats.org/drawingml/2006/main" xmlns:r="http://schemas.openxmlformats.org/officeDocument/2006/relationships" xmlns:p="http://schemas.openxmlformats.org/presentationml/2006/main">
+  <p:tag name="NUM" val="2"/>
+</p:tagLst>
+</file>
+
+<file path=ppt/tags/tag124.xml><?xml version="1.0" encoding="utf-8"?>
+<p:tagLst xmlns:a="http://schemas.openxmlformats.org/drawingml/2006/main" xmlns:r="http://schemas.openxmlformats.org/officeDocument/2006/relationships" xmlns:p="http://schemas.openxmlformats.org/presentationml/2006/main">
+  <p:tag name="NUM" val="3"/>
+</p:tagLst>
+</file>
+
+<file path=ppt/tags/tag125.xml><?xml version="1.0" encoding="utf-8"?>
+<p:tagLst xmlns:a="http://schemas.openxmlformats.org/drawingml/2006/main" xmlns:r="http://schemas.openxmlformats.org/officeDocument/2006/relationships" xmlns:p="http://schemas.openxmlformats.org/presentationml/2006/main">
+  <p:tag name="NUM" val="4"/>
+</p:tagLst>
+</file>
+
+<file path=ppt/tags/tag126.xml><?xml version="1.0" encoding="utf-8"?>
+<p:tagLst xmlns:a="http://schemas.openxmlformats.org/drawingml/2006/main" xmlns:r="http://schemas.openxmlformats.org/officeDocument/2006/relationships" xmlns:p="http://schemas.openxmlformats.org/presentationml/2006/main">
+  <p:tag name="NUM" val="1"/>
+</p:tagLst>
+</file>
+
+<file path=ppt/tags/tag127.xml><?xml version="1.0" encoding="utf-8"?>
+<p:tagLst xmlns:a="http://schemas.openxmlformats.org/drawingml/2006/main" xmlns:r="http://schemas.openxmlformats.org/officeDocument/2006/relationships" xmlns:p="http://schemas.openxmlformats.org/presentationml/2006/main">
+  <p:tag name="NUM" val="2"/>
+</p:tagLst>
+</file>
+
+<file path=ppt/tags/tag128.xml><?xml version="1.0" encoding="utf-8"?>
+<p:tagLst xmlns:a="http://schemas.openxmlformats.org/drawingml/2006/main" xmlns:r="http://schemas.openxmlformats.org/officeDocument/2006/relationships" xmlns:p="http://schemas.openxmlformats.org/presentationml/2006/main">
+  <p:tag name="NUM" val="3"/>
+</p:tagLst>
+</file>
+
+<file path=ppt/tags/tag129.xml><?xml version="1.0" encoding="utf-8"?>
+<p:tagLst xmlns:a="http://schemas.openxmlformats.org/drawingml/2006/main" xmlns:r="http://schemas.openxmlformats.org/officeDocument/2006/relationships" xmlns:p="http://schemas.openxmlformats.org/presentationml/2006/main">
+  <p:tag name="NUM" val="4"/>
+</p:tagLst>
+</file>
+
+<file path=ppt/tags/tag13.xml><?xml version="1.0" encoding="utf-8"?>
+<p:tagLst xmlns:a="http://schemas.openxmlformats.org/drawingml/2006/main" xmlns:r="http://schemas.openxmlformats.org/officeDocument/2006/relationships" xmlns:p="http://schemas.openxmlformats.org/presentationml/2006/main">
+  <p:tag name="NUM" val="3"/>
+</p:tagLst>
+</file>
+
+<file path=ppt/tags/tag130.xml><?xml version="1.0" encoding="utf-8"?>
+<p:tagLst xmlns:a="http://schemas.openxmlformats.org/drawingml/2006/main" xmlns:r="http://schemas.openxmlformats.org/officeDocument/2006/relationships" xmlns:p="http://schemas.openxmlformats.org/presentationml/2006/main">
+  <p:tag name="NUM" val="1"/>
+</p:tagLst>
+</file>
+
+<file path=ppt/tags/tag131.xml><?xml version="1.0" encoding="utf-8"?>
+<p:tagLst xmlns:a="http://schemas.openxmlformats.org/drawingml/2006/main" xmlns:r="http://schemas.openxmlformats.org/officeDocument/2006/relationships" xmlns:p="http://schemas.openxmlformats.org/presentationml/2006/main">
+  <p:tag name="NUM" val="2"/>
+</p:tagLst>
+</file>
+
+<file path=ppt/tags/tag132.xml><?xml version="1.0" encoding="utf-8"?>
+<p:tagLst xmlns:a="http://schemas.openxmlformats.org/drawingml/2006/main" xmlns:r="http://schemas.openxmlformats.org/officeDocument/2006/relationships" xmlns:p="http://schemas.openxmlformats.org/presentationml/2006/main">
+  <p:tag name="NUM" val="3"/>
+</p:tagLst>
+</file>
+
+<file path=ppt/tags/tag133.xml><?xml version="1.0" encoding="utf-8"?>
+<p:tagLst xmlns:a="http://schemas.openxmlformats.org/drawingml/2006/main" xmlns:r="http://schemas.openxmlformats.org/officeDocument/2006/relationships" xmlns:p="http://schemas.openxmlformats.org/presentationml/2006/main">
+  <p:tag name="NUM" val="1"/>
+</p:tagLst>
+</file>
+
+<file path=ppt/tags/tag134.xml><?xml version="1.0" encoding="utf-8"?>
+<p:tagLst xmlns:a="http://schemas.openxmlformats.org/drawingml/2006/main" xmlns:r="http://schemas.openxmlformats.org/officeDocument/2006/relationships" xmlns:p="http://schemas.openxmlformats.org/presentationml/2006/main">
+  <p:tag name="NUM" val="2"/>
+</p:tagLst>
+</file>
+
+<file path=ppt/tags/tag135.xml><?xml version="1.0" encoding="utf-8"?>
+<p:tagLst xmlns:a="http://schemas.openxmlformats.org/drawingml/2006/main" xmlns:r="http://schemas.openxmlformats.org/officeDocument/2006/relationships" xmlns:p="http://schemas.openxmlformats.org/presentationml/2006/main">
+  <p:tag name="NUM" val="3"/>
+</p:tagLst>
+</file>
+
+<file path=ppt/tags/tag136.xml><?xml version="1.0" encoding="utf-8"?>
+<p:tagLst xmlns:a="http://schemas.openxmlformats.org/drawingml/2006/main" xmlns:r="http://schemas.openxmlformats.org/officeDocument/2006/relationships" xmlns:p="http://schemas.openxmlformats.org/presentationml/2006/main">
+  <p:tag name="NUM" val="1"/>
+</p:tagLst>
+</file>
+
+<file path=ppt/tags/tag137.xml><?xml version="1.0" encoding="utf-8"?>
+<p:tagLst xmlns:a="http://schemas.openxmlformats.org/drawingml/2006/main" xmlns:r="http://schemas.openxmlformats.org/officeDocument/2006/relationships" xmlns:p="http://schemas.openxmlformats.org/presentationml/2006/main">
+  <p:tag name="NUM" val="2"/>
+</p:tagLst>
+</file>
+
+<file path=ppt/tags/tag138.xml><?xml version="1.0" encoding="utf-8"?>
+<p:tagLst xmlns:a="http://schemas.openxmlformats.org/drawingml/2006/main" xmlns:r="http://schemas.openxmlformats.org/officeDocument/2006/relationships" xmlns:p="http://schemas.openxmlformats.org/presentationml/2006/main">
+  <p:tag name="NUM" val="3"/>
+</p:tagLst>
+</file>
+
+<file path=ppt/tags/tag139.xml><?xml version="1.0" encoding="utf-8"?>
+<p:tagLst xmlns:a="http://schemas.openxmlformats.org/drawingml/2006/main" xmlns:r="http://schemas.openxmlformats.org/officeDocument/2006/relationships" xmlns:p="http://schemas.openxmlformats.org/presentationml/2006/main">
+  <p:tag name="NUM" val="4"/>
+</p:tagLst>
+</file>
+
+<file path=ppt/tags/tag14.xml><?xml version="1.0" encoding="utf-8"?>
+<p:tagLst xmlns:a="http://schemas.openxmlformats.org/drawingml/2006/main" xmlns:r="http://schemas.openxmlformats.org/officeDocument/2006/relationships" xmlns:p="http://schemas.openxmlformats.org/presentationml/2006/main">
+  <p:tag name="NUM" val="1"/>
+</p:tagLst>
+</file>
+
+<file path=ppt/tags/tag140.xml><?xml version="1.0" encoding="utf-8"?>
+<p:tagLst xmlns:a="http://schemas.openxmlformats.org/drawingml/2006/main" xmlns:r="http://schemas.openxmlformats.org/officeDocument/2006/relationships" xmlns:p="http://schemas.openxmlformats.org/presentationml/2006/main">
+  <p:tag name="NUM" val="1"/>
+</p:tagLst>
+</file>
+
+<file path=ppt/tags/tag141.xml><?xml version="1.0" encoding="utf-8"?>
+<p:tagLst xmlns:a="http://schemas.openxmlformats.org/drawingml/2006/main" xmlns:r="http://schemas.openxmlformats.org/officeDocument/2006/relationships" xmlns:p="http://schemas.openxmlformats.org/presentationml/2006/main">
+  <p:tag name="NUM" val="2"/>
+</p:tagLst>
+</file>
+
+<file path=ppt/tags/tag142.xml><?xml version="1.0" encoding="utf-8"?>
+<p:tagLst xmlns:a="http://schemas.openxmlformats.org/drawingml/2006/main" xmlns:r="http://schemas.openxmlformats.org/officeDocument/2006/relationships" xmlns:p="http://schemas.openxmlformats.org/presentationml/2006/main">
+  <p:tag name="NUM" val="3"/>
+</p:tagLst>
+</file>
+
+<file path=ppt/tags/tag143.xml><?xml version="1.0" encoding="utf-8"?>
+<p:tagLst xmlns:a="http://schemas.openxmlformats.org/drawingml/2006/main" xmlns:r="http://schemas.openxmlformats.org/officeDocument/2006/relationships" xmlns:p="http://schemas.openxmlformats.org/presentationml/2006/main">
+  <p:tag name="NUM" val="4"/>
+</p:tagLst>
+</file>
+
+<file path=ppt/tags/tag144.xml><?xml version="1.0" encoding="utf-8"?>
+<p:tagLst xmlns:a="http://schemas.openxmlformats.org/drawingml/2006/main" xmlns:r="http://schemas.openxmlformats.org/officeDocument/2006/relationships" xmlns:p="http://schemas.openxmlformats.org/presentationml/2006/main">
+  <p:tag name="NUM" val="1"/>
+</p:tagLst>
+</file>
+
+<file path=ppt/tags/tag145.xml><?xml version="1.0" encoding="utf-8"?>
+<p:tagLst xmlns:a="http://schemas.openxmlformats.org/drawingml/2006/main" xmlns:r="http://schemas.openxmlformats.org/officeDocument/2006/relationships" xmlns:p="http://schemas.openxmlformats.org/presentationml/2006/main">
+  <p:tag name="NUM" val="2"/>
+</p:tagLst>
+</file>
+
+<file path=ppt/tags/tag146.xml><?xml version="1.0" encoding="utf-8"?>
+<p:tagLst xmlns:a="http://schemas.openxmlformats.org/drawingml/2006/main" xmlns:r="http://schemas.openxmlformats.org/officeDocument/2006/relationships" xmlns:p="http://schemas.openxmlformats.org/presentationml/2006/main">
+  <p:tag name="NUM" val="3"/>
+</p:tagLst>
+</file>
+
+<file path=ppt/tags/tag147.xml><?xml version="1.0" encoding="utf-8"?>
+<p:tagLst xmlns:a="http://schemas.openxmlformats.org/drawingml/2006/main" xmlns:r="http://schemas.openxmlformats.org/officeDocument/2006/relationships" xmlns:p="http://schemas.openxmlformats.org/presentationml/2006/main">
+  <p:tag name="NUM" val="4"/>
+</p:tagLst>
+</file>
+
+<file path=ppt/tags/tag148.xml><?xml version="1.0" encoding="utf-8"?>
+<p:tagLst xmlns:a="http://schemas.openxmlformats.org/drawingml/2006/main" xmlns:r="http://schemas.openxmlformats.org/officeDocument/2006/relationships" xmlns:p="http://schemas.openxmlformats.org/presentationml/2006/main">
+  <p:tag name="NUM" val="1"/>
+</p:tagLst>
+</file>
+
+<file path=ppt/tags/tag149.xml><?xml version="1.0" encoding="utf-8"?>
+<p:tagLst xmlns:a="http://schemas.openxmlformats.org/drawingml/2006/main" xmlns:r="http://schemas.openxmlformats.org/officeDocument/2006/relationships" xmlns:p="http://schemas.openxmlformats.org/presentationml/2006/main">
+  <p:tag name="NUM" val="2"/>
+</p:tagLst>
+</file>
+
+<file path=ppt/tags/tag15.xml><?xml version="1.0" encoding="utf-8"?>
+<p:tagLst xmlns:a="http://schemas.openxmlformats.org/drawingml/2006/main" xmlns:r="http://schemas.openxmlformats.org/officeDocument/2006/relationships" xmlns:p="http://schemas.openxmlformats.org/presentationml/2006/main">
+  <p:tag name="NUM" val="2"/>
+</p:tagLst>
+</file>
+
+<file path=ppt/tags/tag150.xml><?xml version="1.0" encoding="utf-8"?>
+<p:tagLst xmlns:a="http://schemas.openxmlformats.org/drawingml/2006/main" xmlns:r="http://schemas.openxmlformats.org/officeDocument/2006/relationships" xmlns:p="http://schemas.openxmlformats.org/presentationml/2006/main">
+  <p:tag name="NUM" val="3"/>
+</p:tagLst>
+</file>
+
+<file path=ppt/tags/tag151.xml><?xml version="1.0" encoding="utf-8"?>
+<p:tagLst xmlns:a="http://schemas.openxmlformats.org/drawingml/2006/main" xmlns:r="http://schemas.openxmlformats.org/officeDocument/2006/relationships" xmlns:p="http://schemas.openxmlformats.org/presentationml/2006/main">
+  <p:tag name="NUM" val="4"/>
+</p:tagLst>
+</file>
+
+<file path=ppt/tags/tag152.xml><?xml version="1.0" encoding="utf-8"?>
+<p:tagLst xmlns:a="http://schemas.openxmlformats.org/drawingml/2006/main" xmlns:r="http://schemas.openxmlformats.org/officeDocument/2006/relationships" xmlns:p="http://schemas.openxmlformats.org/presentationml/2006/main">
+  <p:tag name="NUM" val="1"/>
+</p:tagLst>
+</file>
+
+<file path=ppt/tags/tag153.xml><?xml version="1.0" encoding="utf-8"?>
+<p:tagLst xmlns:a="http://schemas.openxmlformats.org/drawingml/2006/main" xmlns:r="http://schemas.openxmlformats.org/officeDocument/2006/relationships" xmlns:p="http://schemas.openxmlformats.org/presentationml/2006/main">
+  <p:tag name="NUM" val="2"/>
+</p:tagLst>
+</file>
+
+<file path=ppt/tags/tag154.xml><?xml version="1.0" encoding="utf-8"?>
+<p:tagLst xmlns:a="http://schemas.openxmlformats.org/drawingml/2006/main" xmlns:r="http://schemas.openxmlformats.org/officeDocument/2006/relationships" xmlns:p="http://schemas.openxmlformats.org/presentationml/2006/main">
+  <p:tag name="NUM" val="3"/>
+</p:tagLst>
+</file>
+
+<file path=ppt/tags/tag155.xml><?xml version="1.0" encoding="utf-8"?>
+<p:tagLst xmlns:a="http://schemas.openxmlformats.org/drawingml/2006/main" xmlns:r="http://schemas.openxmlformats.org/officeDocument/2006/relationships" xmlns:p="http://schemas.openxmlformats.org/presentationml/2006/main">
+  <p:tag name="NUM" val="1"/>
+</p:tagLst>
+</file>
+
+<file path=ppt/tags/tag156.xml><?xml version="1.0" encoding="utf-8"?>
+<p:tagLst xmlns:a="http://schemas.openxmlformats.org/drawingml/2006/main" xmlns:r="http://schemas.openxmlformats.org/officeDocument/2006/relationships" xmlns:p="http://schemas.openxmlformats.org/presentationml/2006/main">
+  <p:tag name="NUM" val="2"/>
+</p:tagLst>
+</file>
+
+<file path=ppt/tags/tag157.xml><?xml version="1.0" encoding="utf-8"?>
+<p:tagLst xmlns:a="http://schemas.openxmlformats.org/drawingml/2006/main" xmlns:r="http://schemas.openxmlformats.org/officeDocument/2006/relationships" xmlns:p="http://schemas.openxmlformats.org/presentationml/2006/main">
+  <p:tag name="NUM" val="3"/>
+</p:tagLst>
+</file>
+
+<file path=ppt/tags/tag158.xml><?xml version="1.0" encoding="utf-8"?>
+<p:tagLst xmlns:a="http://schemas.openxmlformats.org/drawingml/2006/main" xmlns:r="http://schemas.openxmlformats.org/officeDocument/2006/relationships" xmlns:p="http://schemas.openxmlformats.org/presentationml/2006/main">
+  <p:tag name="NUM" val="4"/>
+</p:tagLst>
+</file>
+
+<file path=ppt/tags/tag159.xml><?xml version="1.0" encoding="utf-8"?>
+<p:tagLst xmlns:a="http://schemas.openxmlformats.org/drawingml/2006/main" xmlns:r="http://schemas.openxmlformats.org/officeDocument/2006/relationships" xmlns:p="http://schemas.openxmlformats.org/presentationml/2006/main">
+  <p:tag name="NUM" val="1"/>
+</p:tagLst>
+</file>
+
+<file path=ppt/tags/tag16.xml><?xml version="1.0" encoding="utf-8"?>
+<p:tagLst xmlns:a="http://schemas.openxmlformats.org/drawingml/2006/main" xmlns:r="http://schemas.openxmlformats.org/officeDocument/2006/relationships" xmlns:p="http://schemas.openxmlformats.org/presentationml/2006/main">
+  <p:tag name="NUM" val="3"/>
+</p:tagLst>
+</file>
+
+<file path=ppt/tags/tag160.xml><?xml version="1.0" encoding="utf-8"?>
+<p:tagLst xmlns:a="http://schemas.openxmlformats.org/drawingml/2006/main" xmlns:r="http://schemas.openxmlformats.org/officeDocument/2006/relationships" xmlns:p="http://schemas.openxmlformats.org/presentationml/2006/main">
+  <p:tag name="NUM" val="2"/>
+</p:tagLst>
+</file>
+
+<file path=ppt/tags/tag161.xml><?xml version="1.0" encoding="utf-8"?>
+<p:tagLst xmlns:a="http://schemas.openxmlformats.org/drawingml/2006/main" xmlns:r="http://schemas.openxmlformats.org/officeDocument/2006/relationships" xmlns:p="http://schemas.openxmlformats.org/presentationml/2006/main">
+  <p:tag name="NUM" val="3"/>
+</p:tagLst>
+</file>
+
+<file path=ppt/tags/tag17.xml><?xml version="1.0" encoding="utf-8"?>
+<p:tagLst xmlns:a="http://schemas.openxmlformats.org/drawingml/2006/main" xmlns:r="http://schemas.openxmlformats.org/officeDocument/2006/relationships" xmlns:p="http://schemas.openxmlformats.org/presentationml/2006/main">
+  <p:tag name="NUM" val="1"/>
+</p:tagLst>
+</file>
+
+<file path=ppt/tags/tag18.xml><?xml version="1.0" encoding="utf-8"?>
+<p:tagLst xmlns:a="http://schemas.openxmlformats.org/drawingml/2006/main" xmlns:r="http://schemas.openxmlformats.org/officeDocument/2006/relationships" xmlns:p="http://schemas.openxmlformats.org/presentationml/2006/main">
+  <p:tag name="NUM" val="2"/>
+</p:tagLst>
+</file>
+
+<file path=ppt/tags/tag19.xml><?xml version="1.0" encoding="utf-8"?>
+<p:tagLst xmlns:a="http://schemas.openxmlformats.org/drawingml/2006/main" xmlns:r="http://schemas.openxmlformats.org/officeDocument/2006/relationships" xmlns:p="http://schemas.openxmlformats.org/presentationml/2006/main">
+  <p:tag name="NUM" val="3"/>
+</p:tagLst>
+</file>
+
+<file path=ppt/tags/tag2.xml><?xml version="1.0" encoding="utf-8"?>
+<p:tagLst xmlns:a="http://schemas.openxmlformats.org/drawingml/2006/main" xmlns:r="http://schemas.openxmlformats.org/officeDocument/2006/relationships" xmlns:p="http://schemas.openxmlformats.org/presentationml/2006/main">
+  <p:tag name="NUM" val="2"/>
+</p:tagLst>
+</file>
+
+<file path=ppt/tags/tag20.xml><?xml version="1.0" encoding="utf-8"?>
+<p:tagLst xmlns:a="http://schemas.openxmlformats.org/drawingml/2006/main" xmlns:r="http://schemas.openxmlformats.org/officeDocument/2006/relationships" xmlns:p="http://schemas.openxmlformats.org/presentationml/2006/main">
+  <p:tag name="NUM" val="1"/>
+</p:tagLst>
+</file>
+
+<file path=ppt/tags/tag21.xml><?xml version="1.0" encoding="utf-8"?>
+<p:tagLst xmlns:a="http://schemas.openxmlformats.org/drawingml/2006/main" xmlns:r="http://schemas.openxmlformats.org/officeDocument/2006/relationships" xmlns:p="http://schemas.openxmlformats.org/presentationml/2006/main">
+  <p:tag name="NUM" val="2"/>
+</p:tagLst>
+</file>
+
+<file path=ppt/tags/tag22.xml><?xml version="1.0" encoding="utf-8"?>
+<p:tagLst xmlns:a="http://schemas.openxmlformats.org/drawingml/2006/main" xmlns:r="http://schemas.openxmlformats.org/officeDocument/2006/relationships" xmlns:p="http://schemas.openxmlformats.org/presentationml/2006/main">
+  <p:tag name="NUM" val="3"/>
+</p:tagLst>
+</file>
+
+<file path=ppt/tags/tag23.xml><?xml version="1.0" encoding="utf-8"?>
+<p:tagLst xmlns:a="http://schemas.openxmlformats.org/drawingml/2006/main" xmlns:r="http://schemas.openxmlformats.org/officeDocument/2006/relationships" xmlns:p="http://schemas.openxmlformats.org/presentationml/2006/main">
+  <p:tag name="NUM" val="1"/>
+</p:tagLst>
+</file>
+
+<file path=ppt/tags/tag24.xml><?xml version="1.0" encoding="utf-8"?>
+<p:tagLst xmlns:a="http://schemas.openxmlformats.org/drawingml/2006/main" xmlns:r="http://schemas.openxmlformats.org/officeDocument/2006/relationships" xmlns:p="http://schemas.openxmlformats.org/presentationml/2006/main">
+  <p:tag name="NUM" val="2"/>
+</p:tagLst>
+</file>
+
+<file path=ppt/tags/tag25.xml><?xml version="1.0" encoding="utf-8"?>
+<p:tagLst xmlns:a="http://schemas.openxmlformats.org/drawingml/2006/main" xmlns:r="http://schemas.openxmlformats.org/officeDocument/2006/relationships" xmlns:p="http://schemas.openxmlformats.org/presentationml/2006/main">
+  <p:tag name="NUM" val="3"/>
+</p:tagLst>
+</file>
+
+<file path=ppt/tags/tag26.xml><?xml version="1.0" encoding="utf-8"?>
+<p:tagLst xmlns:a="http://schemas.openxmlformats.org/drawingml/2006/main" xmlns:r="http://schemas.openxmlformats.org/officeDocument/2006/relationships" xmlns:p="http://schemas.openxmlformats.org/presentationml/2006/main">
+  <p:tag name="NUM" val="4"/>
+</p:tagLst>
+</file>
+
+<file path=ppt/tags/tag27.xml><?xml version="1.0" encoding="utf-8"?>
+<p:tagLst xmlns:a="http://schemas.openxmlformats.org/drawingml/2006/main" xmlns:r="http://schemas.openxmlformats.org/officeDocument/2006/relationships" xmlns:p="http://schemas.openxmlformats.org/presentationml/2006/main">
+  <p:tag name="NUM" val="5"/>
+</p:tagLst>
+</file>
+
+<file path=ppt/tags/tag28.xml><?xml version="1.0" encoding="utf-8"?>
+<p:tagLst xmlns:a="http://schemas.openxmlformats.org/drawingml/2006/main" xmlns:r="http://schemas.openxmlformats.org/officeDocument/2006/relationships" xmlns:p="http://schemas.openxmlformats.org/presentationml/2006/main">
+  <p:tag name="NUM" val="1"/>
+</p:tagLst>
+</file>
+
+<file path=ppt/tags/tag29.xml><?xml version="1.0" encoding="utf-8"?>
+<p:tagLst xmlns:a="http://schemas.openxmlformats.org/drawingml/2006/main" xmlns:r="http://schemas.openxmlformats.org/officeDocument/2006/relationships" xmlns:p="http://schemas.openxmlformats.org/presentationml/2006/main">
+  <p:tag name="NUM" val="2"/>
+</p:tagLst>
+</file>
+
+<file path=ppt/tags/tag3.xml><?xml version="1.0" encoding="utf-8"?>
+<p:tagLst xmlns:a="http://schemas.openxmlformats.org/drawingml/2006/main" xmlns:r="http://schemas.openxmlformats.org/officeDocument/2006/relationships" xmlns:p="http://schemas.openxmlformats.org/presentationml/2006/main">
+  <p:tag name="NUM" val="3"/>
+</p:tagLst>
+</file>
+
+<file path=ppt/tags/tag30.xml><?xml version="1.0" encoding="utf-8"?>
+<p:tagLst xmlns:a="http://schemas.openxmlformats.org/drawingml/2006/main" xmlns:r="http://schemas.openxmlformats.org/officeDocument/2006/relationships" xmlns:p="http://schemas.openxmlformats.org/presentationml/2006/main">
+  <p:tag name="NUM" val="3"/>
+</p:tagLst>
+</file>
+
+<file path=ppt/tags/tag31.xml><?xml version="1.0" encoding="utf-8"?>
+<p:tagLst xmlns:a="http://schemas.openxmlformats.org/drawingml/2006/main" xmlns:r="http://schemas.openxmlformats.org/officeDocument/2006/relationships" xmlns:p="http://schemas.openxmlformats.org/presentationml/2006/main">
+  <p:tag name="NUM" val="4"/>
+</p:tagLst>
+</file>
+
+<file path=ppt/tags/tag32.xml><?xml version="1.0" encoding="utf-8"?>
+<p:tagLst xmlns:a="http://schemas.openxmlformats.org/drawingml/2006/main" xmlns:r="http://schemas.openxmlformats.org/officeDocument/2006/relationships" xmlns:p="http://schemas.openxmlformats.org/presentationml/2006/main">
+  <p:tag name="NUM" val="5"/>
+</p:tagLst>
+</file>
+
+<file path=ppt/tags/tag33.xml><?xml version="1.0" encoding="utf-8"?>
+<p:tagLst xmlns:a="http://schemas.openxmlformats.org/drawingml/2006/main" xmlns:r="http://schemas.openxmlformats.org/officeDocument/2006/relationships" xmlns:p="http://schemas.openxmlformats.org/presentationml/2006/main">
+  <p:tag name="NUM" val="6"/>
+</p:tagLst>
+</file>
+
+<file path=ppt/tags/tag34.xml><?xml version="1.0" encoding="utf-8"?>
+<p:tagLst xmlns:a="http://schemas.openxmlformats.org/drawingml/2006/main" xmlns:r="http://schemas.openxmlformats.org/officeDocument/2006/relationships" xmlns:p="http://schemas.openxmlformats.org/presentationml/2006/main">
+  <p:tag name="NUM" val="1"/>
+</p:tagLst>
+</file>
+
+<file path=ppt/tags/tag35.xml><?xml version="1.0" encoding="utf-8"?>
+<p:tagLst xmlns:a="http://schemas.openxmlformats.org/drawingml/2006/main" xmlns:r="http://schemas.openxmlformats.org/officeDocument/2006/relationships" xmlns:p="http://schemas.openxmlformats.org/presentationml/2006/main">
+  <p:tag name="NUM" val="2"/>
+</p:tagLst>
+</file>
+
+<file path=ppt/tags/tag36.xml><?xml version="1.0" encoding="utf-8"?>
+<p:tagLst xmlns:a="http://schemas.openxmlformats.org/drawingml/2006/main" xmlns:r="http://schemas.openxmlformats.org/officeDocument/2006/relationships" xmlns:p="http://schemas.openxmlformats.org/presentationml/2006/main">
+  <p:tag name="NUM" val="3"/>
+</p:tagLst>
+</file>
+
+<file path=ppt/tags/tag37.xml><?xml version="1.0" encoding="utf-8"?>
+<p:tagLst xmlns:a="http://schemas.openxmlformats.org/drawingml/2006/main" xmlns:r="http://schemas.openxmlformats.org/officeDocument/2006/relationships" xmlns:p="http://schemas.openxmlformats.org/presentationml/2006/main">
+  <p:tag name="NUM" val="1"/>
+</p:tagLst>
+</file>
+
+<file path=ppt/tags/tag38.xml><?xml version="1.0" encoding="utf-8"?>
+<p:tagLst xmlns:a="http://schemas.openxmlformats.org/drawingml/2006/main" xmlns:r="http://schemas.openxmlformats.org/officeDocument/2006/relationships" xmlns:p="http://schemas.openxmlformats.org/presentationml/2006/main">
+  <p:tag name="NUM" val="2"/>
+</p:tagLst>
+</file>
+
+<file path=ppt/tags/tag39.xml><?xml version="1.0" encoding="utf-8"?>
+<p:tagLst xmlns:a="http://schemas.openxmlformats.org/drawingml/2006/main" xmlns:r="http://schemas.openxmlformats.org/officeDocument/2006/relationships" xmlns:p="http://schemas.openxmlformats.org/presentationml/2006/main">
+  <p:tag name="NUM" val="3"/>
+</p:tagLst>
+</file>
+
+<file path=ppt/tags/tag4.xml><?xml version="1.0" encoding="utf-8"?>
+<p:tagLst xmlns:a="http://schemas.openxmlformats.org/drawingml/2006/main" xmlns:r="http://schemas.openxmlformats.org/officeDocument/2006/relationships" xmlns:p="http://schemas.openxmlformats.org/presentationml/2006/main">
+  <p:tag name="NUM" val="4"/>
+</p:tagLst>
+</file>
+
+<file path=ppt/tags/tag40.xml><?xml version="1.0" encoding="utf-8"?>
+<p:tagLst xmlns:a="http://schemas.openxmlformats.org/drawingml/2006/main" xmlns:r="http://schemas.openxmlformats.org/officeDocument/2006/relationships" xmlns:p="http://schemas.openxmlformats.org/presentationml/2006/main">
+  <p:tag name="NUM" val="4"/>
+</p:tagLst>
+</file>
+
+<file path=ppt/tags/tag41.xml><?xml version="1.0" encoding="utf-8"?>
+<p:tagLst xmlns:a="http://schemas.openxmlformats.org/drawingml/2006/main" xmlns:r="http://schemas.openxmlformats.org/officeDocument/2006/relationships" xmlns:p="http://schemas.openxmlformats.org/presentationml/2006/main">
+  <p:tag name="NUM" val="1"/>
+</p:tagLst>
+</file>
+
+<file path=ppt/tags/tag42.xml><?xml version="1.0" encoding="utf-8"?>
+<p:tagLst xmlns:a="http://schemas.openxmlformats.org/drawingml/2006/main" xmlns:r="http://schemas.openxmlformats.org/officeDocument/2006/relationships" xmlns:p="http://schemas.openxmlformats.org/presentationml/2006/main">
+  <p:tag name="NUM" val="2"/>
+</p:tagLst>
+</file>
+
+<file path=ppt/tags/tag43.xml><?xml version="1.0" encoding="utf-8"?>
+<p:tagLst xmlns:a="http://schemas.openxmlformats.org/drawingml/2006/main" xmlns:r="http://schemas.openxmlformats.org/officeDocument/2006/relationships" xmlns:p="http://schemas.openxmlformats.org/presentationml/2006/main">
+  <p:tag name="NUM" val="3"/>
+</p:tagLst>
+</file>
+
+<file path=ppt/tags/tag44.xml><?xml version="1.0" encoding="utf-8"?>
+<p:tagLst xmlns:a="http://schemas.openxmlformats.org/drawingml/2006/main" xmlns:r="http://schemas.openxmlformats.org/officeDocument/2006/relationships" xmlns:p="http://schemas.openxmlformats.org/presentationml/2006/main">
+  <p:tag name="NUM" val="4"/>
+</p:tagLst>
+</file>
+
+<file path=ppt/tags/tag45.xml><?xml version="1.0" encoding="utf-8"?>
+<p:tagLst xmlns:a="http://schemas.openxmlformats.org/drawingml/2006/main" xmlns:r="http://schemas.openxmlformats.org/officeDocument/2006/relationships" xmlns:p="http://schemas.openxmlformats.org/presentationml/2006/main">
+  <p:tag name="NUM" val="1"/>
+</p:tagLst>
+</file>
+
+<file path=ppt/tags/tag46.xml><?xml version="1.0" encoding="utf-8"?>
+<p:tagLst xmlns:a="http://schemas.openxmlformats.org/drawingml/2006/main" xmlns:r="http://schemas.openxmlformats.org/officeDocument/2006/relationships" xmlns:p="http://schemas.openxmlformats.org/presentationml/2006/main">
+  <p:tag name="NUM" val="2"/>
+</p:tagLst>
+</file>
+
+<file path=ppt/tags/tag47.xml><?xml version="1.0" encoding="utf-8"?>
+<p:tagLst xmlns:a="http://schemas.openxmlformats.org/drawingml/2006/main" xmlns:r="http://schemas.openxmlformats.org/officeDocument/2006/relationships" xmlns:p="http://schemas.openxmlformats.org/presentationml/2006/main">
+  <p:tag name="NUM" val="3"/>
+</p:tagLst>
+</file>
+
+<file path=ppt/tags/tag48.xml><?xml version="1.0" encoding="utf-8"?>
+<p:tagLst xmlns:a="http://schemas.openxmlformats.org/drawingml/2006/main" xmlns:r="http://schemas.openxmlformats.org/officeDocument/2006/relationships" xmlns:p="http://schemas.openxmlformats.org/presentationml/2006/main">
+  <p:tag name="NUM" val="1"/>
+</p:tagLst>
+</file>
+
+<file path=ppt/tags/tag49.xml><?xml version="1.0" encoding="utf-8"?>
+<p:tagLst xmlns:a="http://schemas.openxmlformats.org/drawingml/2006/main" xmlns:r="http://schemas.openxmlformats.org/officeDocument/2006/relationships" xmlns:p="http://schemas.openxmlformats.org/presentationml/2006/main">
+  <p:tag name="NUM" val="2"/>
+</p:tagLst>
+</file>
+
+<file path=ppt/tags/tag5.xml><?xml version="1.0" encoding="utf-8"?>
+<p:tagLst xmlns:a="http://schemas.openxmlformats.org/drawingml/2006/main" xmlns:r="http://schemas.openxmlformats.org/officeDocument/2006/relationships" xmlns:p="http://schemas.openxmlformats.org/presentationml/2006/main">
+  <p:tag name="NUM" val="1"/>
+</p:tagLst>
+</file>
+
+<file path=ppt/tags/tag50.xml><?xml version="1.0" encoding="utf-8"?>
+<p:tagLst xmlns:a="http://schemas.openxmlformats.org/drawingml/2006/main" xmlns:r="http://schemas.openxmlformats.org/officeDocument/2006/relationships" xmlns:p="http://schemas.openxmlformats.org/presentationml/2006/main">
+  <p:tag name="NUM" val="3"/>
+</p:tagLst>
+</file>
+
+<file path=ppt/tags/tag51.xml><?xml version="1.0" encoding="utf-8"?>
+<p:tagLst xmlns:a="http://schemas.openxmlformats.org/drawingml/2006/main" xmlns:r="http://schemas.openxmlformats.org/officeDocument/2006/relationships" xmlns:p="http://schemas.openxmlformats.org/presentationml/2006/main">
+  <p:tag name="NUM" val="1"/>
+</p:tagLst>
+</file>
+
+<file path=ppt/tags/tag52.xml><?xml version="1.0" encoding="utf-8"?>
+<p:tagLst xmlns:a="http://schemas.openxmlformats.org/drawingml/2006/main" xmlns:r="http://schemas.openxmlformats.org/officeDocument/2006/relationships" xmlns:p="http://schemas.openxmlformats.org/presentationml/2006/main">
+  <p:tag name="NUM" val="2"/>
+</p:tagLst>
+</file>
+
+<file path=ppt/tags/tag53.xml><?xml version="1.0" encoding="utf-8"?>
+<p:tagLst xmlns:a="http://schemas.openxmlformats.org/drawingml/2006/main" xmlns:r="http://schemas.openxmlformats.org/officeDocument/2006/relationships" xmlns:p="http://schemas.openxmlformats.org/presentationml/2006/main">
+  <p:tag name="NUM" val="3"/>
+</p:tagLst>
+</file>
+
+<file path=ppt/tags/tag54.xml><?xml version="1.0" encoding="utf-8"?>
+<p:tagLst xmlns:a="http://schemas.openxmlformats.org/drawingml/2006/main" xmlns:r="http://schemas.openxmlformats.org/officeDocument/2006/relationships" xmlns:p="http://schemas.openxmlformats.org/presentationml/2006/main">
+  <p:tag name="NUM" val="1"/>
+</p:tagLst>
+</file>
+
+<file path=ppt/tags/tag55.xml><?xml version="1.0" encoding="utf-8"?>
+<p:tagLst xmlns:a="http://schemas.openxmlformats.org/drawingml/2006/main" xmlns:r="http://schemas.openxmlformats.org/officeDocument/2006/relationships" xmlns:p="http://schemas.openxmlformats.org/presentationml/2006/main">
+  <p:tag name="NUM" val="2"/>
+</p:tagLst>
+</file>
+
+<file path=ppt/tags/tag56.xml><?xml version="1.0" encoding="utf-8"?>
+<p:tagLst xmlns:a="http://schemas.openxmlformats.org/drawingml/2006/main" xmlns:r="http://schemas.openxmlformats.org/officeDocument/2006/relationships" xmlns:p="http://schemas.openxmlformats.org/presentationml/2006/main">
+  <p:tag name="NUM" val="3"/>
+</p:tagLst>
+</file>
+
+<file path=ppt/tags/tag57.xml><?xml version="1.0" encoding="utf-8"?>
+<p:tagLst xmlns:a="http://schemas.openxmlformats.org/drawingml/2006/main" xmlns:r="http://schemas.openxmlformats.org/officeDocument/2006/relationships" xmlns:p="http://schemas.openxmlformats.org/presentationml/2006/main">
+  <p:tag name="NUM" val="1"/>
+</p:tagLst>
+</file>
+
+<file path=ppt/tags/tag58.xml><?xml version="1.0" encoding="utf-8"?>
+<p:tagLst xmlns:a="http://schemas.openxmlformats.org/drawingml/2006/main" xmlns:r="http://schemas.openxmlformats.org/officeDocument/2006/relationships" xmlns:p="http://schemas.openxmlformats.org/presentationml/2006/main">
+  <p:tag name="NUM" val="2"/>
+</p:tagLst>
+</file>
+
+<file path=ppt/tags/tag59.xml><?xml version="1.0" encoding="utf-8"?>
+<p:tagLst xmlns:a="http://schemas.openxmlformats.org/drawingml/2006/main" xmlns:r="http://schemas.openxmlformats.org/officeDocument/2006/relationships" xmlns:p="http://schemas.openxmlformats.org/presentationml/2006/main">
+  <p:tag name="NUM" val="3"/>
+</p:tagLst>
+</file>
+
+<file path=ppt/tags/tag6.xml><?xml version="1.0" encoding="utf-8"?>
+<p:tagLst xmlns:a="http://schemas.openxmlformats.org/drawingml/2006/main" xmlns:r="http://schemas.openxmlformats.org/officeDocument/2006/relationships" xmlns:p="http://schemas.openxmlformats.org/presentationml/2006/main">
+  <p:tag name="NUM" val="2"/>
+</p:tagLst>
+</file>
+
+<file path=ppt/tags/tag60.xml><?xml version="1.0" encoding="utf-8"?>
+<p:tagLst xmlns:a="http://schemas.openxmlformats.org/drawingml/2006/main" xmlns:r="http://schemas.openxmlformats.org/officeDocument/2006/relationships" xmlns:p="http://schemas.openxmlformats.org/presentationml/2006/main">
+  <p:tag name="NUM" val="4"/>
+</p:tagLst>
+</file>
+
+<file path=ppt/tags/tag61.xml><?xml version="1.0" encoding="utf-8"?>
+<p:tagLst xmlns:a="http://schemas.openxmlformats.org/drawingml/2006/main" xmlns:r="http://schemas.openxmlformats.org/officeDocument/2006/relationships" xmlns:p="http://schemas.openxmlformats.org/presentationml/2006/main">
+  <p:tag name="NUM" val="5"/>
+</p:tagLst>
+</file>
+
+<file path=ppt/tags/tag62.xml><?xml version="1.0" encoding="utf-8"?>
+<p:tagLst xmlns:a="http://schemas.openxmlformats.org/drawingml/2006/main" xmlns:r="http://schemas.openxmlformats.org/officeDocument/2006/relationships" xmlns:p="http://schemas.openxmlformats.org/presentationml/2006/main">
+  <p:tag name="NUM" val="6"/>
+</p:tagLst>
+</file>
+
+<file path=ppt/tags/tag63.xml><?xml version="1.0" encoding="utf-8"?>
+<p:tagLst xmlns:a="http://schemas.openxmlformats.org/drawingml/2006/main" xmlns:r="http://schemas.openxmlformats.org/officeDocument/2006/relationships" xmlns:p="http://schemas.openxmlformats.org/presentationml/2006/main">
+  <p:tag name="NUM" val="1"/>
+</p:tagLst>
+</file>
+
+<file path=ppt/tags/tag64.xml><?xml version="1.0" encoding="utf-8"?>
+<p:tagLst xmlns:a="http://schemas.openxmlformats.org/drawingml/2006/main" xmlns:r="http://schemas.openxmlformats.org/officeDocument/2006/relationships" xmlns:p="http://schemas.openxmlformats.org/presentationml/2006/main">
+  <p:tag name="NUM" val="2"/>
+</p:tagLst>
+</file>
+
+<file path=ppt/tags/tag65.xml><?xml version="1.0" encoding="utf-8"?>
+<p:tagLst xmlns:a="http://schemas.openxmlformats.org/drawingml/2006/main" xmlns:r="http://schemas.openxmlformats.org/officeDocument/2006/relationships" xmlns:p="http://schemas.openxmlformats.org/presentationml/2006/main">
+  <p:tag name="NUM" val="3"/>
+</p:tagLst>
+</file>
+
+<file path=ppt/tags/tag66.xml><?xml version="1.0" encoding="utf-8"?>
+<p:tagLst xmlns:a="http://schemas.openxmlformats.org/drawingml/2006/main" xmlns:r="http://schemas.openxmlformats.org/officeDocument/2006/relationships" xmlns:p="http://schemas.openxmlformats.org/presentationml/2006/main">
+  <p:tag name="NUM" val="1"/>
+</p:tagLst>
+</file>
+
+<file path=ppt/tags/tag67.xml><?xml version="1.0" encoding="utf-8"?>
+<p:tagLst xmlns:a="http://schemas.openxmlformats.org/drawingml/2006/main" xmlns:r="http://schemas.openxmlformats.org/officeDocument/2006/relationships" xmlns:p="http://schemas.openxmlformats.org/presentationml/2006/main">
+  <p:tag name="NUM" val="2"/>
+</p:tagLst>
+</file>
+
+<file path=ppt/tags/tag68.xml><?xml version="1.0" encoding="utf-8"?>
+<p:tagLst xmlns:a="http://schemas.openxmlformats.org/drawingml/2006/main" xmlns:r="http://schemas.openxmlformats.org/officeDocument/2006/relationships" xmlns:p="http://schemas.openxmlformats.org/presentationml/2006/main">
+  <p:tag name="NUM" val="3"/>
+</p:tagLst>
+</file>
+
+<file path=ppt/tags/tag69.xml><?xml version="1.0" encoding="utf-8"?>
+<p:tagLst xmlns:a="http://schemas.openxmlformats.org/drawingml/2006/main" xmlns:r="http://schemas.openxmlformats.org/officeDocument/2006/relationships" xmlns:p="http://schemas.openxmlformats.org/presentationml/2006/main">
+  <p:tag name="NUM" val="1"/>
+</p:tagLst>
+</file>
+
+<file path=ppt/tags/tag7.xml><?xml version="1.0" encoding="utf-8"?>
+<p:tagLst xmlns:a="http://schemas.openxmlformats.org/drawingml/2006/main" xmlns:r="http://schemas.openxmlformats.org/officeDocument/2006/relationships" xmlns:p="http://schemas.openxmlformats.org/presentationml/2006/main">
+  <p:tag name="NUM" val="3"/>
+</p:tagLst>
+</file>
+
+<file path=ppt/tags/tag70.xml><?xml version="1.0" encoding="utf-8"?>
+<p:tagLst xmlns:a="http://schemas.openxmlformats.org/drawingml/2006/main" xmlns:r="http://schemas.openxmlformats.org/officeDocument/2006/relationships" xmlns:p="http://schemas.openxmlformats.org/presentationml/2006/main">
+  <p:tag name="NUM" val="2"/>
+</p:tagLst>
+</file>
+
+<file path=ppt/tags/tag71.xml><?xml version="1.0" encoding="utf-8"?>
+<p:tagLst xmlns:a="http://schemas.openxmlformats.org/drawingml/2006/main" xmlns:r="http://schemas.openxmlformats.org/officeDocument/2006/relationships" xmlns:p="http://schemas.openxmlformats.org/presentationml/2006/main">
+  <p:tag name="NUM" val="3"/>
+</p:tagLst>
+</file>
+
+<file path=ppt/tags/tag72.xml><?xml version="1.0" encoding="utf-8"?>
+<p:tagLst xmlns:a="http://schemas.openxmlformats.org/drawingml/2006/main" xmlns:r="http://schemas.openxmlformats.org/officeDocument/2006/relationships" xmlns:p="http://schemas.openxmlformats.org/presentationml/2006/main">
+  <p:tag name="NUM" val="1"/>
+</p:tagLst>
+</file>
+
+<file path=ppt/tags/tag73.xml><?xml version="1.0" encoding="utf-8"?>
+<p:tagLst xmlns:a="http://schemas.openxmlformats.org/drawingml/2006/main" xmlns:r="http://schemas.openxmlformats.org/officeDocument/2006/relationships" xmlns:p="http://schemas.openxmlformats.org/presentationml/2006/main">
+  <p:tag name="NUM" val="2"/>
+</p:tagLst>
+</file>
+
+<file path=ppt/tags/tag74.xml><?xml version="1.0" encoding="utf-8"?>
+<p:tagLst xmlns:a="http://schemas.openxmlformats.org/drawingml/2006/main" xmlns:r="http://schemas.openxmlformats.org/officeDocument/2006/relationships" xmlns:p="http://schemas.openxmlformats.org/presentationml/2006/main">
+  <p:tag name="NUM" val="3"/>
+</p:tagLst>
+</file>
+
+<file path=ppt/tags/tag75.xml><?xml version="1.0" encoding="utf-8"?>
+<p:tagLst xmlns:a="http://schemas.openxmlformats.org/drawingml/2006/main" xmlns:r="http://schemas.openxmlformats.org/officeDocument/2006/relationships" xmlns:p="http://schemas.openxmlformats.org/presentationml/2006/main">
+  <p:tag name="NUM" val="4"/>
+</p:tagLst>
+</file>
+
+<file path=ppt/tags/tag76.xml><?xml version="1.0" encoding="utf-8"?>
+<p:tagLst xmlns:a="http://schemas.openxmlformats.org/drawingml/2006/main" xmlns:r="http://schemas.openxmlformats.org/officeDocument/2006/relationships" xmlns:p="http://schemas.openxmlformats.org/presentationml/2006/main">
+  <p:tag name="NUM" val="5"/>
+</p:tagLst>
+</file>
+
+<file path=ppt/tags/tag77.xml><?xml version="1.0" encoding="utf-8"?>
+<p:tagLst xmlns:a="http://schemas.openxmlformats.org/drawingml/2006/main" xmlns:r="http://schemas.openxmlformats.org/officeDocument/2006/relationships" xmlns:p="http://schemas.openxmlformats.org/presentationml/2006/main">
+  <p:tag name="NUM" val="1"/>
+</p:tagLst>
+</file>
+
+<file path=ppt/tags/tag78.xml><?xml version="1.0" encoding="utf-8"?>
+<p:tagLst xmlns:a="http://schemas.openxmlformats.org/drawingml/2006/main" xmlns:r="http://schemas.openxmlformats.org/officeDocument/2006/relationships" xmlns:p="http://schemas.openxmlformats.org/presentationml/2006/main">
+  <p:tag name="NUM" val="2"/>
+</p:tagLst>
+</file>
+
+<file path=ppt/tags/tag79.xml><?xml version="1.0" encoding="utf-8"?>
+<p:tagLst xmlns:a="http://schemas.openxmlformats.org/drawingml/2006/main" xmlns:r="http://schemas.openxmlformats.org/officeDocument/2006/relationships" xmlns:p="http://schemas.openxmlformats.org/presentationml/2006/main">
+  <p:tag name="NUM" val="3"/>
+</p:tagLst>
+</file>
+
+<file path=ppt/tags/tag8.xml><?xml version="1.0" encoding="utf-8"?>
+<p:tagLst xmlns:a="http://schemas.openxmlformats.org/drawingml/2006/main" xmlns:r="http://schemas.openxmlformats.org/officeDocument/2006/relationships" xmlns:p="http://schemas.openxmlformats.org/presentationml/2006/main">
+  <p:tag name="NUM" val="1"/>
+</p:tagLst>
+</file>
+
+<file path=ppt/tags/tag80.xml><?xml version="1.0" encoding="utf-8"?>
+<p:tagLst xmlns:a="http://schemas.openxmlformats.org/drawingml/2006/main" xmlns:r="http://schemas.openxmlformats.org/officeDocument/2006/relationships" xmlns:p="http://schemas.openxmlformats.org/presentationml/2006/main">
+  <p:tag name="NUM" val="1"/>
+</p:tagLst>
+</file>
+
+<file path=ppt/tags/tag81.xml><?xml version="1.0" encoding="utf-8"?>
+<p:tagLst xmlns:a="http://schemas.openxmlformats.org/drawingml/2006/main" xmlns:r="http://schemas.openxmlformats.org/officeDocument/2006/relationships" xmlns:p="http://schemas.openxmlformats.org/presentationml/2006/main">
+  <p:tag name="NUM" val="2"/>
+</p:tagLst>
+</file>
+
+<file path=ppt/tags/tag82.xml><?xml version="1.0" encoding="utf-8"?>
+<p:tagLst xmlns:a="http://schemas.openxmlformats.org/drawingml/2006/main" xmlns:r="http://schemas.openxmlformats.org/officeDocument/2006/relationships" xmlns:p="http://schemas.openxmlformats.org/presentationml/2006/main">
+  <p:tag name="NUM" val="3"/>
+</p:tagLst>
+</file>
+
+<file path=ppt/tags/tag83.xml><?xml version="1.0" encoding="utf-8"?>
+<p:tagLst xmlns:a="http://schemas.openxmlformats.org/drawingml/2006/main" xmlns:r="http://schemas.openxmlformats.org/officeDocument/2006/relationships" xmlns:p="http://schemas.openxmlformats.org/presentationml/2006/main">
+  <p:tag name="NUM" val="1"/>
+</p:tagLst>
+</file>
+
+<file path=ppt/tags/tag84.xml><?xml version="1.0" encoding="utf-8"?>
+<p:tagLst xmlns:a="http://schemas.openxmlformats.org/drawingml/2006/main" xmlns:r="http://schemas.openxmlformats.org/officeDocument/2006/relationships" xmlns:p="http://schemas.openxmlformats.org/presentationml/2006/main">
+  <p:tag name="NUM" val="2"/>
+</p:tagLst>
+</file>
+
+<file path=ppt/tags/tag85.xml><?xml version="1.0" encoding="utf-8"?>
+<p:tagLst xmlns:a="http://schemas.openxmlformats.org/drawingml/2006/main" xmlns:r="http://schemas.openxmlformats.org/officeDocument/2006/relationships" xmlns:p="http://schemas.openxmlformats.org/presentationml/2006/main">
+  <p:tag name="NUM" val="3"/>
+</p:tagLst>
+</file>
+
+<file path=ppt/tags/tag86.xml><?xml version="1.0" encoding="utf-8"?>
+<p:tagLst xmlns:a="http://schemas.openxmlformats.org/drawingml/2006/main" xmlns:r="http://schemas.openxmlformats.org/officeDocument/2006/relationships" xmlns:p="http://schemas.openxmlformats.org/presentationml/2006/main">
+  <p:tag name="NUM" val="4"/>
+</p:tagLst>
+</file>
+
+<file path=ppt/tags/tag87.xml><?xml version="1.0" encoding="utf-8"?>
+<p:tagLst xmlns:a="http://schemas.openxmlformats.org/drawingml/2006/main" xmlns:r="http://schemas.openxmlformats.org/officeDocument/2006/relationships" xmlns:p="http://schemas.openxmlformats.org/presentationml/2006/main">
+  <p:tag name="NUM" val="1"/>
+</p:tagLst>
+</file>
+
+<file path=ppt/tags/tag88.xml><?xml version="1.0" encoding="utf-8"?>
+<p:tagLst xmlns:a="http://schemas.openxmlformats.org/drawingml/2006/main" xmlns:r="http://schemas.openxmlformats.org/officeDocument/2006/relationships" xmlns:p="http://schemas.openxmlformats.org/presentationml/2006/main">
+  <p:tag name="NUM" val="2"/>
+</p:tagLst>
+</file>
+
+<file path=ppt/tags/tag89.xml><?xml version="1.0" encoding="utf-8"?>
+<p:tagLst xmlns:a="http://schemas.openxmlformats.org/drawingml/2006/main" xmlns:r="http://schemas.openxmlformats.org/officeDocument/2006/relationships" xmlns:p="http://schemas.openxmlformats.org/presentationml/2006/main">
+  <p:tag name="NUM" val="3"/>
+</p:tagLst>
+</file>
+
+<file path=ppt/tags/tag9.xml><?xml version="1.0" encoding="utf-8"?>
+<p:tagLst xmlns:a="http://schemas.openxmlformats.org/drawingml/2006/main" xmlns:r="http://schemas.openxmlformats.org/officeDocument/2006/relationships" xmlns:p="http://schemas.openxmlformats.org/presentationml/2006/main">
+  <p:tag name="NUM" val="2"/>
+</p:tagLst>
+</file>
+
+<file path=ppt/tags/tag90.xml><?xml version="1.0" encoding="utf-8"?>
+<p:tagLst xmlns:a="http://schemas.openxmlformats.org/drawingml/2006/main" xmlns:r="http://schemas.openxmlformats.org/officeDocument/2006/relationships" xmlns:p="http://schemas.openxmlformats.org/presentationml/2006/main">
+  <p:tag name="NUM" val="1"/>
+</p:tagLst>
+</file>
+
+<file path=ppt/tags/tag91.xml><?xml version="1.0" encoding="utf-8"?>
+<p:tagLst xmlns:a="http://schemas.openxmlformats.org/drawingml/2006/main" xmlns:r="http://schemas.openxmlformats.org/officeDocument/2006/relationships" xmlns:p="http://schemas.openxmlformats.org/presentationml/2006/main">
+  <p:tag name="NUM" val="2"/>
+</p:tagLst>
+</file>
+
+<file path=ppt/tags/tag92.xml><?xml version="1.0" encoding="utf-8"?>
+<p:tagLst xmlns:a="http://schemas.openxmlformats.org/drawingml/2006/main" xmlns:r="http://schemas.openxmlformats.org/officeDocument/2006/relationships" xmlns:p="http://schemas.openxmlformats.org/presentationml/2006/main">
+  <p:tag name="NUM" val="3"/>
+</p:tagLst>
+</file>
+
+<file path=ppt/tags/tag93.xml><?xml version="1.0" encoding="utf-8"?>
+<p:tagLst xmlns:a="http://schemas.openxmlformats.org/drawingml/2006/main" xmlns:r="http://schemas.openxmlformats.org/officeDocument/2006/relationships" xmlns:p="http://schemas.openxmlformats.org/presentationml/2006/main">
+  <p:tag name="NUM" val="4"/>
+</p:tagLst>
+</file>
+
+<file path=ppt/tags/tag94.xml><?xml version="1.0" encoding="utf-8"?>
+<p:tagLst xmlns:a="http://schemas.openxmlformats.org/drawingml/2006/main" xmlns:r="http://schemas.openxmlformats.org/officeDocument/2006/relationships" xmlns:p="http://schemas.openxmlformats.org/presentationml/2006/main">
+  <p:tag name="NUM" val="1"/>
+</p:tagLst>
+</file>
+
+<file path=ppt/tags/tag95.xml><?xml version="1.0" encoding="utf-8"?>
+<p:tagLst xmlns:a="http://schemas.openxmlformats.org/drawingml/2006/main" xmlns:r="http://schemas.openxmlformats.org/officeDocument/2006/relationships" xmlns:p="http://schemas.openxmlformats.org/presentationml/2006/main">
+  <p:tag name="NUM" val="2"/>
+</p:tagLst>
+</file>
+
+<file path=ppt/tags/tag96.xml><?xml version="1.0" encoding="utf-8"?>
+<p:tagLst xmlns:a="http://schemas.openxmlformats.org/drawingml/2006/main" xmlns:r="http://schemas.openxmlformats.org/officeDocument/2006/relationships" xmlns:p="http://schemas.openxmlformats.org/presentationml/2006/main">
+  <p:tag name="NUM" val="3"/>
+</p:tagLst>
+</file>
+
+<file path=ppt/tags/tag97.xml><?xml version="1.0" encoding="utf-8"?>
+<p:tagLst xmlns:a="http://schemas.openxmlformats.org/drawingml/2006/main" xmlns:r="http://schemas.openxmlformats.org/officeDocument/2006/relationships" xmlns:p="http://schemas.openxmlformats.org/presentationml/2006/main">
+  <p:tag name="NUM" val="4"/>
+</p:tagLst>
+</file>
+
+<file path=ppt/tags/tag98.xml><?xml version="1.0" encoding="utf-8"?>
+<p:tagLst xmlns:a="http://schemas.openxmlformats.org/drawingml/2006/main" xmlns:r="http://schemas.openxmlformats.org/officeDocument/2006/relationships" xmlns:p="http://schemas.openxmlformats.org/presentationml/2006/main">
+  <p:tag name="NUM" val="1"/>
+</p:tagLst>
+</file>
+
+<file path=ppt/tags/tag99.xml><?xml version="1.0" encoding="utf-8"?>
+<p:tagLst xmlns:a="http://schemas.openxmlformats.org/drawingml/2006/main" xmlns:r="http://schemas.openxmlformats.org/officeDocument/2006/relationships" xmlns:p="http://schemas.openxmlformats.org/presentationml/2006/main">
+  <p:tag name="NUM" val="2"/>
+</p:tagLst>
 </file>
 
 <file path=ppt/theme/theme1.xml><?xml version="1.0" encoding="utf-8"?>

--- a/wiki/HandiFox.pptx
+++ b/wiki/HandiFox.pptx
@@ -188,6 +188,7 @@
           </a:p>
         </c:rich>
       </c:tx>
+      <c:layout/>
       <c:overlay val="0"/>
     </c:title>
     <c:autoTitleDeleted val="0"/>
@@ -260,6 +261,7 @@
     </c:plotArea>
     <c:legend>
       <c:legendPos val="r"/>
+      <c:layout/>
       <c:overlay val="0"/>
       <c:txPr>
         <a:bodyPr/>
@@ -297,6 +299,7 @@
   </mc:AlternateContent>
   <c:chart>
     <c:title>
+      <c:layout/>
       <c:overlay val="0"/>
     </c:title>
     <c:autoTitleDeleted val="0"/>
@@ -369,6 +372,7 @@
     </c:plotArea>
     <c:legend>
       <c:legendPos val="r"/>
+      <c:layout/>
       <c:overlay val="0"/>
       <c:txPr>
         <a:bodyPr/>
@@ -406,6 +410,7 @@
   </mc:AlternateContent>
   <c:chart>
     <c:title>
+      <c:layout/>
       <c:overlay val="0"/>
     </c:title>
     <c:autoTitleDeleted val="0"/>
@@ -478,6 +483,7 @@
     </c:plotArea>
     <c:legend>
       <c:legendPos val="r"/>
+      <c:layout/>
       <c:overlay val="0"/>
       <c:txPr>
         <a:bodyPr/>
@@ -2663,6 +2669,893 @@
       <dsp:cNvGrpSpPr/>
     </dsp:nvGrpSpPr>
     <dsp:grpSpPr/>
+    <dsp:sp modelId="{11077F7F-CF05-4D64-A9D9-3CD5AAD0F34A}">
+      <dsp:nvSpPr>
+        <dsp:cNvPr id="0" name=""/>
+        <dsp:cNvSpPr/>
+      </dsp:nvSpPr>
+      <dsp:spPr>
+        <a:xfrm>
+          <a:off x="2657" y="193846"/>
+          <a:ext cx="2591135" cy="460800"/>
+        </a:xfrm>
+        <a:prstGeom prst="rect">
+          <a:avLst/>
+        </a:prstGeom>
+        <a:solidFill>
+          <a:schemeClr val="accent1">
+            <a:hueOff val="0"/>
+            <a:satOff val="0"/>
+            <a:lumOff val="0"/>
+            <a:alphaOff val="0"/>
+          </a:schemeClr>
+        </a:solidFill>
+        <a:ln w="11429" cap="flat" cmpd="sng" algn="ctr">
+          <a:solidFill>
+            <a:schemeClr val="accent1">
+              <a:hueOff val="0"/>
+              <a:satOff val="0"/>
+              <a:lumOff val="0"/>
+              <a:alphaOff val="0"/>
+            </a:schemeClr>
+          </a:solidFill>
+          <a:prstDash val="sysDash"/>
+        </a:ln>
+        <a:effectLst/>
+      </dsp:spPr>
+      <dsp:style>
+        <a:lnRef idx="2">
+          <a:scrgbClr r="0" g="0" b="0"/>
+        </a:lnRef>
+        <a:fillRef idx="1">
+          <a:scrgbClr r="0" g="0" b="0"/>
+        </a:fillRef>
+        <a:effectRef idx="0">
+          <a:scrgbClr r="0" g="0" b="0"/>
+        </a:effectRef>
+        <a:fontRef idx="minor">
+          <a:schemeClr val="lt1"/>
+        </a:fontRef>
+      </dsp:style>
+      <dsp:txBody>
+        <a:bodyPr spcFirstLastPara="0" vert="horz" wrap="square" lIns="113792" tIns="65024" rIns="113792" bIns="65024" numCol="1" spcCol="1270" anchor="ctr" anchorCtr="0">
+          <a:noAutofit/>
+        </a:bodyPr>
+        <a:lstStyle/>
+        <a:p>
+          <a:pPr lvl="0" algn="ctr" defTabSz="711200">
+            <a:lnSpc>
+              <a:spcPct val="90000"/>
+            </a:lnSpc>
+            <a:spcBef>
+              <a:spcPct val="0"/>
+            </a:spcBef>
+            <a:spcAft>
+              <a:spcPct val="35000"/>
+            </a:spcAft>
+          </a:pPr>
+          <a:r>
+            <a:rPr lang="fr-FR" sz="1600" kern="1200"/>
+            <a:t>Ouïe</a:t>
+          </a:r>
+        </a:p>
+      </dsp:txBody>
+      <dsp:txXfrm>
+        <a:off x="2657" y="193846"/>
+        <a:ext cx="2591135" cy="460800"/>
+      </dsp:txXfrm>
+    </dsp:sp>
+    <dsp:sp modelId="{ED147345-9534-4E96-80AB-E942E5A72ADC}">
+      <dsp:nvSpPr>
+        <dsp:cNvPr id="0" name=""/>
+        <dsp:cNvSpPr/>
+      </dsp:nvSpPr>
+      <dsp:spPr>
+        <a:xfrm>
+          <a:off x="2657" y="654646"/>
+          <a:ext cx="2591135" cy="3723506"/>
+        </a:xfrm>
+        <a:prstGeom prst="rect">
+          <a:avLst/>
+        </a:prstGeom>
+        <a:solidFill>
+          <a:schemeClr val="accent1">
+            <a:alpha val="90000"/>
+            <a:tint val="40000"/>
+            <a:hueOff val="0"/>
+            <a:satOff val="0"/>
+            <a:lumOff val="0"/>
+            <a:alphaOff val="0"/>
+          </a:schemeClr>
+        </a:solidFill>
+        <a:ln w="11429" cap="flat" cmpd="sng" algn="ctr">
+          <a:solidFill>
+            <a:schemeClr val="accent1">
+              <a:alpha val="90000"/>
+              <a:tint val="40000"/>
+              <a:hueOff val="0"/>
+              <a:satOff val="0"/>
+              <a:lumOff val="0"/>
+              <a:alphaOff val="0"/>
+            </a:schemeClr>
+          </a:solidFill>
+          <a:prstDash val="sysDash"/>
+        </a:ln>
+        <a:effectLst/>
+      </dsp:spPr>
+      <dsp:style>
+        <a:lnRef idx="2">
+          <a:scrgbClr r="0" g="0" b="0"/>
+        </a:lnRef>
+        <a:fillRef idx="1">
+          <a:scrgbClr r="0" g="0" b="0"/>
+        </a:fillRef>
+        <a:effectRef idx="0">
+          <a:scrgbClr r="0" g="0" b="0"/>
+        </a:effectRef>
+        <a:fontRef idx="minor"/>
+      </dsp:style>
+      <dsp:txBody>
+        <a:bodyPr spcFirstLastPara="0" vert="horz" wrap="square" lIns="85344" tIns="85344" rIns="113792" bIns="128016" numCol="1" spcCol="1270" anchor="t" anchorCtr="0">
+          <a:noAutofit/>
+        </a:bodyPr>
+        <a:lstStyle/>
+        <a:p>
+          <a:pPr marL="171450" lvl="1" indent="-171450" algn="l" defTabSz="711200">
+            <a:lnSpc>
+              <a:spcPct val="90000"/>
+            </a:lnSpc>
+            <a:spcBef>
+              <a:spcPct val="0"/>
+            </a:spcBef>
+            <a:spcAft>
+              <a:spcPct val="15000"/>
+            </a:spcAft>
+            <a:buChar char="••"/>
+          </a:pPr>
+          <a:r>
+            <a:rPr lang="fr-FR" sz="1600" kern="1200"/>
+            <a:t>Le son</a:t>
+          </a:r>
+        </a:p>
+        <a:p>
+          <a:pPr marL="171450" lvl="1" indent="-171450" algn="l" defTabSz="711200">
+            <a:lnSpc>
+              <a:spcPct val="90000"/>
+            </a:lnSpc>
+            <a:spcBef>
+              <a:spcPct val="0"/>
+            </a:spcBef>
+            <a:spcAft>
+              <a:spcPct val="15000"/>
+            </a:spcAft>
+            <a:buChar char="••"/>
+          </a:pPr>
+          <a:r>
+            <a:rPr lang="fr-FR" sz="1600" kern="1200"/>
+            <a:t>Audio</a:t>
+          </a:r>
+        </a:p>
+        <a:p>
+          <a:pPr marL="171450" lvl="1" indent="-171450" algn="l" defTabSz="711200">
+            <a:lnSpc>
+              <a:spcPct val="90000"/>
+            </a:lnSpc>
+            <a:spcBef>
+              <a:spcPct val="0"/>
+            </a:spcBef>
+            <a:spcAft>
+              <a:spcPct val="15000"/>
+            </a:spcAft>
+            <a:buChar char="••"/>
+          </a:pPr>
+          <a:r>
+            <a:rPr lang="fr-FR" sz="1600" kern="1200"/>
+            <a:t>Musique</a:t>
+          </a:r>
+        </a:p>
+        <a:p>
+          <a:pPr marL="171450" lvl="1" indent="-171450" algn="l" defTabSz="711200">
+            <a:lnSpc>
+              <a:spcPct val="90000"/>
+            </a:lnSpc>
+            <a:spcBef>
+              <a:spcPct val="0"/>
+            </a:spcBef>
+            <a:spcAft>
+              <a:spcPct val="15000"/>
+            </a:spcAft>
+            <a:buChar char="••"/>
+          </a:pPr>
+          <a:r>
+            <a:rPr lang="fr-FR" sz="1600" kern="1200"/>
+            <a:t>Vidéo</a:t>
+          </a:r>
+        </a:p>
+      </dsp:txBody>
+      <dsp:txXfrm>
+        <a:off x="2657" y="654646"/>
+        <a:ext cx="2591135" cy="3723506"/>
+      </dsp:txXfrm>
+    </dsp:sp>
+    <dsp:sp modelId="{118621E0-D609-4BD6-B6ED-1CCCAF87E2A1}">
+      <dsp:nvSpPr>
+        <dsp:cNvPr id="0" name=""/>
+        <dsp:cNvSpPr/>
+      </dsp:nvSpPr>
+      <dsp:spPr>
+        <a:xfrm>
+          <a:off x="2956551" y="193846"/>
+          <a:ext cx="2591135" cy="460800"/>
+        </a:xfrm>
+        <a:prstGeom prst="rect">
+          <a:avLst/>
+        </a:prstGeom>
+        <a:solidFill>
+          <a:schemeClr val="accent1">
+            <a:hueOff val="0"/>
+            <a:satOff val="0"/>
+            <a:lumOff val="0"/>
+            <a:alphaOff val="0"/>
+          </a:schemeClr>
+        </a:solidFill>
+        <a:ln w="11429" cap="flat" cmpd="sng" algn="ctr">
+          <a:solidFill>
+            <a:schemeClr val="accent1">
+              <a:hueOff val="0"/>
+              <a:satOff val="0"/>
+              <a:lumOff val="0"/>
+              <a:alphaOff val="0"/>
+            </a:schemeClr>
+          </a:solidFill>
+          <a:prstDash val="sysDash"/>
+        </a:ln>
+        <a:effectLst/>
+      </dsp:spPr>
+      <dsp:style>
+        <a:lnRef idx="2">
+          <a:scrgbClr r="0" g="0" b="0"/>
+        </a:lnRef>
+        <a:fillRef idx="1">
+          <a:scrgbClr r="0" g="0" b="0"/>
+        </a:fillRef>
+        <a:effectRef idx="0">
+          <a:scrgbClr r="0" g="0" b="0"/>
+        </a:effectRef>
+        <a:fontRef idx="minor">
+          <a:schemeClr val="lt1"/>
+        </a:fontRef>
+      </dsp:style>
+      <dsp:txBody>
+        <a:bodyPr spcFirstLastPara="0" vert="horz" wrap="square" lIns="113792" tIns="65024" rIns="113792" bIns="65024" numCol="1" spcCol="1270" anchor="ctr" anchorCtr="0">
+          <a:noAutofit/>
+        </a:bodyPr>
+        <a:lstStyle/>
+        <a:p>
+          <a:pPr lvl="0" algn="ctr" defTabSz="711200">
+            <a:lnSpc>
+              <a:spcPct val="90000"/>
+            </a:lnSpc>
+            <a:spcBef>
+              <a:spcPct val="0"/>
+            </a:spcBef>
+            <a:spcAft>
+              <a:spcPct val="35000"/>
+            </a:spcAft>
+          </a:pPr>
+          <a:r>
+            <a:rPr lang="fr-FR" sz="1600" kern="1200"/>
+            <a:t>Vue</a:t>
+          </a:r>
+        </a:p>
+      </dsp:txBody>
+      <dsp:txXfrm>
+        <a:off x="2956551" y="193846"/>
+        <a:ext cx="2591135" cy="460800"/>
+      </dsp:txXfrm>
+    </dsp:sp>
+    <dsp:sp modelId="{7DC8BC4F-0763-47B4-BF9D-9C86A61CDD16}">
+      <dsp:nvSpPr>
+        <dsp:cNvPr id="0" name=""/>
+        <dsp:cNvSpPr/>
+      </dsp:nvSpPr>
+      <dsp:spPr>
+        <a:xfrm>
+          <a:off x="2956551" y="654646"/>
+          <a:ext cx="2591135" cy="3723506"/>
+        </a:xfrm>
+        <a:prstGeom prst="rect">
+          <a:avLst/>
+        </a:prstGeom>
+        <a:solidFill>
+          <a:schemeClr val="accent1">
+            <a:alpha val="90000"/>
+            <a:tint val="40000"/>
+            <a:hueOff val="0"/>
+            <a:satOff val="0"/>
+            <a:lumOff val="0"/>
+            <a:alphaOff val="0"/>
+          </a:schemeClr>
+        </a:solidFill>
+        <a:ln w="11429" cap="flat" cmpd="sng" algn="ctr">
+          <a:solidFill>
+            <a:schemeClr val="accent1">
+              <a:alpha val="90000"/>
+              <a:tint val="40000"/>
+              <a:hueOff val="0"/>
+              <a:satOff val="0"/>
+              <a:lumOff val="0"/>
+              <a:alphaOff val="0"/>
+            </a:schemeClr>
+          </a:solidFill>
+          <a:prstDash val="sysDash"/>
+        </a:ln>
+        <a:effectLst/>
+      </dsp:spPr>
+      <dsp:style>
+        <a:lnRef idx="2">
+          <a:scrgbClr r="0" g="0" b="0"/>
+        </a:lnRef>
+        <a:fillRef idx="1">
+          <a:scrgbClr r="0" g="0" b="0"/>
+        </a:fillRef>
+        <a:effectRef idx="0">
+          <a:scrgbClr r="0" g="0" b="0"/>
+        </a:effectRef>
+        <a:fontRef idx="minor"/>
+      </dsp:style>
+      <dsp:txBody>
+        <a:bodyPr spcFirstLastPara="0" vert="horz" wrap="square" lIns="85344" tIns="85344" rIns="113792" bIns="128016" numCol="1" spcCol="1270" anchor="t" anchorCtr="0">
+          <a:noAutofit/>
+        </a:bodyPr>
+        <a:lstStyle/>
+        <a:p>
+          <a:pPr marL="171450" lvl="1" indent="-171450" algn="l" defTabSz="711200">
+            <a:lnSpc>
+              <a:spcPct val="90000"/>
+            </a:lnSpc>
+            <a:spcBef>
+              <a:spcPct val="0"/>
+            </a:spcBef>
+            <a:spcAft>
+              <a:spcPct val="15000"/>
+            </a:spcAft>
+            <a:buChar char="••"/>
+          </a:pPr>
+          <a:r>
+            <a:rPr lang="fr-FR" sz="1600" kern="1200"/>
+            <a:t>Visualisation de données</a:t>
+          </a:r>
+        </a:p>
+        <a:p>
+          <a:pPr marL="171450" lvl="1" indent="-171450" algn="l" defTabSz="711200">
+            <a:lnSpc>
+              <a:spcPct val="90000"/>
+            </a:lnSpc>
+            <a:spcBef>
+              <a:spcPct val="0"/>
+            </a:spcBef>
+            <a:spcAft>
+              <a:spcPct val="15000"/>
+            </a:spcAft>
+            <a:buChar char="••"/>
+          </a:pPr>
+          <a:r>
+            <a:rPr lang="fr-FR" sz="1600" kern="1200"/>
+            <a:t>Recherche d'information</a:t>
+          </a:r>
+        </a:p>
+        <a:p>
+          <a:pPr marL="342900" lvl="2" indent="-171450" algn="l" defTabSz="711200">
+            <a:lnSpc>
+              <a:spcPct val="90000"/>
+            </a:lnSpc>
+            <a:spcBef>
+              <a:spcPct val="0"/>
+            </a:spcBef>
+            <a:spcAft>
+              <a:spcPct val="15000"/>
+            </a:spcAft>
+            <a:buChar char="••"/>
+          </a:pPr>
+          <a:r>
+            <a:rPr lang="fr-FR" sz="1600" kern="1200"/>
+            <a:t>Image</a:t>
+          </a:r>
+        </a:p>
+        <a:p>
+          <a:pPr marL="342900" lvl="2" indent="-171450" algn="l" defTabSz="711200">
+            <a:lnSpc>
+              <a:spcPct val="90000"/>
+            </a:lnSpc>
+            <a:spcBef>
+              <a:spcPct val="0"/>
+            </a:spcBef>
+            <a:spcAft>
+              <a:spcPct val="15000"/>
+            </a:spcAft>
+            <a:buChar char="••"/>
+          </a:pPr>
+          <a:r>
+            <a:rPr lang="fr-FR" sz="1600" kern="1200"/>
+            <a:t>Video</a:t>
+          </a:r>
+        </a:p>
+        <a:p>
+          <a:pPr marL="342900" lvl="2" indent="-171450" algn="l" defTabSz="711200">
+            <a:lnSpc>
+              <a:spcPct val="90000"/>
+            </a:lnSpc>
+            <a:spcBef>
+              <a:spcPct val="0"/>
+            </a:spcBef>
+            <a:spcAft>
+              <a:spcPct val="15000"/>
+            </a:spcAft>
+            <a:buChar char="••"/>
+          </a:pPr>
+          <a:r>
+            <a:rPr lang="fr-FR" sz="1600" kern="1200"/>
+            <a:t>Navigation</a:t>
+          </a:r>
+        </a:p>
+        <a:p>
+          <a:pPr marL="342900" lvl="2" indent="-171450" algn="l" defTabSz="711200">
+            <a:lnSpc>
+              <a:spcPct val="90000"/>
+            </a:lnSpc>
+            <a:spcBef>
+              <a:spcPct val="0"/>
+            </a:spcBef>
+            <a:spcAft>
+              <a:spcPct val="15000"/>
+            </a:spcAft>
+            <a:buChar char="••"/>
+          </a:pPr>
+          <a:r>
+            <a:rPr lang="fr-FR" sz="1600" kern="1200"/>
+            <a:t>Favoris</a:t>
+          </a:r>
+        </a:p>
+        <a:p>
+          <a:pPr marL="171450" lvl="1" indent="-171450" algn="l" defTabSz="711200">
+            <a:lnSpc>
+              <a:spcPct val="90000"/>
+            </a:lnSpc>
+            <a:spcBef>
+              <a:spcPct val="0"/>
+            </a:spcBef>
+            <a:spcAft>
+              <a:spcPct val="15000"/>
+            </a:spcAft>
+            <a:buChar char="••"/>
+          </a:pPr>
+          <a:r>
+            <a:rPr lang="fr-FR" sz="1600" kern="1200"/>
+            <a:t>Téléchargement</a:t>
+          </a:r>
+        </a:p>
+        <a:p>
+          <a:pPr marL="342900" lvl="2" indent="-171450" algn="l" defTabSz="711200">
+            <a:lnSpc>
+              <a:spcPct val="90000"/>
+            </a:lnSpc>
+            <a:spcBef>
+              <a:spcPct val="0"/>
+            </a:spcBef>
+            <a:spcAft>
+              <a:spcPct val="15000"/>
+            </a:spcAft>
+            <a:buChar char="••"/>
+          </a:pPr>
+          <a:r>
+            <a:rPr lang="fr-FR" sz="1600" kern="1200"/>
+            <a:t>Fichiers</a:t>
+          </a:r>
+        </a:p>
+        <a:p>
+          <a:pPr marL="342900" lvl="2" indent="-171450" algn="l" defTabSz="711200">
+            <a:lnSpc>
+              <a:spcPct val="90000"/>
+            </a:lnSpc>
+            <a:spcBef>
+              <a:spcPct val="0"/>
+            </a:spcBef>
+            <a:spcAft>
+              <a:spcPct val="15000"/>
+            </a:spcAft>
+            <a:buChar char="••"/>
+          </a:pPr>
+          <a:r>
+            <a:rPr lang="fr-FR" sz="1600" kern="1200"/>
+            <a:t>Images</a:t>
+          </a:r>
+        </a:p>
+        <a:p>
+          <a:pPr marL="342900" lvl="2" indent="-171450" algn="l" defTabSz="711200">
+            <a:lnSpc>
+              <a:spcPct val="90000"/>
+            </a:lnSpc>
+            <a:spcBef>
+              <a:spcPct val="0"/>
+            </a:spcBef>
+            <a:spcAft>
+              <a:spcPct val="15000"/>
+            </a:spcAft>
+            <a:buChar char="••"/>
+          </a:pPr>
+          <a:r>
+            <a:rPr lang="fr-FR" sz="1600" kern="1200"/>
+            <a:t>etc.</a:t>
+          </a:r>
+        </a:p>
+      </dsp:txBody>
+      <dsp:txXfrm>
+        <a:off x="2956551" y="654646"/>
+        <a:ext cx="2591135" cy="3723506"/>
+      </dsp:txXfrm>
+    </dsp:sp>
+    <dsp:sp modelId="{63F6D684-3904-4EF7-939B-3BB1AFBA6DFB}">
+      <dsp:nvSpPr>
+        <dsp:cNvPr id="0" name=""/>
+        <dsp:cNvSpPr/>
+      </dsp:nvSpPr>
+      <dsp:spPr>
+        <a:xfrm>
+          <a:off x="5910445" y="193846"/>
+          <a:ext cx="2591135" cy="460800"/>
+        </a:xfrm>
+        <a:prstGeom prst="rect">
+          <a:avLst/>
+        </a:prstGeom>
+        <a:solidFill>
+          <a:schemeClr val="accent1">
+            <a:hueOff val="0"/>
+            <a:satOff val="0"/>
+            <a:lumOff val="0"/>
+            <a:alphaOff val="0"/>
+          </a:schemeClr>
+        </a:solidFill>
+        <a:ln w="11429" cap="flat" cmpd="sng" algn="ctr">
+          <a:solidFill>
+            <a:schemeClr val="accent1">
+              <a:hueOff val="0"/>
+              <a:satOff val="0"/>
+              <a:lumOff val="0"/>
+              <a:alphaOff val="0"/>
+            </a:schemeClr>
+          </a:solidFill>
+          <a:prstDash val="sysDash"/>
+        </a:ln>
+        <a:effectLst/>
+      </dsp:spPr>
+      <dsp:style>
+        <a:lnRef idx="2">
+          <a:scrgbClr r="0" g="0" b="0"/>
+        </a:lnRef>
+        <a:fillRef idx="1">
+          <a:scrgbClr r="0" g="0" b="0"/>
+        </a:fillRef>
+        <a:effectRef idx="0">
+          <a:scrgbClr r="0" g="0" b="0"/>
+        </a:effectRef>
+        <a:fontRef idx="minor">
+          <a:schemeClr val="lt1"/>
+        </a:fontRef>
+      </dsp:style>
+      <dsp:txBody>
+        <a:bodyPr spcFirstLastPara="0" vert="horz" wrap="square" lIns="113792" tIns="65024" rIns="113792" bIns="65024" numCol="1" spcCol="1270" anchor="ctr" anchorCtr="0">
+          <a:noAutofit/>
+        </a:bodyPr>
+        <a:lstStyle/>
+        <a:p>
+          <a:pPr lvl="0" algn="ctr" defTabSz="711200">
+            <a:lnSpc>
+              <a:spcPct val="90000"/>
+            </a:lnSpc>
+            <a:spcBef>
+              <a:spcPct val="0"/>
+            </a:spcBef>
+            <a:spcAft>
+              <a:spcPct val="35000"/>
+            </a:spcAft>
+          </a:pPr>
+          <a:r>
+            <a:rPr lang="fr-FR" sz="1600" kern="1200"/>
+            <a:t>Toucher</a:t>
+          </a:r>
+        </a:p>
+      </dsp:txBody>
+      <dsp:txXfrm>
+        <a:off x="5910445" y="193846"/>
+        <a:ext cx="2591135" cy="460800"/>
+      </dsp:txXfrm>
+    </dsp:sp>
+    <dsp:sp modelId="{D96B1DD7-8E48-4705-B4D3-5144AC4B9623}">
+      <dsp:nvSpPr>
+        <dsp:cNvPr id="0" name=""/>
+        <dsp:cNvSpPr/>
+      </dsp:nvSpPr>
+      <dsp:spPr>
+        <a:xfrm>
+          <a:off x="5910445" y="654646"/>
+          <a:ext cx="2591135" cy="3723506"/>
+        </a:xfrm>
+        <a:prstGeom prst="rect">
+          <a:avLst/>
+        </a:prstGeom>
+        <a:solidFill>
+          <a:schemeClr val="accent1">
+            <a:alpha val="90000"/>
+            <a:tint val="40000"/>
+            <a:hueOff val="0"/>
+            <a:satOff val="0"/>
+            <a:lumOff val="0"/>
+            <a:alphaOff val="0"/>
+          </a:schemeClr>
+        </a:solidFill>
+        <a:ln w="11429" cap="flat" cmpd="sng" algn="ctr">
+          <a:solidFill>
+            <a:schemeClr val="accent1">
+              <a:alpha val="90000"/>
+              <a:tint val="40000"/>
+              <a:hueOff val="0"/>
+              <a:satOff val="0"/>
+              <a:lumOff val="0"/>
+              <a:alphaOff val="0"/>
+            </a:schemeClr>
+          </a:solidFill>
+          <a:prstDash val="sysDash"/>
+        </a:ln>
+        <a:effectLst/>
+      </dsp:spPr>
+      <dsp:style>
+        <a:lnRef idx="2">
+          <a:scrgbClr r="0" g="0" b="0"/>
+        </a:lnRef>
+        <a:fillRef idx="1">
+          <a:scrgbClr r="0" g="0" b="0"/>
+        </a:fillRef>
+        <a:effectRef idx="0">
+          <a:scrgbClr r="0" g="0" b="0"/>
+        </a:effectRef>
+        <a:fontRef idx="minor"/>
+      </dsp:style>
+      <dsp:txBody>
+        <a:bodyPr spcFirstLastPara="0" vert="horz" wrap="square" lIns="85344" tIns="85344" rIns="113792" bIns="128016" numCol="1" spcCol="1270" anchor="t" anchorCtr="0">
+          <a:noAutofit/>
+        </a:bodyPr>
+        <a:lstStyle/>
+        <a:p>
+          <a:pPr marL="171450" lvl="1" indent="-171450" algn="l" defTabSz="711200">
+            <a:lnSpc>
+              <a:spcPct val="90000"/>
+            </a:lnSpc>
+            <a:spcBef>
+              <a:spcPct val="0"/>
+            </a:spcBef>
+            <a:spcAft>
+              <a:spcPct val="15000"/>
+            </a:spcAft>
+            <a:buChar char="••"/>
+          </a:pPr>
+          <a:r>
+            <a:rPr lang="fr-FR" sz="1600" kern="1200"/>
+            <a:t>Interaction clavier</a:t>
+          </a:r>
+        </a:p>
+        <a:p>
+          <a:pPr marL="171450" lvl="1" indent="-171450" algn="l" defTabSz="711200">
+            <a:lnSpc>
+              <a:spcPct val="90000"/>
+            </a:lnSpc>
+            <a:spcBef>
+              <a:spcPct val="0"/>
+            </a:spcBef>
+            <a:spcAft>
+              <a:spcPct val="15000"/>
+            </a:spcAft>
+            <a:buChar char="••"/>
+          </a:pPr>
+          <a:r>
+            <a:rPr lang="fr-FR" sz="1600" kern="1200"/>
+            <a:t>Navigation</a:t>
+          </a:r>
+        </a:p>
+        <a:p>
+          <a:pPr marL="342900" lvl="2" indent="-171450" algn="l" defTabSz="711200">
+            <a:lnSpc>
+              <a:spcPct val="90000"/>
+            </a:lnSpc>
+            <a:spcBef>
+              <a:spcPct val="0"/>
+            </a:spcBef>
+            <a:spcAft>
+              <a:spcPct val="15000"/>
+            </a:spcAft>
+            <a:buChar char="••"/>
+          </a:pPr>
+          <a:r>
+            <a:rPr lang="fr-FR" sz="1600" kern="1200"/>
+            <a:t>Lien</a:t>
+          </a:r>
+        </a:p>
+        <a:p>
+          <a:pPr marL="342900" lvl="2" indent="-171450" algn="l" defTabSz="711200">
+            <a:lnSpc>
+              <a:spcPct val="90000"/>
+            </a:lnSpc>
+            <a:spcBef>
+              <a:spcPct val="0"/>
+            </a:spcBef>
+            <a:spcAft>
+              <a:spcPct val="15000"/>
+            </a:spcAft>
+            <a:buChar char="••"/>
+          </a:pPr>
+          <a:r>
+            <a:rPr lang="fr-FR" sz="1600" kern="1200"/>
+            <a:t>Adresse internet (URL)</a:t>
+          </a:r>
+        </a:p>
+        <a:p>
+          <a:pPr marL="342900" lvl="2" indent="-171450" algn="l" defTabSz="711200">
+            <a:lnSpc>
+              <a:spcPct val="90000"/>
+            </a:lnSpc>
+            <a:spcBef>
+              <a:spcPct val="0"/>
+            </a:spcBef>
+            <a:spcAft>
+              <a:spcPct val="15000"/>
+            </a:spcAft>
+            <a:buChar char="••"/>
+          </a:pPr>
+          <a:r>
+            <a:rPr lang="fr-FR" sz="1600" kern="1200"/>
+            <a:t>Favoris</a:t>
+          </a:r>
+        </a:p>
+        <a:p>
+          <a:pPr marL="342900" lvl="2" indent="-171450" algn="l" defTabSz="711200">
+            <a:lnSpc>
+              <a:spcPct val="90000"/>
+            </a:lnSpc>
+            <a:spcBef>
+              <a:spcPct val="0"/>
+            </a:spcBef>
+            <a:spcAft>
+              <a:spcPct val="15000"/>
+            </a:spcAft>
+            <a:buChar char="••"/>
+          </a:pPr>
+          <a:r>
+            <a:rPr lang="fr-FR" sz="1600" kern="1200"/>
+            <a:t>Saisie</a:t>
+          </a:r>
+        </a:p>
+        <a:p>
+          <a:pPr marL="514350" lvl="3" indent="-171450" algn="l" defTabSz="711200">
+            <a:lnSpc>
+              <a:spcPct val="90000"/>
+            </a:lnSpc>
+            <a:spcBef>
+              <a:spcPct val="0"/>
+            </a:spcBef>
+            <a:spcAft>
+              <a:spcPct val="15000"/>
+            </a:spcAft>
+            <a:buChar char="••"/>
+          </a:pPr>
+          <a:r>
+            <a:rPr lang="fr-FR" sz="1600" kern="1200"/>
+            <a:t>Formulaire</a:t>
+          </a:r>
+        </a:p>
+        <a:p>
+          <a:pPr marL="685800" lvl="4" indent="-171450" algn="l" defTabSz="711200">
+            <a:lnSpc>
+              <a:spcPct val="90000"/>
+            </a:lnSpc>
+            <a:spcBef>
+              <a:spcPct val="0"/>
+            </a:spcBef>
+            <a:spcAft>
+              <a:spcPct val="15000"/>
+            </a:spcAft>
+            <a:buChar char="••"/>
+          </a:pPr>
+          <a:r>
+            <a:rPr lang="fr-FR" sz="1600" kern="1200" dirty="0"/>
+            <a:t>Balise </a:t>
+          </a:r>
+          <a:r>
+            <a:rPr lang="fr-FR" sz="1600" kern="1200" dirty="0" smtClean="0"/>
+            <a:t>select, </a:t>
+          </a:r>
+          <a:r>
+            <a:rPr lang="fr-FR" sz="1600" kern="1200" dirty="0"/>
+            <a:t>radio, checkbox, etc.</a:t>
+          </a:r>
+        </a:p>
+        <a:p>
+          <a:pPr marL="171450" lvl="1" indent="-171450" algn="l" defTabSz="711200">
+            <a:lnSpc>
+              <a:spcPct val="90000"/>
+            </a:lnSpc>
+            <a:spcBef>
+              <a:spcPct val="0"/>
+            </a:spcBef>
+            <a:spcAft>
+              <a:spcPct val="15000"/>
+            </a:spcAft>
+            <a:buChar char="••"/>
+          </a:pPr>
+          <a:r>
+            <a:rPr lang="fr-FR" sz="1600" kern="1200"/>
+            <a:t>Copié/Collé</a:t>
+          </a:r>
+        </a:p>
+        <a:p>
+          <a:pPr marL="171450" lvl="1" indent="-171450" algn="l" defTabSz="711200">
+            <a:lnSpc>
+              <a:spcPct val="90000"/>
+            </a:lnSpc>
+            <a:spcBef>
+              <a:spcPct val="0"/>
+            </a:spcBef>
+            <a:spcAft>
+              <a:spcPct val="15000"/>
+            </a:spcAft>
+            <a:buChar char="••"/>
+          </a:pPr>
+          <a:r>
+            <a:rPr lang="fr-FR" sz="1600" kern="1200"/>
+            <a:t>Impression</a:t>
+          </a:r>
+        </a:p>
+        <a:p>
+          <a:pPr marL="342900" lvl="2" indent="-171450" algn="l" defTabSz="711200">
+            <a:lnSpc>
+              <a:spcPct val="90000"/>
+            </a:lnSpc>
+            <a:spcBef>
+              <a:spcPct val="0"/>
+            </a:spcBef>
+            <a:spcAft>
+              <a:spcPct val="15000"/>
+            </a:spcAft>
+            <a:buChar char="••"/>
+          </a:pPr>
+          <a:r>
+            <a:rPr lang="fr-FR" sz="1600" kern="1200"/>
+            <a:t>Type d'impressione</a:t>
+          </a:r>
+        </a:p>
+        <a:p>
+          <a:pPr marL="514350" lvl="3" indent="-171450" algn="l" defTabSz="711200">
+            <a:lnSpc>
+              <a:spcPct val="90000"/>
+            </a:lnSpc>
+            <a:spcBef>
+              <a:spcPct val="0"/>
+            </a:spcBef>
+            <a:spcAft>
+              <a:spcPct val="15000"/>
+            </a:spcAft>
+            <a:buChar char="••"/>
+          </a:pPr>
+          <a:r>
+            <a:rPr lang="fr-FR" sz="1600" kern="1200"/>
+            <a:t>Sélection, Page, etc.</a:t>
+          </a:r>
+        </a:p>
+      </dsp:txBody>
+      <dsp:txXfrm>
+        <a:off x="5910445" y="654646"/>
+        <a:ext cx="2591135" cy="3723506"/>
+      </dsp:txXfrm>
+    </dsp:sp>
   </dsp:spTree>
 </dsp:drawing>
 </file>
@@ -4312,44 +5205,35 @@
           <a:bodyPr/>
           <a:lstStyle/>
           <a:p>
+            <a:pPr marL="0" marR="0" indent="0" algn="l" defTabSz="914400" rtl="0" eaLnBrk="1" fontAlgn="auto" latinLnBrk="0" hangingPunct="1">
+              <a:lnSpc>
+                <a:spcPct val="100000"/>
+              </a:lnSpc>
+              <a:spcBef>
+                <a:spcPts val="0"/>
+              </a:spcBef>
+              <a:spcAft>
+                <a:spcPts val="0"/>
+              </a:spcAft>
+              <a:buClrTx/>
+              <a:buSzTx/>
+              <a:buFontTx/>
+              <a:buNone/>
+              <a:tabLst/>
+              <a:defRPr/>
+            </a:pPr>
             <a:r>
               <a:rPr lang="fr-FR" dirty="0" smtClean="0"/>
-              <a:t>Activé avec la touche</a:t>
+              <a:t>Firefox est à +- long</a:t>
             </a:r>
             <a:r>
               <a:rPr lang="fr-FR" baseline="0" dirty="0" smtClean="0"/>
-              <a:t> « f »</a:t>
-            </a:r>
-            <a:endParaRPr lang="fr-FR" dirty="0" smtClean="0"/>
-          </a:p>
-          <a:p>
+              <a:t> terme </a:t>
+            </a:r>
             <a:r>
               <a:rPr lang="fr-FR" dirty="0" smtClean="0"/>
-              <a:t>Système</a:t>
-            </a:r>
-            <a:r>
-              <a:rPr lang="fr-FR" baseline="0" dirty="0" smtClean="0"/>
-              <a:t> filtre permet de réduire l’éventail des possibilités soit avec le contenu du lien soit avec le numéro du label.</a:t>
-            </a:r>
-          </a:p>
-          <a:p>
-            <a:r>
-              <a:rPr lang="fr-FR" baseline="0" dirty="0" smtClean="0"/>
-              <a:t>On relève plusieurs interrogation : </a:t>
-            </a:r>
-          </a:p>
-          <a:p>
-            <a:r>
-              <a:rPr lang="fr-FR" baseline="0" dirty="0" smtClean="0"/>
-              <a:t>	liens cachés dans la page (menu déroulant) considérer par Vimperator</a:t>
-            </a:r>
-          </a:p>
-          <a:p>
-            <a:r>
-              <a:rPr lang="fr-FR" baseline="0" dirty="0" smtClean="0"/>
-              <a:t>	porté de la numérotation (page dans l’intégralité ou dans l’écran courant</a:t>
-            </a:r>
-            <a:endParaRPr lang="fr-FR" dirty="0"/>
+              <a:t>adapter le plug-in a d’autre logiciel de la suite Mozilla</a:t>
+            </a:r>
           </a:p>
         </p:txBody>
       </p:sp>
@@ -4370,7 +5254,7 @@
           <a:p>
             <a:fld id="{0C841782-00D3-463A-AEBA-08D13A465165}" type="slidenum">
               <a:rPr lang="fr-FR" smtClean="0"/>
-              <a:t>9</a:t>
+              <a:t>4</a:t>
             </a:fld>
             <a:endParaRPr lang="fr-FR"/>
           </a:p>
@@ -4379,7 +5263,7 @@
     </p:spTree>
     <p:extLst>
       <p:ext uri="{BB962C8B-B14F-4D97-AF65-F5344CB8AC3E}">
-        <p14:creationId xmlns:p14="http://schemas.microsoft.com/office/powerpoint/2010/main" val="1604152962"/>
+        <p14:creationId xmlns:p14="http://schemas.microsoft.com/office/powerpoint/2010/main" val="2019423940"/>
       </p:ext>
     </p:extLst>
   </p:cSld>
@@ -4435,11 +5319,132 @@
           <a:p>
             <a:r>
               <a:rPr lang="fr-FR" dirty="0" smtClean="0"/>
-              <a:t>Par association d’idée sur</a:t>
+              <a:t>Activé avec la touche</a:t>
             </a:r>
             <a:r>
               <a:rPr lang="fr-FR" baseline="0" dirty="0" smtClean="0"/>
-              <a:t> les cinq sens, plus spécifiquement ceux qui sont utilisés sur l’ordinateur, nous arrivons à ceux-ci</a:t>
+              <a:t> « f »</a:t>
+            </a:r>
+            <a:endParaRPr lang="fr-FR" dirty="0" smtClean="0"/>
+          </a:p>
+          <a:p>
+            <a:r>
+              <a:rPr lang="fr-FR" dirty="0" smtClean="0"/>
+              <a:t>Système</a:t>
+            </a:r>
+            <a:r>
+              <a:rPr lang="fr-FR" baseline="0" dirty="0" smtClean="0"/>
+              <a:t> filtre permet de réduire l’éventail des possibilités soit avec le contenu du lien soit avec le numéro du label.</a:t>
+            </a:r>
+          </a:p>
+          <a:p>
+            <a:r>
+              <a:rPr lang="fr-FR" baseline="0" dirty="0" smtClean="0"/>
+              <a:t>On relève plusieurs interrogation : </a:t>
+            </a:r>
+          </a:p>
+          <a:p>
+            <a:r>
+              <a:rPr lang="fr-FR" baseline="0" dirty="0" smtClean="0"/>
+              <a:t>	liens cachés dans la page (menu déroulant) considérer par Vimperator</a:t>
+            </a:r>
+          </a:p>
+          <a:p>
+            <a:r>
+              <a:rPr lang="fr-FR" baseline="0" dirty="0" smtClean="0"/>
+              <a:t>	porté de la numérotation (page dans l’intégralité ou dans l’écran courant</a:t>
+            </a:r>
+            <a:endParaRPr lang="fr-FR" dirty="0"/>
+          </a:p>
+        </p:txBody>
+      </p:sp>
+      <p:sp>
+        <p:nvSpPr>
+          <p:cNvPr id="4" name="Espace réservé du numéro de diapositive 3"/>
+          <p:cNvSpPr>
+            <a:spLocks noGrp="1"/>
+          </p:cNvSpPr>
+          <p:nvPr>
+            <p:ph type="sldNum" sz="quarter" idx="10"/>
+          </p:nvPr>
+        </p:nvSpPr>
+        <p:spPr/>
+        <p:txBody>
+          <a:bodyPr/>
+          <a:lstStyle/>
+          <a:p>
+            <a:fld id="{0C841782-00D3-463A-AEBA-08D13A465165}" type="slidenum">
+              <a:rPr lang="fr-FR" smtClean="0"/>
+              <a:t>9</a:t>
+            </a:fld>
+            <a:endParaRPr lang="fr-FR"/>
+          </a:p>
+        </p:txBody>
+      </p:sp>
+    </p:spTree>
+    <p:extLst>
+      <p:ext uri="{BB962C8B-B14F-4D97-AF65-F5344CB8AC3E}">
+        <p14:creationId xmlns:p14="http://schemas.microsoft.com/office/powerpoint/2010/main" val="1604152962"/>
+      </p:ext>
+    </p:extLst>
+  </p:cSld>
+  <p:clrMapOvr>
+    <a:masterClrMapping/>
+  </p:clrMapOvr>
+</p:notes>
+</file>
+
+<file path=ppt/notesSlides/notesSlide3.xml><?xml version="1.0" encoding="utf-8"?>
+<p:notes xmlns:a="http://schemas.openxmlformats.org/drawingml/2006/main" xmlns:r="http://schemas.openxmlformats.org/officeDocument/2006/relationships" xmlns:p="http://schemas.openxmlformats.org/presentationml/2006/main">
+  <p:cSld>
+    <p:spTree>
+      <p:nvGrpSpPr>
+        <p:cNvPr id="1" name=""/>
+        <p:cNvGrpSpPr/>
+        <p:nvPr/>
+      </p:nvGrpSpPr>
+      <p:grpSpPr>
+        <a:xfrm>
+          <a:off x="0" y="0"/>
+          <a:ext cx="0" cy="0"/>
+          <a:chOff x="0" y="0"/>
+          <a:chExt cx="0" cy="0"/>
+        </a:xfrm>
+      </p:grpSpPr>
+      <p:sp>
+        <p:nvSpPr>
+          <p:cNvPr id="2" name="Espace réservé de l'image des diapositives 1"/>
+          <p:cNvSpPr>
+            <a:spLocks noGrp="1" noRot="1" noChangeAspect="1"/>
+          </p:cNvSpPr>
+          <p:nvPr>
+            <p:ph type="sldImg"/>
+          </p:nvPr>
+        </p:nvSpPr>
+        <p:spPr/>
+      </p:sp>
+      <p:sp>
+        <p:nvSpPr>
+          <p:cNvPr id="3" name="Espace réservé des commentaires 2"/>
+          <p:cNvSpPr>
+            <a:spLocks noGrp="1"/>
+          </p:cNvSpPr>
+          <p:nvPr>
+            <p:ph type="body" idx="1"/>
+          </p:nvPr>
+        </p:nvSpPr>
+        <p:spPr/>
+        <p:txBody>
+          <a:bodyPr/>
+          <a:lstStyle/>
+          <a:p>
+            <a:r>
+              <a:rPr lang="fr-FR" dirty="0" smtClean="0"/>
+              <a:t>Par association d’idée</a:t>
+            </a:r>
+            <a:r>
+              <a:rPr lang="fr-FR" baseline="0" dirty="0" smtClean="0"/>
+              <a:t>, plus spécifiquement ceux qui sont utilisés sur l’ordinateur, nous arrivons à ceux-ci, en résumé …</a:t>
             </a:r>
             <a:endParaRPr lang="fr-FR" dirty="0"/>
           </a:p>
@@ -4472,6 +5477,333 @@
     <p:extLst>
       <p:ext uri="{BB962C8B-B14F-4D97-AF65-F5344CB8AC3E}">
         <p14:creationId xmlns:p14="http://schemas.microsoft.com/office/powerpoint/2010/main" val="114363333"/>
+      </p:ext>
+    </p:extLst>
+  </p:cSld>
+  <p:clrMapOvr>
+    <a:masterClrMapping/>
+  </p:clrMapOvr>
+</p:notes>
+</file>
+
+<file path=ppt/notesSlides/notesSlide4.xml><?xml version="1.0" encoding="utf-8"?>
+<p:notes xmlns:a="http://schemas.openxmlformats.org/drawingml/2006/main" xmlns:r="http://schemas.openxmlformats.org/officeDocument/2006/relationships" xmlns:p="http://schemas.openxmlformats.org/presentationml/2006/main">
+  <p:cSld>
+    <p:spTree>
+      <p:nvGrpSpPr>
+        <p:cNvPr id="1" name=""/>
+        <p:cNvGrpSpPr/>
+        <p:nvPr/>
+      </p:nvGrpSpPr>
+      <p:grpSpPr>
+        <a:xfrm>
+          <a:off x="0" y="0"/>
+          <a:ext cx="0" cy="0"/>
+          <a:chOff x="0" y="0"/>
+          <a:chExt cx="0" cy="0"/>
+        </a:xfrm>
+      </p:grpSpPr>
+      <p:sp>
+        <p:nvSpPr>
+          <p:cNvPr id="2" name="Espace réservé de l'image des diapositives 1"/>
+          <p:cNvSpPr>
+            <a:spLocks noGrp="1" noRot="1" noChangeAspect="1"/>
+          </p:cNvSpPr>
+          <p:nvPr>
+            <p:ph type="sldImg"/>
+          </p:nvPr>
+        </p:nvSpPr>
+        <p:spPr/>
+      </p:sp>
+      <p:sp>
+        <p:nvSpPr>
+          <p:cNvPr id="3" name="Espace réservé des commentaires 2"/>
+          <p:cNvSpPr>
+            <a:spLocks noGrp="1"/>
+          </p:cNvSpPr>
+          <p:nvPr>
+            <p:ph type="body" idx="1"/>
+          </p:nvPr>
+        </p:nvSpPr>
+        <p:spPr/>
+        <p:txBody>
+          <a:bodyPr/>
+          <a:lstStyle/>
+          <a:p>
+            <a:pPr marL="0" marR="0" indent="0" algn="l" defTabSz="914400" rtl="0" eaLnBrk="1" fontAlgn="auto" latinLnBrk="0" hangingPunct="1">
+              <a:lnSpc>
+                <a:spcPct val="100000"/>
+              </a:lnSpc>
+              <a:spcBef>
+                <a:spcPts val="0"/>
+              </a:spcBef>
+              <a:spcAft>
+                <a:spcPts val="0"/>
+              </a:spcAft>
+              <a:buClrTx/>
+              <a:buSzTx/>
+              <a:buFontTx/>
+              <a:buNone/>
+              <a:tabLst/>
+              <a:defRPr/>
+            </a:pPr>
+            <a:r>
+              <a:rPr lang="fr-FR" dirty="0" smtClean="0"/>
+              <a:t>L’idée</a:t>
+            </a:r>
+            <a:r>
+              <a:rPr lang="fr-FR" baseline="0" dirty="0" smtClean="0"/>
+              <a:t> est de trouver un périphérique qui soit reconnu par Firefox mais qui ne soit pas exploité</a:t>
+            </a:r>
+            <a:endParaRPr lang="fr-FR" dirty="0" smtClean="0"/>
+          </a:p>
+        </p:txBody>
+      </p:sp>
+      <p:sp>
+        <p:nvSpPr>
+          <p:cNvPr id="4" name="Espace réservé du numéro de diapositive 3"/>
+          <p:cNvSpPr>
+            <a:spLocks noGrp="1"/>
+          </p:cNvSpPr>
+          <p:nvPr>
+            <p:ph type="sldNum" sz="quarter" idx="10"/>
+          </p:nvPr>
+        </p:nvSpPr>
+        <p:spPr/>
+        <p:txBody>
+          <a:bodyPr/>
+          <a:lstStyle/>
+          <a:p>
+            <a:fld id="{0C841782-00D3-463A-AEBA-08D13A465165}" type="slidenum">
+              <a:rPr lang="fr-FR" smtClean="0"/>
+              <a:t>12</a:t>
+            </a:fld>
+            <a:endParaRPr lang="fr-FR"/>
+          </a:p>
+        </p:txBody>
+      </p:sp>
+    </p:spTree>
+    <p:extLst>
+      <p:ext uri="{BB962C8B-B14F-4D97-AF65-F5344CB8AC3E}">
+        <p14:creationId xmlns:p14="http://schemas.microsoft.com/office/powerpoint/2010/main" val="824187986"/>
+      </p:ext>
+    </p:extLst>
+  </p:cSld>
+  <p:clrMapOvr>
+    <a:masterClrMapping/>
+  </p:clrMapOvr>
+</p:notes>
+</file>
+
+<file path=ppt/notesSlides/notesSlide5.xml><?xml version="1.0" encoding="utf-8"?>
+<p:notes xmlns:a="http://schemas.openxmlformats.org/drawingml/2006/main" xmlns:r="http://schemas.openxmlformats.org/officeDocument/2006/relationships" xmlns:p="http://schemas.openxmlformats.org/presentationml/2006/main">
+  <p:cSld>
+    <p:spTree>
+      <p:nvGrpSpPr>
+        <p:cNvPr id="1" name=""/>
+        <p:cNvGrpSpPr/>
+        <p:nvPr/>
+      </p:nvGrpSpPr>
+      <p:grpSpPr>
+        <a:xfrm>
+          <a:off x="0" y="0"/>
+          <a:ext cx="0" cy="0"/>
+          <a:chOff x="0" y="0"/>
+          <a:chExt cx="0" cy="0"/>
+        </a:xfrm>
+      </p:grpSpPr>
+      <p:sp>
+        <p:nvSpPr>
+          <p:cNvPr id="2" name="Espace réservé de l'image des diapositives 1"/>
+          <p:cNvSpPr>
+            <a:spLocks noGrp="1" noRot="1" noChangeAspect="1"/>
+          </p:cNvSpPr>
+          <p:nvPr>
+            <p:ph type="sldImg"/>
+          </p:nvPr>
+        </p:nvSpPr>
+        <p:spPr/>
+      </p:sp>
+      <p:sp>
+        <p:nvSpPr>
+          <p:cNvPr id="3" name="Espace réservé des commentaires 2"/>
+          <p:cNvSpPr>
+            <a:spLocks noGrp="1"/>
+          </p:cNvSpPr>
+          <p:nvPr>
+            <p:ph type="body" idx="1"/>
+          </p:nvPr>
+        </p:nvSpPr>
+        <p:spPr/>
+        <p:txBody>
+          <a:bodyPr/>
+          <a:lstStyle/>
+          <a:p>
+            <a:pPr marL="0" marR="0" indent="0" algn="l" defTabSz="914400" rtl="0" eaLnBrk="1" fontAlgn="auto" latinLnBrk="0" hangingPunct="1">
+              <a:lnSpc>
+                <a:spcPct val="100000"/>
+              </a:lnSpc>
+              <a:spcBef>
+                <a:spcPts val="0"/>
+              </a:spcBef>
+              <a:spcAft>
+                <a:spcPts val="0"/>
+              </a:spcAft>
+              <a:buClrTx/>
+              <a:buSzTx/>
+              <a:buFontTx/>
+              <a:buNone/>
+              <a:tabLst/>
+              <a:defRPr/>
+            </a:pPr>
+            <a:r>
+              <a:rPr lang="fr-FR" dirty="0" smtClean="0"/>
+              <a:t>Vimperator lien</a:t>
+            </a:r>
+            <a:r>
+              <a:rPr lang="fr-FR" baseline="0" dirty="0" smtClean="0"/>
+              <a:t> sur écran visible. Peut être plus intéressant de travailler sur la page entière; permet de naviguer dans la page en minimisant la charge de travail</a:t>
+            </a:r>
+            <a:endParaRPr lang="fr-FR" dirty="0" smtClean="0"/>
+          </a:p>
+        </p:txBody>
+      </p:sp>
+      <p:sp>
+        <p:nvSpPr>
+          <p:cNvPr id="4" name="Espace réservé du numéro de diapositive 3"/>
+          <p:cNvSpPr>
+            <a:spLocks noGrp="1"/>
+          </p:cNvSpPr>
+          <p:nvPr>
+            <p:ph type="sldNum" sz="quarter" idx="10"/>
+          </p:nvPr>
+        </p:nvSpPr>
+        <p:spPr/>
+        <p:txBody>
+          <a:bodyPr/>
+          <a:lstStyle/>
+          <a:p>
+            <a:fld id="{0C841782-00D3-463A-AEBA-08D13A465165}" type="slidenum">
+              <a:rPr lang="fr-FR" smtClean="0"/>
+              <a:t>14</a:t>
+            </a:fld>
+            <a:endParaRPr lang="fr-FR"/>
+          </a:p>
+        </p:txBody>
+      </p:sp>
+    </p:spTree>
+    <p:extLst>
+      <p:ext uri="{BB962C8B-B14F-4D97-AF65-F5344CB8AC3E}">
+        <p14:creationId xmlns:p14="http://schemas.microsoft.com/office/powerpoint/2010/main" val="371087436"/>
+      </p:ext>
+    </p:extLst>
+  </p:cSld>
+  <p:clrMapOvr>
+    <a:masterClrMapping/>
+  </p:clrMapOvr>
+</p:notes>
+</file>
+
+<file path=ppt/notesSlides/notesSlide6.xml><?xml version="1.0" encoding="utf-8"?>
+<p:notes xmlns:a="http://schemas.openxmlformats.org/drawingml/2006/main" xmlns:r="http://schemas.openxmlformats.org/officeDocument/2006/relationships" xmlns:p="http://schemas.openxmlformats.org/presentationml/2006/main">
+  <p:cSld>
+    <p:spTree>
+      <p:nvGrpSpPr>
+        <p:cNvPr id="1" name=""/>
+        <p:cNvGrpSpPr/>
+        <p:nvPr/>
+      </p:nvGrpSpPr>
+      <p:grpSpPr>
+        <a:xfrm>
+          <a:off x="0" y="0"/>
+          <a:ext cx="0" cy="0"/>
+          <a:chOff x="0" y="0"/>
+          <a:chExt cx="0" cy="0"/>
+        </a:xfrm>
+      </p:grpSpPr>
+      <p:sp>
+        <p:nvSpPr>
+          <p:cNvPr id="2" name="Espace réservé de l'image des diapositives 1"/>
+          <p:cNvSpPr>
+            <a:spLocks noGrp="1" noRot="1" noChangeAspect="1"/>
+          </p:cNvSpPr>
+          <p:nvPr>
+            <p:ph type="sldImg"/>
+          </p:nvPr>
+        </p:nvSpPr>
+        <p:spPr/>
+      </p:sp>
+      <p:sp>
+        <p:nvSpPr>
+          <p:cNvPr id="3" name="Espace réservé des commentaires 2"/>
+          <p:cNvSpPr>
+            <a:spLocks noGrp="1"/>
+          </p:cNvSpPr>
+          <p:nvPr>
+            <p:ph type="body" idx="1"/>
+          </p:nvPr>
+        </p:nvSpPr>
+        <p:spPr/>
+        <p:txBody>
+          <a:bodyPr/>
+          <a:lstStyle/>
+          <a:p>
+            <a:pPr marL="0" marR="0" indent="0" algn="l" defTabSz="914400" rtl="0" eaLnBrk="1" fontAlgn="auto" latinLnBrk="0" hangingPunct="1">
+              <a:lnSpc>
+                <a:spcPct val="100000"/>
+              </a:lnSpc>
+              <a:spcBef>
+                <a:spcPts val="0"/>
+              </a:spcBef>
+              <a:spcAft>
+                <a:spcPts val="0"/>
+              </a:spcAft>
+              <a:buClrTx/>
+              <a:buSzTx/>
+              <a:buFontTx/>
+              <a:buNone/>
+              <a:tabLst/>
+              <a:defRPr/>
+            </a:pPr>
+            <a:r>
+              <a:rPr lang="fr-FR" dirty="0" smtClean="0"/>
+              <a:t>Ecran</a:t>
+            </a:r>
+            <a:r>
+              <a:rPr lang="fr-FR" baseline="0" dirty="0" smtClean="0"/>
+              <a:t> pour des fenêtres modales; pour un gain de temps balayage sur la page</a:t>
+            </a:r>
+            <a:endParaRPr lang="fr-FR" dirty="0" smtClean="0"/>
+          </a:p>
+        </p:txBody>
+      </p:sp>
+      <p:sp>
+        <p:nvSpPr>
+          <p:cNvPr id="4" name="Espace réservé du numéro de diapositive 3"/>
+          <p:cNvSpPr>
+            <a:spLocks noGrp="1"/>
+          </p:cNvSpPr>
+          <p:nvPr>
+            <p:ph type="sldNum" sz="quarter" idx="10"/>
+          </p:nvPr>
+        </p:nvSpPr>
+        <p:spPr/>
+        <p:txBody>
+          <a:bodyPr/>
+          <a:lstStyle/>
+          <a:p>
+            <a:fld id="{0C841782-00D3-463A-AEBA-08D13A465165}" type="slidenum">
+              <a:rPr lang="fr-FR" smtClean="0"/>
+              <a:t>16</a:t>
+            </a:fld>
+            <a:endParaRPr lang="fr-FR"/>
+          </a:p>
+        </p:txBody>
+      </p:sp>
+    </p:spTree>
+    <p:extLst>
+      <p:ext uri="{BB962C8B-B14F-4D97-AF65-F5344CB8AC3E}">
+        <p14:creationId xmlns:p14="http://schemas.microsoft.com/office/powerpoint/2010/main" val="2002343381"/>
       </p:ext>
     </p:extLst>
   </p:cSld>
@@ -11293,11 +12625,11 @@
           </p:nvPr>
         </p:nvPicPr>
         <p:blipFill>
-          <a:blip r:embed="rId6" cstate="print">
+          <a:blip r:embed="rId7" cstate="print">
             <a:extLst>
               <a:ext uri="{BEBA8EAE-BF5A-486C-A8C5-ECC9F3942E4B}">
                 <a14:imgProps xmlns:a14="http://schemas.microsoft.com/office/drawing/2010/main">
-                  <a14:imgLayer r:embed="rId7">
+                  <a14:imgLayer r:embed="rId8">
                     <a14:imgEffect>
                       <a14:backgroundRemoval t="9896" b="89063" l="0" r="99479"/>
                     </a14:imgEffect>

--- a/wiki/HandiFox.pptx
+++ b/wiki/HandiFox.pptx
@@ -1545,7 +1545,7 @@
         <a:lstStyle/>
         <a:p>
           <a:r>
-            <a:rPr lang="fr-FR"/>
+            <a:rPr lang="fr-FR" dirty="0"/>
             <a:t>Visualisation de données</a:t>
           </a:r>
         </a:p>
@@ -2093,9 +2093,14 @@
         <a:lstStyle/>
         <a:p>
           <a:r>
-            <a:rPr lang="fr-FR"/>
-            <a:t>Type d'impressione</a:t>
+            <a:rPr lang="fr-FR" dirty="0"/>
+            <a:t>Type </a:t>
           </a:r>
+          <a:r>
+            <a:rPr lang="fr-FR" dirty="0" smtClean="0"/>
+            <a:t>d'impression</a:t>
+          </a:r>
+          <a:endParaRPr lang="fr-FR" dirty="0"/>
         </a:p>
       </dgm:t>
     </dgm:pt>
@@ -3023,7 +3028,7 @@
             <a:buChar char="••"/>
           </a:pPr>
           <a:r>
-            <a:rPr lang="fr-FR" sz="1600" kern="1200"/>
+            <a:rPr lang="fr-FR" sz="1600" kern="1200" dirty="0"/>
             <a:t>Visualisation de données</a:t>
           </a:r>
         </a:p>
@@ -3528,9 +3533,14 @@
             <a:buChar char="••"/>
           </a:pPr>
           <a:r>
-            <a:rPr lang="fr-FR" sz="1600" kern="1200"/>
-            <a:t>Type d'impressione</a:t>
+            <a:rPr lang="fr-FR" sz="1600" kern="1200" dirty="0"/>
+            <a:t>Type </a:t>
           </a:r>
+          <a:r>
+            <a:rPr lang="fr-FR" sz="1600" kern="1200" dirty="0" smtClean="0"/>
+            <a:t>d'impression</a:t>
+          </a:r>
+          <a:endParaRPr lang="fr-FR" sz="1600" kern="1200" dirty="0"/>
         </a:p>
         <a:p>
           <a:pPr marL="514350" lvl="3" indent="-171450" algn="l" defTabSz="711200">
@@ -12115,7 +12125,7 @@
             </p:custDataLst>
             <p:extLst>
               <p:ext uri="{D42A27DB-BD31-4B8C-83A1-F6EECF244321}">
-                <p14:modId xmlns:p14="http://schemas.microsoft.com/office/powerpoint/2010/main" val="505496821"/>
+                <p14:modId xmlns:p14="http://schemas.microsoft.com/office/powerpoint/2010/main" val="2951880523"/>
               </p:ext>
             </p:extLst>
           </p:nvPr>

--- a/wiki/HandiFox.pptx
+++ b/wiki/HandiFox.pptx
@@ -11,8 +11,8 @@
     <p:sldId id="256" r:id="rId2"/>
     <p:sldId id="298" r:id="rId3"/>
     <p:sldId id="257" r:id="rId4"/>
-    <p:sldId id="258" r:id="rId5"/>
-    <p:sldId id="259" r:id="rId6"/>
+    <p:sldId id="259" r:id="rId5"/>
+    <p:sldId id="258" r:id="rId6"/>
     <p:sldId id="260" r:id="rId7"/>
     <p:sldId id="261" r:id="rId8"/>
     <p:sldId id="262" r:id="rId9"/>
@@ -188,7 +188,6 @@
           </a:p>
         </c:rich>
       </c:tx>
-      <c:layout/>
       <c:overlay val="0"/>
     </c:title>
     <c:autoTitleDeleted val="0"/>
@@ -261,7 +260,6 @@
     </c:plotArea>
     <c:legend>
       <c:legendPos val="r"/>
-      <c:layout/>
       <c:overlay val="0"/>
       <c:txPr>
         <a:bodyPr/>
@@ -299,7 +297,6 @@
   </mc:AlternateContent>
   <c:chart>
     <c:title>
-      <c:layout/>
       <c:overlay val="0"/>
     </c:title>
     <c:autoTitleDeleted val="0"/>
@@ -372,7 +369,6 @@
     </c:plotArea>
     <c:legend>
       <c:legendPos val="r"/>
-      <c:layout/>
       <c:overlay val="0"/>
       <c:txPr>
         <a:bodyPr/>
@@ -410,7 +406,6 @@
   </mc:AlternateContent>
   <c:chart>
     <c:title>
-      <c:layout/>
       <c:overlay val="0"/>
     </c:title>
     <c:autoTitleDeleted val="0"/>
@@ -483,7 +478,6 @@
     </c:plotArea>
     <c:legend>
       <c:legendPos val="r"/>
-      <c:layout/>
       <c:overlay val="0"/>
       <c:txPr>
         <a:bodyPr/>
@@ -546,7 +540,6 @@
           </a:p>
         </c:rich>
       </c:tx>
-      <c:layout/>
       <c:overlay val="0"/>
     </c:title>
     <c:autoTitleDeleted val="0"/>
@@ -619,7 +612,6 @@
     </c:plotArea>
     <c:legend>
       <c:legendPos val="r"/>
-      <c:layout/>
       <c:overlay val="0"/>
     </c:legend>
     <c:plotVisOnly val="1"/>
@@ -4903,7 +4895,7 @@
           <a:p>
             <a:fld id="{D6B73290-D9B9-4044-A637-B88D6DABD553}" type="datetimeFigureOut">
               <a:rPr lang="fr-FR" smtClean="0"/>
-              <a:t>15/03/2012</a:t>
+              <a:t>16/03/2012</a:t>
             </a:fld>
             <a:endParaRPr lang="fr-FR"/>
           </a:p>
@@ -5264,7 +5256,7 @@
           <a:p>
             <a:fld id="{0C841782-00D3-463A-AEBA-08D13A465165}" type="slidenum">
               <a:rPr lang="fr-FR" smtClean="0"/>
-              <a:t>4</a:t>
+              <a:t>5</a:t>
             </a:fld>
             <a:endParaRPr lang="fr-FR"/>
           </a:p>
@@ -6103,7 +6095,7 @@
           <a:p>
             <a:fld id="{6ED292EB-C7F1-4F58-9AFF-73AD766BED89}" type="datetime1">
               <a:rPr lang="fr-FR" smtClean="0"/>
-              <a:t>15/03/2012</a:t>
+              <a:t>16/03/2012</a:t>
             </a:fld>
             <a:endParaRPr lang="fr-FR"/>
           </a:p>
@@ -6496,7 +6488,7 @@
           <a:p>
             <a:fld id="{7486B4B1-BD59-485B-B64D-323998831651}" type="datetime1">
               <a:rPr lang="fr-FR" smtClean="0"/>
-              <a:t>15/03/2012</a:t>
+              <a:t>16/03/2012</a:t>
             </a:fld>
             <a:endParaRPr lang="fr-FR"/>
           </a:p>
@@ -7028,7 +7020,7 @@
           <a:p>
             <a:fld id="{048D1AA3-2B64-4E9F-983B-3700D607EE23}" type="datetime1">
               <a:rPr lang="fr-FR" smtClean="0"/>
-              <a:t>15/03/2012</a:t>
+              <a:t>16/03/2012</a:t>
             </a:fld>
             <a:endParaRPr lang="fr-FR"/>
           </a:p>
@@ -7161,7 +7153,7 @@
           <a:p>
             <a:fld id="{61C6BECC-9643-4209-B1F6-AEA818F4372A}" type="datetime1">
               <a:rPr lang="fr-FR" smtClean="0"/>
-              <a:t>15/03/2012</a:t>
+              <a:t>16/03/2012</a:t>
             </a:fld>
             <a:endParaRPr lang="fr-FR"/>
           </a:p>
@@ -7704,7 +7696,7 @@
           <a:p>
             <a:fld id="{B6F5BA1D-472E-43F3-B12A-58222AD4AF57}" type="datetime1">
               <a:rPr lang="fr-FR" smtClean="0"/>
-              <a:t>15/03/2012</a:t>
+              <a:t>16/03/2012</a:t>
             </a:fld>
             <a:endParaRPr lang="fr-FR"/>
           </a:p>
@@ -7999,7 +7991,7 @@
           <a:p>
             <a:fld id="{6CD2640C-73C8-40C2-8187-48474083A033}" type="datetime1">
               <a:rPr lang="fr-FR" smtClean="0"/>
-              <a:t>15/03/2012</a:t>
+              <a:t>16/03/2012</a:t>
             </a:fld>
             <a:endParaRPr lang="fr-FR"/>
           </a:p>
@@ -8658,7 +8650,7 @@
           <a:p>
             <a:fld id="{5508CB71-2857-4AA6-BEA8-A65394A44D40}" type="datetime1">
               <a:rPr lang="fr-FR" smtClean="0"/>
-              <a:t>15/03/2012</a:t>
+              <a:t>16/03/2012</a:t>
             </a:fld>
             <a:endParaRPr lang="fr-FR"/>
           </a:p>
@@ -9094,7 +9086,7 @@
           <a:p>
             <a:fld id="{01248D90-35CD-4712-8009-EE8B7341AFA0}" type="datetime1">
               <a:rPr lang="fr-FR" smtClean="0"/>
-              <a:t>15/03/2012</a:t>
+              <a:t>16/03/2012</a:t>
             </a:fld>
             <a:endParaRPr lang="fr-FR"/>
           </a:p>
@@ -9407,7 +9399,7 @@
           <a:p>
             <a:fld id="{5489565B-27FA-4A9A-9BC8-5DACB6F01EF7}" type="datetime1">
               <a:rPr lang="fr-FR" smtClean="0"/>
-              <a:t>15/03/2012</a:t>
+              <a:t>16/03/2012</a:t>
             </a:fld>
             <a:endParaRPr lang="fr-FR"/>
           </a:p>
@@ -10139,7 +10131,7 @@
           <a:p>
             <a:fld id="{D37C6FC2-CBDB-4491-849E-72C829FFD37D}" type="datetime1">
               <a:rPr lang="fr-FR" smtClean="0"/>
-              <a:t>15/03/2012</a:t>
+              <a:t>16/03/2012</a:t>
             </a:fld>
             <a:endParaRPr lang="fr-FR"/>
           </a:p>
@@ -10803,7 +10795,7 @@
           <a:p>
             <a:fld id="{6F7C5D7C-49BD-4D33-AD40-B1A2BB182054}" type="datetime1">
               <a:rPr lang="fr-FR" smtClean="0"/>
-              <a:t>15/03/2012</a:t>
+              <a:t>16/03/2012</a:t>
             </a:fld>
             <a:endParaRPr lang="fr-FR"/>
           </a:p>
@@ -11076,7 +11068,7 @@
           <a:p>
             <a:fld id="{42484E48-0E8A-4102-8E09-5720A5108850}" type="datetime1">
               <a:rPr lang="fr-FR" smtClean="0"/>
-              <a:t>15/03/2012</a:t>
+              <a:t>16/03/2012</a:t>
             </a:fld>
             <a:endParaRPr lang="fr-FR"/>
           </a:p>
@@ -13957,9 +13949,16 @@
           <a:lstStyle/>
           <a:p>
             <a:r>
+              <a:rPr lang="fr-FR" dirty="0"/>
+              <a:t>Objectif</a:t>
+            </a:r>
+          </a:p>
+          <a:p>
+            <a:r>
               <a:rPr lang="fr-FR" dirty="0" smtClean="0"/>
-              <a:t>Objectif</a:t>
-            </a:r>
+              <a:t>Existant</a:t>
+            </a:r>
+            <a:endParaRPr lang="fr-FR" dirty="0" smtClean="0"/>
           </a:p>
           <a:p>
             <a:r>
@@ -13970,12 +13969,6 @@
           <a:p>
             <a:r>
               <a:rPr lang="fr-FR" dirty="0" smtClean="0"/>
-              <a:t>Existant</a:t>
-            </a:r>
-          </a:p>
-          <a:p>
-            <a:r>
-              <a:rPr lang="fr-FR" dirty="0" err="1" smtClean="0"/>
               <a:t>Vimperator</a:t>
             </a:r>
             <a:endParaRPr lang="fr-FR" dirty="0" smtClean="0"/>
@@ -17367,7 +17360,7 @@
           <a:p>
             <a:r>
               <a:rPr lang="fr-FR" dirty="0" smtClean="0"/>
-              <a:t>Moyens</a:t>
+              <a:t>Existant</a:t>
             </a:r>
             <a:endParaRPr lang="fr-FR" dirty="0"/>
           </a:p>
@@ -17419,51 +17412,48 @@
           <a:p>
             <a:r>
               <a:rPr lang="fr-FR" dirty="0" smtClean="0"/>
-              <a:t>À notre disposition</a:t>
+              <a:t>L’existant se constitue majoritairement de solutions</a:t>
+            </a:r>
+            <a:r>
+              <a:rPr lang="fr-FR" dirty="0"/>
+              <a:t> à</a:t>
+            </a:r>
+            <a:r>
+              <a:rPr lang="fr-FR" dirty="0" smtClean="0"/>
+              <a:t> base</a:t>
             </a:r>
           </a:p>
           <a:p>
             <a:pPr lvl="1"/>
             <a:r>
               <a:rPr lang="fr-FR" dirty="0" smtClean="0"/>
-              <a:t>Navigateur web Firefox</a:t>
-            </a:r>
-          </a:p>
-          <a:p>
-            <a:pPr lvl="2"/>
+              <a:t>De commande vocale</a:t>
+            </a:r>
+          </a:p>
+          <a:p>
+            <a:pPr lvl="1"/>
             <a:r>
               <a:rPr lang="fr-FR" dirty="0" smtClean="0"/>
-              <a:t>Possibilité d’ajouter des plug-ins</a:t>
+              <a:t>Balayage-écran</a:t>
             </a:r>
           </a:p>
           <a:p>
             <a:pPr lvl="1"/>
             <a:r>
               <a:rPr lang="fr-FR" dirty="0" smtClean="0"/>
-              <a:t>Vimperator</a:t>
-            </a:r>
-          </a:p>
-          <a:p>
-            <a:pPr lvl="2"/>
-            <a:r>
-              <a:rPr lang="fr-FR" dirty="0" smtClean="0"/>
-              <a:t>Permets entre autres la manipulation de Firefox en ligne de commande</a:t>
+              <a:t>Émulation de souris à partir d’un clavier virtuel</a:t>
             </a:r>
           </a:p>
           <a:p>
             <a:pPr lvl="1"/>
             <a:endParaRPr lang="fr-FR" dirty="0" smtClean="0"/>
-          </a:p>
-          <a:p>
-            <a:pPr lvl="1"/>
-            <a:endParaRPr lang="fr-FR" dirty="0"/>
           </a:p>
         </p:txBody>
       </p:sp>
     </p:spTree>
     <p:extLst>
       <p:ext uri="{BB962C8B-B14F-4D97-AF65-F5344CB8AC3E}">
-        <p14:creationId xmlns:p14="http://schemas.microsoft.com/office/powerpoint/2010/main" val="1976332384"/>
+        <p14:creationId xmlns:p14="http://schemas.microsoft.com/office/powerpoint/2010/main" val="2941035121"/>
       </p:ext>
     </p:extLst>
   </p:cSld>
@@ -18401,7 +18391,7 @@
           <a:p>
             <a:r>
               <a:rPr lang="fr-FR" dirty="0" smtClean="0"/>
-              <a:t>Existant</a:t>
+              <a:t>Moyens</a:t>
             </a:r>
             <a:endParaRPr lang="fr-FR" dirty="0"/>
           </a:p>
@@ -18453,48 +18443,51 @@
           <a:p>
             <a:r>
               <a:rPr lang="fr-FR" dirty="0" smtClean="0"/>
-              <a:t>L’existant se constitue majoritairement de solutions</a:t>
-            </a:r>
-            <a:r>
-              <a:rPr lang="fr-FR" dirty="0"/>
-              <a:t> à</a:t>
-            </a:r>
+              <a:t>À notre disposition</a:t>
+            </a:r>
+          </a:p>
+          <a:p>
+            <a:pPr lvl="1"/>
             <a:r>
               <a:rPr lang="fr-FR" dirty="0" smtClean="0"/>
-              <a:t> base</a:t>
+              <a:t>Navigateur web Firefox</a:t>
+            </a:r>
+          </a:p>
+          <a:p>
+            <a:pPr lvl="2"/>
+            <a:r>
+              <a:rPr lang="fr-FR" dirty="0" smtClean="0"/>
+              <a:t>Possibilité d’ajouter des plug-ins</a:t>
             </a:r>
           </a:p>
           <a:p>
             <a:pPr lvl="1"/>
             <a:r>
               <a:rPr lang="fr-FR" dirty="0" smtClean="0"/>
-              <a:t>De commande vocale</a:t>
-            </a:r>
-          </a:p>
-          <a:p>
-            <a:pPr lvl="1"/>
+              <a:t>Vimperator</a:t>
+            </a:r>
+          </a:p>
+          <a:p>
+            <a:pPr lvl="2"/>
             <a:r>
               <a:rPr lang="fr-FR" dirty="0" smtClean="0"/>
-              <a:t>Balayage-écran</a:t>
-            </a:r>
-          </a:p>
-          <a:p>
-            <a:pPr lvl="1"/>
-            <a:r>
-              <a:rPr lang="fr-FR" dirty="0" smtClean="0"/>
-              <a:t>Émulation de souris à partir d’un clavier virtuel</a:t>
+              <a:t>Permets entre autres la manipulation de Firefox en ligne de commande</a:t>
             </a:r>
           </a:p>
           <a:p>
             <a:pPr lvl="1"/>
             <a:endParaRPr lang="fr-FR" dirty="0" smtClean="0"/>
+          </a:p>
+          <a:p>
+            <a:pPr lvl="1"/>
+            <a:endParaRPr lang="fr-FR" dirty="0"/>
           </a:p>
         </p:txBody>
       </p:sp>
     </p:spTree>
     <p:extLst>
       <p:ext uri="{BB962C8B-B14F-4D97-AF65-F5344CB8AC3E}">
-        <p14:creationId xmlns:p14="http://schemas.microsoft.com/office/powerpoint/2010/main" val="2941035121"/>
+        <p14:creationId xmlns:p14="http://schemas.microsoft.com/office/powerpoint/2010/main" val="1976332384"/>
       </p:ext>
     </p:extLst>
   </p:cSld>

--- a/wiki/HandiFox.pptx
+++ b/wiki/HandiFox.pptx
@@ -188,6 +188,7 @@
           </a:p>
         </c:rich>
       </c:tx>
+      <c:layout/>
       <c:overlay val="0"/>
     </c:title>
     <c:autoTitleDeleted val="0"/>
@@ -260,6 +261,7 @@
     </c:plotArea>
     <c:legend>
       <c:legendPos val="r"/>
+      <c:layout/>
       <c:overlay val="0"/>
       <c:txPr>
         <a:bodyPr/>
@@ -13958,7 +13960,6 @@
               <a:rPr lang="fr-FR" dirty="0" smtClean="0"/>
               <a:t>Existant</a:t>
             </a:r>
-            <a:endParaRPr lang="fr-FR" dirty="0" smtClean="0"/>
           </a:p>
           <a:p>
             <a:r>
@@ -13971,7 +13972,6 @@
               <a:rPr lang="fr-FR" dirty="0" smtClean="0"/>
               <a:t>Vimperator</a:t>
             </a:r>
-            <a:endParaRPr lang="fr-FR" dirty="0" smtClean="0"/>
           </a:p>
           <a:p>
             <a:r>
@@ -14260,144 +14260,27 @@
             <a:pPr lvl="1"/>
             <a:r>
               <a:rPr lang="fr-FR" dirty="0" smtClean="0"/>
-              <a:t>Pour l’interface graphique, même principe que HTML</a:t>
+              <a:t>Pour l’interface </a:t>
+            </a:r>
+            <a:r>
+              <a:rPr lang="fr-FR" dirty="0" smtClean="0"/>
+              <a:t>graphique</a:t>
+            </a:r>
+          </a:p>
+          <a:p>
+            <a:pPr lvl="1"/>
+            <a:r>
+              <a:rPr lang="fr-FR" dirty="0" smtClean="0"/>
+              <a:t>Même </a:t>
+            </a:r>
+            <a:r>
+              <a:rPr lang="fr-FR" dirty="0" smtClean="0"/>
+              <a:t>principe que HTML</a:t>
             </a:r>
             <a:endParaRPr lang="fr-FR" dirty="0"/>
           </a:p>
         </p:txBody>
       </p:sp>
-      <p:pic>
-        <p:nvPicPr>
-          <p:cNvPr id="1027" name="Picture 3"/>
-          <p:cNvPicPr>
-            <a:picLocks noChangeAspect="1" noChangeArrowheads="1"/>
-          </p:cNvPicPr>
-          <p:nvPr>
-            <p:custDataLst>
-              <p:tags r:id="rId4"/>
-            </p:custDataLst>
-          </p:nvPr>
-        </p:nvPicPr>
-        <p:blipFill rotWithShape="1">
-          <a:blip r:embed="rId7">
-            <a:extLst>
-              <a:ext uri="{28A0092B-C50C-407E-A947-70E740481C1C}">
-                <a14:useLocalDpi xmlns:a14="http://schemas.microsoft.com/office/drawing/2010/main" val="0"/>
-              </a:ext>
-            </a:extLst>
-          </a:blip>
-          <a:srcRect l="27742" t="32484" r="27137" b="50096"/>
-          <a:stretch/>
-        </p:blipFill>
-        <p:spPr bwMode="auto">
-          <a:xfrm>
-            <a:off x="1853971" y="2610467"/>
-            <a:ext cx="5501149" cy="1327356"/>
-          </a:xfrm>
-          <a:prstGeom prst="rect">
-            <a:avLst/>
-          </a:prstGeom>
-          <a:noFill/>
-          <a:ln>
-            <a:noFill/>
-          </a:ln>
-          <a:effectLst/>
-          <a:extLst>
-            <a:ext uri="{909E8E84-426E-40DD-AFC4-6F175D3DCCD1}">
-              <a14:hiddenFill xmlns:a14="http://schemas.microsoft.com/office/drawing/2010/main">
-                <a:solidFill>
-                  <a:schemeClr val="accent1"/>
-                </a:solidFill>
-              </a14:hiddenFill>
-            </a:ext>
-            <a:ext uri="{91240B29-F687-4F45-9708-019B960494DF}">
-              <a14:hiddenLine xmlns:a14="http://schemas.microsoft.com/office/drawing/2010/main" w="9525">
-                <a:solidFill>
-                  <a:schemeClr val="tx1"/>
-                </a:solidFill>
-                <a:miter lim="800000"/>
-                <a:headEnd/>
-                <a:tailEnd/>
-              </a14:hiddenLine>
-            </a:ext>
-            <a:ext uri="{AF507438-7753-43E0-B8FC-AC1667EBCBE1}">
-              <a14:hiddenEffects xmlns:a14="http://schemas.microsoft.com/office/drawing/2010/main">
-                <a:effectLst>
-                  <a:outerShdw dist="35921" dir="2700000" algn="ctr" rotWithShape="0">
-                    <a:schemeClr val="bg2"/>
-                  </a:outerShdw>
-                </a:effectLst>
-              </a14:hiddenEffects>
-            </a:ext>
-          </a:extLst>
-        </p:spPr>
-      </p:pic>
-      <p:pic>
-        <p:nvPicPr>
-          <p:cNvPr id="1028" name="Picture 4"/>
-          <p:cNvPicPr>
-            <a:picLocks noChangeAspect="1" noChangeArrowheads="1"/>
-          </p:cNvPicPr>
-          <p:nvPr>
-            <p:custDataLst>
-              <p:tags r:id="rId5"/>
-            </p:custDataLst>
-          </p:nvPr>
-        </p:nvPicPr>
-        <p:blipFill rotWithShape="1">
-          <a:blip r:embed="rId8">
-            <a:extLst>
-              <a:ext uri="{28A0092B-C50C-407E-A947-70E740481C1C}">
-                <a14:useLocalDpi xmlns:a14="http://schemas.microsoft.com/office/drawing/2010/main" val="0"/>
-              </a:ext>
-            </a:extLst>
-          </a:blip>
-          <a:srcRect l="27706" t="36937" r="27173" b="39644"/>
-          <a:stretch/>
-        </p:blipFill>
-        <p:spPr bwMode="auto">
-          <a:xfrm>
-            <a:off x="1862641" y="3959965"/>
-            <a:ext cx="5501150" cy="1784555"/>
-          </a:xfrm>
-          <a:prstGeom prst="rect">
-            <a:avLst/>
-          </a:prstGeom>
-          <a:noFill/>
-          <a:ln>
-            <a:noFill/>
-          </a:ln>
-          <a:effectLst/>
-          <a:extLst>
-            <a:ext uri="{909E8E84-426E-40DD-AFC4-6F175D3DCCD1}">
-              <a14:hiddenFill xmlns:a14="http://schemas.microsoft.com/office/drawing/2010/main">
-                <a:solidFill>
-                  <a:schemeClr val="accent1"/>
-                </a:solidFill>
-              </a14:hiddenFill>
-            </a:ext>
-            <a:ext uri="{91240B29-F687-4F45-9708-019B960494DF}">
-              <a14:hiddenLine xmlns:a14="http://schemas.microsoft.com/office/drawing/2010/main" w="9525">
-                <a:solidFill>
-                  <a:schemeClr val="tx1"/>
-                </a:solidFill>
-                <a:miter lim="800000"/>
-                <a:headEnd/>
-                <a:tailEnd/>
-              </a14:hiddenLine>
-            </a:ext>
-            <a:ext uri="{AF507438-7753-43E0-B8FC-AC1667EBCBE1}">
-              <a14:hiddenEffects xmlns:a14="http://schemas.microsoft.com/office/drawing/2010/main">
-                <a:effectLst>
-                  <a:outerShdw dist="35921" dir="2700000" algn="ctr" rotWithShape="0">
-                    <a:schemeClr val="bg2"/>
-                  </a:outerShdw>
-                </a:effectLst>
-              </a14:hiddenEffects>
-            </a:ext>
-          </a:extLst>
-        </p:spPr>
-      </p:pic>
     </p:spTree>
     <p:extLst>
       <p:ext uri="{BB962C8B-B14F-4D97-AF65-F5344CB8AC3E}">
@@ -19244,61 +19127,61 @@
 
 <file path=ppt/tags/tag100.xml><?xml version="1.0" encoding="utf-8"?>
 <p:tagLst xmlns:a="http://schemas.openxmlformats.org/drawingml/2006/main" xmlns:r="http://schemas.openxmlformats.org/officeDocument/2006/relationships" xmlns:p="http://schemas.openxmlformats.org/presentationml/2006/main">
+  <p:tag name="NUM" val="1"/>
+</p:tagLst>
+</file>
+
+<file path=ppt/tags/tag101.xml><?xml version="1.0" encoding="utf-8"?>
+<p:tagLst xmlns:a="http://schemas.openxmlformats.org/drawingml/2006/main" xmlns:r="http://schemas.openxmlformats.org/officeDocument/2006/relationships" xmlns:p="http://schemas.openxmlformats.org/presentationml/2006/main">
+  <p:tag name="NUM" val="2"/>
+</p:tagLst>
+</file>
+
+<file path=ppt/tags/tag102.xml><?xml version="1.0" encoding="utf-8"?>
+<p:tagLst xmlns:a="http://schemas.openxmlformats.org/drawingml/2006/main" xmlns:r="http://schemas.openxmlformats.org/officeDocument/2006/relationships" xmlns:p="http://schemas.openxmlformats.org/presentationml/2006/main">
   <p:tag name="NUM" val="3"/>
 </p:tagLst>
 </file>
 
-<file path=ppt/tags/tag101.xml><?xml version="1.0" encoding="utf-8"?>
+<file path=ppt/tags/tag103.xml><?xml version="1.0" encoding="utf-8"?>
 <p:tagLst xmlns:a="http://schemas.openxmlformats.org/drawingml/2006/main" xmlns:r="http://schemas.openxmlformats.org/officeDocument/2006/relationships" xmlns:p="http://schemas.openxmlformats.org/presentationml/2006/main">
   <p:tag name="NUM" val="4"/>
 </p:tagLst>
 </file>
 
-<file path=ppt/tags/tag102.xml><?xml version="1.0" encoding="utf-8"?>
+<file path=ppt/tags/tag104.xml><?xml version="1.0" encoding="utf-8"?>
 <p:tagLst xmlns:a="http://schemas.openxmlformats.org/drawingml/2006/main" xmlns:r="http://schemas.openxmlformats.org/officeDocument/2006/relationships" xmlns:p="http://schemas.openxmlformats.org/presentationml/2006/main">
   <p:tag name="NUM" val="1"/>
 </p:tagLst>
 </file>
 
-<file path=ppt/tags/tag103.xml><?xml version="1.0" encoding="utf-8"?>
+<file path=ppt/tags/tag105.xml><?xml version="1.0" encoding="utf-8"?>
 <p:tagLst xmlns:a="http://schemas.openxmlformats.org/drawingml/2006/main" xmlns:r="http://schemas.openxmlformats.org/officeDocument/2006/relationships" xmlns:p="http://schemas.openxmlformats.org/presentationml/2006/main">
   <p:tag name="NUM" val="2"/>
 </p:tagLst>
 </file>
 
-<file path=ppt/tags/tag104.xml><?xml version="1.0" encoding="utf-8"?>
+<file path=ppt/tags/tag106.xml><?xml version="1.0" encoding="utf-8"?>
 <p:tagLst xmlns:a="http://schemas.openxmlformats.org/drawingml/2006/main" xmlns:r="http://schemas.openxmlformats.org/officeDocument/2006/relationships" xmlns:p="http://schemas.openxmlformats.org/presentationml/2006/main">
   <p:tag name="NUM" val="3"/>
 </p:tagLst>
 </file>
 
-<file path=ppt/tags/tag105.xml><?xml version="1.0" encoding="utf-8"?>
+<file path=ppt/tags/tag107.xml><?xml version="1.0" encoding="utf-8"?>
 <p:tagLst xmlns:a="http://schemas.openxmlformats.org/drawingml/2006/main" xmlns:r="http://schemas.openxmlformats.org/officeDocument/2006/relationships" xmlns:p="http://schemas.openxmlformats.org/presentationml/2006/main">
   <p:tag name="NUM" val="4"/>
 </p:tagLst>
 </file>
 
-<file path=ppt/tags/tag106.xml><?xml version="1.0" encoding="utf-8"?>
+<file path=ppt/tags/tag108.xml><?xml version="1.0" encoding="utf-8"?>
 <p:tagLst xmlns:a="http://schemas.openxmlformats.org/drawingml/2006/main" xmlns:r="http://schemas.openxmlformats.org/officeDocument/2006/relationships" xmlns:p="http://schemas.openxmlformats.org/presentationml/2006/main">
   <p:tag name="NUM" val="1"/>
 </p:tagLst>
 </file>
 
-<file path=ppt/tags/tag107.xml><?xml version="1.0" encoding="utf-8"?>
+<file path=ppt/tags/tag109.xml><?xml version="1.0" encoding="utf-8"?>
 <p:tagLst xmlns:a="http://schemas.openxmlformats.org/drawingml/2006/main" xmlns:r="http://schemas.openxmlformats.org/officeDocument/2006/relationships" xmlns:p="http://schemas.openxmlformats.org/presentationml/2006/main">
   <p:tag name="NUM" val="2"/>
-</p:tagLst>
-</file>
-
-<file path=ppt/tags/tag108.xml><?xml version="1.0" encoding="utf-8"?>
-<p:tagLst xmlns:a="http://schemas.openxmlformats.org/drawingml/2006/main" xmlns:r="http://schemas.openxmlformats.org/officeDocument/2006/relationships" xmlns:p="http://schemas.openxmlformats.org/presentationml/2006/main">
-  <p:tag name="NUM" val="3"/>
-</p:tagLst>
-</file>
-
-<file path=ppt/tags/tag109.xml><?xml version="1.0" encoding="utf-8"?>
-<p:tagLst xmlns:a="http://schemas.openxmlformats.org/drawingml/2006/main" xmlns:r="http://schemas.openxmlformats.org/officeDocument/2006/relationships" xmlns:p="http://schemas.openxmlformats.org/presentationml/2006/main">
-  <p:tag name="NUM" val="4"/>
 </p:tagLst>
 </file>
 
@@ -19310,61 +19193,61 @@
 
 <file path=ppt/tags/tag110.xml><?xml version="1.0" encoding="utf-8"?>
 <p:tagLst xmlns:a="http://schemas.openxmlformats.org/drawingml/2006/main" xmlns:r="http://schemas.openxmlformats.org/officeDocument/2006/relationships" xmlns:p="http://schemas.openxmlformats.org/presentationml/2006/main">
+  <p:tag name="NUM" val="3"/>
+</p:tagLst>
+</file>
+
+<file path=ppt/tags/tag111.xml><?xml version="1.0" encoding="utf-8"?>
+<p:tagLst xmlns:a="http://schemas.openxmlformats.org/drawingml/2006/main" xmlns:r="http://schemas.openxmlformats.org/officeDocument/2006/relationships" xmlns:p="http://schemas.openxmlformats.org/presentationml/2006/main">
+  <p:tag name="NUM" val="4"/>
+</p:tagLst>
+</file>
+
+<file path=ppt/tags/tag112.xml><?xml version="1.0" encoding="utf-8"?>
+<p:tagLst xmlns:a="http://schemas.openxmlformats.org/drawingml/2006/main" xmlns:r="http://schemas.openxmlformats.org/officeDocument/2006/relationships" xmlns:p="http://schemas.openxmlformats.org/presentationml/2006/main">
   <p:tag name="NUM" val="1"/>
 </p:tagLst>
 </file>
 
-<file path=ppt/tags/tag111.xml><?xml version="1.0" encoding="utf-8"?>
+<file path=ppt/tags/tag113.xml><?xml version="1.0" encoding="utf-8"?>
 <p:tagLst xmlns:a="http://schemas.openxmlformats.org/drawingml/2006/main" xmlns:r="http://schemas.openxmlformats.org/officeDocument/2006/relationships" xmlns:p="http://schemas.openxmlformats.org/presentationml/2006/main">
   <p:tag name="NUM" val="2"/>
 </p:tagLst>
 </file>
 
-<file path=ppt/tags/tag112.xml><?xml version="1.0" encoding="utf-8"?>
+<file path=ppt/tags/tag114.xml><?xml version="1.0" encoding="utf-8"?>
 <p:tagLst xmlns:a="http://schemas.openxmlformats.org/drawingml/2006/main" xmlns:r="http://schemas.openxmlformats.org/officeDocument/2006/relationships" xmlns:p="http://schemas.openxmlformats.org/presentationml/2006/main">
   <p:tag name="NUM" val="3"/>
 </p:tagLst>
 </file>
 
-<file path=ppt/tags/tag113.xml><?xml version="1.0" encoding="utf-8"?>
+<file path=ppt/tags/tag115.xml><?xml version="1.0" encoding="utf-8"?>
 <p:tagLst xmlns:a="http://schemas.openxmlformats.org/drawingml/2006/main" xmlns:r="http://schemas.openxmlformats.org/officeDocument/2006/relationships" xmlns:p="http://schemas.openxmlformats.org/presentationml/2006/main">
   <p:tag name="NUM" val="4"/>
 </p:tagLst>
 </file>
 
-<file path=ppt/tags/tag114.xml><?xml version="1.0" encoding="utf-8"?>
+<file path=ppt/tags/tag116.xml><?xml version="1.0" encoding="utf-8"?>
 <p:tagLst xmlns:a="http://schemas.openxmlformats.org/drawingml/2006/main" xmlns:r="http://schemas.openxmlformats.org/officeDocument/2006/relationships" xmlns:p="http://schemas.openxmlformats.org/presentationml/2006/main">
   <p:tag name="NUM" val="1"/>
 </p:tagLst>
 </file>
 
-<file path=ppt/tags/tag115.xml><?xml version="1.0" encoding="utf-8"?>
+<file path=ppt/tags/tag117.xml><?xml version="1.0" encoding="utf-8"?>
 <p:tagLst xmlns:a="http://schemas.openxmlformats.org/drawingml/2006/main" xmlns:r="http://schemas.openxmlformats.org/officeDocument/2006/relationships" xmlns:p="http://schemas.openxmlformats.org/presentationml/2006/main">
   <p:tag name="NUM" val="2"/>
 </p:tagLst>
 </file>
 
-<file path=ppt/tags/tag116.xml><?xml version="1.0" encoding="utf-8"?>
+<file path=ppt/tags/tag118.xml><?xml version="1.0" encoding="utf-8"?>
 <p:tagLst xmlns:a="http://schemas.openxmlformats.org/drawingml/2006/main" xmlns:r="http://schemas.openxmlformats.org/officeDocument/2006/relationships" xmlns:p="http://schemas.openxmlformats.org/presentationml/2006/main">
   <p:tag name="NUM" val="3"/>
 </p:tagLst>
 </file>
 
-<file path=ppt/tags/tag117.xml><?xml version="1.0" encoding="utf-8"?>
+<file path=ppt/tags/tag119.xml><?xml version="1.0" encoding="utf-8"?>
 <p:tagLst xmlns:a="http://schemas.openxmlformats.org/drawingml/2006/main" xmlns:r="http://schemas.openxmlformats.org/officeDocument/2006/relationships" xmlns:p="http://schemas.openxmlformats.org/presentationml/2006/main">
   <p:tag name="NUM" val="4"/>
-</p:tagLst>
-</file>
-
-<file path=ppt/tags/tag118.xml><?xml version="1.0" encoding="utf-8"?>
-<p:tagLst xmlns:a="http://schemas.openxmlformats.org/drawingml/2006/main" xmlns:r="http://schemas.openxmlformats.org/officeDocument/2006/relationships" xmlns:p="http://schemas.openxmlformats.org/presentationml/2006/main">
-  <p:tag name="NUM" val="1"/>
-</p:tagLst>
-</file>
-
-<file path=ppt/tags/tag119.xml><?xml version="1.0" encoding="utf-8"?>
-<p:tagLst xmlns:a="http://schemas.openxmlformats.org/drawingml/2006/main" xmlns:r="http://schemas.openxmlformats.org/officeDocument/2006/relationships" xmlns:p="http://schemas.openxmlformats.org/presentationml/2006/main">
-  <p:tag name="NUM" val="2"/>
 </p:tagLst>
 </file>
 
@@ -19376,61 +19259,61 @@
 
 <file path=ppt/tags/tag120.xml><?xml version="1.0" encoding="utf-8"?>
 <p:tagLst xmlns:a="http://schemas.openxmlformats.org/drawingml/2006/main" xmlns:r="http://schemas.openxmlformats.org/officeDocument/2006/relationships" xmlns:p="http://schemas.openxmlformats.org/presentationml/2006/main">
+  <p:tag name="NUM" val="1"/>
+</p:tagLst>
+</file>
+
+<file path=ppt/tags/tag121.xml><?xml version="1.0" encoding="utf-8"?>
+<p:tagLst xmlns:a="http://schemas.openxmlformats.org/drawingml/2006/main" xmlns:r="http://schemas.openxmlformats.org/officeDocument/2006/relationships" xmlns:p="http://schemas.openxmlformats.org/presentationml/2006/main">
+  <p:tag name="NUM" val="2"/>
+</p:tagLst>
+</file>
+
+<file path=ppt/tags/tag122.xml><?xml version="1.0" encoding="utf-8"?>
+<p:tagLst xmlns:a="http://schemas.openxmlformats.org/drawingml/2006/main" xmlns:r="http://schemas.openxmlformats.org/officeDocument/2006/relationships" xmlns:p="http://schemas.openxmlformats.org/presentationml/2006/main">
   <p:tag name="NUM" val="3"/>
 </p:tagLst>
 </file>
 
-<file path=ppt/tags/tag121.xml><?xml version="1.0" encoding="utf-8"?>
+<file path=ppt/tags/tag123.xml><?xml version="1.0" encoding="utf-8"?>
 <p:tagLst xmlns:a="http://schemas.openxmlformats.org/drawingml/2006/main" xmlns:r="http://schemas.openxmlformats.org/officeDocument/2006/relationships" xmlns:p="http://schemas.openxmlformats.org/presentationml/2006/main">
   <p:tag name="NUM" val="4"/>
 </p:tagLst>
 </file>
 
-<file path=ppt/tags/tag122.xml><?xml version="1.0" encoding="utf-8"?>
+<file path=ppt/tags/tag124.xml><?xml version="1.0" encoding="utf-8"?>
 <p:tagLst xmlns:a="http://schemas.openxmlformats.org/drawingml/2006/main" xmlns:r="http://schemas.openxmlformats.org/officeDocument/2006/relationships" xmlns:p="http://schemas.openxmlformats.org/presentationml/2006/main">
   <p:tag name="NUM" val="1"/>
 </p:tagLst>
 </file>
 
-<file path=ppt/tags/tag123.xml><?xml version="1.0" encoding="utf-8"?>
+<file path=ppt/tags/tag125.xml><?xml version="1.0" encoding="utf-8"?>
 <p:tagLst xmlns:a="http://schemas.openxmlformats.org/drawingml/2006/main" xmlns:r="http://schemas.openxmlformats.org/officeDocument/2006/relationships" xmlns:p="http://schemas.openxmlformats.org/presentationml/2006/main">
   <p:tag name="NUM" val="2"/>
 </p:tagLst>
 </file>
 
-<file path=ppt/tags/tag124.xml><?xml version="1.0" encoding="utf-8"?>
+<file path=ppt/tags/tag126.xml><?xml version="1.0" encoding="utf-8"?>
 <p:tagLst xmlns:a="http://schemas.openxmlformats.org/drawingml/2006/main" xmlns:r="http://schemas.openxmlformats.org/officeDocument/2006/relationships" xmlns:p="http://schemas.openxmlformats.org/presentationml/2006/main">
   <p:tag name="NUM" val="3"/>
 </p:tagLst>
 </file>
 
-<file path=ppt/tags/tag125.xml><?xml version="1.0" encoding="utf-8"?>
+<file path=ppt/tags/tag127.xml><?xml version="1.0" encoding="utf-8"?>
 <p:tagLst xmlns:a="http://schemas.openxmlformats.org/drawingml/2006/main" xmlns:r="http://schemas.openxmlformats.org/officeDocument/2006/relationships" xmlns:p="http://schemas.openxmlformats.org/presentationml/2006/main">
   <p:tag name="NUM" val="4"/>
 </p:tagLst>
 </file>
 
-<file path=ppt/tags/tag126.xml><?xml version="1.0" encoding="utf-8"?>
+<file path=ppt/tags/tag128.xml><?xml version="1.0" encoding="utf-8"?>
 <p:tagLst xmlns:a="http://schemas.openxmlformats.org/drawingml/2006/main" xmlns:r="http://schemas.openxmlformats.org/officeDocument/2006/relationships" xmlns:p="http://schemas.openxmlformats.org/presentationml/2006/main">
   <p:tag name="NUM" val="1"/>
 </p:tagLst>
 </file>
 
-<file path=ppt/tags/tag127.xml><?xml version="1.0" encoding="utf-8"?>
+<file path=ppt/tags/tag129.xml><?xml version="1.0" encoding="utf-8"?>
 <p:tagLst xmlns:a="http://schemas.openxmlformats.org/drawingml/2006/main" xmlns:r="http://schemas.openxmlformats.org/officeDocument/2006/relationships" xmlns:p="http://schemas.openxmlformats.org/presentationml/2006/main">
   <p:tag name="NUM" val="2"/>
-</p:tagLst>
-</file>
-
-<file path=ppt/tags/tag128.xml><?xml version="1.0" encoding="utf-8"?>
-<p:tagLst xmlns:a="http://schemas.openxmlformats.org/drawingml/2006/main" xmlns:r="http://schemas.openxmlformats.org/officeDocument/2006/relationships" xmlns:p="http://schemas.openxmlformats.org/presentationml/2006/main">
-  <p:tag name="NUM" val="3"/>
-</p:tagLst>
-</file>
-
-<file path=ppt/tags/tag129.xml><?xml version="1.0" encoding="utf-8"?>
-<p:tagLst xmlns:a="http://schemas.openxmlformats.org/drawingml/2006/main" xmlns:r="http://schemas.openxmlformats.org/officeDocument/2006/relationships" xmlns:p="http://schemas.openxmlformats.org/presentationml/2006/main">
-  <p:tag name="NUM" val="4"/>
 </p:tagLst>
 </file>
 
@@ -19442,61 +19325,61 @@
 
 <file path=ppt/tags/tag130.xml><?xml version="1.0" encoding="utf-8"?>
 <p:tagLst xmlns:a="http://schemas.openxmlformats.org/drawingml/2006/main" xmlns:r="http://schemas.openxmlformats.org/officeDocument/2006/relationships" xmlns:p="http://schemas.openxmlformats.org/presentationml/2006/main">
+  <p:tag name="NUM" val="3"/>
+</p:tagLst>
+</file>
+
+<file path=ppt/tags/tag131.xml><?xml version="1.0" encoding="utf-8"?>
+<p:tagLst xmlns:a="http://schemas.openxmlformats.org/drawingml/2006/main" xmlns:r="http://schemas.openxmlformats.org/officeDocument/2006/relationships" xmlns:p="http://schemas.openxmlformats.org/presentationml/2006/main">
   <p:tag name="NUM" val="1"/>
 </p:tagLst>
 </file>
 
-<file path=ppt/tags/tag131.xml><?xml version="1.0" encoding="utf-8"?>
+<file path=ppt/tags/tag132.xml><?xml version="1.0" encoding="utf-8"?>
 <p:tagLst xmlns:a="http://schemas.openxmlformats.org/drawingml/2006/main" xmlns:r="http://schemas.openxmlformats.org/officeDocument/2006/relationships" xmlns:p="http://schemas.openxmlformats.org/presentationml/2006/main">
   <p:tag name="NUM" val="2"/>
 </p:tagLst>
 </file>
 
-<file path=ppt/tags/tag132.xml><?xml version="1.0" encoding="utf-8"?>
+<file path=ppt/tags/tag133.xml><?xml version="1.0" encoding="utf-8"?>
 <p:tagLst xmlns:a="http://schemas.openxmlformats.org/drawingml/2006/main" xmlns:r="http://schemas.openxmlformats.org/officeDocument/2006/relationships" xmlns:p="http://schemas.openxmlformats.org/presentationml/2006/main">
   <p:tag name="NUM" val="3"/>
 </p:tagLst>
 </file>
 
-<file path=ppt/tags/tag133.xml><?xml version="1.0" encoding="utf-8"?>
+<file path=ppt/tags/tag134.xml><?xml version="1.0" encoding="utf-8"?>
 <p:tagLst xmlns:a="http://schemas.openxmlformats.org/drawingml/2006/main" xmlns:r="http://schemas.openxmlformats.org/officeDocument/2006/relationships" xmlns:p="http://schemas.openxmlformats.org/presentationml/2006/main">
   <p:tag name="NUM" val="1"/>
 </p:tagLst>
 </file>
 
-<file path=ppt/tags/tag134.xml><?xml version="1.0" encoding="utf-8"?>
+<file path=ppt/tags/tag135.xml><?xml version="1.0" encoding="utf-8"?>
 <p:tagLst xmlns:a="http://schemas.openxmlformats.org/drawingml/2006/main" xmlns:r="http://schemas.openxmlformats.org/officeDocument/2006/relationships" xmlns:p="http://schemas.openxmlformats.org/presentationml/2006/main">
   <p:tag name="NUM" val="2"/>
 </p:tagLst>
 </file>
 
-<file path=ppt/tags/tag135.xml><?xml version="1.0" encoding="utf-8"?>
+<file path=ppt/tags/tag136.xml><?xml version="1.0" encoding="utf-8"?>
 <p:tagLst xmlns:a="http://schemas.openxmlformats.org/drawingml/2006/main" xmlns:r="http://schemas.openxmlformats.org/officeDocument/2006/relationships" xmlns:p="http://schemas.openxmlformats.org/presentationml/2006/main">
   <p:tag name="NUM" val="3"/>
 </p:tagLst>
 </file>
 
-<file path=ppt/tags/tag136.xml><?xml version="1.0" encoding="utf-8"?>
+<file path=ppt/tags/tag137.xml><?xml version="1.0" encoding="utf-8"?>
+<p:tagLst xmlns:a="http://schemas.openxmlformats.org/drawingml/2006/main" xmlns:r="http://schemas.openxmlformats.org/officeDocument/2006/relationships" xmlns:p="http://schemas.openxmlformats.org/presentationml/2006/main">
+  <p:tag name="NUM" val="4"/>
+</p:tagLst>
+</file>
+
+<file path=ppt/tags/tag138.xml><?xml version="1.0" encoding="utf-8"?>
 <p:tagLst xmlns:a="http://schemas.openxmlformats.org/drawingml/2006/main" xmlns:r="http://schemas.openxmlformats.org/officeDocument/2006/relationships" xmlns:p="http://schemas.openxmlformats.org/presentationml/2006/main">
   <p:tag name="NUM" val="1"/>
 </p:tagLst>
 </file>
 
-<file path=ppt/tags/tag137.xml><?xml version="1.0" encoding="utf-8"?>
+<file path=ppt/tags/tag139.xml><?xml version="1.0" encoding="utf-8"?>
 <p:tagLst xmlns:a="http://schemas.openxmlformats.org/drawingml/2006/main" xmlns:r="http://schemas.openxmlformats.org/officeDocument/2006/relationships" xmlns:p="http://schemas.openxmlformats.org/presentationml/2006/main">
   <p:tag name="NUM" val="2"/>
-</p:tagLst>
-</file>
-
-<file path=ppt/tags/tag138.xml><?xml version="1.0" encoding="utf-8"?>
-<p:tagLst xmlns:a="http://schemas.openxmlformats.org/drawingml/2006/main" xmlns:r="http://schemas.openxmlformats.org/officeDocument/2006/relationships" xmlns:p="http://schemas.openxmlformats.org/presentationml/2006/main">
-  <p:tag name="NUM" val="3"/>
-</p:tagLst>
-</file>
-
-<file path=ppt/tags/tag139.xml><?xml version="1.0" encoding="utf-8"?>
-<p:tagLst xmlns:a="http://schemas.openxmlformats.org/drawingml/2006/main" xmlns:r="http://schemas.openxmlformats.org/officeDocument/2006/relationships" xmlns:p="http://schemas.openxmlformats.org/presentationml/2006/main">
-  <p:tag name="NUM" val="4"/>
 </p:tagLst>
 </file>
 
@@ -19508,61 +19391,61 @@
 
 <file path=ppt/tags/tag140.xml><?xml version="1.0" encoding="utf-8"?>
 <p:tagLst xmlns:a="http://schemas.openxmlformats.org/drawingml/2006/main" xmlns:r="http://schemas.openxmlformats.org/officeDocument/2006/relationships" xmlns:p="http://schemas.openxmlformats.org/presentationml/2006/main">
+  <p:tag name="NUM" val="3"/>
+</p:tagLst>
+</file>
+
+<file path=ppt/tags/tag141.xml><?xml version="1.0" encoding="utf-8"?>
+<p:tagLst xmlns:a="http://schemas.openxmlformats.org/drawingml/2006/main" xmlns:r="http://schemas.openxmlformats.org/officeDocument/2006/relationships" xmlns:p="http://schemas.openxmlformats.org/presentationml/2006/main">
+  <p:tag name="NUM" val="4"/>
+</p:tagLst>
+</file>
+
+<file path=ppt/tags/tag142.xml><?xml version="1.0" encoding="utf-8"?>
+<p:tagLst xmlns:a="http://schemas.openxmlformats.org/drawingml/2006/main" xmlns:r="http://schemas.openxmlformats.org/officeDocument/2006/relationships" xmlns:p="http://schemas.openxmlformats.org/presentationml/2006/main">
   <p:tag name="NUM" val="1"/>
 </p:tagLst>
 </file>
 
-<file path=ppt/tags/tag141.xml><?xml version="1.0" encoding="utf-8"?>
+<file path=ppt/tags/tag143.xml><?xml version="1.0" encoding="utf-8"?>
 <p:tagLst xmlns:a="http://schemas.openxmlformats.org/drawingml/2006/main" xmlns:r="http://schemas.openxmlformats.org/officeDocument/2006/relationships" xmlns:p="http://schemas.openxmlformats.org/presentationml/2006/main">
   <p:tag name="NUM" val="2"/>
 </p:tagLst>
 </file>
 
-<file path=ppt/tags/tag142.xml><?xml version="1.0" encoding="utf-8"?>
+<file path=ppt/tags/tag144.xml><?xml version="1.0" encoding="utf-8"?>
 <p:tagLst xmlns:a="http://schemas.openxmlformats.org/drawingml/2006/main" xmlns:r="http://schemas.openxmlformats.org/officeDocument/2006/relationships" xmlns:p="http://schemas.openxmlformats.org/presentationml/2006/main">
   <p:tag name="NUM" val="3"/>
 </p:tagLst>
 </file>
 
-<file path=ppt/tags/tag143.xml><?xml version="1.0" encoding="utf-8"?>
+<file path=ppt/tags/tag145.xml><?xml version="1.0" encoding="utf-8"?>
 <p:tagLst xmlns:a="http://schemas.openxmlformats.org/drawingml/2006/main" xmlns:r="http://schemas.openxmlformats.org/officeDocument/2006/relationships" xmlns:p="http://schemas.openxmlformats.org/presentationml/2006/main">
   <p:tag name="NUM" val="4"/>
 </p:tagLst>
 </file>
 
-<file path=ppt/tags/tag144.xml><?xml version="1.0" encoding="utf-8"?>
+<file path=ppt/tags/tag146.xml><?xml version="1.0" encoding="utf-8"?>
 <p:tagLst xmlns:a="http://schemas.openxmlformats.org/drawingml/2006/main" xmlns:r="http://schemas.openxmlformats.org/officeDocument/2006/relationships" xmlns:p="http://schemas.openxmlformats.org/presentationml/2006/main">
   <p:tag name="NUM" val="1"/>
 </p:tagLst>
 </file>
 
-<file path=ppt/tags/tag145.xml><?xml version="1.0" encoding="utf-8"?>
+<file path=ppt/tags/tag147.xml><?xml version="1.0" encoding="utf-8"?>
 <p:tagLst xmlns:a="http://schemas.openxmlformats.org/drawingml/2006/main" xmlns:r="http://schemas.openxmlformats.org/officeDocument/2006/relationships" xmlns:p="http://schemas.openxmlformats.org/presentationml/2006/main">
   <p:tag name="NUM" val="2"/>
 </p:tagLst>
 </file>
 
-<file path=ppt/tags/tag146.xml><?xml version="1.0" encoding="utf-8"?>
+<file path=ppt/tags/tag148.xml><?xml version="1.0" encoding="utf-8"?>
 <p:tagLst xmlns:a="http://schemas.openxmlformats.org/drawingml/2006/main" xmlns:r="http://schemas.openxmlformats.org/officeDocument/2006/relationships" xmlns:p="http://schemas.openxmlformats.org/presentationml/2006/main">
   <p:tag name="NUM" val="3"/>
 </p:tagLst>
 </file>
 
-<file path=ppt/tags/tag147.xml><?xml version="1.0" encoding="utf-8"?>
+<file path=ppt/tags/tag149.xml><?xml version="1.0" encoding="utf-8"?>
 <p:tagLst xmlns:a="http://schemas.openxmlformats.org/drawingml/2006/main" xmlns:r="http://schemas.openxmlformats.org/officeDocument/2006/relationships" xmlns:p="http://schemas.openxmlformats.org/presentationml/2006/main">
   <p:tag name="NUM" val="4"/>
-</p:tagLst>
-</file>
-
-<file path=ppt/tags/tag148.xml><?xml version="1.0" encoding="utf-8"?>
-<p:tagLst xmlns:a="http://schemas.openxmlformats.org/drawingml/2006/main" xmlns:r="http://schemas.openxmlformats.org/officeDocument/2006/relationships" xmlns:p="http://schemas.openxmlformats.org/presentationml/2006/main">
-  <p:tag name="NUM" val="1"/>
-</p:tagLst>
-</file>
-
-<file path=ppt/tags/tag149.xml><?xml version="1.0" encoding="utf-8"?>
-<p:tagLst xmlns:a="http://schemas.openxmlformats.org/drawingml/2006/main" xmlns:r="http://schemas.openxmlformats.org/officeDocument/2006/relationships" xmlns:p="http://schemas.openxmlformats.org/presentationml/2006/main">
-  <p:tag name="NUM" val="2"/>
 </p:tagLst>
 </file>
 
@@ -19574,61 +19457,61 @@
 
 <file path=ppt/tags/tag150.xml><?xml version="1.0" encoding="utf-8"?>
 <p:tagLst xmlns:a="http://schemas.openxmlformats.org/drawingml/2006/main" xmlns:r="http://schemas.openxmlformats.org/officeDocument/2006/relationships" xmlns:p="http://schemas.openxmlformats.org/presentationml/2006/main">
+  <p:tag name="NUM" val="1"/>
+</p:tagLst>
+</file>
+
+<file path=ppt/tags/tag151.xml><?xml version="1.0" encoding="utf-8"?>
+<p:tagLst xmlns:a="http://schemas.openxmlformats.org/drawingml/2006/main" xmlns:r="http://schemas.openxmlformats.org/officeDocument/2006/relationships" xmlns:p="http://schemas.openxmlformats.org/presentationml/2006/main">
+  <p:tag name="NUM" val="2"/>
+</p:tagLst>
+</file>
+
+<file path=ppt/tags/tag152.xml><?xml version="1.0" encoding="utf-8"?>
+<p:tagLst xmlns:a="http://schemas.openxmlformats.org/drawingml/2006/main" xmlns:r="http://schemas.openxmlformats.org/officeDocument/2006/relationships" xmlns:p="http://schemas.openxmlformats.org/presentationml/2006/main">
   <p:tag name="NUM" val="3"/>
 </p:tagLst>
 </file>
 
-<file path=ppt/tags/tag151.xml><?xml version="1.0" encoding="utf-8"?>
+<file path=ppt/tags/tag153.xml><?xml version="1.0" encoding="utf-8"?>
+<p:tagLst xmlns:a="http://schemas.openxmlformats.org/drawingml/2006/main" xmlns:r="http://schemas.openxmlformats.org/officeDocument/2006/relationships" xmlns:p="http://schemas.openxmlformats.org/presentationml/2006/main">
+  <p:tag name="NUM" val="1"/>
+</p:tagLst>
+</file>
+
+<file path=ppt/tags/tag154.xml><?xml version="1.0" encoding="utf-8"?>
+<p:tagLst xmlns:a="http://schemas.openxmlformats.org/drawingml/2006/main" xmlns:r="http://schemas.openxmlformats.org/officeDocument/2006/relationships" xmlns:p="http://schemas.openxmlformats.org/presentationml/2006/main">
+  <p:tag name="NUM" val="2"/>
+</p:tagLst>
+</file>
+
+<file path=ppt/tags/tag155.xml><?xml version="1.0" encoding="utf-8"?>
+<p:tagLst xmlns:a="http://schemas.openxmlformats.org/drawingml/2006/main" xmlns:r="http://schemas.openxmlformats.org/officeDocument/2006/relationships" xmlns:p="http://schemas.openxmlformats.org/presentationml/2006/main">
+  <p:tag name="NUM" val="3"/>
+</p:tagLst>
+</file>
+
+<file path=ppt/tags/tag156.xml><?xml version="1.0" encoding="utf-8"?>
 <p:tagLst xmlns:a="http://schemas.openxmlformats.org/drawingml/2006/main" xmlns:r="http://schemas.openxmlformats.org/officeDocument/2006/relationships" xmlns:p="http://schemas.openxmlformats.org/presentationml/2006/main">
   <p:tag name="NUM" val="4"/>
 </p:tagLst>
 </file>
 
-<file path=ppt/tags/tag152.xml><?xml version="1.0" encoding="utf-8"?>
+<file path=ppt/tags/tag157.xml><?xml version="1.0" encoding="utf-8"?>
 <p:tagLst xmlns:a="http://schemas.openxmlformats.org/drawingml/2006/main" xmlns:r="http://schemas.openxmlformats.org/officeDocument/2006/relationships" xmlns:p="http://schemas.openxmlformats.org/presentationml/2006/main">
   <p:tag name="NUM" val="1"/>
 </p:tagLst>
 </file>
 
-<file path=ppt/tags/tag153.xml><?xml version="1.0" encoding="utf-8"?>
+<file path=ppt/tags/tag158.xml><?xml version="1.0" encoding="utf-8"?>
 <p:tagLst xmlns:a="http://schemas.openxmlformats.org/drawingml/2006/main" xmlns:r="http://schemas.openxmlformats.org/officeDocument/2006/relationships" xmlns:p="http://schemas.openxmlformats.org/presentationml/2006/main">
   <p:tag name="NUM" val="2"/>
 </p:tagLst>
 </file>
 
-<file path=ppt/tags/tag154.xml><?xml version="1.0" encoding="utf-8"?>
+<file path=ppt/tags/tag159.xml><?xml version="1.0" encoding="utf-8"?>
 <p:tagLst xmlns:a="http://schemas.openxmlformats.org/drawingml/2006/main" xmlns:r="http://schemas.openxmlformats.org/officeDocument/2006/relationships" xmlns:p="http://schemas.openxmlformats.org/presentationml/2006/main">
   <p:tag name="NUM" val="3"/>
-</p:tagLst>
-</file>
-
-<file path=ppt/tags/tag155.xml><?xml version="1.0" encoding="utf-8"?>
-<p:tagLst xmlns:a="http://schemas.openxmlformats.org/drawingml/2006/main" xmlns:r="http://schemas.openxmlformats.org/officeDocument/2006/relationships" xmlns:p="http://schemas.openxmlformats.org/presentationml/2006/main">
-  <p:tag name="NUM" val="1"/>
-</p:tagLst>
-</file>
-
-<file path=ppt/tags/tag156.xml><?xml version="1.0" encoding="utf-8"?>
-<p:tagLst xmlns:a="http://schemas.openxmlformats.org/drawingml/2006/main" xmlns:r="http://schemas.openxmlformats.org/officeDocument/2006/relationships" xmlns:p="http://schemas.openxmlformats.org/presentationml/2006/main">
-  <p:tag name="NUM" val="2"/>
-</p:tagLst>
-</file>
-
-<file path=ppt/tags/tag157.xml><?xml version="1.0" encoding="utf-8"?>
-<p:tagLst xmlns:a="http://schemas.openxmlformats.org/drawingml/2006/main" xmlns:r="http://schemas.openxmlformats.org/officeDocument/2006/relationships" xmlns:p="http://schemas.openxmlformats.org/presentationml/2006/main">
-  <p:tag name="NUM" val="3"/>
-</p:tagLst>
-</file>
-
-<file path=ppt/tags/tag158.xml><?xml version="1.0" encoding="utf-8"?>
-<p:tagLst xmlns:a="http://schemas.openxmlformats.org/drawingml/2006/main" xmlns:r="http://schemas.openxmlformats.org/officeDocument/2006/relationships" xmlns:p="http://schemas.openxmlformats.org/presentationml/2006/main">
-  <p:tag name="NUM" val="4"/>
-</p:tagLst>
-</file>
-
-<file path=ppt/tags/tag159.xml><?xml version="1.0" encoding="utf-8"?>
-<p:tagLst xmlns:a="http://schemas.openxmlformats.org/drawingml/2006/main" xmlns:r="http://schemas.openxmlformats.org/officeDocument/2006/relationships" xmlns:p="http://schemas.openxmlformats.org/presentationml/2006/main">
-  <p:tag name="NUM" val="1"/>
 </p:tagLst>
 </file>
 
@@ -19638,18 +19521,6 @@
 </p:tagLst>
 </file>
 
-<file path=ppt/tags/tag160.xml><?xml version="1.0" encoding="utf-8"?>
-<p:tagLst xmlns:a="http://schemas.openxmlformats.org/drawingml/2006/main" xmlns:r="http://schemas.openxmlformats.org/officeDocument/2006/relationships" xmlns:p="http://schemas.openxmlformats.org/presentationml/2006/main">
-  <p:tag name="NUM" val="2"/>
-</p:tagLst>
-</file>
-
-<file path=ppt/tags/tag161.xml><?xml version="1.0" encoding="utf-8"?>
-<p:tagLst xmlns:a="http://schemas.openxmlformats.org/drawingml/2006/main" xmlns:r="http://schemas.openxmlformats.org/officeDocument/2006/relationships" xmlns:p="http://schemas.openxmlformats.org/presentationml/2006/main">
-  <p:tag name="NUM" val="3"/>
-</p:tagLst>
-</file>
-
 <file path=ppt/tags/tag17.xml><?xml version="1.0" encoding="utf-8"?>
 <p:tagLst xmlns:a="http://schemas.openxmlformats.org/drawingml/2006/main" xmlns:r="http://schemas.openxmlformats.org/officeDocument/2006/relationships" xmlns:p="http://schemas.openxmlformats.org/presentationml/2006/main">
   <p:tag name="NUM" val="1"/>
@@ -20036,31 +19907,31 @@
 
 <file path=ppt/tags/tag75.xml><?xml version="1.0" encoding="utf-8"?>
 <p:tagLst xmlns:a="http://schemas.openxmlformats.org/drawingml/2006/main" xmlns:r="http://schemas.openxmlformats.org/officeDocument/2006/relationships" xmlns:p="http://schemas.openxmlformats.org/presentationml/2006/main">
-  <p:tag name="NUM" val="4"/>
+  <p:tag name="NUM" val="1"/>
 </p:tagLst>
 </file>
 
 <file path=ppt/tags/tag76.xml><?xml version="1.0" encoding="utf-8"?>
 <p:tagLst xmlns:a="http://schemas.openxmlformats.org/drawingml/2006/main" xmlns:r="http://schemas.openxmlformats.org/officeDocument/2006/relationships" xmlns:p="http://schemas.openxmlformats.org/presentationml/2006/main">
-  <p:tag name="NUM" val="5"/>
+  <p:tag name="NUM" val="2"/>
 </p:tagLst>
 </file>
 
 <file path=ppt/tags/tag77.xml><?xml version="1.0" encoding="utf-8"?>
+<p:tagLst xmlns:a="http://schemas.openxmlformats.org/drawingml/2006/main" xmlns:r="http://schemas.openxmlformats.org/officeDocument/2006/relationships" xmlns:p="http://schemas.openxmlformats.org/presentationml/2006/main">
+  <p:tag name="NUM" val="3"/>
+</p:tagLst>
+</file>
+
+<file path=ppt/tags/tag78.xml><?xml version="1.0" encoding="utf-8"?>
 <p:tagLst xmlns:a="http://schemas.openxmlformats.org/drawingml/2006/main" xmlns:r="http://schemas.openxmlformats.org/officeDocument/2006/relationships" xmlns:p="http://schemas.openxmlformats.org/presentationml/2006/main">
   <p:tag name="NUM" val="1"/>
 </p:tagLst>
 </file>
 
-<file path=ppt/tags/tag78.xml><?xml version="1.0" encoding="utf-8"?>
+<file path=ppt/tags/tag79.xml><?xml version="1.0" encoding="utf-8"?>
 <p:tagLst xmlns:a="http://schemas.openxmlformats.org/drawingml/2006/main" xmlns:r="http://schemas.openxmlformats.org/officeDocument/2006/relationships" xmlns:p="http://schemas.openxmlformats.org/presentationml/2006/main">
   <p:tag name="NUM" val="2"/>
-</p:tagLst>
-</file>
-
-<file path=ppt/tags/tag79.xml><?xml version="1.0" encoding="utf-8"?>
-<p:tagLst xmlns:a="http://schemas.openxmlformats.org/drawingml/2006/main" xmlns:r="http://schemas.openxmlformats.org/officeDocument/2006/relationships" xmlns:p="http://schemas.openxmlformats.org/presentationml/2006/main">
-  <p:tag name="NUM" val="3"/>
 </p:tagLst>
 </file>
 
@@ -20072,61 +19943,61 @@
 
 <file path=ppt/tags/tag80.xml><?xml version="1.0" encoding="utf-8"?>
 <p:tagLst xmlns:a="http://schemas.openxmlformats.org/drawingml/2006/main" xmlns:r="http://schemas.openxmlformats.org/officeDocument/2006/relationships" xmlns:p="http://schemas.openxmlformats.org/presentationml/2006/main">
+  <p:tag name="NUM" val="3"/>
+</p:tagLst>
+</file>
+
+<file path=ppt/tags/tag81.xml><?xml version="1.0" encoding="utf-8"?>
+<p:tagLst xmlns:a="http://schemas.openxmlformats.org/drawingml/2006/main" xmlns:r="http://schemas.openxmlformats.org/officeDocument/2006/relationships" xmlns:p="http://schemas.openxmlformats.org/presentationml/2006/main">
   <p:tag name="NUM" val="1"/>
 </p:tagLst>
 </file>
 
-<file path=ppt/tags/tag81.xml><?xml version="1.0" encoding="utf-8"?>
+<file path=ppt/tags/tag82.xml><?xml version="1.0" encoding="utf-8"?>
 <p:tagLst xmlns:a="http://schemas.openxmlformats.org/drawingml/2006/main" xmlns:r="http://schemas.openxmlformats.org/officeDocument/2006/relationships" xmlns:p="http://schemas.openxmlformats.org/presentationml/2006/main">
   <p:tag name="NUM" val="2"/>
 </p:tagLst>
 </file>
 
-<file path=ppt/tags/tag82.xml><?xml version="1.0" encoding="utf-8"?>
+<file path=ppt/tags/tag83.xml><?xml version="1.0" encoding="utf-8"?>
 <p:tagLst xmlns:a="http://schemas.openxmlformats.org/drawingml/2006/main" xmlns:r="http://schemas.openxmlformats.org/officeDocument/2006/relationships" xmlns:p="http://schemas.openxmlformats.org/presentationml/2006/main">
   <p:tag name="NUM" val="3"/>
 </p:tagLst>
 </file>
 
-<file path=ppt/tags/tag83.xml><?xml version="1.0" encoding="utf-8"?>
+<file path=ppt/tags/tag84.xml><?xml version="1.0" encoding="utf-8"?>
+<p:tagLst xmlns:a="http://schemas.openxmlformats.org/drawingml/2006/main" xmlns:r="http://schemas.openxmlformats.org/officeDocument/2006/relationships" xmlns:p="http://schemas.openxmlformats.org/presentationml/2006/main">
+  <p:tag name="NUM" val="4"/>
+</p:tagLst>
+</file>
+
+<file path=ppt/tags/tag85.xml><?xml version="1.0" encoding="utf-8"?>
 <p:tagLst xmlns:a="http://schemas.openxmlformats.org/drawingml/2006/main" xmlns:r="http://schemas.openxmlformats.org/officeDocument/2006/relationships" xmlns:p="http://schemas.openxmlformats.org/presentationml/2006/main">
   <p:tag name="NUM" val="1"/>
 </p:tagLst>
 </file>
 
-<file path=ppt/tags/tag84.xml><?xml version="1.0" encoding="utf-8"?>
+<file path=ppt/tags/tag86.xml><?xml version="1.0" encoding="utf-8"?>
 <p:tagLst xmlns:a="http://schemas.openxmlformats.org/drawingml/2006/main" xmlns:r="http://schemas.openxmlformats.org/officeDocument/2006/relationships" xmlns:p="http://schemas.openxmlformats.org/presentationml/2006/main">
   <p:tag name="NUM" val="2"/>
 </p:tagLst>
 </file>
 
-<file path=ppt/tags/tag85.xml><?xml version="1.0" encoding="utf-8"?>
+<file path=ppt/tags/tag87.xml><?xml version="1.0" encoding="utf-8"?>
 <p:tagLst xmlns:a="http://schemas.openxmlformats.org/drawingml/2006/main" xmlns:r="http://schemas.openxmlformats.org/officeDocument/2006/relationships" xmlns:p="http://schemas.openxmlformats.org/presentationml/2006/main">
   <p:tag name="NUM" val="3"/>
 </p:tagLst>
 </file>
 
-<file path=ppt/tags/tag86.xml><?xml version="1.0" encoding="utf-8"?>
-<p:tagLst xmlns:a="http://schemas.openxmlformats.org/drawingml/2006/main" xmlns:r="http://schemas.openxmlformats.org/officeDocument/2006/relationships" xmlns:p="http://schemas.openxmlformats.org/presentationml/2006/main">
-  <p:tag name="NUM" val="4"/>
-</p:tagLst>
-</file>
-
-<file path=ppt/tags/tag87.xml><?xml version="1.0" encoding="utf-8"?>
+<file path=ppt/tags/tag88.xml><?xml version="1.0" encoding="utf-8"?>
 <p:tagLst xmlns:a="http://schemas.openxmlformats.org/drawingml/2006/main" xmlns:r="http://schemas.openxmlformats.org/officeDocument/2006/relationships" xmlns:p="http://schemas.openxmlformats.org/presentationml/2006/main">
   <p:tag name="NUM" val="1"/>
 </p:tagLst>
 </file>
 
-<file path=ppt/tags/tag88.xml><?xml version="1.0" encoding="utf-8"?>
+<file path=ppt/tags/tag89.xml><?xml version="1.0" encoding="utf-8"?>
 <p:tagLst xmlns:a="http://schemas.openxmlformats.org/drawingml/2006/main" xmlns:r="http://schemas.openxmlformats.org/officeDocument/2006/relationships" xmlns:p="http://schemas.openxmlformats.org/presentationml/2006/main">
   <p:tag name="NUM" val="2"/>
-</p:tagLst>
-</file>
-
-<file path=ppt/tags/tag89.xml><?xml version="1.0" encoding="utf-8"?>
-<p:tagLst xmlns:a="http://schemas.openxmlformats.org/drawingml/2006/main" xmlns:r="http://schemas.openxmlformats.org/officeDocument/2006/relationships" xmlns:p="http://schemas.openxmlformats.org/presentationml/2006/main">
-  <p:tag name="NUM" val="3"/>
 </p:tagLst>
 </file>
 
@@ -20138,61 +20009,61 @@
 
 <file path=ppt/tags/tag90.xml><?xml version="1.0" encoding="utf-8"?>
 <p:tagLst xmlns:a="http://schemas.openxmlformats.org/drawingml/2006/main" xmlns:r="http://schemas.openxmlformats.org/officeDocument/2006/relationships" xmlns:p="http://schemas.openxmlformats.org/presentationml/2006/main">
+  <p:tag name="NUM" val="3"/>
+</p:tagLst>
+</file>
+
+<file path=ppt/tags/tag91.xml><?xml version="1.0" encoding="utf-8"?>
+<p:tagLst xmlns:a="http://schemas.openxmlformats.org/drawingml/2006/main" xmlns:r="http://schemas.openxmlformats.org/officeDocument/2006/relationships" xmlns:p="http://schemas.openxmlformats.org/presentationml/2006/main">
+  <p:tag name="NUM" val="4"/>
+</p:tagLst>
+</file>
+
+<file path=ppt/tags/tag92.xml><?xml version="1.0" encoding="utf-8"?>
+<p:tagLst xmlns:a="http://schemas.openxmlformats.org/drawingml/2006/main" xmlns:r="http://schemas.openxmlformats.org/officeDocument/2006/relationships" xmlns:p="http://schemas.openxmlformats.org/presentationml/2006/main">
   <p:tag name="NUM" val="1"/>
 </p:tagLst>
 </file>
 
-<file path=ppt/tags/tag91.xml><?xml version="1.0" encoding="utf-8"?>
+<file path=ppt/tags/tag93.xml><?xml version="1.0" encoding="utf-8"?>
 <p:tagLst xmlns:a="http://schemas.openxmlformats.org/drawingml/2006/main" xmlns:r="http://schemas.openxmlformats.org/officeDocument/2006/relationships" xmlns:p="http://schemas.openxmlformats.org/presentationml/2006/main">
   <p:tag name="NUM" val="2"/>
 </p:tagLst>
 </file>
 
-<file path=ppt/tags/tag92.xml><?xml version="1.0" encoding="utf-8"?>
+<file path=ppt/tags/tag94.xml><?xml version="1.0" encoding="utf-8"?>
 <p:tagLst xmlns:a="http://schemas.openxmlformats.org/drawingml/2006/main" xmlns:r="http://schemas.openxmlformats.org/officeDocument/2006/relationships" xmlns:p="http://schemas.openxmlformats.org/presentationml/2006/main">
   <p:tag name="NUM" val="3"/>
 </p:tagLst>
 </file>
 
-<file path=ppt/tags/tag93.xml><?xml version="1.0" encoding="utf-8"?>
+<file path=ppt/tags/tag95.xml><?xml version="1.0" encoding="utf-8"?>
 <p:tagLst xmlns:a="http://schemas.openxmlformats.org/drawingml/2006/main" xmlns:r="http://schemas.openxmlformats.org/officeDocument/2006/relationships" xmlns:p="http://schemas.openxmlformats.org/presentationml/2006/main">
   <p:tag name="NUM" val="4"/>
 </p:tagLst>
 </file>
 
-<file path=ppt/tags/tag94.xml><?xml version="1.0" encoding="utf-8"?>
+<file path=ppt/tags/tag96.xml><?xml version="1.0" encoding="utf-8"?>
 <p:tagLst xmlns:a="http://schemas.openxmlformats.org/drawingml/2006/main" xmlns:r="http://schemas.openxmlformats.org/officeDocument/2006/relationships" xmlns:p="http://schemas.openxmlformats.org/presentationml/2006/main">
   <p:tag name="NUM" val="1"/>
 </p:tagLst>
 </file>
 
-<file path=ppt/tags/tag95.xml><?xml version="1.0" encoding="utf-8"?>
+<file path=ppt/tags/tag97.xml><?xml version="1.0" encoding="utf-8"?>
 <p:tagLst xmlns:a="http://schemas.openxmlformats.org/drawingml/2006/main" xmlns:r="http://schemas.openxmlformats.org/officeDocument/2006/relationships" xmlns:p="http://schemas.openxmlformats.org/presentationml/2006/main">
   <p:tag name="NUM" val="2"/>
 </p:tagLst>
 </file>
 
-<file path=ppt/tags/tag96.xml><?xml version="1.0" encoding="utf-8"?>
+<file path=ppt/tags/tag98.xml><?xml version="1.0" encoding="utf-8"?>
 <p:tagLst xmlns:a="http://schemas.openxmlformats.org/drawingml/2006/main" xmlns:r="http://schemas.openxmlformats.org/officeDocument/2006/relationships" xmlns:p="http://schemas.openxmlformats.org/presentationml/2006/main">
   <p:tag name="NUM" val="3"/>
 </p:tagLst>
 </file>
 
-<file path=ppt/tags/tag97.xml><?xml version="1.0" encoding="utf-8"?>
+<file path=ppt/tags/tag99.xml><?xml version="1.0" encoding="utf-8"?>
 <p:tagLst xmlns:a="http://schemas.openxmlformats.org/drawingml/2006/main" xmlns:r="http://schemas.openxmlformats.org/officeDocument/2006/relationships" xmlns:p="http://schemas.openxmlformats.org/presentationml/2006/main">
   <p:tag name="NUM" val="4"/>
-</p:tagLst>
-</file>
-
-<file path=ppt/tags/tag98.xml><?xml version="1.0" encoding="utf-8"?>
-<p:tagLst xmlns:a="http://schemas.openxmlformats.org/drawingml/2006/main" xmlns:r="http://schemas.openxmlformats.org/officeDocument/2006/relationships" xmlns:p="http://schemas.openxmlformats.org/presentationml/2006/main">
-  <p:tag name="NUM" val="1"/>
-</p:tagLst>
-</file>
-
-<file path=ppt/tags/tag99.xml><?xml version="1.0" encoding="utf-8"?>
-<p:tagLst xmlns:a="http://schemas.openxmlformats.org/drawingml/2006/main" xmlns:r="http://schemas.openxmlformats.org/officeDocument/2006/relationships" xmlns:p="http://schemas.openxmlformats.org/presentationml/2006/main">
-  <p:tag name="NUM" val="2"/>
 </p:tagLst>
 </file>
 
